--- a/doc/backup_vs_live_tracking.pptx
+++ b/doc/backup_vs_live_tracking.pptx
@@ -3504,7 +3504,7 @@
             <a:avLst/>
           </a:prstGeom>
           <a:solidFill>
-            <a:srgbClr val="00D461"/>
+            <a:srgbClr val="3D7E4F"/>
           </a:solidFill>
           <a:ln>
             <a:noFill/>
@@ -3854,11 +3854,13 @@
             <a:avLst/>
           </a:prstGeom>
           <a:solidFill>
-            <a:srgbClr val="FFC000"/>
+            <a:srgbClr val="3D7E4F"/>
           </a:solidFill>
           <a:ln>
             <a:solidFill>
-              <a:schemeClr val="accent2"/>
+              <a:schemeClr val="accent6">
+                <a:lumMod val="50000"/>
+              </a:schemeClr>
             </a:solidFill>
           </a:ln>
         </p:spPr>
@@ -4070,11 +4072,13 @@
             <a:avLst/>
           </a:prstGeom>
           <a:solidFill>
-            <a:srgbClr val="FFC000"/>
+            <a:srgbClr val="3D7E4F"/>
           </a:solidFill>
           <a:ln>
             <a:solidFill>
-              <a:schemeClr val="accent2"/>
+              <a:schemeClr val="accent6">
+                <a:lumMod val="50000"/>
+              </a:schemeClr>
             </a:solidFill>
           </a:ln>
         </p:spPr>
@@ -4286,11 +4290,13 @@
             <a:avLst/>
           </a:prstGeom>
           <a:solidFill>
-            <a:srgbClr val="FFC000"/>
+            <a:srgbClr val="3D7E4F"/>
           </a:solidFill>
           <a:ln>
             <a:solidFill>
-              <a:schemeClr val="accent2"/>
+              <a:schemeClr val="accent6">
+                <a:lumMod val="50000"/>
+              </a:schemeClr>
             </a:solidFill>
           </a:ln>
         </p:spPr>
@@ -4610,11 +4616,13 @@
             <a:avLst/>
           </a:prstGeom>
           <a:solidFill>
-            <a:srgbClr val="FFC000"/>
+            <a:srgbClr val="3D7E4F"/>
           </a:solidFill>
           <a:ln>
             <a:solidFill>
-              <a:schemeClr val="accent2"/>
+              <a:schemeClr val="accent6">
+                <a:lumMod val="50000"/>
+              </a:schemeClr>
             </a:solidFill>
           </a:ln>
         </p:spPr>
@@ -4880,11 +4888,13 @@
             <a:avLst/>
           </a:prstGeom>
           <a:solidFill>
-            <a:srgbClr val="FFC000"/>
+            <a:srgbClr val="3D7E4F"/>
           </a:solidFill>
           <a:ln>
             <a:solidFill>
-              <a:schemeClr val="accent2"/>
+              <a:schemeClr val="accent6">
+                <a:lumMod val="50000"/>
+              </a:schemeClr>
             </a:solidFill>
           </a:ln>
         </p:spPr>
@@ -5204,11 +5214,13 @@
             <a:avLst/>
           </a:prstGeom>
           <a:solidFill>
-            <a:srgbClr val="FFC000"/>
+            <a:srgbClr val="3D7E4F"/>
           </a:solidFill>
           <a:ln>
             <a:solidFill>
-              <a:schemeClr val="accent2"/>
+              <a:schemeClr val="accent6">
+                <a:lumMod val="50000"/>
+              </a:schemeClr>
             </a:solidFill>
           </a:ln>
         </p:spPr>
@@ -5420,11 +5432,13 @@
             <a:avLst/>
           </a:prstGeom>
           <a:solidFill>
-            <a:srgbClr val="FFC000"/>
+            <a:srgbClr val="3D7E4F"/>
           </a:solidFill>
           <a:ln>
             <a:solidFill>
-              <a:schemeClr val="accent2"/>
+              <a:schemeClr val="accent6">
+                <a:lumMod val="50000"/>
+              </a:schemeClr>
             </a:solidFill>
           </a:ln>
         </p:spPr>
@@ -5636,11 +5650,13 @@
             <a:avLst/>
           </a:prstGeom>
           <a:solidFill>
-            <a:srgbClr val="FFC000"/>
+            <a:srgbClr val="3D7E4F"/>
           </a:solidFill>
           <a:ln>
             <a:solidFill>
-              <a:schemeClr val="accent2"/>
+              <a:schemeClr val="accent6">
+                <a:lumMod val="50000"/>
+              </a:schemeClr>
             </a:solidFill>
           </a:ln>
         </p:spPr>
@@ -5906,11 +5922,13 @@
             <a:avLst/>
           </a:prstGeom>
           <a:solidFill>
-            <a:srgbClr val="FFC000"/>
+            <a:srgbClr val="3D7E4F"/>
           </a:solidFill>
           <a:ln>
             <a:solidFill>
-              <a:schemeClr val="accent2"/>
+              <a:schemeClr val="accent6">
+                <a:lumMod val="50000"/>
+              </a:schemeClr>
             </a:solidFill>
           </a:ln>
         </p:spPr>
@@ -6230,11 +6248,13 @@
             <a:avLst/>
           </a:prstGeom>
           <a:solidFill>
-            <a:srgbClr val="FFC000"/>
+            <a:srgbClr val="3D7E4F"/>
           </a:solidFill>
           <a:ln>
             <a:solidFill>
-              <a:schemeClr val="accent2"/>
+              <a:schemeClr val="accent6">
+                <a:lumMod val="50000"/>
+              </a:schemeClr>
             </a:solidFill>
           </a:ln>
         </p:spPr>
@@ -6500,11 +6520,13 @@
             <a:avLst/>
           </a:prstGeom>
           <a:solidFill>
-            <a:srgbClr val="FFC000"/>
+            <a:srgbClr val="3D7E4F"/>
           </a:solidFill>
           <a:ln>
             <a:solidFill>
-              <a:schemeClr val="accent2"/>
+              <a:schemeClr val="accent6">
+                <a:lumMod val="50000"/>
+              </a:schemeClr>
             </a:solidFill>
           </a:ln>
         </p:spPr>
@@ -6716,11 +6738,13 @@
             <a:avLst/>
           </a:prstGeom>
           <a:solidFill>
-            <a:srgbClr val="FFC000"/>
+            <a:srgbClr val="3D7E4F"/>
           </a:solidFill>
           <a:ln>
             <a:solidFill>
-              <a:schemeClr val="accent2"/>
+              <a:schemeClr val="accent6">
+                <a:lumMod val="50000"/>
+              </a:schemeClr>
             </a:solidFill>
           </a:ln>
         </p:spPr>
@@ -6932,11 +6956,13 @@
             <a:avLst/>
           </a:prstGeom>
           <a:solidFill>
-            <a:srgbClr val="FFC000"/>
+            <a:srgbClr val="3D7E4F"/>
           </a:solidFill>
           <a:ln>
             <a:solidFill>
-              <a:schemeClr val="accent2"/>
+              <a:schemeClr val="accent6">
+                <a:lumMod val="50000"/>
+              </a:schemeClr>
             </a:solidFill>
           </a:ln>
         </p:spPr>
@@ -6986,11 +7012,13 @@
             <a:avLst/>
           </a:prstGeom>
           <a:solidFill>
-            <a:srgbClr val="FFC000"/>
+            <a:srgbClr val="3D7E4F"/>
           </a:solidFill>
           <a:ln>
             <a:solidFill>
-              <a:schemeClr val="accent2"/>
+              <a:schemeClr val="accent6">
+                <a:lumMod val="50000"/>
+              </a:schemeClr>
             </a:solidFill>
           </a:ln>
         </p:spPr>
@@ -7256,11 +7284,13 @@
             <a:avLst/>
           </a:prstGeom>
           <a:solidFill>
-            <a:srgbClr val="FFC000"/>
+            <a:srgbClr val="3D7E4F"/>
           </a:solidFill>
           <a:ln>
             <a:solidFill>
-              <a:schemeClr val="accent2"/>
+              <a:schemeClr val="accent6">
+                <a:lumMod val="50000"/>
+              </a:schemeClr>
             </a:solidFill>
           </a:ln>
         </p:spPr>
@@ -7310,11 +7340,13 @@
             <a:avLst/>
           </a:prstGeom>
           <a:solidFill>
-            <a:srgbClr val="FFC000"/>
+            <a:srgbClr val="3D7E4F"/>
           </a:solidFill>
           <a:ln>
             <a:solidFill>
-              <a:schemeClr val="accent2"/>
+              <a:schemeClr val="accent6">
+                <a:lumMod val="50000"/>
+              </a:schemeClr>
             </a:solidFill>
           </a:ln>
         </p:spPr>
@@ -7364,11 +7396,13 @@
             <a:avLst/>
           </a:prstGeom>
           <a:solidFill>
-            <a:srgbClr val="FFC000"/>
+            <a:srgbClr val="3D7E4F"/>
           </a:solidFill>
           <a:ln>
             <a:solidFill>
-              <a:schemeClr val="accent2"/>
+              <a:schemeClr val="accent6">
+                <a:lumMod val="50000"/>
+              </a:schemeClr>
             </a:solidFill>
           </a:ln>
         </p:spPr>
@@ -7472,11 +7506,13 @@
             <a:avLst/>
           </a:prstGeom>
           <a:solidFill>
-            <a:srgbClr val="FFC000"/>
+            <a:srgbClr val="3D7E4F"/>
           </a:solidFill>
           <a:ln>
             <a:solidFill>
-              <a:schemeClr val="accent2"/>
+              <a:schemeClr val="accent6">
+                <a:lumMod val="50000"/>
+              </a:schemeClr>
             </a:solidFill>
           </a:ln>
         </p:spPr>
@@ -7526,11 +7562,13 @@
             <a:avLst/>
           </a:prstGeom>
           <a:solidFill>
-            <a:srgbClr val="FFC000"/>
+            <a:srgbClr val="3D7E4F"/>
           </a:solidFill>
           <a:ln>
             <a:solidFill>
-              <a:schemeClr val="accent2"/>
+              <a:schemeClr val="accent6">
+                <a:lumMod val="50000"/>
+              </a:schemeClr>
             </a:solidFill>
           </a:ln>
         </p:spPr>
@@ -7580,11 +7618,13 @@
             <a:avLst/>
           </a:prstGeom>
           <a:solidFill>
-            <a:srgbClr val="FFC000"/>
+            <a:srgbClr val="3D7E4F"/>
           </a:solidFill>
           <a:ln>
             <a:solidFill>
-              <a:schemeClr val="accent2"/>
+              <a:schemeClr val="accent6">
+                <a:lumMod val="50000"/>
+              </a:schemeClr>
             </a:solidFill>
           </a:ln>
         </p:spPr>
@@ -7634,11 +7674,13 @@
             <a:avLst/>
           </a:prstGeom>
           <a:solidFill>
-            <a:srgbClr val="FFC000"/>
+            <a:srgbClr val="3D7E4F"/>
           </a:solidFill>
           <a:ln>
             <a:solidFill>
-              <a:schemeClr val="accent2"/>
+              <a:schemeClr val="accent6">
+                <a:lumMod val="50000"/>
+              </a:schemeClr>
             </a:solidFill>
           </a:ln>
         </p:spPr>
@@ -7688,11 +7730,13 @@
             <a:avLst/>
           </a:prstGeom>
           <a:solidFill>
-            <a:srgbClr val="FFC000"/>
+            <a:srgbClr val="3D7E4F"/>
           </a:solidFill>
           <a:ln>
             <a:solidFill>
-              <a:schemeClr val="accent2"/>
+              <a:schemeClr val="accent6">
+                <a:lumMod val="50000"/>
+              </a:schemeClr>
             </a:solidFill>
           </a:ln>
         </p:spPr>
@@ -7779,10 +7823,7 @@
             <a:avLst/>
           </a:prstGeom>
           <a:solidFill>
-            <a:schemeClr val="tx1">
-              <a:lumMod val="50000"/>
-              <a:lumOff val="50000"/>
-            </a:schemeClr>
+            <a:srgbClr val="3D7E4F"/>
           </a:solidFill>
           <a:ln>
             <a:noFill/>
@@ -7834,10 +7875,7 @@
             <a:avLst/>
           </a:prstGeom>
           <a:solidFill>
-            <a:schemeClr val="tx1">
-              <a:lumMod val="50000"/>
-              <a:lumOff val="50000"/>
-            </a:schemeClr>
+            <a:srgbClr val="3D7E4F"/>
           </a:solidFill>
           <a:ln>
             <a:noFill/>
@@ -7889,10 +7927,7 @@
             <a:avLst/>
           </a:prstGeom>
           <a:solidFill>
-            <a:schemeClr val="tx1">
-              <a:lumMod val="50000"/>
-              <a:lumOff val="50000"/>
-            </a:schemeClr>
+            <a:srgbClr val="3D7E4F"/>
           </a:solidFill>
           <a:ln>
             <a:noFill/>
@@ -8123,7 +8158,9 @@
           </a:prstGeom>
           <a:ln w="12700">
             <a:solidFill>
-              <a:schemeClr val="accent2"/>
+              <a:schemeClr val="accent6">
+                <a:lumMod val="50000"/>
+              </a:schemeClr>
             </a:solidFill>
           </a:ln>
         </p:spPr>
@@ -8168,7 +8205,9 @@
           </a:prstGeom>
           <a:ln w="12700">
             <a:solidFill>
-              <a:schemeClr val="accent2"/>
+              <a:schemeClr val="accent6">
+                <a:lumMod val="50000"/>
+              </a:schemeClr>
             </a:solidFill>
           </a:ln>
         </p:spPr>
@@ -8213,7 +8252,9 @@
           </a:prstGeom>
           <a:ln w="12700">
             <a:solidFill>
-              <a:schemeClr val="accent2"/>
+              <a:schemeClr val="accent6">
+                <a:lumMod val="50000"/>
+              </a:schemeClr>
             </a:solidFill>
           </a:ln>
         </p:spPr>
@@ -8258,7 +8299,9 @@
           </a:prstGeom>
           <a:ln w="12700">
             <a:solidFill>
-              <a:schemeClr val="accent2"/>
+              <a:schemeClr val="accent6">
+                <a:lumMod val="50000"/>
+              </a:schemeClr>
             </a:solidFill>
           </a:ln>
         </p:spPr>
@@ -8303,7 +8346,9 @@
           </a:prstGeom>
           <a:ln w="12700">
             <a:solidFill>
-              <a:schemeClr val="accent2"/>
+              <a:schemeClr val="accent6">
+                <a:lumMod val="50000"/>
+              </a:schemeClr>
             </a:solidFill>
           </a:ln>
         </p:spPr>
@@ -8348,7 +8393,9 @@
           </a:prstGeom>
           <a:ln w="12700">
             <a:solidFill>
-              <a:schemeClr val="accent2"/>
+              <a:schemeClr val="accent6">
+                <a:lumMod val="50000"/>
+              </a:schemeClr>
             </a:solidFill>
           </a:ln>
         </p:spPr>
@@ -8393,7 +8440,9 @@
           </a:prstGeom>
           <a:ln w="12700">
             <a:solidFill>
-              <a:schemeClr val="accent2"/>
+              <a:schemeClr val="accent6">
+                <a:lumMod val="50000"/>
+              </a:schemeClr>
             </a:solidFill>
           </a:ln>
         </p:spPr>
@@ -8438,7 +8487,9 @@
           </a:prstGeom>
           <a:ln w="12700">
             <a:solidFill>
-              <a:schemeClr val="accent2"/>
+              <a:schemeClr val="accent6">
+                <a:lumMod val="50000"/>
+              </a:schemeClr>
             </a:solidFill>
           </a:ln>
         </p:spPr>
@@ -8483,7 +8534,9 @@
           </a:prstGeom>
           <a:ln w="12700">
             <a:solidFill>
-              <a:schemeClr val="accent2"/>
+              <a:schemeClr val="accent6">
+                <a:lumMod val="50000"/>
+              </a:schemeClr>
             </a:solidFill>
           </a:ln>
         </p:spPr>
@@ -8528,7 +8581,9 @@
           </a:prstGeom>
           <a:ln w="12700">
             <a:solidFill>
-              <a:schemeClr val="accent2"/>
+              <a:schemeClr val="accent6">
+                <a:lumMod val="50000"/>
+              </a:schemeClr>
             </a:solidFill>
           </a:ln>
         </p:spPr>
@@ -8573,7 +8628,9 @@
           </a:prstGeom>
           <a:ln w="12700">
             <a:solidFill>
-              <a:schemeClr val="accent2"/>
+              <a:schemeClr val="accent6">
+                <a:lumMod val="50000"/>
+              </a:schemeClr>
             </a:solidFill>
           </a:ln>
         </p:spPr>
@@ -8618,7 +8675,9 @@
           </a:prstGeom>
           <a:ln w="12700">
             <a:solidFill>
-              <a:schemeClr val="accent2"/>
+              <a:schemeClr val="accent6">
+                <a:lumMod val="50000"/>
+              </a:schemeClr>
             </a:solidFill>
           </a:ln>
         </p:spPr>
@@ -8663,7 +8722,9 @@
           </a:prstGeom>
           <a:ln w="12700">
             <a:solidFill>
-              <a:schemeClr val="accent2"/>
+              <a:schemeClr val="accent6">
+                <a:lumMod val="50000"/>
+              </a:schemeClr>
             </a:solidFill>
           </a:ln>
         </p:spPr>
@@ -8706,7 +8767,9 @@
           </a:prstGeom>
           <a:ln w="12700">
             <a:solidFill>
-              <a:schemeClr val="accent2"/>
+              <a:schemeClr val="accent6">
+                <a:lumMod val="50000"/>
+              </a:schemeClr>
             </a:solidFill>
           </a:ln>
         </p:spPr>
@@ -8751,7 +8814,9 @@
           </a:prstGeom>
           <a:ln w="12700">
             <a:solidFill>
-              <a:schemeClr val="accent2"/>
+              <a:schemeClr val="accent6">
+                <a:lumMod val="50000"/>
+              </a:schemeClr>
             </a:solidFill>
           </a:ln>
         </p:spPr>
@@ -8796,7 +8861,9 @@
           </a:prstGeom>
           <a:ln w="12700">
             <a:solidFill>
-              <a:schemeClr val="accent2"/>
+              <a:schemeClr val="accent6">
+                <a:lumMod val="50000"/>
+              </a:schemeClr>
             </a:solidFill>
           </a:ln>
         </p:spPr>
@@ -8841,7 +8908,9 @@
           </a:prstGeom>
           <a:ln w="12700">
             <a:solidFill>
-              <a:schemeClr val="accent2"/>
+              <a:schemeClr val="accent6">
+                <a:lumMod val="50000"/>
+              </a:schemeClr>
             </a:solidFill>
           </a:ln>
         </p:spPr>
@@ -8886,7 +8955,9 @@
           </a:prstGeom>
           <a:ln w="12700">
             <a:solidFill>
-              <a:schemeClr val="accent2"/>
+              <a:schemeClr val="accent6">
+                <a:lumMod val="50000"/>
+              </a:schemeClr>
             </a:solidFill>
           </a:ln>
         </p:spPr>
@@ -8931,7 +9002,9 @@
           </a:prstGeom>
           <a:ln w="12700">
             <a:solidFill>
-              <a:schemeClr val="accent2"/>
+              <a:schemeClr val="accent6">
+                <a:lumMod val="50000"/>
+              </a:schemeClr>
             </a:solidFill>
           </a:ln>
         </p:spPr>
@@ -8976,7 +9049,9 @@
           </a:prstGeom>
           <a:ln w="12700">
             <a:solidFill>
-              <a:schemeClr val="accent2"/>
+              <a:schemeClr val="accent6">
+                <a:lumMod val="50000"/>
+              </a:schemeClr>
             </a:solidFill>
           </a:ln>
         </p:spPr>
@@ -9021,7 +9096,9 @@
           </a:prstGeom>
           <a:ln w="12700">
             <a:solidFill>
-              <a:schemeClr val="accent2"/>
+              <a:schemeClr val="accent6">
+                <a:lumMod val="50000"/>
+              </a:schemeClr>
             </a:solidFill>
           </a:ln>
         </p:spPr>
@@ -9225,11 +9302,13 @@
             <a:avLst/>
           </a:prstGeom>
           <a:solidFill>
-            <a:srgbClr val="FFC000"/>
+            <a:srgbClr val="3D7E4F"/>
           </a:solidFill>
           <a:ln>
             <a:solidFill>
-              <a:schemeClr val="accent2"/>
+              <a:schemeClr val="accent6">
+                <a:lumMod val="50000"/>
+              </a:schemeClr>
             </a:solidFill>
           </a:ln>
         </p:spPr>
@@ -9279,11 +9358,13 @@
             <a:avLst/>
           </a:prstGeom>
           <a:solidFill>
-            <a:srgbClr val="FFC000"/>
+            <a:srgbClr val="3D7E4F"/>
           </a:solidFill>
           <a:ln>
             <a:solidFill>
-              <a:schemeClr val="accent2"/>
+              <a:schemeClr val="accent6">
+                <a:lumMod val="50000"/>
+              </a:schemeClr>
             </a:solidFill>
           </a:ln>
         </p:spPr>
@@ -9333,11 +9414,13 @@
             <a:avLst/>
           </a:prstGeom>
           <a:solidFill>
-            <a:srgbClr val="FFC000"/>
+            <a:srgbClr val="3D7E4F"/>
           </a:solidFill>
           <a:ln>
             <a:solidFill>
-              <a:schemeClr val="accent2"/>
+              <a:schemeClr val="accent6">
+                <a:lumMod val="50000"/>
+              </a:schemeClr>
             </a:solidFill>
           </a:ln>
         </p:spPr>
@@ -9387,11 +9470,13 @@
             <a:avLst/>
           </a:prstGeom>
           <a:solidFill>
-            <a:srgbClr val="FFC000"/>
+            <a:srgbClr val="3D7E4F"/>
           </a:solidFill>
           <a:ln>
             <a:solidFill>
-              <a:schemeClr val="accent2"/>
+              <a:schemeClr val="accent6">
+                <a:lumMod val="50000"/>
+              </a:schemeClr>
             </a:solidFill>
           </a:ln>
         </p:spPr>
@@ -9441,11 +9526,13 @@
             <a:avLst/>
           </a:prstGeom>
           <a:solidFill>
-            <a:srgbClr val="FFC000"/>
+            <a:srgbClr val="3D7E4F"/>
           </a:solidFill>
           <a:ln>
             <a:solidFill>
-              <a:schemeClr val="accent2"/>
+              <a:schemeClr val="accent6">
+                <a:lumMod val="50000"/>
+              </a:schemeClr>
             </a:solidFill>
           </a:ln>
         </p:spPr>
@@ -9495,11 +9582,13 @@
             <a:avLst/>
           </a:prstGeom>
           <a:solidFill>
-            <a:srgbClr val="FFC000"/>
+            <a:srgbClr val="3D7E4F"/>
           </a:solidFill>
           <a:ln>
             <a:solidFill>
-              <a:schemeClr val="accent2"/>
+              <a:schemeClr val="accent6">
+                <a:lumMod val="50000"/>
+              </a:schemeClr>
             </a:solidFill>
           </a:ln>
         </p:spPr>
@@ -9549,11 +9638,13 @@
             <a:avLst/>
           </a:prstGeom>
           <a:solidFill>
-            <a:srgbClr val="FFC000"/>
+            <a:srgbClr val="3D7E4F"/>
           </a:solidFill>
           <a:ln>
             <a:solidFill>
-              <a:schemeClr val="accent2"/>
+              <a:schemeClr val="accent6">
+                <a:lumMod val="50000"/>
+              </a:schemeClr>
             </a:solidFill>
           </a:ln>
         </p:spPr>
@@ -9603,11 +9694,13 @@
             <a:avLst/>
           </a:prstGeom>
           <a:solidFill>
-            <a:srgbClr val="FFC000"/>
+            <a:srgbClr val="3D7E4F"/>
           </a:solidFill>
           <a:ln>
             <a:solidFill>
-              <a:schemeClr val="accent2"/>
+              <a:schemeClr val="accent6">
+                <a:lumMod val="50000"/>
+              </a:schemeClr>
             </a:solidFill>
           </a:ln>
         </p:spPr>
@@ -9657,11 +9750,13 @@
             <a:avLst/>
           </a:prstGeom>
           <a:solidFill>
-            <a:srgbClr val="FFC000"/>
+            <a:srgbClr val="3D7E4F"/>
           </a:solidFill>
           <a:ln>
             <a:solidFill>
-              <a:schemeClr val="accent2"/>
+              <a:schemeClr val="accent6">
+                <a:lumMod val="50000"/>
+              </a:schemeClr>
             </a:solidFill>
           </a:ln>
         </p:spPr>
@@ -9711,11 +9806,13 @@
             <a:avLst/>
           </a:prstGeom>
           <a:solidFill>
-            <a:srgbClr val="FFC000"/>
+            <a:srgbClr val="3D7E4F"/>
           </a:solidFill>
           <a:ln>
             <a:solidFill>
-              <a:schemeClr val="accent2"/>
+              <a:schemeClr val="accent6">
+                <a:lumMod val="50000"/>
+              </a:schemeClr>
             </a:solidFill>
           </a:ln>
         </p:spPr>
@@ -9765,11 +9862,13 @@
             <a:avLst/>
           </a:prstGeom>
           <a:solidFill>
-            <a:srgbClr val="FFC000"/>
+            <a:srgbClr val="3D7E4F"/>
           </a:solidFill>
           <a:ln>
             <a:solidFill>
-              <a:schemeClr val="accent2"/>
+              <a:schemeClr val="accent6">
+                <a:lumMod val="50000"/>
+              </a:schemeClr>
             </a:solidFill>
           </a:ln>
         </p:spPr>
@@ -9935,11 +10034,13 @@
             <a:avLst/>
           </a:prstGeom>
           <a:solidFill>
-            <a:srgbClr val="FFC000"/>
+            <a:srgbClr val="3D7E4F"/>
           </a:solidFill>
           <a:ln>
             <a:solidFill>
-              <a:schemeClr val="accent2"/>
+              <a:schemeClr val="accent6">
+                <a:lumMod val="50000"/>
+              </a:schemeClr>
             </a:solidFill>
           </a:ln>
         </p:spPr>
@@ -10221,11 +10322,13 @@
             <a:avLst/>
           </a:prstGeom>
           <a:solidFill>
-            <a:srgbClr val="FFC000"/>
+            <a:srgbClr val="3D7E4F"/>
           </a:solidFill>
           <a:ln>
             <a:solidFill>
-              <a:schemeClr val="accent2"/>
+              <a:schemeClr val="accent6">
+                <a:lumMod val="50000"/>
+              </a:schemeClr>
             </a:solidFill>
           </a:ln>
         </p:spPr>
@@ -10275,11 +10378,13 @@
             <a:avLst/>
           </a:prstGeom>
           <a:solidFill>
-            <a:srgbClr val="FFC000"/>
+            <a:srgbClr val="3D7E4F"/>
           </a:solidFill>
           <a:ln>
             <a:solidFill>
-              <a:schemeClr val="accent2"/>
+              <a:schemeClr val="accent6">
+                <a:lumMod val="50000"/>
+              </a:schemeClr>
             </a:solidFill>
           </a:ln>
         </p:spPr>
@@ -10329,11 +10434,13 @@
             <a:avLst/>
           </a:prstGeom>
           <a:solidFill>
-            <a:srgbClr val="FFC000"/>
+            <a:srgbClr val="3D7E4F"/>
           </a:solidFill>
           <a:ln>
             <a:solidFill>
-              <a:schemeClr val="accent2"/>
+              <a:schemeClr val="accent6">
+                <a:lumMod val="50000"/>
+              </a:schemeClr>
             </a:solidFill>
           </a:ln>
         </p:spPr>
@@ -10441,11 +10548,13 @@
             <a:avLst/>
           </a:prstGeom>
           <a:solidFill>
-            <a:srgbClr val="FFC000"/>
+            <a:srgbClr val="3D7E4F"/>
           </a:solidFill>
           <a:ln>
             <a:solidFill>
-              <a:schemeClr val="accent2"/>
+              <a:schemeClr val="accent6">
+                <a:lumMod val="50000"/>
+              </a:schemeClr>
             </a:solidFill>
           </a:ln>
         </p:spPr>
@@ -10495,11 +10604,13 @@
             <a:avLst/>
           </a:prstGeom>
           <a:solidFill>
-            <a:srgbClr val="FFC000"/>
+            <a:srgbClr val="3D7E4F"/>
           </a:solidFill>
           <a:ln>
             <a:solidFill>
-              <a:schemeClr val="accent2"/>
+              <a:schemeClr val="accent6">
+                <a:lumMod val="50000"/>
+              </a:schemeClr>
             </a:solidFill>
           </a:ln>
         </p:spPr>
@@ -10549,11 +10660,13 @@
             <a:avLst/>
           </a:prstGeom>
           <a:solidFill>
-            <a:srgbClr val="FFC000"/>
+            <a:srgbClr val="3D7E4F"/>
           </a:solidFill>
           <a:ln>
             <a:solidFill>
-              <a:schemeClr val="accent2"/>
+              <a:schemeClr val="accent6">
+                <a:lumMod val="50000"/>
+              </a:schemeClr>
             </a:solidFill>
           </a:ln>
         </p:spPr>
@@ -10603,11 +10716,13 @@
             <a:avLst/>
           </a:prstGeom>
           <a:solidFill>
-            <a:srgbClr val="FFC000"/>
+            <a:srgbClr val="3D7E4F"/>
           </a:solidFill>
           <a:ln>
             <a:solidFill>
-              <a:schemeClr val="accent2"/>
+              <a:schemeClr val="accent6">
+                <a:lumMod val="50000"/>
+              </a:schemeClr>
             </a:solidFill>
           </a:ln>
         </p:spPr>
@@ -10657,11 +10772,13 @@
             <a:avLst/>
           </a:prstGeom>
           <a:solidFill>
-            <a:srgbClr val="FFC000"/>
+            <a:srgbClr val="3D7E4F"/>
           </a:solidFill>
           <a:ln>
             <a:solidFill>
-              <a:schemeClr val="accent2"/>
+              <a:schemeClr val="accent6">
+                <a:lumMod val="50000"/>
+              </a:schemeClr>
             </a:solidFill>
           </a:ln>
         </p:spPr>
@@ -10716,7 +10833,9 @@
           </a:prstGeom>
           <a:ln w="12700">
             <a:solidFill>
-              <a:schemeClr val="accent2"/>
+              <a:schemeClr val="accent6">
+                <a:lumMod val="50000"/>
+              </a:schemeClr>
             </a:solidFill>
           </a:ln>
         </p:spPr>
@@ -10761,7 +10880,9 @@
           </a:prstGeom>
           <a:ln w="12700">
             <a:solidFill>
-              <a:schemeClr val="accent2"/>
+              <a:schemeClr val="accent6">
+                <a:lumMod val="50000"/>
+              </a:schemeClr>
             </a:solidFill>
           </a:ln>
         </p:spPr>
@@ -10806,7 +10927,9 @@
           </a:prstGeom>
           <a:ln w="12700">
             <a:solidFill>
-              <a:schemeClr val="accent2"/>
+              <a:schemeClr val="accent6">
+                <a:lumMod val="50000"/>
+              </a:schemeClr>
             </a:solidFill>
           </a:ln>
         </p:spPr>
@@ -10851,7 +10974,9 @@
           </a:prstGeom>
           <a:ln w="12700">
             <a:solidFill>
-              <a:schemeClr val="accent2"/>
+              <a:schemeClr val="accent6">
+                <a:lumMod val="50000"/>
+              </a:schemeClr>
             </a:solidFill>
           </a:ln>
         </p:spPr>
@@ -10896,7 +11021,9 @@
           </a:prstGeom>
           <a:ln w="12700">
             <a:solidFill>
-              <a:schemeClr val="accent2"/>
+              <a:schemeClr val="accent6">
+                <a:lumMod val="50000"/>
+              </a:schemeClr>
             </a:solidFill>
           </a:ln>
         </p:spPr>
@@ -10941,7 +11068,9 @@
           </a:prstGeom>
           <a:ln w="12700">
             <a:solidFill>
-              <a:schemeClr val="accent2"/>
+              <a:schemeClr val="accent6">
+                <a:lumMod val="50000"/>
+              </a:schemeClr>
             </a:solidFill>
           </a:ln>
         </p:spPr>
@@ -10986,7 +11115,9 @@
           </a:prstGeom>
           <a:ln w="12700">
             <a:solidFill>
-              <a:schemeClr val="accent2"/>
+              <a:schemeClr val="accent6">
+                <a:lumMod val="50000"/>
+              </a:schemeClr>
             </a:solidFill>
           </a:ln>
         </p:spPr>
@@ -11031,7 +11162,9 @@
           </a:prstGeom>
           <a:ln w="12700">
             <a:solidFill>
-              <a:schemeClr val="accent2"/>
+              <a:schemeClr val="accent6">
+                <a:lumMod val="50000"/>
+              </a:schemeClr>
             </a:solidFill>
           </a:ln>
         </p:spPr>
@@ -11076,7 +11209,9 @@
           </a:prstGeom>
           <a:ln w="12700">
             <a:solidFill>
-              <a:schemeClr val="accent2"/>
+              <a:schemeClr val="accent6">
+                <a:lumMod val="50000"/>
+              </a:schemeClr>
             </a:solidFill>
           </a:ln>
         </p:spPr>
@@ -11121,7 +11256,9 @@
           </a:prstGeom>
           <a:ln w="12700">
             <a:solidFill>
-              <a:schemeClr val="accent2"/>
+              <a:schemeClr val="accent6">
+                <a:lumMod val="50000"/>
+              </a:schemeClr>
             </a:solidFill>
           </a:ln>
         </p:spPr>
@@ -11166,7 +11303,9 @@
           </a:prstGeom>
           <a:ln w="12700">
             <a:solidFill>
-              <a:schemeClr val="accent2"/>
+              <a:schemeClr val="accent6">
+                <a:lumMod val="50000"/>
+              </a:schemeClr>
             </a:solidFill>
           </a:ln>
         </p:spPr>
@@ -11211,7 +11350,9 @@
           </a:prstGeom>
           <a:ln w="12700">
             <a:solidFill>
-              <a:schemeClr val="accent2"/>
+              <a:schemeClr val="accent6">
+                <a:lumMod val="50000"/>
+              </a:schemeClr>
             </a:solidFill>
           </a:ln>
         </p:spPr>
@@ -11256,7 +11397,9 @@
           </a:prstGeom>
           <a:ln w="12700">
             <a:solidFill>
-              <a:schemeClr val="accent2"/>
+              <a:schemeClr val="accent6">
+                <a:lumMod val="50000"/>
+              </a:schemeClr>
             </a:solidFill>
           </a:ln>
         </p:spPr>
@@ -11299,7 +11442,9 @@
           </a:prstGeom>
           <a:ln w="12700">
             <a:solidFill>
-              <a:schemeClr val="accent2"/>
+              <a:schemeClr val="accent6">
+                <a:lumMod val="50000"/>
+              </a:schemeClr>
             </a:solidFill>
           </a:ln>
         </p:spPr>
@@ -11344,7 +11489,9 @@
           </a:prstGeom>
           <a:ln w="12700">
             <a:solidFill>
-              <a:schemeClr val="accent2"/>
+              <a:schemeClr val="accent6">
+                <a:lumMod val="50000"/>
+              </a:schemeClr>
             </a:solidFill>
           </a:ln>
         </p:spPr>
@@ -11389,7 +11536,9 @@
           </a:prstGeom>
           <a:ln w="12700">
             <a:solidFill>
-              <a:schemeClr val="accent2"/>
+              <a:schemeClr val="accent6">
+                <a:lumMod val="50000"/>
+              </a:schemeClr>
             </a:solidFill>
           </a:ln>
         </p:spPr>
@@ -11434,7 +11583,9 @@
           </a:prstGeom>
           <a:ln w="12700">
             <a:solidFill>
-              <a:schemeClr val="accent2"/>
+              <a:schemeClr val="accent6">
+                <a:lumMod val="50000"/>
+              </a:schemeClr>
             </a:solidFill>
           </a:ln>
         </p:spPr>
@@ -11479,7 +11630,9 @@
           </a:prstGeom>
           <a:ln w="12700">
             <a:solidFill>
-              <a:schemeClr val="accent2"/>
+              <a:schemeClr val="accent6">
+                <a:lumMod val="50000"/>
+              </a:schemeClr>
             </a:solidFill>
           </a:ln>
         </p:spPr>
@@ -11524,7 +11677,9 @@
           </a:prstGeom>
           <a:ln w="12700">
             <a:solidFill>
-              <a:schemeClr val="accent2"/>
+              <a:schemeClr val="accent6">
+                <a:lumMod val="50000"/>
+              </a:schemeClr>
             </a:solidFill>
           </a:ln>
         </p:spPr>
@@ -11569,7 +11724,9 @@
           </a:prstGeom>
           <a:ln w="12700">
             <a:solidFill>
-              <a:schemeClr val="accent2"/>
+              <a:schemeClr val="accent6">
+                <a:lumMod val="50000"/>
+              </a:schemeClr>
             </a:solidFill>
           </a:ln>
         </p:spPr>
@@ -11614,7 +11771,9 @@
           </a:prstGeom>
           <a:ln w="12700">
             <a:solidFill>
-              <a:schemeClr val="accent2"/>
+              <a:schemeClr val="accent6">
+                <a:lumMod val="50000"/>
+              </a:schemeClr>
             </a:solidFill>
           </a:ln>
         </p:spPr>
@@ -12111,11 +12270,13 @@
             <a:avLst/>
           </a:prstGeom>
           <a:solidFill>
-            <a:srgbClr val="FFC000"/>
+            <a:srgbClr val="3D7E4F"/>
           </a:solidFill>
           <a:ln>
             <a:solidFill>
-              <a:schemeClr val="accent2"/>
+              <a:schemeClr val="accent6">
+                <a:lumMod val="50000"/>
+              </a:schemeClr>
             </a:solidFill>
           </a:ln>
         </p:spPr>
@@ -12165,11 +12326,13 @@
             <a:avLst/>
           </a:prstGeom>
           <a:solidFill>
-            <a:srgbClr val="FFC000"/>
+            <a:srgbClr val="3D7E4F"/>
           </a:solidFill>
           <a:ln>
             <a:solidFill>
-              <a:schemeClr val="accent2"/>
+              <a:schemeClr val="accent6">
+                <a:lumMod val="50000"/>
+              </a:schemeClr>
             </a:solidFill>
           </a:ln>
         </p:spPr>
@@ -12267,6 +12430,36 @@
           </a:p>
         </p:txBody>
       </p:sp>
+      <p:pic>
+        <p:nvPicPr>
+          <p:cNvPr id="4" name="Image 3">
+            <a:extLst>
+              <a:ext uri="{FF2B5EF4-FFF2-40B4-BE49-F238E27FC236}">
+                <a16:creationId xmlns:a16="http://schemas.microsoft.com/office/drawing/2014/main" id="{6CFDAEF4-11E7-4CDC-F5C2-26C66BC99F1D}"/>
+              </a:ext>
+            </a:extLst>
+          </p:cNvPr>
+          <p:cNvPicPr>
+            <a:picLocks noChangeAspect="1"/>
+          </p:cNvPicPr>
+          <p:nvPr/>
+        </p:nvPicPr>
+        <p:blipFill>
+          <a:blip r:embed="rId4"/>
+          <a:stretch>
+            <a:fillRect/>
+          </a:stretch>
+        </p:blipFill>
+        <p:spPr>
+          <a:xfrm>
+            <a:off x="6847784" y="5036881"/>
+            <a:ext cx="839013" cy="575700"/>
+          </a:xfrm>
+          <a:prstGeom prst="rect">
+            <a:avLst/>
+          </a:prstGeom>
+        </p:spPr>
+      </p:pic>
     </p:spTree>
     <p:extLst>
       <p:ext uri="{BB962C8B-B14F-4D97-AF65-F5344CB8AC3E}">

--- a/doc/backup_vs_live_tracking.pptx
+++ b/doc/backup_vs_live_tracking.pptx
@@ -6,6 +6,7 @@
   </p:sldMasterIdLst>
   <p:sldIdLst>
     <p:sldId id="256" r:id="rId2"/>
+    <p:sldId id="257" r:id="rId3"/>
   </p:sldIdLst>
   <p:sldSz cx="12192000" cy="6858000"/>
   <p:notesSz cx="6858000" cy="9144000"/>
@@ -12464,6 +12465,9612 @@
     <p:extLst>
       <p:ext uri="{BB962C8B-B14F-4D97-AF65-F5344CB8AC3E}">
         <p14:creationId xmlns:p14="http://schemas.microsoft.com/office/powerpoint/2010/main" val="2029417750"/>
+      </p:ext>
+    </p:extLst>
+  </p:cSld>
+  <p:clrMapOvr>
+    <a:masterClrMapping/>
+  </p:clrMapOvr>
+</p:sld>
+</file>
+
+<file path=ppt/slides/slide2.xml><?xml version="1.0" encoding="utf-8"?>
+<p:sld xmlns:a="http://schemas.openxmlformats.org/drawingml/2006/main" xmlns:r="http://schemas.openxmlformats.org/officeDocument/2006/relationships" xmlns:p="http://schemas.openxmlformats.org/presentationml/2006/main">
+  <p:cSld>
+    <p:bg>
+      <p:bgPr>
+        <a:solidFill>
+          <a:schemeClr val="bg1">
+            <a:alpha val="0"/>
+          </a:schemeClr>
+        </a:solidFill>
+        <a:effectLst/>
+      </p:bgPr>
+    </p:bg>
+    <p:spTree>
+      <p:nvGrpSpPr>
+        <p:cNvPr id="1" name=""/>
+        <p:cNvGrpSpPr/>
+        <p:nvPr/>
+      </p:nvGrpSpPr>
+      <p:grpSpPr>
+        <a:xfrm>
+          <a:off x="0" y="0"/>
+          <a:ext cx="0" cy="0"/>
+          <a:chOff x="0" y="0"/>
+          <a:chExt cx="0" cy="0"/>
+        </a:xfrm>
+      </p:grpSpPr>
+      <p:sp>
+        <p:nvSpPr>
+          <p:cNvPr id="99" name="Rectangle 98">
+            <a:extLst>
+              <a:ext uri="{FF2B5EF4-FFF2-40B4-BE49-F238E27FC236}">
+                <a16:creationId xmlns:a16="http://schemas.microsoft.com/office/drawing/2014/main" id="{FCC9D13D-D970-0A82-3267-ECBFA94C6CEB}"/>
+              </a:ext>
+            </a:extLst>
+          </p:cNvPr>
+          <p:cNvSpPr/>
+          <p:nvPr/>
+        </p:nvSpPr>
+        <p:spPr>
+          <a:xfrm>
+            <a:off x="2481671" y="1693551"/>
+            <a:ext cx="1546076" cy="1470350"/>
+          </a:xfrm>
+          <a:prstGeom prst="rect">
+            <a:avLst/>
+          </a:prstGeom>
+          <a:solidFill>
+            <a:srgbClr val="00E467">
+              <a:alpha val="23137"/>
+            </a:srgbClr>
+          </a:solidFill>
+          <a:ln>
+            <a:solidFill>
+              <a:srgbClr val="00D461"/>
+            </a:solidFill>
+            <a:prstDash val="dash"/>
+          </a:ln>
+        </p:spPr>
+        <p:style>
+          <a:lnRef idx="2">
+            <a:schemeClr val="accent1">
+              <a:shade val="50000"/>
+            </a:schemeClr>
+          </a:lnRef>
+          <a:fillRef idx="1">
+            <a:schemeClr val="accent1"/>
+          </a:fillRef>
+          <a:effectRef idx="0">
+            <a:schemeClr val="accent1"/>
+          </a:effectRef>
+          <a:fontRef idx="minor">
+            <a:schemeClr val="lt1"/>
+          </a:fontRef>
+        </p:style>
+        <p:txBody>
+          <a:bodyPr rtlCol="0" anchor="ctr"/>
+          <a:lstStyle/>
+          <a:p>
+            <a:pPr algn="ctr"/>
+            <a:endParaRPr lang="fr-FR"/>
+          </a:p>
+        </p:txBody>
+      </p:sp>
+      <p:sp>
+        <p:nvSpPr>
+          <p:cNvPr id="100" name="Rectangle 99">
+            <a:extLst>
+              <a:ext uri="{FF2B5EF4-FFF2-40B4-BE49-F238E27FC236}">
+                <a16:creationId xmlns:a16="http://schemas.microsoft.com/office/drawing/2014/main" id="{33310A9D-54E0-0B9A-FBD7-BEF97C5BA7C7}"/>
+              </a:ext>
+            </a:extLst>
+          </p:cNvPr>
+          <p:cNvSpPr/>
+          <p:nvPr/>
+        </p:nvSpPr>
+        <p:spPr>
+          <a:xfrm>
+            <a:off x="564187" y="1693551"/>
+            <a:ext cx="1546076" cy="1470350"/>
+          </a:xfrm>
+          <a:prstGeom prst="rect">
+            <a:avLst/>
+          </a:prstGeom>
+          <a:solidFill>
+            <a:srgbClr val="00E467">
+              <a:alpha val="23137"/>
+            </a:srgbClr>
+          </a:solidFill>
+          <a:ln>
+            <a:solidFill>
+              <a:srgbClr val="00D461"/>
+            </a:solidFill>
+            <a:prstDash val="dash"/>
+          </a:ln>
+        </p:spPr>
+        <p:style>
+          <a:lnRef idx="2">
+            <a:schemeClr val="accent1">
+              <a:shade val="50000"/>
+            </a:schemeClr>
+          </a:lnRef>
+          <a:fillRef idx="1">
+            <a:schemeClr val="accent1"/>
+          </a:fillRef>
+          <a:effectRef idx="0">
+            <a:schemeClr val="accent1"/>
+          </a:effectRef>
+          <a:fontRef idx="minor">
+            <a:schemeClr val="lt1"/>
+          </a:fontRef>
+        </p:style>
+        <p:txBody>
+          <a:bodyPr rtlCol="0" anchor="ctr"/>
+          <a:lstStyle/>
+          <a:p>
+            <a:pPr algn="ctr"/>
+            <a:endParaRPr lang="fr-FR"/>
+          </a:p>
+        </p:txBody>
+      </p:sp>
+      <p:sp>
+        <p:nvSpPr>
+          <p:cNvPr id="96" name="Rectangle 95">
+            <a:extLst>
+              <a:ext uri="{FF2B5EF4-FFF2-40B4-BE49-F238E27FC236}">
+                <a16:creationId xmlns:a16="http://schemas.microsoft.com/office/drawing/2014/main" id="{F4125C63-B2CA-C960-0160-01F98FC4FCCE}"/>
+              </a:ext>
+            </a:extLst>
+          </p:cNvPr>
+          <p:cNvSpPr/>
+          <p:nvPr/>
+        </p:nvSpPr>
+        <p:spPr>
+          <a:xfrm>
+            <a:off x="4417402" y="1693551"/>
+            <a:ext cx="1546076" cy="1470350"/>
+          </a:xfrm>
+          <a:prstGeom prst="rect">
+            <a:avLst/>
+          </a:prstGeom>
+          <a:solidFill>
+            <a:srgbClr val="00E467">
+              <a:alpha val="23137"/>
+            </a:srgbClr>
+          </a:solidFill>
+          <a:ln>
+            <a:solidFill>
+              <a:srgbClr val="00D461"/>
+            </a:solidFill>
+            <a:prstDash val="dash"/>
+          </a:ln>
+        </p:spPr>
+        <p:style>
+          <a:lnRef idx="2">
+            <a:schemeClr val="accent1">
+              <a:shade val="50000"/>
+            </a:schemeClr>
+          </a:lnRef>
+          <a:fillRef idx="1">
+            <a:schemeClr val="accent1"/>
+          </a:fillRef>
+          <a:effectRef idx="0">
+            <a:schemeClr val="accent1"/>
+          </a:effectRef>
+          <a:fontRef idx="minor">
+            <a:schemeClr val="lt1"/>
+          </a:fontRef>
+        </p:style>
+        <p:txBody>
+          <a:bodyPr rtlCol="0" anchor="ctr"/>
+          <a:lstStyle/>
+          <a:p>
+            <a:pPr algn="ctr"/>
+            <a:endParaRPr lang="fr-FR"/>
+          </a:p>
+        </p:txBody>
+      </p:sp>
+      <p:sp>
+        <p:nvSpPr>
+          <p:cNvPr id="2" name="Signalisation droite 1">
+            <a:extLst>
+              <a:ext uri="{FF2B5EF4-FFF2-40B4-BE49-F238E27FC236}">
+                <a16:creationId xmlns:a16="http://schemas.microsoft.com/office/drawing/2014/main" id="{6F32F26A-9126-65A0-1CFE-B5F4AEEB056E}"/>
+              </a:ext>
+            </a:extLst>
+          </p:cNvPr>
+          <p:cNvSpPr/>
+          <p:nvPr/>
+        </p:nvSpPr>
+        <p:spPr>
+          <a:xfrm>
+            <a:off x="515245" y="3359878"/>
+            <a:ext cx="6236537" cy="126778"/>
+          </a:xfrm>
+          <a:prstGeom prst="homePlate">
+            <a:avLst/>
+          </a:prstGeom>
+          <a:solidFill>
+            <a:srgbClr val="3D7E4F"/>
+          </a:solidFill>
+          <a:ln>
+            <a:noFill/>
+          </a:ln>
+        </p:spPr>
+        <p:style>
+          <a:lnRef idx="2">
+            <a:schemeClr val="accent1">
+              <a:shade val="50000"/>
+            </a:schemeClr>
+          </a:lnRef>
+          <a:fillRef idx="1">
+            <a:schemeClr val="accent1"/>
+          </a:fillRef>
+          <a:effectRef idx="0">
+            <a:schemeClr val="accent1"/>
+          </a:effectRef>
+          <a:fontRef idx="minor">
+            <a:schemeClr val="lt1"/>
+          </a:fontRef>
+        </p:style>
+        <p:txBody>
+          <a:bodyPr rtlCol="0" anchor="ctr"/>
+          <a:lstStyle/>
+          <a:p>
+            <a:pPr algn="ctr"/>
+            <a:endParaRPr lang="fr-FR"/>
+          </a:p>
+        </p:txBody>
+      </p:sp>
+      <p:sp>
+        <p:nvSpPr>
+          <p:cNvPr id="3" name="ZoneTexte 2">
+            <a:extLst>
+              <a:ext uri="{FF2B5EF4-FFF2-40B4-BE49-F238E27FC236}">
+                <a16:creationId xmlns:a16="http://schemas.microsoft.com/office/drawing/2014/main" id="{A8B5DAE1-4B97-A137-452B-0328D1FB0C8E}"/>
+              </a:ext>
+            </a:extLst>
+          </p:cNvPr>
+          <p:cNvSpPr txBox="1"/>
+          <p:nvPr/>
+        </p:nvSpPr>
+        <p:spPr>
+          <a:xfrm>
+            <a:off x="6710160" y="3190938"/>
+            <a:ext cx="972593" cy="461665"/>
+          </a:xfrm>
+          <a:prstGeom prst="rect">
+            <a:avLst/>
+          </a:prstGeom>
+          <a:noFill/>
+        </p:spPr>
+        <p:txBody>
+          <a:bodyPr wrap="square" rtlCol="0">
+            <a:spAutoFit/>
+          </a:bodyPr>
+          <a:lstStyle/>
+          <a:p>
+            <a:r>
+              <a:rPr lang="fr-FR" sz="1200">
+                <a:latin typeface="Avenir Book" panose="02000503020000020003" pitchFamily="2" charset="0"/>
+              </a:rPr>
+              <a:t>Generation time</a:t>
+            </a:r>
+          </a:p>
+        </p:txBody>
+      </p:sp>
+      <p:sp>
+        <p:nvSpPr>
+          <p:cNvPr id="6" name="ZoneTexte 5">
+            <a:extLst>
+              <a:ext uri="{FF2B5EF4-FFF2-40B4-BE49-F238E27FC236}">
+                <a16:creationId xmlns:a16="http://schemas.microsoft.com/office/drawing/2014/main" id="{82251C5F-41BC-1079-237A-5D00E852152B}"/>
+              </a:ext>
+            </a:extLst>
+          </p:cNvPr>
+          <p:cNvSpPr txBox="1"/>
+          <p:nvPr/>
+        </p:nvSpPr>
+        <p:spPr>
+          <a:xfrm>
+            <a:off x="407721" y="1000504"/>
+            <a:ext cx="10914940" cy="338554"/>
+          </a:xfrm>
+          <a:prstGeom prst="rect">
+            <a:avLst/>
+          </a:prstGeom>
+          <a:gradFill flip="none" rotWithShape="1">
+            <a:gsLst>
+              <a:gs pos="0">
+                <a:srgbClr val="00D461">
+                  <a:tint val="66000"/>
+                  <a:satMod val="160000"/>
+                </a:srgbClr>
+              </a:gs>
+              <a:gs pos="42000">
+                <a:schemeClr val="bg1"/>
+              </a:gs>
+            </a:gsLst>
+            <a:lin ang="0" scaled="0"/>
+            <a:tileRect/>
+          </a:gradFill>
+        </p:spPr>
+        <p:txBody>
+          <a:bodyPr wrap="square" rtlCol="0">
+            <a:spAutoFit/>
+          </a:bodyPr>
+          <a:lstStyle/>
+          <a:p>
+            <a:r>
+              <a:rPr lang="fr-FR" sz="1600">
+                <a:latin typeface="Avenir Book" panose="02000503020000020003" pitchFamily="2" charset="0"/>
+              </a:rPr>
+              <a:t>Regular full backups strategy</a:t>
+            </a:r>
+          </a:p>
+        </p:txBody>
+      </p:sp>
+      <p:sp>
+        <p:nvSpPr>
+          <p:cNvPr id="7" name="ZoneTexte 6">
+            <a:extLst>
+              <a:ext uri="{FF2B5EF4-FFF2-40B4-BE49-F238E27FC236}">
+                <a16:creationId xmlns:a16="http://schemas.microsoft.com/office/drawing/2014/main" id="{A5227FCB-3D68-F008-631E-4E3D790F00E1}"/>
+              </a:ext>
+            </a:extLst>
+          </p:cNvPr>
+          <p:cNvSpPr txBox="1"/>
+          <p:nvPr/>
+        </p:nvSpPr>
+        <p:spPr>
+          <a:xfrm>
+            <a:off x="407721" y="5270637"/>
+            <a:ext cx="10914940" cy="338554"/>
+          </a:xfrm>
+          <a:prstGeom prst="rect">
+            <a:avLst/>
+          </a:prstGeom>
+          <a:gradFill flip="none" rotWithShape="1">
+            <a:gsLst>
+              <a:gs pos="0">
+                <a:srgbClr val="8AFAA1"/>
+              </a:gs>
+              <a:gs pos="44000">
+                <a:schemeClr val="bg1"/>
+              </a:gs>
+            </a:gsLst>
+            <a:lin ang="0" scaled="0"/>
+            <a:tileRect/>
+          </a:gradFill>
+        </p:spPr>
+        <p:txBody>
+          <a:bodyPr wrap="square" rtlCol="0">
+            <a:spAutoFit/>
+          </a:bodyPr>
+          <a:lstStyle/>
+          <a:p>
+            <a:r>
+              <a:rPr lang="fr-FR" sz="1600">
+                <a:latin typeface="Avenir Book" panose="02000503020000020003" pitchFamily="2" charset="0"/>
+              </a:rPr>
+              <a:t>Live tracking strategy</a:t>
+            </a:r>
+          </a:p>
+        </p:txBody>
+      </p:sp>
+      <p:sp>
+        <p:nvSpPr>
+          <p:cNvPr id="9" name="Ellipse 8">
+            <a:extLst>
+              <a:ext uri="{FF2B5EF4-FFF2-40B4-BE49-F238E27FC236}">
+                <a16:creationId xmlns:a16="http://schemas.microsoft.com/office/drawing/2014/main" id="{9FC2A41F-DB57-953D-1FFA-7C6EBABC2E11}"/>
+              </a:ext>
+            </a:extLst>
+          </p:cNvPr>
+          <p:cNvSpPr/>
+          <p:nvPr/>
+        </p:nvSpPr>
+        <p:spPr>
+          <a:xfrm>
+            <a:off x="609152" y="1743661"/>
+            <a:ext cx="160543" cy="160543"/>
+          </a:xfrm>
+          <a:prstGeom prst="ellipse">
+            <a:avLst/>
+          </a:prstGeom>
+          <a:solidFill>
+            <a:srgbClr val="00D461"/>
+          </a:solidFill>
+          <a:ln>
+            <a:solidFill>
+              <a:srgbClr val="00B050"/>
+            </a:solidFill>
+          </a:ln>
+        </p:spPr>
+        <p:style>
+          <a:lnRef idx="2">
+            <a:schemeClr val="accent1">
+              <a:shade val="50000"/>
+            </a:schemeClr>
+          </a:lnRef>
+          <a:fillRef idx="1">
+            <a:schemeClr val="accent1"/>
+          </a:fillRef>
+          <a:effectRef idx="0">
+            <a:schemeClr val="accent1"/>
+          </a:effectRef>
+          <a:fontRef idx="minor">
+            <a:schemeClr val="lt1"/>
+          </a:fontRef>
+        </p:style>
+        <p:txBody>
+          <a:bodyPr rtlCol="0" anchor="ctr"/>
+          <a:lstStyle/>
+          <a:p>
+            <a:pPr algn="ctr"/>
+            <a:endParaRPr lang="fr-FR"/>
+          </a:p>
+        </p:txBody>
+      </p:sp>
+      <p:sp>
+        <p:nvSpPr>
+          <p:cNvPr id="10" name="Ellipse 9">
+            <a:extLst>
+              <a:ext uri="{FF2B5EF4-FFF2-40B4-BE49-F238E27FC236}">
+                <a16:creationId xmlns:a16="http://schemas.microsoft.com/office/drawing/2014/main" id="{40415283-2534-EA43-D8D5-F513E3854131}"/>
+              </a:ext>
+            </a:extLst>
+          </p:cNvPr>
+          <p:cNvSpPr/>
+          <p:nvPr/>
+        </p:nvSpPr>
+        <p:spPr>
+          <a:xfrm>
+            <a:off x="609152" y="2048585"/>
+            <a:ext cx="160543" cy="160543"/>
+          </a:xfrm>
+          <a:prstGeom prst="ellipse">
+            <a:avLst/>
+          </a:prstGeom>
+          <a:solidFill>
+            <a:srgbClr val="00D461"/>
+          </a:solidFill>
+          <a:ln>
+            <a:solidFill>
+              <a:srgbClr val="00B050"/>
+            </a:solidFill>
+          </a:ln>
+        </p:spPr>
+        <p:style>
+          <a:lnRef idx="2">
+            <a:schemeClr val="accent1">
+              <a:shade val="50000"/>
+            </a:schemeClr>
+          </a:lnRef>
+          <a:fillRef idx="1">
+            <a:schemeClr val="accent1"/>
+          </a:fillRef>
+          <a:effectRef idx="0">
+            <a:schemeClr val="accent1"/>
+          </a:effectRef>
+          <a:fontRef idx="minor">
+            <a:schemeClr val="lt1"/>
+          </a:fontRef>
+        </p:style>
+        <p:txBody>
+          <a:bodyPr rtlCol="0" anchor="ctr"/>
+          <a:lstStyle/>
+          <a:p>
+            <a:pPr algn="ctr"/>
+            <a:endParaRPr lang="fr-FR"/>
+          </a:p>
+        </p:txBody>
+      </p:sp>
+      <p:sp>
+        <p:nvSpPr>
+          <p:cNvPr id="11" name="Ellipse 10">
+            <a:extLst>
+              <a:ext uri="{FF2B5EF4-FFF2-40B4-BE49-F238E27FC236}">
+                <a16:creationId xmlns:a16="http://schemas.microsoft.com/office/drawing/2014/main" id="{D5FA3BAD-1152-23B2-D066-F2CC8C7670FE}"/>
+              </a:ext>
+            </a:extLst>
+          </p:cNvPr>
+          <p:cNvSpPr/>
+          <p:nvPr/>
+        </p:nvSpPr>
+        <p:spPr>
+          <a:xfrm>
+            <a:off x="609151" y="2353509"/>
+            <a:ext cx="160543" cy="160543"/>
+          </a:xfrm>
+          <a:prstGeom prst="ellipse">
+            <a:avLst/>
+          </a:prstGeom>
+          <a:solidFill>
+            <a:srgbClr val="00D461"/>
+          </a:solidFill>
+          <a:ln>
+            <a:solidFill>
+              <a:srgbClr val="00B050"/>
+            </a:solidFill>
+          </a:ln>
+        </p:spPr>
+        <p:style>
+          <a:lnRef idx="2">
+            <a:schemeClr val="accent1">
+              <a:shade val="50000"/>
+            </a:schemeClr>
+          </a:lnRef>
+          <a:fillRef idx="1">
+            <a:schemeClr val="accent1"/>
+          </a:fillRef>
+          <a:effectRef idx="0">
+            <a:schemeClr val="accent1"/>
+          </a:effectRef>
+          <a:fontRef idx="minor">
+            <a:schemeClr val="lt1"/>
+          </a:fontRef>
+        </p:style>
+        <p:txBody>
+          <a:bodyPr rtlCol="0" anchor="ctr"/>
+          <a:lstStyle/>
+          <a:p>
+            <a:pPr algn="ctr"/>
+            <a:endParaRPr lang="fr-FR"/>
+          </a:p>
+        </p:txBody>
+      </p:sp>
+      <p:sp>
+        <p:nvSpPr>
+          <p:cNvPr id="12" name="Ellipse 11">
+            <a:extLst>
+              <a:ext uri="{FF2B5EF4-FFF2-40B4-BE49-F238E27FC236}">
+                <a16:creationId xmlns:a16="http://schemas.microsoft.com/office/drawing/2014/main" id="{462A9B8D-A125-6094-74DF-878273941D4F}"/>
+              </a:ext>
+            </a:extLst>
+          </p:cNvPr>
+          <p:cNvSpPr/>
+          <p:nvPr/>
+        </p:nvSpPr>
+        <p:spPr>
+          <a:xfrm>
+            <a:off x="609151" y="2658433"/>
+            <a:ext cx="160543" cy="160543"/>
+          </a:xfrm>
+          <a:prstGeom prst="ellipse">
+            <a:avLst/>
+          </a:prstGeom>
+          <a:solidFill>
+            <a:srgbClr val="3D7E4F"/>
+          </a:solidFill>
+          <a:ln>
+            <a:solidFill>
+              <a:schemeClr val="accent6">
+                <a:lumMod val="50000"/>
+              </a:schemeClr>
+            </a:solidFill>
+          </a:ln>
+        </p:spPr>
+        <p:style>
+          <a:lnRef idx="2">
+            <a:schemeClr val="accent1">
+              <a:shade val="50000"/>
+            </a:schemeClr>
+          </a:lnRef>
+          <a:fillRef idx="1">
+            <a:schemeClr val="accent1"/>
+          </a:fillRef>
+          <a:effectRef idx="0">
+            <a:schemeClr val="accent1"/>
+          </a:effectRef>
+          <a:fontRef idx="minor">
+            <a:schemeClr val="lt1"/>
+          </a:fontRef>
+        </p:style>
+        <p:txBody>
+          <a:bodyPr rtlCol="0" anchor="ctr"/>
+          <a:lstStyle/>
+          <a:p>
+            <a:pPr algn="ctr"/>
+            <a:endParaRPr lang="fr-FR"/>
+          </a:p>
+        </p:txBody>
+      </p:sp>
+      <p:sp>
+        <p:nvSpPr>
+          <p:cNvPr id="13" name="Ellipse 12">
+            <a:extLst>
+              <a:ext uri="{FF2B5EF4-FFF2-40B4-BE49-F238E27FC236}">
+                <a16:creationId xmlns:a16="http://schemas.microsoft.com/office/drawing/2014/main" id="{9136A416-FE40-A310-14E3-2E0B31108C43}"/>
+              </a:ext>
+            </a:extLst>
+          </p:cNvPr>
+          <p:cNvSpPr/>
+          <p:nvPr/>
+        </p:nvSpPr>
+        <p:spPr>
+          <a:xfrm>
+            <a:off x="609151" y="2963357"/>
+            <a:ext cx="160543" cy="160543"/>
+          </a:xfrm>
+          <a:prstGeom prst="ellipse">
+            <a:avLst/>
+          </a:prstGeom>
+          <a:solidFill>
+            <a:srgbClr val="00D461"/>
+          </a:solidFill>
+          <a:ln>
+            <a:solidFill>
+              <a:srgbClr val="00B050"/>
+            </a:solidFill>
+          </a:ln>
+        </p:spPr>
+        <p:style>
+          <a:lnRef idx="2">
+            <a:schemeClr val="accent1">
+              <a:shade val="50000"/>
+            </a:schemeClr>
+          </a:lnRef>
+          <a:fillRef idx="1">
+            <a:schemeClr val="accent1"/>
+          </a:fillRef>
+          <a:effectRef idx="0">
+            <a:schemeClr val="accent1"/>
+          </a:effectRef>
+          <a:fontRef idx="minor">
+            <a:schemeClr val="lt1"/>
+          </a:fontRef>
+        </p:style>
+        <p:txBody>
+          <a:bodyPr rtlCol="0" anchor="ctr"/>
+          <a:lstStyle/>
+          <a:p>
+            <a:pPr algn="ctr"/>
+            <a:endParaRPr lang="fr-FR"/>
+          </a:p>
+        </p:txBody>
+      </p:sp>
+      <p:sp>
+        <p:nvSpPr>
+          <p:cNvPr id="19" name="Ellipse 18">
+            <a:extLst>
+              <a:ext uri="{FF2B5EF4-FFF2-40B4-BE49-F238E27FC236}">
+                <a16:creationId xmlns:a16="http://schemas.microsoft.com/office/drawing/2014/main" id="{2D0C84B4-DCAE-63E9-EE07-CBD7D62FA0E4}"/>
+              </a:ext>
+            </a:extLst>
+          </p:cNvPr>
+          <p:cNvSpPr/>
+          <p:nvPr/>
+        </p:nvSpPr>
+        <p:spPr>
+          <a:xfrm>
+            <a:off x="922096" y="1743661"/>
+            <a:ext cx="160543" cy="160543"/>
+          </a:xfrm>
+          <a:prstGeom prst="ellipse">
+            <a:avLst/>
+          </a:prstGeom>
+          <a:solidFill>
+            <a:srgbClr val="00D461"/>
+          </a:solidFill>
+          <a:ln>
+            <a:solidFill>
+              <a:srgbClr val="00B050"/>
+            </a:solidFill>
+          </a:ln>
+        </p:spPr>
+        <p:style>
+          <a:lnRef idx="2">
+            <a:schemeClr val="accent1">
+              <a:shade val="50000"/>
+            </a:schemeClr>
+          </a:lnRef>
+          <a:fillRef idx="1">
+            <a:schemeClr val="accent1"/>
+          </a:fillRef>
+          <a:effectRef idx="0">
+            <a:schemeClr val="accent1"/>
+          </a:effectRef>
+          <a:fontRef idx="minor">
+            <a:schemeClr val="lt1"/>
+          </a:fontRef>
+        </p:style>
+        <p:txBody>
+          <a:bodyPr rtlCol="0" anchor="ctr"/>
+          <a:lstStyle/>
+          <a:p>
+            <a:pPr algn="ctr"/>
+            <a:endParaRPr lang="fr-FR"/>
+          </a:p>
+        </p:txBody>
+      </p:sp>
+      <p:sp>
+        <p:nvSpPr>
+          <p:cNvPr id="20" name="Ellipse 19">
+            <a:extLst>
+              <a:ext uri="{FF2B5EF4-FFF2-40B4-BE49-F238E27FC236}">
+                <a16:creationId xmlns:a16="http://schemas.microsoft.com/office/drawing/2014/main" id="{6156B6AF-5BE6-282C-D160-3C86C99E10F7}"/>
+              </a:ext>
+            </a:extLst>
+          </p:cNvPr>
+          <p:cNvSpPr/>
+          <p:nvPr/>
+        </p:nvSpPr>
+        <p:spPr>
+          <a:xfrm>
+            <a:off x="922096" y="2048585"/>
+            <a:ext cx="160543" cy="160543"/>
+          </a:xfrm>
+          <a:prstGeom prst="ellipse">
+            <a:avLst/>
+          </a:prstGeom>
+          <a:solidFill>
+            <a:srgbClr val="00D461"/>
+          </a:solidFill>
+          <a:ln>
+            <a:solidFill>
+              <a:srgbClr val="00B050"/>
+            </a:solidFill>
+          </a:ln>
+        </p:spPr>
+        <p:style>
+          <a:lnRef idx="2">
+            <a:schemeClr val="accent1">
+              <a:shade val="50000"/>
+            </a:schemeClr>
+          </a:lnRef>
+          <a:fillRef idx="1">
+            <a:schemeClr val="accent1"/>
+          </a:fillRef>
+          <a:effectRef idx="0">
+            <a:schemeClr val="accent1"/>
+          </a:effectRef>
+          <a:fontRef idx="minor">
+            <a:schemeClr val="lt1"/>
+          </a:fontRef>
+        </p:style>
+        <p:txBody>
+          <a:bodyPr rtlCol="0" anchor="ctr"/>
+          <a:lstStyle/>
+          <a:p>
+            <a:pPr algn="ctr"/>
+            <a:endParaRPr lang="fr-FR"/>
+          </a:p>
+        </p:txBody>
+      </p:sp>
+      <p:sp>
+        <p:nvSpPr>
+          <p:cNvPr id="21" name="Ellipse 20">
+            <a:extLst>
+              <a:ext uri="{FF2B5EF4-FFF2-40B4-BE49-F238E27FC236}">
+                <a16:creationId xmlns:a16="http://schemas.microsoft.com/office/drawing/2014/main" id="{B467FEA2-E90E-9986-F136-553B187454B2}"/>
+              </a:ext>
+            </a:extLst>
+          </p:cNvPr>
+          <p:cNvSpPr/>
+          <p:nvPr/>
+        </p:nvSpPr>
+        <p:spPr>
+          <a:xfrm>
+            <a:off x="922095" y="2353509"/>
+            <a:ext cx="160543" cy="160543"/>
+          </a:xfrm>
+          <a:prstGeom prst="ellipse">
+            <a:avLst/>
+          </a:prstGeom>
+          <a:solidFill>
+            <a:srgbClr val="3D7E4F"/>
+          </a:solidFill>
+          <a:ln>
+            <a:solidFill>
+              <a:schemeClr val="accent6">
+                <a:lumMod val="50000"/>
+              </a:schemeClr>
+            </a:solidFill>
+          </a:ln>
+        </p:spPr>
+        <p:style>
+          <a:lnRef idx="2">
+            <a:schemeClr val="accent1">
+              <a:shade val="50000"/>
+            </a:schemeClr>
+          </a:lnRef>
+          <a:fillRef idx="1">
+            <a:schemeClr val="accent1"/>
+          </a:fillRef>
+          <a:effectRef idx="0">
+            <a:schemeClr val="accent1"/>
+          </a:effectRef>
+          <a:fontRef idx="minor">
+            <a:schemeClr val="lt1"/>
+          </a:fontRef>
+        </p:style>
+        <p:txBody>
+          <a:bodyPr rtlCol="0" anchor="ctr"/>
+          <a:lstStyle/>
+          <a:p>
+            <a:pPr algn="ctr"/>
+            <a:endParaRPr lang="fr-FR"/>
+          </a:p>
+        </p:txBody>
+      </p:sp>
+      <p:sp>
+        <p:nvSpPr>
+          <p:cNvPr id="22" name="Ellipse 21">
+            <a:extLst>
+              <a:ext uri="{FF2B5EF4-FFF2-40B4-BE49-F238E27FC236}">
+                <a16:creationId xmlns:a16="http://schemas.microsoft.com/office/drawing/2014/main" id="{EB7F58FE-B434-01EE-9241-3BB59AD4C171}"/>
+              </a:ext>
+            </a:extLst>
+          </p:cNvPr>
+          <p:cNvSpPr/>
+          <p:nvPr/>
+        </p:nvSpPr>
+        <p:spPr>
+          <a:xfrm>
+            <a:off x="922095" y="2658433"/>
+            <a:ext cx="160543" cy="160543"/>
+          </a:xfrm>
+          <a:prstGeom prst="ellipse">
+            <a:avLst/>
+          </a:prstGeom>
+          <a:solidFill>
+            <a:srgbClr val="00D461"/>
+          </a:solidFill>
+          <a:ln>
+            <a:solidFill>
+              <a:srgbClr val="00B050"/>
+            </a:solidFill>
+          </a:ln>
+        </p:spPr>
+        <p:style>
+          <a:lnRef idx="2">
+            <a:schemeClr val="accent1">
+              <a:shade val="50000"/>
+            </a:schemeClr>
+          </a:lnRef>
+          <a:fillRef idx="1">
+            <a:schemeClr val="accent1"/>
+          </a:fillRef>
+          <a:effectRef idx="0">
+            <a:schemeClr val="accent1"/>
+          </a:effectRef>
+          <a:fontRef idx="minor">
+            <a:schemeClr val="lt1"/>
+          </a:fontRef>
+        </p:style>
+        <p:txBody>
+          <a:bodyPr rtlCol="0" anchor="ctr"/>
+          <a:lstStyle/>
+          <a:p>
+            <a:pPr algn="ctr"/>
+            <a:endParaRPr lang="fr-FR"/>
+          </a:p>
+        </p:txBody>
+      </p:sp>
+      <p:sp>
+        <p:nvSpPr>
+          <p:cNvPr id="23" name="Ellipse 22">
+            <a:extLst>
+              <a:ext uri="{FF2B5EF4-FFF2-40B4-BE49-F238E27FC236}">
+                <a16:creationId xmlns:a16="http://schemas.microsoft.com/office/drawing/2014/main" id="{078ED28D-141B-AA89-77C6-9BB9015835AC}"/>
+              </a:ext>
+            </a:extLst>
+          </p:cNvPr>
+          <p:cNvSpPr/>
+          <p:nvPr/>
+        </p:nvSpPr>
+        <p:spPr>
+          <a:xfrm>
+            <a:off x="922095" y="2963357"/>
+            <a:ext cx="160543" cy="160543"/>
+          </a:xfrm>
+          <a:prstGeom prst="ellipse">
+            <a:avLst/>
+          </a:prstGeom>
+          <a:solidFill>
+            <a:srgbClr val="00D461"/>
+          </a:solidFill>
+          <a:ln>
+            <a:solidFill>
+              <a:srgbClr val="00B050"/>
+            </a:solidFill>
+          </a:ln>
+        </p:spPr>
+        <p:style>
+          <a:lnRef idx="2">
+            <a:schemeClr val="accent1">
+              <a:shade val="50000"/>
+            </a:schemeClr>
+          </a:lnRef>
+          <a:fillRef idx="1">
+            <a:schemeClr val="accent1"/>
+          </a:fillRef>
+          <a:effectRef idx="0">
+            <a:schemeClr val="accent1"/>
+          </a:effectRef>
+          <a:fontRef idx="minor">
+            <a:schemeClr val="lt1"/>
+          </a:fontRef>
+        </p:style>
+        <p:txBody>
+          <a:bodyPr rtlCol="0" anchor="ctr"/>
+          <a:lstStyle/>
+          <a:p>
+            <a:pPr algn="ctr"/>
+            <a:endParaRPr lang="fr-FR"/>
+          </a:p>
+        </p:txBody>
+      </p:sp>
+      <p:sp>
+        <p:nvSpPr>
+          <p:cNvPr id="24" name="Ellipse 23">
+            <a:extLst>
+              <a:ext uri="{FF2B5EF4-FFF2-40B4-BE49-F238E27FC236}">
+                <a16:creationId xmlns:a16="http://schemas.microsoft.com/office/drawing/2014/main" id="{EA60B029-BB3A-C72B-2E7B-DF563C17F545}"/>
+              </a:ext>
+            </a:extLst>
+          </p:cNvPr>
+          <p:cNvSpPr/>
+          <p:nvPr/>
+        </p:nvSpPr>
+        <p:spPr>
+          <a:xfrm>
+            <a:off x="1235040" y="1743661"/>
+            <a:ext cx="160543" cy="160543"/>
+          </a:xfrm>
+          <a:prstGeom prst="ellipse">
+            <a:avLst/>
+          </a:prstGeom>
+          <a:solidFill>
+            <a:srgbClr val="00D461"/>
+          </a:solidFill>
+          <a:ln>
+            <a:solidFill>
+              <a:srgbClr val="00B050"/>
+            </a:solidFill>
+          </a:ln>
+        </p:spPr>
+        <p:style>
+          <a:lnRef idx="2">
+            <a:schemeClr val="accent1">
+              <a:shade val="50000"/>
+            </a:schemeClr>
+          </a:lnRef>
+          <a:fillRef idx="1">
+            <a:schemeClr val="accent1"/>
+          </a:fillRef>
+          <a:effectRef idx="0">
+            <a:schemeClr val="accent1"/>
+          </a:effectRef>
+          <a:fontRef idx="minor">
+            <a:schemeClr val="lt1"/>
+          </a:fontRef>
+        </p:style>
+        <p:txBody>
+          <a:bodyPr rtlCol="0" anchor="ctr"/>
+          <a:lstStyle/>
+          <a:p>
+            <a:pPr algn="ctr"/>
+            <a:endParaRPr lang="fr-FR"/>
+          </a:p>
+        </p:txBody>
+      </p:sp>
+      <p:sp>
+        <p:nvSpPr>
+          <p:cNvPr id="25" name="Ellipse 24">
+            <a:extLst>
+              <a:ext uri="{FF2B5EF4-FFF2-40B4-BE49-F238E27FC236}">
+                <a16:creationId xmlns:a16="http://schemas.microsoft.com/office/drawing/2014/main" id="{FEFC10AC-4A6C-9AD8-F140-2B517F2FA7F6}"/>
+              </a:ext>
+            </a:extLst>
+          </p:cNvPr>
+          <p:cNvSpPr/>
+          <p:nvPr/>
+        </p:nvSpPr>
+        <p:spPr>
+          <a:xfrm>
+            <a:off x="1235040" y="2048585"/>
+            <a:ext cx="160543" cy="160543"/>
+          </a:xfrm>
+          <a:prstGeom prst="ellipse">
+            <a:avLst/>
+          </a:prstGeom>
+          <a:solidFill>
+            <a:srgbClr val="3D7E4F"/>
+          </a:solidFill>
+          <a:ln>
+            <a:solidFill>
+              <a:schemeClr val="accent6">
+                <a:lumMod val="50000"/>
+              </a:schemeClr>
+            </a:solidFill>
+          </a:ln>
+        </p:spPr>
+        <p:style>
+          <a:lnRef idx="2">
+            <a:schemeClr val="accent1">
+              <a:shade val="50000"/>
+            </a:schemeClr>
+          </a:lnRef>
+          <a:fillRef idx="1">
+            <a:schemeClr val="accent1"/>
+          </a:fillRef>
+          <a:effectRef idx="0">
+            <a:schemeClr val="accent1"/>
+          </a:effectRef>
+          <a:fontRef idx="minor">
+            <a:schemeClr val="lt1"/>
+          </a:fontRef>
+        </p:style>
+        <p:txBody>
+          <a:bodyPr rtlCol="0" anchor="ctr"/>
+          <a:lstStyle/>
+          <a:p>
+            <a:pPr algn="ctr"/>
+            <a:endParaRPr lang="fr-FR"/>
+          </a:p>
+        </p:txBody>
+      </p:sp>
+      <p:sp>
+        <p:nvSpPr>
+          <p:cNvPr id="26" name="Ellipse 25">
+            <a:extLst>
+              <a:ext uri="{FF2B5EF4-FFF2-40B4-BE49-F238E27FC236}">
+                <a16:creationId xmlns:a16="http://schemas.microsoft.com/office/drawing/2014/main" id="{D98B7CDD-63E1-6DDA-C6D4-A749E7B91E4B}"/>
+              </a:ext>
+            </a:extLst>
+          </p:cNvPr>
+          <p:cNvSpPr/>
+          <p:nvPr/>
+        </p:nvSpPr>
+        <p:spPr>
+          <a:xfrm>
+            <a:off x="1235039" y="2353509"/>
+            <a:ext cx="160543" cy="160543"/>
+          </a:xfrm>
+          <a:prstGeom prst="ellipse">
+            <a:avLst/>
+          </a:prstGeom>
+          <a:solidFill>
+            <a:srgbClr val="00D461"/>
+          </a:solidFill>
+          <a:ln>
+            <a:solidFill>
+              <a:srgbClr val="00B050"/>
+            </a:solidFill>
+          </a:ln>
+        </p:spPr>
+        <p:style>
+          <a:lnRef idx="2">
+            <a:schemeClr val="accent1">
+              <a:shade val="50000"/>
+            </a:schemeClr>
+          </a:lnRef>
+          <a:fillRef idx="1">
+            <a:schemeClr val="accent1"/>
+          </a:fillRef>
+          <a:effectRef idx="0">
+            <a:schemeClr val="accent1"/>
+          </a:effectRef>
+          <a:fontRef idx="minor">
+            <a:schemeClr val="lt1"/>
+          </a:fontRef>
+        </p:style>
+        <p:txBody>
+          <a:bodyPr rtlCol="0" anchor="ctr"/>
+          <a:lstStyle/>
+          <a:p>
+            <a:pPr algn="ctr"/>
+            <a:endParaRPr lang="fr-FR"/>
+          </a:p>
+        </p:txBody>
+      </p:sp>
+      <p:sp>
+        <p:nvSpPr>
+          <p:cNvPr id="27" name="Ellipse 26">
+            <a:extLst>
+              <a:ext uri="{FF2B5EF4-FFF2-40B4-BE49-F238E27FC236}">
+                <a16:creationId xmlns:a16="http://schemas.microsoft.com/office/drawing/2014/main" id="{5EABCDB3-10A1-B46B-84FC-D99C12AFD316}"/>
+              </a:ext>
+            </a:extLst>
+          </p:cNvPr>
+          <p:cNvSpPr/>
+          <p:nvPr/>
+        </p:nvSpPr>
+        <p:spPr>
+          <a:xfrm>
+            <a:off x="1235039" y="2658433"/>
+            <a:ext cx="160543" cy="160543"/>
+          </a:xfrm>
+          <a:prstGeom prst="ellipse">
+            <a:avLst/>
+          </a:prstGeom>
+          <a:solidFill>
+            <a:srgbClr val="00D461"/>
+          </a:solidFill>
+          <a:ln>
+            <a:solidFill>
+              <a:srgbClr val="00B050"/>
+            </a:solidFill>
+          </a:ln>
+        </p:spPr>
+        <p:style>
+          <a:lnRef idx="2">
+            <a:schemeClr val="accent1">
+              <a:shade val="50000"/>
+            </a:schemeClr>
+          </a:lnRef>
+          <a:fillRef idx="1">
+            <a:schemeClr val="accent1"/>
+          </a:fillRef>
+          <a:effectRef idx="0">
+            <a:schemeClr val="accent1"/>
+          </a:effectRef>
+          <a:fontRef idx="minor">
+            <a:schemeClr val="lt1"/>
+          </a:fontRef>
+        </p:style>
+        <p:txBody>
+          <a:bodyPr rtlCol="0" anchor="ctr"/>
+          <a:lstStyle/>
+          <a:p>
+            <a:pPr algn="ctr"/>
+            <a:endParaRPr lang="fr-FR"/>
+          </a:p>
+        </p:txBody>
+      </p:sp>
+      <p:sp>
+        <p:nvSpPr>
+          <p:cNvPr id="28" name="Ellipse 27">
+            <a:extLst>
+              <a:ext uri="{FF2B5EF4-FFF2-40B4-BE49-F238E27FC236}">
+                <a16:creationId xmlns:a16="http://schemas.microsoft.com/office/drawing/2014/main" id="{627F41BC-981D-CAF9-F924-0F4BE3B60B67}"/>
+              </a:ext>
+            </a:extLst>
+          </p:cNvPr>
+          <p:cNvSpPr/>
+          <p:nvPr/>
+        </p:nvSpPr>
+        <p:spPr>
+          <a:xfrm>
+            <a:off x="1235039" y="2963357"/>
+            <a:ext cx="160543" cy="160543"/>
+          </a:xfrm>
+          <a:prstGeom prst="ellipse">
+            <a:avLst/>
+          </a:prstGeom>
+          <a:solidFill>
+            <a:srgbClr val="00D461"/>
+          </a:solidFill>
+          <a:ln>
+            <a:solidFill>
+              <a:srgbClr val="00B050"/>
+            </a:solidFill>
+          </a:ln>
+        </p:spPr>
+        <p:style>
+          <a:lnRef idx="2">
+            <a:schemeClr val="accent1">
+              <a:shade val="50000"/>
+            </a:schemeClr>
+          </a:lnRef>
+          <a:fillRef idx="1">
+            <a:schemeClr val="accent1"/>
+          </a:fillRef>
+          <a:effectRef idx="0">
+            <a:schemeClr val="accent1"/>
+          </a:effectRef>
+          <a:fontRef idx="minor">
+            <a:schemeClr val="lt1"/>
+          </a:fontRef>
+        </p:style>
+        <p:txBody>
+          <a:bodyPr rtlCol="0" anchor="ctr"/>
+          <a:lstStyle/>
+          <a:p>
+            <a:pPr algn="ctr"/>
+            <a:endParaRPr lang="fr-FR"/>
+          </a:p>
+        </p:txBody>
+      </p:sp>
+      <p:sp>
+        <p:nvSpPr>
+          <p:cNvPr id="29" name="Ellipse 28">
+            <a:extLst>
+              <a:ext uri="{FF2B5EF4-FFF2-40B4-BE49-F238E27FC236}">
+                <a16:creationId xmlns:a16="http://schemas.microsoft.com/office/drawing/2014/main" id="{29D89ED5-F5A7-4A75-98B4-127F9D104EB0}"/>
+              </a:ext>
+            </a:extLst>
+          </p:cNvPr>
+          <p:cNvSpPr/>
+          <p:nvPr/>
+        </p:nvSpPr>
+        <p:spPr>
+          <a:xfrm>
+            <a:off x="1547984" y="1743661"/>
+            <a:ext cx="160543" cy="160543"/>
+          </a:xfrm>
+          <a:prstGeom prst="ellipse">
+            <a:avLst/>
+          </a:prstGeom>
+          <a:solidFill>
+            <a:srgbClr val="00D461"/>
+          </a:solidFill>
+          <a:ln>
+            <a:solidFill>
+              <a:srgbClr val="00B050"/>
+            </a:solidFill>
+          </a:ln>
+        </p:spPr>
+        <p:style>
+          <a:lnRef idx="2">
+            <a:schemeClr val="accent1">
+              <a:shade val="50000"/>
+            </a:schemeClr>
+          </a:lnRef>
+          <a:fillRef idx="1">
+            <a:schemeClr val="accent1"/>
+          </a:fillRef>
+          <a:effectRef idx="0">
+            <a:schemeClr val="accent1"/>
+          </a:effectRef>
+          <a:fontRef idx="minor">
+            <a:schemeClr val="lt1"/>
+          </a:fontRef>
+        </p:style>
+        <p:txBody>
+          <a:bodyPr rtlCol="0" anchor="ctr"/>
+          <a:lstStyle/>
+          <a:p>
+            <a:pPr algn="ctr"/>
+            <a:endParaRPr lang="fr-FR"/>
+          </a:p>
+        </p:txBody>
+      </p:sp>
+      <p:sp>
+        <p:nvSpPr>
+          <p:cNvPr id="30" name="Ellipse 29">
+            <a:extLst>
+              <a:ext uri="{FF2B5EF4-FFF2-40B4-BE49-F238E27FC236}">
+                <a16:creationId xmlns:a16="http://schemas.microsoft.com/office/drawing/2014/main" id="{42360184-17B2-742B-E2B2-22370B976151}"/>
+              </a:ext>
+            </a:extLst>
+          </p:cNvPr>
+          <p:cNvSpPr/>
+          <p:nvPr/>
+        </p:nvSpPr>
+        <p:spPr>
+          <a:xfrm>
+            <a:off x="1547984" y="2048585"/>
+            <a:ext cx="160543" cy="160543"/>
+          </a:xfrm>
+          <a:prstGeom prst="ellipse">
+            <a:avLst/>
+          </a:prstGeom>
+          <a:solidFill>
+            <a:srgbClr val="00D461"/>
+          </a:solidFill>
+          <a:ln>
+            <a:solidFill>
+              <a:srgbClr val="00B050"/>
+            </a:solidFill>
+          </a:ln>
+        </p:spPr>
+        <p:style>
+          <a:lnRef idx="2">
+            <a:schemeClr val="accent1">
+              <a:shade val="50000"/>
+            </a:schemeClr>
+          </a:lnRef>
+          <a:fillRef idx="1">
+            <a:schemeClr val="accent1"/>
+          </a:fillRef>
+          <a:effectRef idx="0">
+            <a:schemeClr val="accent1"/>
+          </a:effectRef>
+          <a:fontRef idx="minor">
+            <a:schemeClr val="lt1"/>
+          </a:fontRef>
+        </p:style>
+        <p:txBody>
+          <a:bodyPr rtlCol="0" anchor="ctr"/>
+          <a:lstStyle/>
+          <a:p>
+            <a:pPr algn="ctr"/>
+            <a:endParaRPr lang="fr-FR"/>
+          </a:p>
+        </p:txBody>
+      </p:sp>
+      <p:sp>
+        <p:nvSpPr>
+          <p:cNvPr id="31" name="Ellipse 30">
+            <a:extLst>
+              <a:ext uri="{FF2B5EF4-FFF2-40B4-BE49-F238E27FC236}">
+                <a16:creationId xmlns:a16="http://schemas.microsoft.com/office/drawing/2014/main" id="{3C7C91F4-D074-B73A-1445-31404D600564}"/>
+              </a:ext>
+            </a:extLst>
+          </p:cNvPr>
+          <p:cNvSpPr/>
+          <p:nvPr/>
+        </p:nvSpPr>
+        <p:spPr>
+          <a:xfrm>
+            <a:off x="1547983" y="2353509"/>
+            <a:ext cx="160543" cy="160543"/>
+          </a:xfrm>
+          <a:prstGeom prst="ellipse">
+            <a:avLst/>
+          </a:prstGeom>
+          <a:solidFill>
+            <a:srgbClr val="3D7E4F"/>
+          </a:solidFill>
+          <a:ln>
+            <a:solidFill>
+              <a:schemeClr val="accent6">
+                <a:lumMod val="50000"/>
+              </a:schemeClr>
+            </a:solidFill>
+          </a:ln>
+        </p:spPr>
+        <p:style>
+          <a:lnRef idx="2">
+            <a:schemeClr val="accent1">
+              <a:shade val="50000"/>
+            </a:schemeClr>
+          </a:lnRef>
+          <a:fillRef idx="1">
+            <a:schemeClr val="accent1"/>
+          </a:fillRef>
+          <a:effectRef idx="0">
+            <a:schemeClr val="accent1"/>
+          </a:effectRef>
+          <a:fontRef idx="minor">
+            <a:schemeClr val="lt1"/>
+          </a:fontRef>
+        </p:style>
+        <p:txBody>
+          <a:bodyPr rtlCol="0" anchor="ctr"/>
+          <a:lstStyle/>
+          <a:p>
+            <a:pPr algn="ctr"/>
+            <a:endParaRPr lang="fr-FR"/>
+          </a:p>
+        </p:txBody>
+      </p:sp>
+      <p:sp>
+        <p:nvSpPr>
+          <p:cNvPr id="32" name="Ellipse 31">
+            <a:extLst>
+              <a:ext uri="{FF2B5EF4-FFF2-40B4-BE49-F238E27FC236}">
+                <a16:creationId xmlns:a16="http://schemas.microsoft.com/office/drawing/2014/main" id="{8E192C5F-8454-F012-0980-964F7F870349}"/>
+              </a:ext>
+            </a:extLst>
+          </p:cNvPr>
+          <p:cNvSpPr/>
+          <p:nvPr/>
+        </p:nvSpPr>
+        <p:spPr>
+          <a:xfrm>
+            <a:off x="1547983" y="2658433"/>
+            <a:ext cx="160543" cy="160543"/>
+          </a:xfrm>
+          <a:prstGeom prst="ellipse">
+            <a:avLst/>
+          </a:prstGeom>
+          <a:solidFill>
+            <a:srgbClr val="00D461"/>
+          </a:solidFill>
+          <a:ln>
+            <a:solidFill>
+              <a:srgbClr val="00B050"/>
+            </a:solidFill>
+          </a:ln>
+        </p:spPr>
+        <p:style>
+          <a:lnRef idx="2">
+            <a:schemeClr val="accent1">
+              <a:shade val="50000"/>
+            </a:schemeClr>
+          </a:lnRef>
+          <a:fillRef idx="1">
+            <a:schemeClr val="accent1"/>
+          </a:fillRef>
+          <a:effectRef idx="0">
+            <a:schemeClr val="accent1"/>
+          </a:effectRef>
+          <a:fontRef idx="minor">
+            <a:schemeClr val="lt1"/>
+          </a:fontRef>
+        </p:style>
+        <p:txBody>
+          <a:bodyPr rtlCol="0" anchor="ctr"/>
+          <a:lstStyle/>
+          <a:p>
+            <a:pPr algn="ctr"/>
+            <a:endParaRPr lang="fr-FR"/>
+          </a:p>
+        </p:txBody>
+      </p:sp>
+      <p:sp>
+        <p:nvSpPr>
+          <p:cNvPr id="33" name="Ellipse 32">
+            <a:extLst>
+              <a:ext uri="{FF2B5EF4-FFF2-40B4-BE49-F238E27FC236}">
+                <a16:creationId xmlns:a16="http://schemas.microsoft.com/office/drawing/2014/main" id="{8F1F6538-ECBB-6E9D-90A4-5D0B8BD6FDC0}"/>
+              </a:ext>
+            </a:extLst>
+          </p:cNvPr>
+          <p:cNvSpPr/>
+          <p:nvPr/>
+        </p:nvSpPr>
+        <p:spPr>
+          <a:xfrm>
+            <a:off x="1547983" y="2963357"/>
+            <a:ext cx="160543" cy="160543"/>
+          </a:xfrm>
+          <a:prstGeom prst="ellipse">
+            <a:avLst/>
+          </a:prstGeom>
+          <a:solidFill>
+            <a:srgbClr val="00D461"/>
+          </a:solidFill>
+          <a:ln>
+            <a:solidFill>
+              <a:srgbClr val="00B050"/>
+            </a:solidFill>
+          </a:ln>
+        </p:spPr>
+        <p:style>
+          <a:lnRef idx="2">
+            <a:schemeClr val="accent1">
+              <a:shade val="50000"/>
+            </a:schemeClr>
+          </a:lnRef>
+          <a:fillRef idx="1">
+            <a:schemeClr val="accent1"/>
+          </a:fillRef>
+          <a:effectRef idx="0">
+            <a:schemeClr val="accent1"/>
+          </a:effectRef>
+          <a:fontRef idx="minor">
+            <a:schemeClr val="lt1"/>
+          </a:fontRef>
+        </p:style>
+        <p:txBody>
+          <a:bodyPr rtlCol="0" anchor="ctr"/>
+          <a:lstStyle/>
+          <a:p>
+            <a:pPr algn="ctr"/>
+            <a:endParaRPr lang="fr-FR"/>
+          </a:p>
+        </p:txBody>
+      </p:sp>
+      <p:sp>
+        <p:nvSpPr>
+          <p:cNvPr id="34" name="Ellipse 33">
+            <a:extLst>
+              <a:ext uri="{FF2B5EF4-FFF2-40B4-BE49-F238E27FC236}">
+                <a16:creationId xmlns:a16="http://schemas.microsoft.com/office/drawing/2014/main" id="{06A3B785-28C8-31FF-C975-0909A6E344BE}"/>
+              </a:ext>
+            </a:extLst>
+          </p:cNvPr>
+          <p:cNvSpPr/>
+          <p:nvPr/>
+        </p:nvSpPr>
+        <p:spPr>
+          <a:xfrm>
+            <a:off x="1860928" y="1743661"/>
+            <a:ext cx="160543" cy="160543"/>
+          </a:xfrm>
+          <a:prstGeom prst="ellipse">
+            <a:avLst/>
+          </a:prstGeom>
+          <a:solidFill>
+            <a:srgbClr val="00D461"/>
+          </a:solidFill>
+          <a:ln>
+            <a:solidFill>
+              <a:srgbClr val="00B050"/>
+            </a:solidFill>
+          </a:ln>
+        </p:spPr>
+        <p:style>
+          <a:lnRef idx="2">
+            <a:schemeClr val="accent1">
+              <a:shade val="50000"/>
+            </a:schemeClr>
+          </a:lnRef>
+          <a:fillRef idx="1">
+            <a:schemeClr val="accent1"/>
+          </a:fillRef>
+          <a:effectRef idx="0">
+            <a:schemeClr val="accent1"/>
+          </a:effectRef>
+          <a:fontRef idx="minor">
+            <a:schemeClr val="lt1"/>
+          </a:fontRef>
+        </p:style>
+        <p:txBody>
+          <a:bodyPr rtlCol="0" anchor="ctr"/>
+          <a:lstStyle/>
+          <a:p>
+            <a:pPr algn="ctr"/>
+            <a:endParaRPr lang="fr-FR"/>
+          </a:p>
+        </p:txBody>
+      </p:sp>
+      <p:sp>
+        <p:nvSpPr>
+          <p:cNvPr id="35" name="Ellipse 34">
+            <a:extLst>
+              <a:ext uri="{FF2B5EF4-FFF2-40B4-BE49-F238E27FC236}">
+                <a16:creationId xmlns:a16="http://schemas.microsoft.com/office/drawing/2014/main" id="{B8DB3BAD-C00C-5BC8-8E05-E87A7BC88277}"/>
+              </a:ext>
+            </a:extLst>
+          </p:cNvPr>
+          <p:cNvSpPr/>
+          <p:nvPr/>
+        </p:nvSpPr>
+        <p:spPr>
+          <a:xfrm>
+            <a:off x="1860928" y="2048585"/>
+            <a:ext cx="160543" cy="160543"/>
+          </a:xfrm>
+          <a:prstGeom prst="ellipse">
+            <a:avLst/>
+          </a:prstGeom>
+          <a:solidFill>
+            <a:srgbClr val="00D461"/>
+          </a:solidFill>
+          <a:ln>
+            <a:solidFill>
+              <a:srgbClr val="00B050"/>
+            </a:solidFill>
+          </a:ln>
+        </p:spPr>
+        <p:style>
+          <a:lnRef idx="2">
+            <a:schemeClr val="accent1">
+              <a:shade val="50000"/>
+            </a:schemeClr>
+          </a:lnRef>
+          <a:fillRef idx="1">
+            <a:schemeClr val="accent1"/>
+          </a:fillRef>
+          <a:effectRef idx="0">
+            <a:schemeClr val="accent1"/>
+          </a:effectRef>
+          <a:fontRef idx="minor">
+            <a:schemeClr val="lt1"/>
+          </a:fontRef>
+        </p:style>
+        <p:txBody>
+          <a:bodyPr rtlCol="0" anchor="ctr"/>
+          <a:lstStyle/>
+          <a:p>
+            <a:pPr algn="ctr"/>
+            <a:endParaRPr lang="fr-FR"/>
+          </a:p>
+        </p:txBody>
+      </p:sp>
+      <p:sp>
+        <p:nvSpPr>
+          <p:cNvPr id="36" name="Ellipse 35">
+            <a:extLst>
+              <a:ext uri="{FF2B5EF4-FFF2-40B4-BE49-F238E27FC236}">
+                <a16:creationId xmlns:a16="http://schemas.microsoft.com/office/drawing/2014/main" id="{653B222F-CE1B-9D6C-B149-B122E7AC1ACA}"/>
+              </a:ext>
+            </a:extLst>
+          </p:cNvPr>
+          <p:cNvSpPr/>
+          <p:nvPr/>
+        </p:nvSpPr>
+        <p:spPr>
+          <a:xfrm>
+            <a:off x="1860927" y="2353509"/>
+            <a:ext cx="160543" cy="160543"/>
+          </a:xfrm>
+          <a:prstGeom prst="ellipse">
+            <a:avLst/>
+          </a:prstGeom>
+          <a:solidFill>
+            <a:srgbClr val="3D7E4F"/>
+          </a:solidFill>
+          <a:ln>
+            <a:solidFill>
+              <a:schemeClr val="accent6">
+                <a:lumMod val="50000"/>
+              </a:schemeClr>
+            </a:solidFill>
+          </a:ln>
+        </p:spPr>
+        <p:style>
+          <a:lnRef idx="2">
+            <a:schemeClr val="accent1">
+              <a:shade val="50000"/>
+            </a:schemeClr>
+          </a:lnRef>
+          <a:fillRef idx="1">
+            <a:schemeClr val="accent1"/>
+          </a:fillRef>
+          <a:effectRef idx="0">
+            <a:schemeClr val="accent1"/>
+          </a:effectRef>
+          <a:fontRef idx="minor">
+            <a:schemeClr val="lt1"/>
+          </a:fontRef>
+        </p:style>
+        <p:txBody>
+          <a:bodyPr rtlCol="0" anchor="ctr"/>
+          <a:lstStyle/>
+          <a:p>
+            <a:pPr algn="ctr"/>
+            <a:endParaRPr lang="fr-FR"/>
+          </a:p>
+        </p:txBody>
+      </p:sp>
+      <p:sp>
+        <p:nvSpPr>
+          <p:cNvPr id="37" name="Ellipse 36">
+            <a:extLst>
+              <a:ext uri="{FF2B5EF4-FFF2-40B4-BE49-F238E27FC236}">
+                <a16:creationId xmlns:a16="http://schemas.microsoft.com/office/drawing/2014/main" id="{07B99C26-A3DE-D5FE-A717-CFB605A5ECEE}"/>
+              </a:ext>
+            </a:extLst>
+          </p:cNvPr>
+          <p:cNvSpPr/>
+          <p:nvPr/>
+        </p:nvSpPr>
+        <p:spPr>
+          <a:xfrm>
+            <a:off x="1860927" y="2658433"/>
+            <a:ext cx="160543" cy="160543"/>
+          </a:xfrm>
+          <a:prstGeom prst="ellipse">
+            <a:avLst/>
+          </a:prstGeom>
+          <a:solidFill>
+            <a:srgbClr val="00D461"/>
+          </a:solidFill>
+          <a:ln>
+            <a:solidFill>
+              <a:srgbClr val="00B050"/>
+            </a:solidFill>
+          </a:ln>
+        </p:spPr>
+        <p:style>
+          <a:lnRef idx="2">
+            <a:schemeClr val="accent1">
+              <a:shade val="50000"/>
+            </a:schemeClr>
+          </a:lnRef>
+          <a:fillRef idx="1">
+            <a:schemeClr val="accent1"/>
+          </a:fillRef>
+          <a:effectRef idx="0">
+            <a:schemeClr val="accent1"/>
+          </a:effectRef>
+          <a:fontRef idx="minor">
+            <a:schemeClr val="lt1"/>
+          </a:fontRef>
+        </p:style>
+        <p:txBody>
+          <a:bodyPr rtlCol="0" anchor="ctr"/>
+          <a:lstStyle/>
+          <a:p>
+            <a:pPr algn="ctr"/>
+            <a:endParaRPr lang="fr-FR"/>
+          </a:p>
+        </p:txBody>
+      </p:sp>
+      <p:sp>
+        <p:nvSpPr>
+          <p:cNvPr id="38" name="Ellipse 37">
+            <a:extLst>
+              <a:ext uri="{FF2B5EF4-FFF2-40B4-BE49-F238E27FC236}">
+                <a16:creationId xmlns:a16="http://schemas.microsoft.com/office/drawing/2014/main" id="{74D2200A-4D6E-78C1-E261-A3223A362465}"/>
+              </a:ext>
+            </a:extLst>
+          </p:cNvPr>
+          <p:cNvSpPr/>
+          <p:nvPr/>
+        </p:nvSpPr>
+        <p:spPr>
+          <a:xfrm>
+            <a:off x="1860927" y="2963357"/>
+            <a:ext cx="160543" cy="160543"/>
+          </a:xfrm>
+          <a:prstGeom prst="ellipse">
+            <a:avLst/>
+          </a:prstGeom>
+          <a:solidFill>
+            <a:srgbClr val="00D461"/>
+          </a:solidFill>
+          <a:ln>
+            <a:solidFill>
+              <a:srgbClr val="00B050"/>
+            </a:solidFill>
+          </a:ln>
+        </p:spPr>
+        <p:style>
+          <a:lnRef idx="2">
+            <a:schemeClr val="accent1">
+              <a:shade val="50000"/>
+            </a:schemeClr>
+          </a:lnRef>
+          <a:fillRef idx="1">
+            <a:schemeClr val="accent1"/>
+          </a:fillRef>
+          <a:effectRef idx="0">
+            <a:schemeClr val="accent1"/>
+          </a:effectRef>
+          <a:fontRef idx="minor">
+            <a:schemeClr val="lt1"/>
+          </a:fontRef>
+        </p:style>
+        <p:txBody>
+          <a:bodyPr rtlCol="0" anchor="ctr"/>
+          <a:lstStyle/>
+          <a:p>
+            <a:pPr algn="ctr"/>
+            <a:endParaRPr lang="fr-FR"/>
+          </a:p>
+        </p:txBody>
+      </p:sp>
+      <p:sp>
+        <p:nvSpPr>
+          <p:cNvPr id="46" name="Ellipse 45">
+            <a:extLst>
+              <a:ext uri="{FF2B5EF4-FFF2-40B4-BE49-F238E27FC236}">
+                <a16:creationId xmlns:a16="http://schemas.microsoft.com/office/drawing/2014/main" id="{761C85DD-2CE7-AFF9-B2B8-00DF978FCF8E}"/>
+              </a:ext>
+            </a:extLst>
+          </p:cNvPr>
+          <p:cNvSpPr/>
+          <p:nvPr/>
+        </p:nvSpPr>
+        <p:spPr>
+          <a:xfrm>
+            <a:off x="2538718" y="1743661"/>
+            <a:ext cx="160543" cy="160543"/>
+          </a:xfrm>
+          <a:prstGeom prst="ellipse">
+            <a:avLst/>
+          </a:prstGeom>
+          <a:solidFill>
+            <a:srgbClr val="00D461"/>
+          </a:solidFill>
+          <a:ln>
+            <a:solidFill>
+              <a:srgbClr val="00B050"/>
+            </a:solidFill>
+          </a:ln>
+        </p:spPr>
+        <p:style>
+          <a:lnRef idx="2">
+            <a:schemeClr val="accent1">
+              <a:shade val="50000"/>
+            </a:schemeClr>
+          </a:lnRef>
+          <a:fillRef idx="1">
+            <a:schemeClr val="accent1"/>
+          </a:fillRef>
+          <a:effectRef idx="0">
+            <a:schemeClr val="accent1"/>
+          </a:effectRef>
+          <a:fontRef idx="minor">
+            <a:schemeClr val="lt1"/>
+          </a:fontRef>
+        </p:style>
+        <p:txBody>
+          <a:bodyPr rtlCol="0" anchor="ctr"/>
+          <a:lstStyle/>
+          <a:p>
+            <a:pPr algn="ctr"/>
+            <a:endParaRPr lang="fr-FR"/>
+          </a:p>
+        </p:txBody>
+      </p:sp>
+      <p:sp>
+        <p:nvSpPr>
+          <p:cNvPr id="47" name="Ellipse 46">
+            <a:extLst>
+              <a:ext uri="{FF2B5EF4-FFF2-40B4-BE49-F238E27FC236}">
+                <a16:creationId xmlns:a16="http://schemas.microsoft.com/office/drawing/2014/main" id="{01E0B0F0-63E5-2B42-5A3A-E82D81224B81}"/>
+              </a:ext>
+            </a:extLst>
+          </p:cNvPr>
+          <p:cNvSpPr/>
+          <p:nvPr/>
+        </p:nvSpPr>
+        <p:spPr>
+          <a:xfrm>
+            <a:off x="2538718" y="2048585"/>
+            <a:ext cx="160543" cy="160543"/>
+          </a:xfrm>
+          <a:prstGeom prst="ellipse">
+            <a:avLst/>
+          </a:prstGeom>
+          <a:solidFill>
+            <a:srgbClr val="00D461"/>
+          </a:solidFill>
+          <a:ln>
+            <a:solidFill>
+              <a:srgbClr val="00B050"/>
+            </a:solidFill>
+          </a:ln>
+        </p:spPr>
+        <p:style>
+          <a:lnRef idx="2">
+            <a:schemeClr val="accent1">
+              <a:shade val="50000"/>
+            </a:schemeClr>
+          </a:lnRef>
+          <a:fillRef idx="1">
+            <a:schemeClr val="accent1"/>
+          </a:fillRef>
+          <a:effectRef idx="0">
+            <a:schemeClr val="accent1"/>
+          </a:effectRef>
+          <a:fontRef idx="minor">
+            <a:schemeClr val="lt1"/>
+          </a:fontRef>
+        </p:style>
+        <p:txBody>
+          <a:bodyPr rtlCol="0" anchor="ctr"/>
+          <a:lstStyle/>
+          <a:p>
+            <a:pPr algn="ctr"/>
+            <a:endParaRPr lang="fr-FR"/>
+          </a:p>
+        </p:txBody>
+      </p:sp>
+      <p:sp>
+        <p:nvSpPr>
+          <p:cNvPr id="48" name="Ellipse 47">
+            <a:extLst>
+              <a:ext uri="{FF2B5EF4-FFF2-40B4-BE49-F238E27FC236}">
+                <a16:creationId xmlns:a16="http://schemas.microsoft.com/office/drawing/2014/main" id="{ABEE2883-25DE-2FD2-9011-062CB8F13424}"/>
+              </a:ext>
+            </a:extLst>
+          </p:cNvPr>
+          <p:cNvSpPr/>
+          <p:nvPr/>
+        </p:nvSpPr>
+        <p:spPr>
+          <a:xfrm>
+            <a:off x="2538717" y="2353509"/>
+            <a:ext cx="160543" cy="160543"/>
+          </a:xfrm>
+          <a:prstGeom prst="ellipse">
+            <a:avLst/>
+          </a:prstGeom>
+          <a:solidFill>
+            <a:srgbClr val="00D461"/>
+          </a:solidFill>
+          <a:ln>
+            <a:solidFill>
+              <a:srgbClr val="00B050"/>
+            </a:solidFill>
+          </a:ln>
+        </p:spPr>
+        <p:style>
+          <a:lnRef idx="2">
+            <a:schemeClr val="accent1">
+              <a:shade val="50000"/>
+            </a:schemeClr>
+          </a:lnRef>
+          <a:fillRef idx="1">
+            <a:schemeClr val="accent1"/>
+          </a:fillRef>
+          <a:effectRef idx="0">
+            <a:schemeClr val="accent1"/>
+          </a:effectRef>
+          <a:fontRef idx="minor">
+            <a:schemeClr val="lt1"/>
+          </a:fontRef>
+        </p:style>
+        <p:txBody>
+          <a:bodyPr rtlCol="0" anchor="ctr"/>
+          <a:lstStyle/>
+          <a:p>
+            <a:pPr algn="ctr"/>
+            <a:endParaRPr lang="fr-FR"/>
+          </a:p>
+        </p:txBody>
+      </p:sp>
+      <p:sp>
+        <p:nvSpPr>
+          <p:cNvPr id="49" name="Ellipse 48">
+            <a:extLst>
+              <a:ext uri="{FF2B5EF4-FFF2-40B4-BE49-F238E27FC236}">
+                <a16:creationId xmlns:a16="http://schemas.microsoft.com/office/drawing/2014/main" id="{FACCF68A-ABED-5386-6EA2-FB3DD08CB4A0}"/>
+              </a:ext>
+            </a:extLst>
+          </p:cNvPr>
+          <p:cNvSpPr/>
+          <p:nvPr/>
+        </p:nvSpPr>
+        <p:spPr>
+          <a:xfrm>
+            <a:off x="2538717" y="2658433"/>
+            <a:ext cx="160543" cy="160543"/>
+          </a:xfrm>
+          <a:prstGeom prst="ellipse">
+            <a:avLst/>
+          </a:prstGeom>
+          <a:solidFill>
+            <a:srgbClr val="3D7E4F"/>
+          </a:solidFill>
+          <a:ln>
+            <a:solidFill>
+              <a:schemeClr val="accent6">
+                <a:lumMod val="50000"/>
+              </a:schemeClr>
+            </a:solidFill>
+          </a:ln>
+        </p:spPr>
+        <p:style>
+          <a:lnRef idx="2">
+            <a:schemeClr val="accent1">
+              <a:shade val="50000"/>
+            </a:schemeClr>
+          </a:lnRef>
+          <a:fillRef idx="1">
+            <a:schemeClr val="accent1"/>
+          </a:fillRef>
+          <a:effectRef idx="0">
+            <a:schemeClr val="accent1"/>
+          </a:effectRef>
+          <a:fontRef idx="minor">
+            <a:schemeClr val="lt1"/>
+          </a:fontRef>
+        </p:style>
+        <p:txBody>
+          <a:bodyPr rtlCol="0" anchor="ctr"/>
+          <a:lstStyle/>
+          <a:p>
+            <a:pPr algn="ctr"/>
+            <a:endParaRPr lang="fr-FR"/>
+          </a:p>
+        </p:txBody>
+      </p:sp>
+      <p:sp>
+        <p:nvSpPr>
+          <p:cNvPr id="50" name="Ellipse 49">
+            <a:extLst>
+              <a:ext uri="{FF2B5EF4-FFF2-40B4-BE49-F238E27FC236}">
+                <a16:creationId xmlns:a16="http://schemas.microsoft.com/office/drawing/2014/main" id="{0003767C-B107-AF66-0EE4-F111EEDA28C7}"/>
+              </a:ext>
+            </a:extLst>
+          </p:cNvPr>
+          <p:cNvSpPr/>
+          <p:nvPr/>
+        </p:nvSpPr>
+        <p:spPr>
+          <a:xfrm>
+            <a:off x="2538717" y="2963357"/>
+            <a:ext cx="160543" cy="160543"/>
+          </a:xfrm>
+          <a:prstGeom prst="ellipse">
+            <a:avLst/>
+          </a:prstGeom>
+          <a:solidFill>
+            <a:srgbClr val="00D461"/>
+          </a:solidFill>
+          <a:ln>
+            <a:solidFill>
+              <a:srgbClr val="00B050"/>
+            </a:solidFill>
+          </a:ln>
+        </p:spPr>
+        <p:style>
+          <a:lnRef idx="2">
+            <a:schemeClr val="accent1">
+              <a:shade val="50000"/>
+            </a:schemeClr>
+          </a:lnRef>
+          <a:fillRef idx="1">
+            <a:schemeClr val="accent1"/>
+          </a:fillRef>
+          <a:effectRef idx="0">
+            <a:schemeClr val="accent1"/>
+          </a:effectRef>
+          <a:fontRef idx="minor">
+            <a:schemeClr val="lt1"/>
+          </a:fontRef>
+        </p:style>
+        <p:txBody>
+          <a:bodyPr rtlCol="0" anchor="ctr"/>
+          <a:lstStyle/>
+          <a:p>
+            <a:pPr algn="ctr"/>
+            <a:endParaRPr lang="fr-FR"/>
+          </a:p>
+        </p:txBody>
+      </p:sp>
+      <p:sp>
+        <p:nvSpPr>
+          <p:cNvPr id="51" name="Ellipse 50">
+            <a:extLst>
+              <a:ext uri="{FF2B5EF4-FFF2-40B4-BE49-F238E27FC236}">
+                <a16:creationId xmlns:a16="http://schemas.microsoft.com/office/drawing/2014/main" id="{81D2638D-9445-F3E4-88A9-BE68CC2FE194}"/>
+              </a:ext>
+            </a:extLst>
+          </p:cNvPr>
+          <p:cNvSpPr/>
+          <p:nvPr/>
+        </p:nvSpPr>
+        <p:spPr>
+          <a:xfrm>
+            <a:off x="2851662" y="1743661"/>
+            <a:ext cx="160543" cy="160543"/>
+          </a:xfrm>
+          <a:prstGeom prst="ellipse">
+            <a:avLst/>
+          </a:prstGeom>
+          <a:solidFill>
+            <a:srgbClr val="00D461"/>
+          </a:solidFill>
+          <a:ln>
+            <a:solidFill>
+              <a:srgbClr val="00B050"/>
+            </a:solidFill>
+          </a:ln>
+        </p:spPr>
+        <p:style>
+          <a:lnRef idx="2">
+            <a:schemeClr val="accent1">
+              <a:shade val="50000"/>
+            </a:schemeClr>
+          </a:lnRef>
+          <a:fillRef idx="1">
+            <a:schemeClr val="accent1"/>
+          </a:fillRef>
+          <a:effectRef idx="0">
+            <a:schemeClr val="accent1"/>
+          </a:effectRef>
+          <a:fontRef idx="minor">
+            <a:schemeClr val="lt1"/>
+          </a:fontRef>
+        </p:style>
+        <p:txBody>
+          <a:bodyPr rtlCol="0" anchor="ctr"/>
+          <a:lstStyle/>
+          <a:p>
+            <a:pPr algn="ctr"/>
+            <a:endParaRPr lang="fr-FR"/>
+          </a:p>
+        </p:txBody>
+      </p:sp>
+      <p:sp>
+        <p:nvSpPr>
+          <p:cNvPr id="52" name="Ellipse 51">
+            <a:extLst>
+              <a:ext uri="{FF2B5EF4-FFF2-40B4-BE49-F238E27FC236}">
+                <a16:creationId xmlns:a16="http://schemas.microsoft.com/office/drawing/2014/main" id="{4548AF4E-4291-50FF-CB81-04A0A86DD03D}"/>
+              </a:ext>
+            </a:extLst>
+          </p:cNvPr>
+          <p:cNvSpPr/>
+          <p:nvPr/>
+        </p:nvSpPr>
+        <p:spPr>
+          <a:xfrm>
+            <a:off x="2851662" y="2048585"/>
+            <a:ext cx="160543" cy="160543"/>
+          </a:xfrm>
+          <a:prstGeom prst="ellipse">
+            <a:avLst/>
+          </a:prstGeom>
+          <a:solidFill>
+            <a:srgbClr val="00D461"/>
+          </a:solidFill>
+          <a:ln>
+            <a:solidFill>
+              <a:srgbClr val="00B050"/>
+            </a:solidFill>
+          </a:ln>
+        </p:spPr>
+        <p:style>
+          <a:lnRef idx="2">
+            <a:schemeClr val="accent1">
+              <a:shade val="50000"/>
+            </a:schemeClr>
+          </a:lnRef>
+          <a:fillRef idx="1">
+            <a:schemeClr val="accent1"/>
+          </a:fillRef>
+          <a:effectRef idx="0">
+            <a:schemeClr val="accent1"/>
+          </a:effectRef>
+          <a:fontRef idx="minor">
+            <a:schemeClr val="lt1"/>
+          </a:fontRef>
+        </p:style>
+        <p:txBody>
+          <a:bodyPr rtlCol="0" anchor="ctr"/>
+          <a:lstStyle/>
+          <a:p>
+            <a:pPr algn="ctr"/>
+            <a:endParaRPr lang="fr-FR"/>
+          </a:p>
+        </p:txBody>
+      </p:sp>
+      <p:sp>
+        <p:nvSpPr>
+          <p:cNvPr id="53" name="Ellipse 52">
+            <a:extLst>
+              <a:ext uri="{FF2B5EF4-FFF2-40B4-BE49-F238E27FC236}">
+                <a16:creationId xmlns:a16="http://schemas.microsoft.com/office/drawing/2014/main" id="{AAA464EB-5E32-70E4-5511-47EFBAA041AA}"/>
+              </a:ext>
+            </a:extLst>
+          </p:cNvPr>
+          <p:cNvSpPr/>
+          <p:nvPr/>
+        </p:nvSpPr>
+        <p:spPr>
+          <a:xfrm>
+            <a:off x="2851661" y="2353509"/>
+            <a:ext cx="160543" cy="160543"/>
+          </a:xfrm>
+          <a:prstGeom prst="ellipse">
+            <a:avLst/>
+          </a:prstGeom>
+          <a:solidFill>
+            <a:srgbClr val="3D7E4F"/>
+          </a:solidFill>
+          <a:ln>
+            <a:solidFill>
+              <a:schemeClr val="accent6">
+                <a:lumMod val="50000"/>
+              </a:schemeClr>
+            </a:solidFill>
+          </a:ln>
+        </p:spPr>
+        <p:style>
+          <a:lnRef idx="2">
+            <a:schemeClr val="accent1">
+              <a:shade val="50000"/>
+            </a:schemeClr>
+          </a:lnRef>
+          <a:fillRef idx="1">
+            <a:schemeClr val="accent1"/>
+          </a:fillRef>
+          <a:effectRef idx="0">
+            <a:schemeClr val="accent1"/>
+          </a:effectRef>
+          <a:fontRef idx="minor">
+            <a:schemeClr val="lt1"/>
+          </a:fontRef>
+        </p:style>
+        <p:txBody>
+          <a:bodyPr rtlCol="0" anchor="ctr"/>
+          <a:lstStyle/>
+          <a:p>
+            <a:pPr algn="ctr"/>
+            <a:endParaRPr lang="fr-FR"/>
+          </a:p>
+        </p:txBody>
+      </p:sp>
+      <p:sp>
+        <p:nvSpPr>
+          <p:cNvPr id="54" name="Ellipse 53">
+            <a:extLst>
+              <a:ext uri="{FF2B5EF4-FFF2-40B4-BE49-F238E27FC236}">
+                <a16:creationId xmlns:a16="http://schemas.microsoft.com/office/drawing/2014/main" id="{83568299-2853-BBAB-68BB-15495B2D0992}"/>
+              </a:ext>
+            </a:extLst>
+          </p:cNvPr>
+          <p:cNvSpPr/>
+          <p:nvPr/>
+        </p:nvSpPr>
+        <p:spPr>
+          <a:xfrm>
+            <a:off x="2851661" y="2658433"/>
+            <a:ext cx="160543" cy="160543"/>
+          </a:xfrm>
+          <a:prstGeom prst="ellipse">
+            <a:avLst/>
+          </a:prstGeom>
+          <a:solidFill>
+            <a:srgbClr val="00D461"/>
+          </a:solidFill>
+          <a:ln>
+            <a:solidFill>
+              <a:srgbClr val="00B050"/>
+            </a:solidFill>
+          </a:ln>
+        </p:spPr>
+        <p:style>
+          <a:lnRef idx="2">
+            <a:schemeClr val="accent1">
+              <a:shade val="50000"/>
+            </a:schemeClr>
+          </a:lnRef>
+          <a:fillRef idx="1">
+            <a:schemeClr val="accent1"/>
+          </a:fillRef>
+          <a:effectRef idx="0">
+            <a:schemeClr val="accent1"/>
+          </a:effectRef>
+          <a:fontRef idx="minor">
+            <a:schemeClr val="lt1"/>
+          </a:fontRef>
+        </p:style>
+        <p:txBody>
+          <a:bodyPr rtlCol="0" anchor="ctr"/>
+          <a:lstStyle/>
+          <a:p>
+            <a:pPr algn="ctr"/>
+            <a:endParaRPr lang="fr-FR"/>
+          </a:p>
+        </p:txBody>
+      </p:sp>
+      <p:sp>
+        <p:nvSpPr>
+          <p:cNvPr id="55" name="Ellipse 54">
+            <a:extLst>
+              <a:ext uri="{FF2B5EF4-FFF2-40B4-BE49-F238E27FC236}">
+                <a16:creationId xmlns:a16="http://schemas.microsoft.com/office/drawing/2014/main" id="{852F3225-CA96-F1BD-6D7F-F5792E9E40C6}"/>
+              </a:ext>
+            </a:extLst>
+          </p:cNvPr>
+          <p:cNvSpPr/>
+          <p:nvPr/>
+        </p:nvSpPr>
+        <p:spPr>
+          <a:xfrm>
+            <a:off x="2851661" y="2963357"/>
+            <a:ext cx="160543" cy="160543"/>
+          </a:xfrm>
+          <a:prstGeom prst="ellipse">
+            <a:avLst/>
+          </a:prstGeom>
+          <a:solidFill>
+            <a:srgbClr val="00D461"/>
+          </a:solidFill>
+          <a:ln>
+            <a:solidFill>
+              <a:srgbClr val="00B050"/>
+            </a:solidFill>
+          </a:ln>
+        </p:spPr>
+        <p:style>
+          <a:lnRef idx="2">
+            <a:schemeClr val="accent1">
+              <a:shade val="50000"/>
+            </a:schemeClr>
+          </a:lnRef>
+          <a:fillRef idx="1">
+            <a:schemeClr val="accent1"/>
+          </a:fillRef>
+          <a:effectRef idx="0">
+            <a:schemeClr val="accent1"/>
+          </a:effectRef>
+          <a:fontRef idx="minor">
+            <a:schemeClr val="lt1"/>
+          </a:fontRef>
+        </p:style>
+        <p:txBody>
+          <a:bodyPr rtlCol="0" anchor="ctr"/>
+          <a:lstStyle/>
+          <a:p>
+            <a:pPr algn="ctr"/>
+            <a:endParaRPr lang="fr-FR"/>
+          </a:p>
+        </p:txBody>
+      </p:sp>
+      <p:sp>
+        <p:nvSpPr>
+          <p:cNvPr id="56" name="Ellipse 55">
+            <a:extLst>
+              <a:ext uri="{FF2B5EF4-FFF2-40B4-BE49-F238E27FC236}">
+                <a16:creationId xmlns:a16="http://schemas.microsoft.com/office/drawing/2014/main" id="{C825F190-A128-D026-1128-AF0B2B972B23}"/>
+              </a:ext>
+            </a:extLst>
+          </p:cNvPr>
+          <p:cNvSpPr/>
+          <p:nvPr/>
+        </p:nvSpPr>
+        <p:spPr>
+          <a:xfrm>
+            <a:off x="3164606" y="1743661"/>
+            <a:ext cx="160543" cy="160543"/>
+          </a:xfrm>
+          <a:prstGeom prst="ellipse">
+            <a:avLst/>
+          </a:prstGeom>
+          <a:solidFill>
+            <a:srgbClr val="00D461"/>
+          </a:solidFill>
+          <a:ln>
+            <a:solidFill>
+              <a:srgbClr val="00B050"/>
+            </a:solidFill>
+          </a:ln>
+        </p:spPr>
+        <p:style>
+          <a:lnRef idx="2">
+            <a:schemeClr val="accent1">
+              <a:shade val="50000"/>
+            </a:schemeClr>
+          </a:lnRef>
+          <a:fillRef idx="1">
+            <a:schemeClr val="accent1"/>
+          </a:fillRef>
+          <a:effectRef idx="0">
+            <a:schemeClr val="accent1"/>
+          </a:effectRef>
+          <a:fontRef idx="minor">
+            <a:schemeClr val="lt1"/>
+          </a:fontRef>
+        </p:style>
+        <p:txBody>
+          <a:bodyPr rtlCol="0" anchor="ctr"/>
+          <a:lstStyle/>
+          <a:p>
+            <a:pPr algn="ctr"/>
+            <a:endParaRPr lang="fr-FR"/>
+          </a:p>
+        </p:txBody>
+      </p:sp>
+      <p:sp>
+        <p:nvSpPr>
+          <p:cNvPr id="57" name="Ellipse 56">
+            <a:extLst>
+              <a:ext uri="{FF2B5EF4-FFF2-40B4-BE49-F238E27FC236}">
+                <a16:creationId xmlns:a16="http://schemas.microsoft.com/office/drawing/2014/main" id="{98B46386-0203-37CD-E52E-30640EF899E4}"/>
+              </a:ext>
+            </a:extLst>
+          </p:cNvPr>
+          <p:cNvSpPr/>
+          <p:nvPr/>
+        </p:nvSpPr>
+        <p:spPr>
+          <a:xfrm>
+            <a:off x="3164606" y="2048585"/>
+            <a:ext cx="160543" cy="160543"/>
+          </a:xfrm>
+          <a:prstGeom prst="ellipse">
+            <a:avLst/>
+          </a:prstGeom>
+          <a:solidFill>
+            <a:srgbClr val="3D7E4F"/>
+          </a:solidFill>
+          <a:ln>
+            <a:solidFill>
+              <a:schemeClr val="accent6">
+                <a:lumMod val="50000"/>
+              </a:schemeClr>
+            </a:solidFill>
+          </a:ln>
+        </p:spPr>
+        <p:style>
+          <a:lnRef idx="2">
+            <a:schemeClr val="accent1">
+              <a:shade val="50000"/>
+            </a:schemeClr>
+          </a:lnRef>
+          <a:fillRef idx="1">
+            <a:schemeClr val="accent1"/>
+          </a:fillRef>
+          <a:effectRef idx="0">
+            <a:schemeClr val="accent1"/>
+          </a:effectRef>
+          <a:fontRef idx="minor">
+            <a:schemeClr val="lt1"/>
+          </a:fontRef>
+        </p:style>
+        <p:txBody>
+          <a:bodyPr rtlCol="0" anchor="ctr"/>
+          <a:lstStyle/>
+          <a:p>
+            <a:pPr algn="ctr"/>
+            <a:endParaRPr lang="fr-FR"/>
+          </a:p>
+        </p:txBody>
+      </p:sp>
+      <p:sp>
+        <p:nvSpPr>
+          <p:cNvPr id="58" name="Ellipse 57">
+            <a:extLst>
+              <a:ext uri="{FF2B5EF4-FFF2-40B4-BE49-F238E27FC236}">
+                <a16:creationId xmlns:a16="http://schemas.microsoft.com/office/drawing/2014/main" id="{958D239B-13E2-3E4B-D6A5-9AC7FEEE64CE}"/>
+              </a:ext>
+            </a:extLst>
+          </p:cNvPr>
+          <p:cNvSpPr/>
+          <p:nvPr/>
+        </p:nvSpPr>
+        <p:spPr>
+          <a:xfrm>
+            <a:off x="3164605" y="2353509"/>
+            <a:ext cx="160543" cy="160543"/>
+          </a:xfrm>
+          <a:prstGeom prst="ellipse">
+            <a:avLst/>
+          </a:prstGeom>
+          <a:solidFill>
+            <a:srgbClr val="00D461"/>
+          </a:solidFill>
+          <a:ln>
+            <a:solidFill>
+              <a:srgbClr val="00B050"/>
+            </a:solidFill>
+          </a:ln>
+        </p:spPr>
+        <p:style>
+          <a:lnRef idx="2">
+            <a:schemeClr val="accent1">
+              <a:shade val="50000"/>
+            </a:schemeClr>
+          </a:lnRef>
+          <a:fillRef idx="1">
+            <a:schemeClr val="accent1"/>
+          </a:fillRef>
+          <a:effectRef idx="0">
+            <a:schemeClr val="accent1"/>
+          </a:effectRef>
+          <a:fontRef idx="minor">
+            <a:schemeClr val="lt1"/>
+          </a:fontRef>
+        </p:style>
+        <p:txBody>
+          <a:bodyPr rtlCol="0" anchor="ctr"/>
+          <a:lstStyle/>
+          <a:p>
+            <a:pPr algn="ctr"/>
+            <a:endParaRPr lang="fr-FR"/>
+          </a:p>
+        </p:txBody>
+      </p:sp>
+      <p:sp>
+        <p:nvSpPr>
+          <p:cNvPr id="59" name="Ellipse 58">
+            <a:extLst>
+              <a:ext uri="{FF2B5EF4-FFF2-40B4-BE49-F238E27FC236}">
+                <a16:creationId xmlns:a16="http://schemas.microsoft.com/office/drawing/2014/main" id="{533846E1-63DC-158C-0EC0-B006665D5EEA}"/>
+              </a:ext>
+            </a:extLst>
+          </p:cNvPr>
+          <p:cNvSpPr/>
+          <p:nvPr/>
+        </p:nvSpPr>
+        <p:spPr>
+          <a:xfrm>
+            <a:off x="3164605" y="2658433"/>
+            <a:ext cx="160543" cy="160543"/>
+          </a:xfrm>
+          <a:prstGeom prst="ellipse">
+            <a:avLst/>
+          </a:prstGeom>
+          <a:solidFill>
+            <a:srgbClr val="00D461"/>
+          </a:solidFill>
+          <a:ln>
+            <a:solidFill>
+              <a:srgbClr val="00B050"/>
+            </a:solidFill>
+          </a:ln>
+        </p:spPr>
+        <p:style>
+          <a:lnRef idx="2">
+            <a:schemeClr val="accent1">
+              <a:shade val="50000"/>
+            </a:schemeClr>
+          </a:lnRef>
+          <a:fillRef idx="1">
+            <a:schemeClr val="accent1"/>
+          </a:fillRef>
+          <a:effectRef idx="0">
+            <a:schemeClr val="accent1"/>
+          </a:effectRef>
+          <a:fontRef idx="minor">
+            <a:schemeClr val="lt1"/>
+          </a:fontRef>
+        </p:style>
+        <p:txBody>
+          <a:bodyPr rtlCol="0" anchor="ctr"/>
+          <a:lstStyle/>
+          <a:p>
+            <a:pPr algn="ctr"/>
+            <a:endParaRPr lang="fr-FR"/>
+          </a:p>
+        </p:txBody>
+      </p:sp>
+      <p:sp>
+        <p:nvSpPr>
+          <p:cNvPr id="60" name="Ellipse 59">
+            <a:extLst>
+              <a:ext uri="{FF2B5EF4-FFF2-40B4-BE49-F238E27FC236}">
+                <a16:creationId xmlns:a16="http://schemas.microsoft.com/office/drawing/2014/main" id="{2AE7BACA-36E2-2482-EB16-D00B67467420}"/>
+              </a:ext>
+            </a:extLst>
+          </p:cNvPr>
+          <p:cNvSpPr/>
+          <p:nvPr/>
+        </p:nvSpPr>
+        <p:spPr>
+          <a:xfrm>
+            <a:off x="3164605" y="2963357"/>
+            <a:ext cx="160543" cy="160543"/>
+          </a:xfrm>
+          <a:prstGeom prst="ellipse">
+            <a:avLst/>
+          </a:prstGeom>
+          <a:solidFill>
+            <a:srgbClr val="00D461"/>
+          </a:solidFill>
+          <a:ln>
+            <a:solidFill>
+              <a:srgbClr val="00B050"/>
+            </a:solidFill>
+          </a:ln>
+        </p:spPr>
+        <p:style>
+          <a:lnRef idx="2">
+            <a:schemeClr val="accent1">
+              <a:shade val="50000"/>
+            </a:schemeClr>
+          </a:lnRef>
+          <a:fillRef idx="1">
+            <a:schemeClr val="accent1"/>
+          </a:fillRef>
+          <a:effectRef idx="0">
+            <a:schemeClr val="accent1"/>
+          </a:effectRef>
+          <a:fontRef idx="minor">
+            <a:schemeClr val="lt1"/>
+          </a:fontRef>
+        </p:style>
+        <p:txBody>
+          <a:bodyPr rtlCol="0" anchor="ctr"/>
+          <a:lstStyle/>
+          <a:p>
+            <a:pPr algn="ctr"/>
+            <a:endParaRPr lang="fr-FR"/>
+          </a:p>
+        </p:txBody>
+      </p:sp>
+      <p:sp>
+        <p:nvSpPr>
+          <p:cNvPr id="61" name="Ellipse 60">
+            <a:extLst>
+              <a:ext uri="{FF2B5EF4-FFF2-40B4-BE49-F238E27FC236}">
+                <a16:creationId xmlns:a16="http://schemas.microsoft.com/office/drawing/2014/main" id="{59D3A664-2FBD-DC31-6A8C-E9D7DE30BBBD}"/>
+              </a:ext>
+            </a:extLst>
+          </p:cNvPr>
+          <p:cNvSpPr/>
+          <p:nvPr/>
+        </p:nvSpPr>
+        <p:spPr>
+          <a:xfrm>
+            <a:off x="3477550" y="1743661"/>
+            <a:ext cx="160543" cy="160543"/>
+          </a:xfrm>
+          <a:prstGeom prst="ellipse">
+            <a:avLst/>
+          </a:prstGeom>
+          <a:solidFill>
+            <a:srgbClr val="00D461"/>
+          </a:solidFill>
+          <a:ln>
+            <a:solidFill>
+              <a:srgbClr val="00B050"/>
+            </a:solidFill>
+          </a:ln>
+        </p:spPr>
+        <p:style>
+          <a:lnRef idx="2">
+            <a:schemeClr val="accent1">
+              <a:shade val="50000"/>
+            </a:schemeClr>
+          </a:lnRef>
+          <a:fillRef idx="1">
+            <a:schemeClr val="accent1"/>
+          </a:fillRef>
+          <a:effectRef idx="0">
+            <a:schemeClr val="accent1"/>
+          </a:effectRef>
+          <a:fontRef idx="minor">
+            <a:schemeClr val="lt1"/>
+          </a:fontRef>
+        </p:style>
+        <p:txBody>
+          <a:bodyPr rtlCol="0" anchor="ctr"/>
+          <a:lstStyle/>
+          <a:p>
+            <a:pPr algn="ctr"/>
+            <a:endParaRPr lang="fr-FR"/>
+          </a:p>
+        </p:txBody>
+      </p:sp>
+      <p:sp>
+        <p:nvSpPr>
+          <p:cNvPr id="62" name="Ellipse 61">
+            <a:extLst>
+              <a:ext uri="{FF2B5EF4-FFF2-40B4-BE49-F238E27FC236}">
+                <a16:creationId xmlns:a16="http://schemas.microsoft.com/office/drawing/2014/main" id="{FFD95061-229F-90D5-8BE7-FC8699E93D95}"/>
+              </a:ext>
+            </a:extLst>
+          </p:cNvPr>
+          <p:cNvSpPr/>
+          <p:nvPr/>
+        </p:nvSpPr>
+        <p:spPr>
+          <a:xfrm>
+            <a:off x="3477550" y="2048585"/>
+            <a:ext cx="160543" cy="160543"/>
+          </a:xfrm>
+          <a:prstGeom prst="ellipse">
+            <a:avLst/>
+          </a:prstGeom>
+          <a:solidFill>
+            <a:srgbClr val="3D7E4F"/>
+          </a:solidFill>
+          <a:ln>
+            <a:solidFill>
+              <a:schemeClr val="accent6">
+                <a:lumMod val="50000"/>
+              </a:schemeClr>
+            </a:solidFill>
+          </a:ln>
+        </p:spPr>
+        <p:style>
+          <a:lnRef idx="2">
+            <a:schemeClr val="accent1">
+              <a:shade val="50000"/>
+            </a:schemeClr>
+          </a:lnRef>
+          <a:fillRef idx="1">
+            <a:schemeClr val="accent1"/>
+          </a:fillRef>
+          <a:effectRef idx="0">
+            <a:schemeClr val="accent1"/>
+          </a:effectRef>
+          <a:fontRef idx="minor">
+            <a:schemeClr val="lt1"/>
+          </a:fontRef>
+        </p:style>
+        <p:txBody>
+          <a:bodyPr rtlCol="0" anchor="ctr"/>
+          <a:lstStyle/>
+          <a:p>
+            <a:pPr algn="ctr"/>
+            <a:endParaRPr lang="fr-FR"/>
+          </a:p>
+        </p:txBody>
+      </p:sp>
+      <p:sp>
+        <p:nvSpPr>
+          <p:cNvPr id="63" name="Ellipse 62">
+            <a:extLst>
+              <a:ext uri="{FF2B5EF4-FFF2-40B4-BE49-F238E27FC236}">
+                <a16:creationId xmlns:a16="http://schemas.microsoft.com/office/drawing/2014/main" id="{289F13AA-9E25-145C-219B-48713F325DE4}"/>
+              </a:ext>
+            </a:extLst>
+          </p:cNvPr>
+          <p:cNvSpPr/>
+          <p:nvPr/>
+        </p:nvSpPr>
+        <p:spPr>
+          <a:xfrm>
+            <a:off x="3477549" y="2353509"/>
+            <a:ext cx="160543" cy="160543"/>
+          </a:xfrm>
+          <a:prstGeom prst="ellipse">
+            <a:avLst/>
+          </a:prstGeom>
+          <a:solidFill>
+            <a:srgbClr val="00D461"/>
+          </a:solidFill>
+          <a:ln>
+            <a:solidFill>
+              <a:srgbClr val="00B050"/>
+            </a:solidFill>
+          </a:ln>
+        </p:spPr>
+        <p:style>
+          <a:lnRef idx="2">
+            <a:schemeClr val="accent1">
+              <a:shade val="50000"/>
+            </a:schemeClr>
+          </a:lnRef>
+          <a:fillRef idx="1">
+            <a:schemeClr val="accent1"/>
+          </a:fillRef>
+          <a:effectRef idx="0">
+            <a:schemeClr val="accent1"/>
+          </a:effectRef>
+          <a:fontRef idx="minor">
+            <a:schemeClr val="lt1"/>
+          </a:fontRef>
+        </p:style>
+        <p:txBody>
+          <a:bodyPr rtlCol="0" anchor="ctr"/>
+          <a:lstStyle/>
+          <a:p>
+            <a:pPr algn="ctr"/>
+            <a:endParaRPr lang="fr-FR"/>
+          </a:p>
+        </p:txBody>
+      </p:sp>
+      <p:sp>
+        <p:nvSpPr>
+          <p:cNvPr id="64" name="Ellipse 63">
+            <a:extLst>
+              <a:ext uri="{FF2B5EF4-FFF2-40B4-BE49-F238E27FC236}">
+                <a16:creationId xmlns:a16="http://schemas.microsoft.com/office/drawing/2014/main" id="{39344E3C-D562-0523-F877-14D21B4E0F45}"/>
+              </a:ext>
+            </a:extLst>
+          </p:cNvPr>
+          <p:cNvSpPr/>
+          <p:nvPr/>
+        </p:nvSpPr>
+        <p:spPr>
+          <a:xfrm>
+            <a:off x="3477549" y="2658433"/>
+            <a:ext cx="160543" cy="160543"/>
+          </a:xfrm>
+          <a:prstGeom prst="ellipse">
+            <a:avLst/>
+          </a:prstGeom>
+          <a:solidFill>
+            <a:srgbClr val="00D461"/>
+          </a:solidFill>
+          <a:ln>
+            <a:solidFill>
+              <a:srgbClr val="00B050"/>
+            </a:solidFill>
+          </a:ln>
+        </p:spPr>
+        <p:style>
+          <a:lnRef idx="2">
+            <a:schemeClr val="accent1">
+              <a:shade val="50000"/>
+            </a:schemeClr>
+          </a:lnRef>
+          <a:fillRef idx="1">
+            <a:schemeClr val="accent1"/>
+          </a:fillRef>
+          <a:effectRef idx="0">
+            <a:schemeClr val="accent1"/>
+          </a:effectRef>
+          <a:fontRef idx="minor">
+            <a:schemeClr val="lt1"/>
+          </a:fontRef>
+        </p:style>
+        <p:txBody>
+          <a:bodyPr rtlCol="0" anchor="ctr"/>
+          <a:lstStyle/>
+          <a:p>
+            <a:pPr algn="ctr"/>
+            <a:endParaRPr lang="fr-FR"/>
+          </a:p>
+        </p:txBody>
+      </p:sp>
+      <p:sp>
+        <p:nvSpPr>
+          <p:cNvPr id="65" name="Ellipse 64">
+            <a:extLst>
+              <a:ext uri="{FF2B5EF4-FFF2-40B4-BE49-F238E27FC236}">
+                <a16:creationId xmlns:a16="http://schemas.microsoft.com/office/drawing/2014/main" id="{F7987E16-F2BD-EF58-CE82-89B80E35F43B}"/>
+              </a:ext>
+            </a:extLst>
+          </p:cNvPr>
+          <p:cNvSpPr/>
+          <p:nvPr/>
+        </p:nvSpPr>
+        <p:spPr>
+          <a:xfrm>
+            <a:off x="3477549" y="2963357"/>
+            <a:ext cx="160543" cy="160543"/>
+          </a:xfrm>
+          <a:prstGeom prst="ellipse">
+            <a:avLst/>
+          </a:prstGeom>
+          <a:solidFill>
+            <a:srgbClr val="00D461"/>
+          </a:solidFill>
+          <a:ln>
+            <a:solidFill>
+              <a:srgbClr val="00B050"/>
+            </a:solidFill>
+          </a:ln>
+        </p:spPr>
+        <p:style>
+          <a:lnRef idx="2">
+            <a:schemeClr val="accent1">
+              <a:shade val="50000"/>
+            </a:schemeClr>
+          </a:lnRef>
+          <a:fillRef idx="1">
+            <a:schemeClr val="accent1"/>
+          </a:fillRef>
+          <a:effectRef idx="0">
+            <a:schemeClr val="accent1"/>
+          </a:effectRef>
+          <a:fontRef idx="minor">
+            <a:schemeClr val="lt1"/>
+          </a:fontRef>
+        </p:style>
+        <p:txBody>
+          <a:bodyPr rtlCol="0" anchor="ctr"/>
+          <a:lstStyle/>
+          <a:p>
+            <a:pPr algn="ctr"/>
+            <a:endParaRPr lang="fr-FR"/>
+          </a:p>
+        </p:txBody>
+      </p:sp>
+      <p:sp>
+        <p:nvSpPr>
+          <p:cNvPr id="66" name="Ellipse 65">
+            <a:extLst>
+              <a:ext uri="{FF2B5EF4-FFF2-40B4-BE49-F238E27FC236}">
+                <a16:creationId xmlns:a16="http://schemas.microsoft.com/office/drawing/2014/main" id="{54CDA87D-D248-2F47-57D8-18B2D64F9141}"/>
+              </a:ext>
+            </a:extLst>
+          </p:cNvPr>
+          <p:cNvSpPr/>
+          <p:nvPr/>
+        </p:nvSpPr>
+        <p:spPr>
+          <a:xfrm>
+            <a:off x="3790494" y="1743661"/>
+            <a:ext cx="160543" cy="160543"/>
+          </a:xfrm>
+          <a:prstGeom prst="ellipse">
+            <a:avLst/>
+          </a:prstGeom>
+          <a:solidFill>
+            <a:srgbClr val="00D461"/>
+          </a:solidFill>
+          <a:ln>
+            <a:solidFill>
+              <a:srgbClr val="00B050"/>
+            </a:solidFill>
+          </a:ln>
+        </p:spPr>
+        <p:style>
+          <a:lnRef idx="2">
+            <a:schemeClr val="accent1">
+              <a:shade val="50000"/>
+            </a:schemeClr>
+          </a:lnRef>
+          <a:fillRef idx="1">
+            <a:schemeClr val="accent1"/>
+          </a:fillRef>
+          <a:effectRef idx="0">
+            <a:schemeClr val="accent1"/>
+          </a:effectRef>
+          <a:fontRef idx="minor">
+            <a:schemeClr val="lt1"/>
+          </a:fontRef>
+        </p:style>
+        <p:txBody>
+          <a:bodyPr rtlCol="0" anchor="ctr"/>
+          <a:lstStyle/>
+          <a:p>
+            <a:pPr algn="ctr"/>
+            <a:endParaRPr lang="fr-FR"/>
+          </a:p>
+        </p:txBody>
+      </p:sp>
+      <p:sp>
+        <p:nvSpPr>
+          <p:cNvPr id="67" name="Ellipse 66">
+            <a:extLst>
+              <a:ext uri="{FF2B5EF4-FFF2-40B4-BE49-F238E27FC236}">
+                <a16:creationId xmlns:a16="http://schemas.microsoft.com/office/drawing/2014/main" id="{FA1681C0-8973-460A-EF7D-679CEDABCC49}"/>
+              </a:ext>
+            </a:extLst>
+          </p:cNvPr>
+          <p:cNvSpPr/>
+          <p:nvPr/>
+        </p:nvSpPr>
+        <p:spPr>
+          <a:xfrm>
+            <a:off x="3790494" y="2048585"/>
+            <a:ext cx="160543" cy="160543"/>
+          </a:xfrm>
+          <a:prstGeom prst="ellipse">
+            <a:avLst/>
+          </a:prstGeom>
+          <a:solidFill>
+            <a:srgbClr val="00D461"/>
+          </a:solidFill>
+          <a:ln>
+            <a:solidFill>
+              <a:srgbClr val="00B050"/>
+            </a:solidFill>
+          </a:ln>
+        </p:spPr>
+        <p:style>
+          <a:lnRef idx="2">
+            <a:schemeClr val="accent1">
+              <a:shade val="50000"/>
+            </a:schemeClr>
+          </a:lnRef>
+          <a:fillRef idx="1">
+            <a:schemeClr val="accent1"/>
+          </a:fillRef>
+          <a:effectRef idx="0">
+            <a:schemeClr val="accent1"/>
+          </a:effectRef>
+          <a:fontRef idx="minor">
+            <a:schemeClr val="lt1"/>
+          </a:fontRef>
+        </p:style>
+        <p:txBody>
+          <a:bodyPr rtlCol="0" anchor="ctr"/>
+          <a:lstStyle/>
+          <a:p>
+            <a:pPr algn="ctr"/>
+            <a:endParaRPr lang="fr-FR"/>
+          </a:p>
+        </p:txBody>
+      </p:sp>
+      <p:sp>
+        <p:nvSpPr>
+          <p:cNvPr id="68" name="Ellipse 67">
+            <a:extLst>
+              <a:ext uri="{FF2B5EF4-FFF2-40B4-BE49-F238E27FC236}">
+                <a16:creationId xmlns:a16="http://schemas.microsoft.com/office/drawing/2014/main" id="{37F16DF1-C473-2B2F-E405-3F93D0550F94}"/>
+              </a:ext>
+            </a:extLst>
+          </p:cNvPr>
+          <p:cNvSpPr/>
+          <p:nvPr/>
+        </p:nvSpPr>
+        <p:spPr>
+          <a:xfrm>
+            <a:off x="3790493" y="2353509"/>
+            <a:ext cx="160543" cy="160543"/>
+          </a:xfrm>
+          <a:prstGeom prst="ellipse">
+            <a:avLst/>
+          </a:prstGeom>
+          <a:solidFill>
+            <a:srgbClr val="3D7E4F"/>
+          </a:solidFill>
+          <a:ln>
+            <a:solidFill>
+              <a:schemeClr val="accent6">
+                <a:lumMod val="50000"/>
+              </a:schemeClr>
+            </a:solidFill>
+          </a:ln>
+        </p:spPr>
+        <p:style>
+          <a:lnRef idx="2">
+            <a:schemeClr val="accent1">
+              <a:shade val="50000"/>
+            </a:schemeClr>
+          </a:lnRef>
+          <a:fillRef idx="1">
+            <a:schemeClr val="accent1"/>
+          </a:fillRef>
+          <a:effectRef idx="0">
+            <a:schemeClr val="accent1"/>
+          </a:effectRef>
+          <a:fontRef idx="minor">
+            <a:schemeClr val="lt1"/>
+          </a:fontRef>
+        </p:style>
+        <p:txBody>
+          <a:bodyPr rtlCol="0" anchor="ctr"/>
+          <a:lstStyle/>
+          <a:p>
+            <a:pPr algn="ctr"/>
+            <a:endParaRPr lang="fr-FR"/>
+          </a:p>
+        </p:txBody>
+      </p:sp>
+      <p:sp>
+        <p:nvSpPr>
+          <p:cNvPr id="69" name="Ellipse 68">
+            <a:extLst>
+              <a:ext uri="{FF2B5EF4-FFF2-40B4-BE49-F238E27FC236}">
+                <a16:creationId xmlns:a16="http://schemas.microsoft.com/office/drawing/2014/main" id="{B83E2662-76AB-B58E-B79C-AAEFAB84816E}"/>
+              </a:ext>
+            </a:extLst>
+          </p:cNvPr>
+          <p:cNvSpPr/>
+          <p:nvPr/>
+        </p:nvSpPr>
+        <p:spPr>
+          <a:xfrm>
+            <a:off x="3790493" y="2658433"/>
+            <a:ext cx="160543" cy="160543"/>
+          </a:xfrm>
+          <a:prstGeom prst="ellipse">
+            <a:avLst/>
+          </a:prstGeom>
+          <a:solidFill>
+            <a:srgbClr val="00D461"/>
+          </a:solidFill>
+          <a:ln>
+            <a:solidFill>
+              <a:srgbClr val="00B050"/>
+            </a:solidFill>
+          </a:ln>
+        </p:spPr>
+        <p:style>
+          <a:lnRef idx="2">
+            <a:schemeClr val="accent1">
+              <a:shade val="50000"/>
+            </a:schemeClr>
+          </a:lnRef>
+          <a:fillRef idx="1">
+            <a:schemeClr val="accent1"/>
+          </a:fillRef>
+          <a:effectRef idx="0">
+            <a:schemeClr val="accent1"/>
+          </a:effectRef>
+          <a:fontRef idx="minor">
+            <a:schemeClr val="lt1"/>
+          </a:fontRef>
+        </p:style>
+        <p:txBody>
+          <a:bodyPr rtlCol="0" anchor="ctr"/>
+          <a:lstStyle/>
+          <a:p>
+            <a:pPr algn="ctr"/>
+            <a:endParaRPr lang="fr-FR"/>
+          </a:p>
+        </p:txBody>
+      </p:sp>
+      <p:sp>
+        <p:nvSpPr>
+          <p:cNvPr id="70" name="Ellipse 69">
+            <a:extLst>
+              <a:ext uri="{FF2B5EF4-FFF2-40B4-BE49-F238E27FC236}">
+                <a16:creationId xmlns:a16="http://schemas.microsoft.com/office/drawing/2014/main" id="{87850ECC-EBC1-996B-47CB-A9D424261753}"/>
+              </a:ext>
+            </a:extLst>
+          </p:cNvPr>
+          <p:cNvSpPr/>
+          <p:nvPr/>
+        </p:nvSpPr>
+        <p:spPr>
+          <a:xfrm>
+            <a:off x="3790493" y="2963357"/>
+            <a:ext cx="160543" cy="160543"/>
+          </a:xfrm>
+          <a:prstGeom prst="ellipse">
+            <a:avLst/>
+          </a:prstGeom>
+          <a:solidFill>
+            <a:srgbClr val="00D461"/>
+          </a:solidFill>
+          <a:ln>
+            <a:solidFill>
+              <a:srgbClr val="00B050"/>
+            </a:solidFill>
+          </a:ln>
+        </p:spPr>
+        <p:style>
+          <a:lnRef idx="2">
+            <a:schemeClr val="accent1">
+              <a:shade val="50000"/>
+            </a:schemeClr>
+          </a:lnRef>
+          <a:fillRef idx="1">
+            <a:schemeClr val="accent1"/>
+          </a:fillRef>
+          <a:effectRef idx="0">
+            <a:schemeClr val="accent1"/>
+          </a:effectRef>
+          <a:fontRef idx="minor">
+            <a:schemeClr val="lt1"/>
+          </a:fontRef>
+        </p:style>
+        <p:txBody>
+          <a:bodyPr rtlCol="0" anchor="ctr"/>
+          <a:lstStyle/>
+          <a:p>
+            <a:pPr algn="ctr"/>
+            <a:endParaRPr lang="fr-FR"/>
+          </a:p>
+        </p:txBody>
+      </p:sp>
+      <p:sp>
+        <p:nvSpPr>
+          <p:cNvPr id="71" name="Ellipse 70">
+            <a:extLst>
+              <a:ext uri="{FF2B5EF4-FFF2-40B4-BE49-F238E27FC236}">
+                <a16:creationId xmlns:a16="http://schemas.microsoft.com/office/drawing/2014/main" id="{B8263920-66F4-048F-226F-9DA79B6773C9}"/>
+              </a:ext>
+            </a:extLst>
+          </p:cNvPr>
+          <p:cNvSpPr/>
+          <p:nvPr/>
+        </p:nvSpPr>
+        <p:spPr>
+          <a:xfrm>
+            <a:off x="4474570" y="1743661"/>
+            <a:ext cx="160543" cy="160543"/>
+          </a:xfrm>
+          <a:prstGeom prst="ellipse">
+            <a:avLst/>
+          </a:prstGeom>
+          <a:solidFill>
+            <a:srgbClr val="00D461"/>
+          </a:solidFill>
+          <a:ln>
+            <a:solidFill>
+              <a:srgbClr val="00B050"/>
+            </a:solidFill>
+          </a:ln>
+        </p:spPr>
+        <p:style>
+          <a:lnRef idx="2">
+            <a:schemeClr val="accent1">
+              <a:shade val="50000"/>
+            </a:schemeClr>
+          </a:lnRef>
+          <a:fillRef idx="1">
+            <a:schemeClr val="accent1"/>
+          </a:fillRef>
+          <a:effectRef idx="0">
+            <a:schemeClr val="accent1"/>
+          </a:effectRef>
+          <a:fontRef idx="minor">
+            <a:schemeClr val="lt1"/>
+          </a:fontRef>
+        </p:style>
+        <p:txBody>
+          <a:bodyPr rtlCol="0" anchor="ctr"/>
+          <a:lstStyle/>
+          <a:p>
+            <a:pPr algn="ctr"/>
+            <a:endParaRPr lang="fr-FR"/>
+          </a:p>
+        </p:txBody>
+      </p:sp>
+      <p:sp>
+        <p:nvSpPr>
+          <p:cNvPr id="72" name="Ellipse 71">
+            <a:extLst>
+              <a:ext uri="{FF2B5EF4-FFF2-40B4-BE49-F238E27FC236}">
+                <a16:creationId xmlns:a16="http://schemas.microsoft.com/office/drawing/2014/main" id="{11CBDD53-D91D-3863-B804-B3B89504101E}"/>
+              </a:ext>
+            </a:extLst>
+          </p:cNvPr>
+          <p:cNvSpPr/>
+          <p:nvPr/>
+        </p:nvSpPr>
+        <p:spPr>
+          <a:xfrm>
+            <a:off x="4474570" y="2048585"/>
+            <a:ext cx="160543" cy="160543"/>
+          </a:xfrm>
+          <a:prstGeom prst="ellipse">
+            <a:avLst/>
+          </a:prstGeom>
+          <a:solidFill>
+            <a:srgbClr val="00D461"/>
+          </a:solidFill>
+          <a:ln>
+            <a:solidFill>
+              <a:srgbClr val="00B050"/>
+            </a:solidFill>
+          </a:ln>
+        </p:spPr>
+        <p:style>
+          <a:lnRef idx="2">
+            <a:schemeClr val="accent1">
+              <a:shade val="50000"/>
+            </a:schemeClr>
+          </a:lnRef>
+          <a:fillRef idx="1">
+            <a:schemeClr val="accent1"/>
+          </a:fillRef>
+          <a:effectRef idx="0">
+            <a:schemeClr val="accent1"/>
+          </a:effectRef>
+          <a:fontRef idx="minor">
+            <a:schemeClr val="lt1"/>
+          </a:fontRef>
+        </p:style>
+        <p:txBody>
+          <a:bodyPr rtlCol="0" anchor="ctr"/>
+          <a:lstStyle/>
+          <a:p>
+            <a:pPr algn="ctr"/>
+            <a:endParaRPr lang="fr-FR"/>
+          </a:p>
+        </p:txBody>
+      </p:sp>
+      <p:sp>
+        <p:nvSpPr>
+          <p:cNvPr id="73" name="Ellipse 72">
+            <a:extLst>
+              <a:ext uri="{FF2B5EF4-FFF2-40B4-BE49-F238E27FC236}">
+                <a16:creationId xmlns:a16="http://schemas.microsoft.com/office/drawing/2014/main" id="{149B07E9-7710-6D6E-DC7F-E8DB8796BC4F}"/>
+              </a:ext>
+            </a:extLst>
+          </p:cNvPr>
+          <p:cNvSpPr/>
+          <p:nvPr/>
+        </p:nvSpPr>
+        <p:spPr>
+          <a:xfrm>
+            <a:off x="4474569" y="2353509"/>
+            <a:ext cx="160543" cy="160543"/>
+          </a:xfrm>
+          <a:prstGeom prst="ellipse">
+            <a:avLst/>
+          </a:prstGeom>
+          <a:solidFill>
+            <a:srgbClr val="3D7E4F"/>
+          </a:solidFill>
+          <a:ln>
+            <a:solidFill>
+              <a:schemeClr val="accent6">
+                <a:lumMod val="50000"/>
+              </a:schemeClr>
+            </a:solidFill>
+          </a:ln>
+        </p:spPr>
+        <p:style>
+          <a:lnRef idx="2">
+            <a:schemeClr val="accent1">
+              <a:shade val="50000"/>
+            </a:schemeClr>
+          </a:lnRef>
+          <a:fillRef idx="1">
+            <a:schemeClr val="accent1"/>
+          </a:fillRef>
+          <a:effectRef idx="0">
+            <a:schemeClr val="accent1"/>
+          </a:effectRef>
+          <a:fontRef idx="minor">
+            <a:schemeClr val="lt1"/>
+          </a:fontRef>
+        </p:style>
+        <p:txBody>
+          <a:bodyPr rtlCol="0" anchor="ctr"/>
+          <a:lstStyle/>
+          <a:p>
+            <a:pPr algn="ctr"/>
+            <a:endParaRPr lang="fr-FR"/>
+          </a:p>
+        </p:txBody>
+      </p:sp>
+      <p:sp>
+        <p:nvSpPr>
+          <p:cNvPr id="74" name="Ellipse 73">
+            <a:extLst>
+              <a:ext uri="{FF2B5EF4-FFF2-40B4-BE49-F238E27FC236}">
+                <a16:creationId xmlns:a16="http://schemas.microsoft.com/office/drawing/2014/main" id="{B9187C95-CB00-CC25-2707-140A24EB2A1C}"/>
+              </a:ext>
+            </a:extLst>
+          </p:cNvPr>
+          <p:cNvSpPr/>
+          <p:nvPr/>
+        </p:nvSpPr>
+        <p:spPr>
+          <a:xfrm>
+            <a:off x="4474569" y="2658433"/>
+            <a:ext cx="160543" cy="160543"/>
+          </a:xfrm>
+          <a:prstGeom prst="ellipse">
+            <a:avLst/>
+          </a:prstGeom>
+          <a:solidFill>
+            <a:srgbClr val="00D461"/>
+          </a:solidFill>
+          <a:ln>
+            <a:solidFill>
+              <a:srgbClr val="00B050"/>
+            </a:solidFill>
+          </a:ln>
+        </p:spPr>
+        <p:style>
+          <a:lnRef idx="2">
+            <a:schemeClr val="accent1">
+              <a:shade val="50000"/>
+            </a:schemeClr>
+          </a:lnRef>
+          <a:fillRef idx="1">
+            <a:schemeClr val="accent1"/>
+          </a:fillRef>
+          <a:effectRef idx="0">
+            <a:schemeClr val="accent1"/>
+          </a:effectRef>
+          <a:fontRef idx="minor">
+            <a:schemeClr val="lt1"/>
+          </a:fontRef>
+        </p:style>
+        <p:txBody>
+          <a:bodyPr rtlCol="0" anchor="ctr"/>
+          <a:lstStyle/>
+          <a:p>
+            <a:pPr algn="ctr"/>
+            <a:endParaRPr lang="fr-FR"/>
+          </a:p>
+        </p:txBody>
+      </p:sp>
+      <p:sp>
+        <p:nvSpPr>
+          <p:cNvPr id="75" name="Ellipse 74">
+            <a:extLst>
+              <a:ext uri="{FF2B5EF4-FFF2-40B4-BE49-F238E27FC236}">
+                <a16:creationId xmlns:a16="http://schemas.microsoft.com/office/drawing/2014/main" id="{513ACA2C-BA28-2F9C-995A-0578B6A7E638}"/>
+              </a:ext>
+            </a:extLst>
+          </p:cNvPr>
+          <p:cNvSpPr/>
+          <p:nvPr/>
+        </p:nvSpPr>
+        <p:spPr>
+          <a:xfrm>
+            <a:off x="4474569" y="2963357"/>
+            <a:ext cx="160543" cy="160543"/>
+          </a:xfrm>
+          <a:prstGeom prst="ellipse">
+            <a:avLst/>
+          </a:prstGeom>
+          <a:solidFill>
+            <a:srgbClr val="00D461"/>
+          </a:solidFill>
+          <a:ln>
+            <a:solidFill>
+              <a:srgbClr val="00B050"/>
+            </a:solidFill>
+          </a:ln>
+        </p:spPr>
+        <p:style>
+          <a:lnRef idx="2">
+            <a:schemeClr val="accent1">
+              <a:shade val="50000"/>
+            </a:schemeClr>
+          </a:lnRef>
+          <a:fillRef idx="1">
+            <a:schemeClr val="accent1"/>
+          </a:fillRef>
+          <a:effectRef idx="0">
+            <a:schemeClr val="accent1"/>
+          </a:effectRef>
+          <a:fontRef idx="minor">
+            <a:schemeClr val="lt1"/>
+          </a:fontRef>
+        </p:style>
+        <p:txBody>
+          <a:bodyPr rtlCol="0" anchor="ctr"/>
+          <a:lstStyle/>
+          <a:p>
+            <a:pPr algn="ctr"/>
+            <a:endParaRPr lang="fr-FR"/>
+          </a:p>
+        </p:txBody>
+      </p:sp>
+      <p:sp>
+        <p:nvSpPr>
+          <p:cNvPr id="76" name="Ellipse 75">
+            <a:extLst>
+              <a:ext uri="{FF2B5EF4-FFF2-40B4-BE49-F238E27FC236}">
+                <a16:creationId xmlns:a16="http://schemas.microsoft.com/office/drawing/2014/main" id="{7A06F8B2-AD01-B2BD-E7B8-E1E05DE8D78E}"/>
+              </a:ext>
+            </a:extLst>
+          </p:cNvPr>
+          <p:cNvSpPr/>
+          <p:nvPr/>
+        </p:nvSpPr>
+        <p:spPr>
+          <a:xfrm>
+            <a:off x="4787514" y="1743661"/>
+            <a:ext cx="160543" cy="160543"/>
+          </a:xfrm>
+          <a:prstGeom prst="ellipse">
+            <a:avLst/>
+          </a:prstGeom>
+          <a:solidFill>
+            <a:srgbClr val="00D461"/>
+          </a:solidFill>
+          <a:ln>
+            <a:solidFill>
+              <a:srgbClr val="00B050"/>
+            </a:solidFill>
+          </a:ln>
+        </p:spPr>
+        <p:style>
+          <a:lnRef idx="2">
+            <a:schemeClr val="accent1">
+              <a:shade val="50000"/>
+            </a:schemeClr>
+          </a:lnRef>
+          <a:fillRef idx="1">
+            <a:schemeClr val="accent1"/>
+          </a:fillRef>
+          <a:effectRef idx="0">
+            <a:schemeClr val="accent1"/>
+          </a:effectRef>
+          <a:fontRef idx="minor">
+            <a:schemeClr val="lt1"/>
+          </a:fontRef>
+        </p:style>
+        <p:txBody>
+          <a:bodyPr rtlCol="0" anchor="ctr"/>
+          <a:lstStyle/>
+          <a:p>
+            <a:pPr algn="ctr"/>
+            <a:endParaRPr lang="fr-FR"/>
+          </a:p>
+        </p:txBody>
+      </p:sp>
+      <p:sp>
+        <p:nvSpPr>
+          <p:cNvPr id="77" name="Ellipse 76">
+            <a:extLst>
+              <a:ext uri="{FF2B5EF4-FFF2-40B4-BE49-F238E27FC236}">
+                <a16:creationId xmlns:a16="http://schemas.microsoft.com/office/drawing/2014/main" id="{83EFAB01-86A5-EF57-CAF1-54749319CD90}"/>
+              </a:ext>
+            </a:extLst>
+          </p:cNvPr>
+          <p:cNvSpPr/>
+          <p:nvPr/>
+        </p:nvSpPr>
+        <p:spPr>
+          <a:xfrm>
+            <a:off x="4787514" y="2048585"/>
+            <a:ext cx="160543" cy="160543"/>
+          </a:xfrm>
+          <a:prstGeom prst="ellipse">
+            <a:avLst/>
+          </a:prstGeom>
+          <a:solidFill>
+            <a:srgbClr val="3D7E4F"/>
+          </a:solidFill>
+          <a:ln>
+            <a:solidFill>
+              <a:schemeClr val="accent6">
+                <a:lumMod val="50000"/>
+              </a:schemeClr>
+            </a:solidFill>
+          </a:ln>
+        </p:spPr>
+        <p:style>
+          <a:lnRef idx="2">
+            <a:schemeClr val="accent1">
+              <a:shade val="50000"/>
+            </a:schemeClr>
+          </a:lnRef>
+          <a:fillRef idx="1">
+            <a:schemeClr val="accent1"/>
+          </a:fillRef>
+          <a:effectRef idx="0">
+            <a:schemeClr val="accent1"/>
+          </a:effectRef>
+          <a:fontRef idx="minor">
+            <a:schemeClr val="lt1"/>
+          </a:fontRef>
+        </p:style>
+        <p:txBody>
+          <a:bodyPr rtlCol="0" anchor="ctr"/>
+          <a:lstStyle/>
+          <a:p>
+            <a:pPr algn="ctr"/>
+            <a:endParaRPr lang="fr-FR"/>
+          </a:p>
+        </p:txBody>
+      </p:sp>
+      <p:sp>
+        <p:nvSpPr>
+          <p:cNvPr id="78" name="Ellipse 77">
+            <a:extLst>
+              <a:ext uri="{FF2B5EF4-FFF2-40B4-BE49-F238E27FC236}">
+                <a16:creationId xmlns:a16="http://schemas.microsoft.com/office/drawing/2014/main" id="{3EFC4FF5-1886-381A-03AB-2BB5BD053E26}"/>
+              </a:ext>
+            </a:extLst>
+          </p:cNvPr>
+          <p:cNvSpPr/>
+          <p:nvPr/>
+        </p:nvSpPr>
+        <p:spPr>
+          <a:xfrm>
+            <a:off x="4787513" y="2353509"/>
+            <a:ext cx="160543" cy="160543"/>
+          </a:xfrm>
+          <a:prstGeom prst="ellipse">
+            <a:avLst/>
+          </a:prstGeom>
+          <a:solidFill>
+            <a:srgbClr val="00D461"/>
+          </a:solidFill>
+          <a:ln>
+            <a:solidFill>
+              <a:srgbClr val="00B050"/>
+            </a:solidFill>
+          </a:ln>
+        </p:spPr>
+        <p:style>
+          <a:lnRef idx="2">
+            <a:schemeClr val="accent1">
+              <a:shade val="50000"/>
+            </a:schemeClr>
+          </a:lnRef>
+          <a:fillRef idx="1">
+            <a:schemeClr val="accent1"/>
+          </a:fillRef>
+          <a:effectRef idx="0">
+            <a:schemeClr val="accent1"/>
+          </a:effectRef>
+          <a:fontRef idx="minor">
+            <a:schemeClr val="lt1"/>
+          </a:fontRef>
+        </p:style>
+        <p:txBody>
+          <a:bodyPr rtlCol="0" anchor="ctr"/>
+          <a:lstStyle/>
+          <a:p>
+            <a:pPr algn="ctr"/>
+            <a:endParaRPr lang="fr-FR"/>
+          </a:p>
+        </p:txBody>
+      </p:sp>
+      <p:sp>
+        <p:nvSpPr>
+          <p:cNvPr id="79" name="Ellipse 78">
+            <a:extLst>
+              <a:ext uri="{FF2B5EF4-FFF2-40B4-BE49-F238E27FC236}">
+                <a16:creationId xmlns:a16="http://schemas.microsoft.com/office/drawing/2014/main" id="{62236DB6-D836-FFDB-3DBC-8E5F2F22CCFC}"/>
+              </a:ext>
+            </a:extLst>
+          </p:cNvPr>
+          <p:cNvSpPr/>
+          <p:nvPr/>
+        </p:nvSpPr>
+        <p:spPr>
+          <a:xfrm>
+            <a:off x="4787513" y="2658433"/>
+            <a:ext cx="160543" cy="160543"/>
+          </a:xfrm>
+          <a:prstGeom prst="ellipse">
+            <a:avLst/>
+          </a:prstGeom>
+          <a:solidFill>
+            <a:srgbClr val="00D461"/>
+          </a:solidFill>
+          <a:ln>
+            <a:solidFill>
+              <a:srgbClr val="00B050"/>
+            </a:solidFill>
+          </a:ln>
+        </p:spPr>
+        <p:style>
+          <a:lnRef idx="2">
+            <a:schemeClr val="accent1">
+              <a:shade val="50000"/>
+            </a:schemeClr>
+          </a:lnRef>
+          <a:fillRef idx="1">
+            <a:schemeClr val="accent1"/>
+          </a:fillRef>
+          <a:effectRef idx="0">
+            <a:schemeClr val="accent1"/>
+          </a:effectRef>
+          <a:fontRef idx="minor">
+            <a:schemeClr val="lt1"/>
+          </a:fontRef>
+        </p:style>
+        <p:txBody>
+          <a:bodyPr rtlCol="0" anchor="ctr"/>
+          <a:lstStyle/>
+          <a:p>
+            <a:pPr algn="ctr"/>
+            <a:endParaRPr lang="fr-FR"/>
+          </a:p>
+        </p:txBody>
+      </p:sp>
+      <p:sp>
+        <p:nvSpPr>
+          <p:cNvPr id="80" name="Ellipse 79">
+            <a:extLst>
+              <a:ext uri="{FF2B5EF4-FFF2-40B4-BE49-F238E27FC236}">
+                <a16:creationId xmlns:a16="http://schemas.microsoft.com/office/drawing/2014/main" id="{6C79C421-3F2E-8A52-3EC7-0E59CA726C22}"/>
+              </a:ext>
+            </a:extLst>
+          </p:cNvPr>
+          <p:cNvSpPr/>
+          <p:nvPr/>
+        </p:nvSpPr>
+        <p:spPr>
+          <a:xfrm>
+            <a:off x="4787513" y="2963357"/>
+            <a:ext cx="160543" cy="160543"/>
+          </a:xfrm>
+          <a:prstGeom prst="ellipse">
+            <a:avLst/>
+          </a:prstGeom>
+          <a:solidFill>
+            <a:srgbClr val="00D461"/>
+          </a:solidFill>
+          <a:ln>
+            <a:solidFill>
+              <a:srgbClr val="00B050"/>
+            </a:solidFill>
+          </a:ln>
+        </p:spPr>
+        <p:style>
+          <a:lnRef idx="2">
+            <a:schemeClr val="accent1">
+              <a:shade val="50000"/>
+            </a:schemeClr>
+          </a:lnRef>
+          <a:fillRef idx="1">
+            <a:schemeClr val="accent1"/>
+          </a:fillRef>
+          <a:effectRef idx="0">
+            <a:schemeClr val="accent1"/>
+          </a:effectRef>
+          <a:fontRef idx="minor">
+            <a:schemeClr val="lt1"/>
+          </a:fontRef>
+        </p:style>
+        <p:txBody>
+          <a:bodyPr rtlCol="0" anchor="ctr"/>
+          <a:lstStyle/>
+          <a:p>
+            <a:pPr algn="ctr"/>
+            <a:endParaRPr lang="fr-FR"/>
+          </a:p>
+        </p:txBody>
+      </p:sp>
+      <p:sp>
+        <p:nvSpPr>
+          <p:cNvPr id="81" name="Ellipse 80">
+            <a:extLst>
+              <a:ext uri="{FF2B5EF4-FFF2-40B4-BE49-F238E27FC236}">
+                <a16:creationId xmlns:a16="http://schemas.microsoft.com/office/drawing/2014/main" id="{ED9E6401-2D86-DE82-CFFA-9449CE086C92}"/>
+              </a:ext>
+            </a:extLst>
+          </p:cNvPr>
+          <p:cNvSpPr/>
+          <p:nvPr/>
+        </p:nvSpPr>
+        <p:spPr>
+          <a:xfrm>
+            <a:off x="5100458" y="1743661"/>
+            <a:ext cx="160543" cy="160543"/>
+          </a:xfrm>
+          <a:prstGeom prst="ellipse">
+            <a:avLst/>
+          </a:prstGeom>
+          <a:solidFill>
+            <a:srgbClr val="3D7E4F"/>
+          </a:solidFill>
+          <a:ln>
+            <a:solidFill>
+              <a:schemeClr val="accent6">
+                <a:lumMod val="50000"/>
+              </a:schemeClr>
+            </a:solidFill>
+          </a:ln>
+        </p:spPr>
+        <p:style>
+          <a:lnRef idx="2">
+            <a:schemeClr val="accent1">
+              <a:shade val="50000"/>
+            </a:schemeClr>
+          </a:lnRef>
+          <a:fillRef idx="1">
+            <a:schemeClr val="accent1"/>
+          </a:fillRef>
+          <a:effectRef idx="0">
+            <a:schemeClr val="accent1"/>
+          </a:effectRef>
+          <a:fontRef idx="minor">
+            <a:schemeClr val="lt1"/>
+          </a:fontRef>
+        </p:style>
+        <p:txBody>
+          <a:bodyPr rtlCol="0" anchor="ctr"/>
+          <a:lstStyle/>
+          <a:p>
+            <a:pPr algn="ctr"/>
+            <a:endParaRPr lang="fr-FR"/>
+          </a:p>
+        </p:txBody>
+      </p:sp>
+      <p:sp>
+        <p:nvSpPr>
+          <p:cNvPr id="82" name="Ellipse 81">
+            <a:extLst>
+              <a:ext uri="{FF2B5EF4-FFF2-40B4-BE49-F238E27FC236}">
+                <a16:creationId xmlns:a16="http://schemas.microsoft.com/office/drawing/2014/main" id="{1E040927-CE6F-FC45-3459-6E4BE314EA15}"/>
+              </a:ext>
+            </a:extLst>
+          </p:cNvPr>
+          <p:cNvSpPr/>
+          <p:nvPr/>
+        </p:nvSpPr>
+        <p:spPr>
+          <a:xfrm>
+            <a:off x="5100458" y="2048585"/>
+            <a:ext cx="160543" cy="160543"/>
+          </a:xfrm>
+          <a:prstGeom prst="ellipse">
+            <a:avLst/>
+          </a:prstGeom>
+          <a:solidFill>
+            <a:srgbClr val="3D7E4F"/>
+          </a:solidFill>
+          <a:ln>
+            <a:solidFill>
+              <a:schemeClr val="accent6">
+                <a:lumMod val="50000"/>
+              </a:schemeClr>
+            </a:solidFill>
+          </a:ln>
+        </p:spPr>
+        <p:style>
+          <a:lnRef idx="2">
+            <a:schemeClr val="accent1">
+              <a:shade val="50000"/>
+            </a:schemeClr>
+          </a:lnRef>
+          <a:fillRef idx="1">
+            <a:schemeClr val="accent1"/>
+          </a:fillRef>
+          <a:effectRef idx="0">
+            <a:schemeClr val="accent1"/>
+          </a:effectRef>
+          <a:fontRef idx="minor">
+            <a:schemeClr val="lt1"/>
+          </a:fontRef>
+        </p:style>
+        <p:txBody>
+          <a:bodyPr rtlCol="0" anchor="ctr"/>
+          <a:lstStyle/>
+          <a:p>
+            <a:pPr algn="ctr"/>
+            <a:endParaRPr lang="fr-FR"/>
+          </a:p>
+        </p:txBody>
+      </p:sp>
+      <p:sp>
+        <p:nvSpPr>
+          <p:cNvPr id="83" name="Ellipse 82">
+            <a:extLst>
+              <a:ext uri="{FF2B5EF4-FFF2-40B4-BE49-F238E27FC236}">
+                <a16:creationId xmlns:a16="http://schemas.microsoft.com/office/drawing/2014/main" id="{39B6BD2E-8C1D-3C4A-5B8F-052FAE3CBD33}"/>
+              </a:ext>
+            </a:extLst>
+          </p:cNvPr>
+          <p:cNvSpPr/>
+          <p:nvPr/>
+        </p:nvSpPr>
+        <p:spPr>
+          <a:xfrm>
+            <a:off x="5100457" y="2353509"/>
+            <a:ext cx="160543" cy="160543"/>
+          </a:xfrm>
+          <a:prstGeom prst="ellipse">
+            <a:avLst/>
+          </a:prstGeom>
+          <a:solidFill>
+            <a:srgbClr val="00D461"/>
+          </a:solidFill>
+          <a:ln>
+            <a:solidFill>
+              <a:srgbClr val="00B050"/>
+            </a:solidFill>
+          </a:ln>
+        </p:spPr>
+        <p:style>
+          <a:lnRef idx="2">
+            <a:schemeClr val="accent1">
+              <a:shade val="50000"/>
+            </a:schemeClr>
+          </a:lnRef>
+          <a:fillRef idx="1">
+            <a:schemeClr val="accent1"/>
+          </a:fillRef>
+          <a:effectRef idx="0">
+            <a:schemeClr val="accent1"/>
+          </a:effectRef>
+          <a:fontRef idx="minor">
+            <a:schemeClr val="lt1"/>
+          </a:fontRef>
+        </p:style>
+        <p:txBody>
+          <a:bodyPr rtlCol="0" anchor="ctr"/>
+          <a:lstStyle/>
+          <a:p>
+            <a:pPr algn="ctr"/>
+            <a:endParaRPr lang="fr-FR"/>
+          </a:p>
+        </p:txBody>
+      </p:sp>
+      <p:sp>
+        <p:nvSpPr>
+          <p:cNvPr id="84" name="Ellipse 83">
+            <a:extLst>
+              <a:ext uri="{FF2B5EF4-FFF2-40B4-BE49-F238E27FC236}">
+                <a16:creationId xmlns:a16="http://schemas.microsoft.com/office/drawing/2014/main" id="{AB6A703A-2D5E-0FC3-A0D4-E514827C5B9B}"/>
+              </a:ext>
+            </a:extLst>
+          </p:cNvPr>
+          <p:cNvSpPr/>
+          <p:nvPr/>
+        </p:nvSpPr>
+        <p:spPr>
+          <a:xfrm>
+            <a:off x="5100457" y="2658433"/>
+            <a:ext cx="160543" cy="160543"/>
+          </a:xfrm>
+          <a:prstGeom prst="ellipse">
+            <a:avLst/>
+          </a:prstGeom>
+          <a:solidFill>
+            <a:srgbClr val="00D461"/>
+          </a:solidFill>
+          <a:ln>
+            <a:solidFill>
+              <a:srgbClr val="00B050"/>
+            </a:solidFill>
+          </a:ln>
+        </p:spPr>
+        <p:style>
+          <a:lnRef idx="2">
+            <a:schemeClr val="accent1">
+              <a:shade val="50000"/>
+            </a:schemeClr>
+          </a:lnRef>
+          <a:fillRef idx="1">
+            <a:schemeClr val="accent1"/>
+          </a:fillRef>
+          <a:effectRef idx="0">
+            <a:schemeClr val="accent1"/>
+          </a:effectRef>
+          <a:fontRef idx="minor">
+            <a:schemeClr val="lt1"/>
+          </a:fontRef>
+        </p:style>
+        <p:txBody>
+          <a:bodyPr rtlCol="0" anchor="ctr"/>
+          <a:lstStyle/>
+          <a:p>
+            <a:pPr algn="ctr"/>
+            <a:endParaRPr lang="fr-FR"/>
+          </a:p>
+        </p:txBody>
+      </p:sp>
+      <p:sp>
+        <p:nvSpPr>
+          <p:cNvPr id="85" name="Ellipse 84">
+            <a:extLst>
+              <a:ext uri="{FF2B5EF4-FFF2-40B4-BE49-F238E27FC236}">
+                <a16:creationId xmlns:a16="http://schemas.microsoft.com/office/drawing/2014/main" id="{C53EE1D8-395A-F89E-3EB4-5775FCF9A81E}"/>
+              </a:ext>
+            </a:extLst>
+          </p:cNvPr>
+          <p:cNvSpPr/>
+          <p:nvPr/>
+        </p:nvSpPr>
+        <p:spPr>
+          <a:xfrm>
+            <a:off x="5100457" y="2963357"/>
+            <a:ext cx="160543" cy="160543"/>
+          </a:xfrm>
+          <a:prstGeom prst="ellipse">
+            <a:avLst/>
+          </a:prstGeom>
+          <a:solidFill>
+            <a:srgbClr val="00D461"/>
+          </a:solidFill>
+          <a:ln>
+            <a:solidFill>
+              <a:srgbClr val="00B050"/>
+            </a:solidFill>
+          </a:ln>
+        </p:spPr>
+        <p:style>
+          <a:lnRef idx="2">
+            <a:schemeClr val="accent1">
+              <a:shade val="50000"/>
+            </a:schemeClr>
+          </a:lnRef>
+          <a:fillRef idx="1">
+            <a:schemeClr val="accent1"/>
+          </a:fillRef>
+          <a:effectRef idx="0">
+            <a:schemeClr val="accent1"/>
+          </a:effectRef>
+          <a:fontRef idx="minor">
+            <a:schemeClr val="lt1"/>
+          </a:fontRef>
+        </p:style>
+        <p:txBody>
+          <a:bodyPr rtlCol="0" anchor="ctr"/>
+          <a:lstStyle/>
+          <a:p>
+            <a:pPr algn="ctr"/>
+            <a:endParaRPr lang="fr-FR"/>
+          </a:p>
+        </p:txBody>
+      </p:sp>
+      <p:sp>
+        <p:nvSpPr>
+          <p:cNvPr id="86" name="Ellipse 85">
+            <a:extLst>
+              <a:ext uri="{FF2B5EF4-FFF2-40B4-BE49-F238E27FC236}">
+                <a16:creationId xmlns:a16="http://schemas.microsoft.com/office/drawing/2014/main" id="{444DB245-A339-D797-0AC8-3BF51391FB30}"/>
+              </a:ext>
+            </a:extLst>
+          </p:cNvPr>
+          <p:cNvSpPr/>
+          <p:nvPr/>
+        </p:nvSpPr>
+        <p:spPr>
+          <a:xfrm>
+            <a:off x="5413402" y="1743661"/>
+            <a:ext cx="160543" cy="160543"/>
+          </a:xfrm>
+          <a:prstGeom prst="ellipse">
+            <a:avLst/>
+          </a:prstGeom>
+          <a:solidFill>
+            <a:srgbClr val="00D461"/>
+          </a:solidFill>
+          <a:ln>
+            <a:solidFill>
+              <a:srgbClr val="00B050"/>
+            </a:solidFill>
+          </a:ln>
+        </p:spPr>
+        <p:style>
+          <a:lnRef idx="2">
+            <a:schemeClr val="accent1">
+              <a:shade val="50000"/>
+            </a:schemeClr>
+          </a:lnRef>
+          <a:fillRef idx="1">
+            <a:schemeClr val="accent1"/>
+          </a:fillRef>
+          <a:effectRef idx="0">
+            <a:schemeClr val="accent1"/>
+          </a:effectRef>
+          <a:fontRef idx="minor">
+            <a:schemeClr val="lt1"/>
+          </a:fontRef>
+        </p:style>
+        <p:txBody>
+          <a:bodyPr rtlCol="0" anchor="ctr"/>
+          <a:lstStyle/>
+          <a:p>
+            <a:pPr algn="ctr"/>
+            <a:endParaRPr lang="fr-FR"/>
+          </a:p>
+        </p:txBody>
+      </p:sp>
+      <p:sp>
+        <p:nvSpPr>
+          <p:cNvPr id="87" name="Ellipse 86">
+            <a:extLst>
+              <a:ext uri="{FF2B5EF4-FFF2-40B4-BE49-F238E27FC236}">
+                <a16:creationId xmlns:a16="http://schemas.microsoft.com/office/drawing/2014/main" id="{D2F5D894-2535-B6FE-1790-A628E9FA77E9}"/>
+              </a:ext>
+            </a:extLst>
+          </p:cNvPr>
+          <p:cNvSpPr/>
+          <p:nvPr/>
+        </p:nvSpPr>
+        <p:spPr>
+          <a:xfrm>
+            <a:off x="5413402" y="2048585"/>
+            <a:ext cx="160543" cy="160543"/>
+          </a:xfrm>
+          <a:prstGeom prst="ellipse">
+            <a:avLst/>
+          </a:prstGeom>
+          <a:solidFill>
+            <a:srgbClr val="3D7E4F"/>
+          </a:solidFill>
+          <a:ln>
+            <a:solidFill>
+              <a:schemeClr val="accent6">
+                <a:lumMod val="50000"/>
+              </a:schemeClr>
+            </a:solidFill>
+          </a:ln>
+        </p:spPr>
+        <p:style>
+          <a:lnRef idx="2">
+            <a:schemeClr val="accent1">
+              <a:shade val="50000"/>
+            </a:schemeClr>
+          </a:lnRef>
+          <a:fillRef idx="1">
+            <a:schemeClr val="accent1"/>
+          </a:fillRef>
+          <a:effectRef idx="0">
+            <a:schemeClr val="accent1"/>
+          </a:effectRef>
+          <a:fontRef idx="minor">
+            <a:schemeClr val="lt1"/>
+          </a:fontRef>
+        </p:style>
+        <p:txBody>
+          <a:bodyPr rtlCol="0" anchor="ctr"/>
+          <a:lstStyle/>
+          <a:p>
+            <a:pPr algn="ctr"/>
+            <a:endParaRPr lang="fr-FR"/>
+          </a:p>
+        </p:txBody>
+      </p:sp>
+      <p:sp>
+        <p:nvSpPr>
+          <p:cNvPr id="88" name="Ellipse 87">
+            <a:extLst>
+              <a:ext uri="{FF2B5EF4-FFF2-40B4-BE49-F238E27FC236}">
+                <a16:creationId xmlns:a16="http://schemas.microsoft.com/office/drawing/2014/main" id="{73A685D4-5B9F-28B8-B8B9-DE74F90738CB}"/>
+              </a:ext>
+            </a:extLst>
+          </p:cNvPr>
+          <p:cNvSpPr/>
+          <p:nvPr/>
+        </p:nvSpPr>
+        <p:spPr>
+          <a:xfrm>
+            <a:off x="5413401" y="2353509"/>
+            <a:ext cx="160543" cy="160543"/>
+          </a:xfrm>
+          <a:prstGeom prst="ellipse">
+            <a:avLst/>
+          </a:prstGeom>
+          <a:solidFill>
+            <a:srgbClr val="3D7E4F"/>
+          </a:solidFill>
+          <a:ln>
+            <a:solidFill>
+              <a:schemeClr val="accent6">
+                <a:lumMod val="50000"/>
+              </a:schemeClr>
+            </a:solidFill>
+          </a:ln>
+        </p:spPr>
+        <p:style>
+          <a:lnRef idx="2">
+            <a:schemeClr val="accent1">
+              <a:shade val="50000"/>
+            </a:schemeClr>
+          </a:lnRef>
+          <a:fillRef idx="1">
+            <a:schemeClr val="accent1"/>
+          </a:fillRef>
+          <a:effectRef idx="0">
+            <a:schemeClr val="accent1"/>
+          </a:effectRef>
+          <a:fontRef idx="minor">
+            <a:schemeClr val="lt1"/>
+          </a:fontRef>
+        </p:style>
+        <p:txBody>
+          <a:bodyPr rtlCol="0" anchor="ctr"/>
+          <a:lstStyle/>
+          <a:p>
+            <a:pPr algn="ctr"/>
+            <a:endParaRPr lang="fr-FR"/>
+          </a:p>
+        </p:txBody>
+      </p:sp>
+      <p:sp>
+        <p:nvSpPr>
+          <p:cNvPr id="89" name="Ellipse 88">
+            <a:extLst>
+              <a:ext uri="{FF2B5EF4-FFF2-40B4-BE49-F238E27FC236}">
+                <a16:creationId xmlns:a16="http://schemas.microsoft.com/office/drawing/2014/main" id="{DE1D12CB-9F61-1F91-4915-5EAE116DD328}"/>
+              </a:ext>
+            </a:extLst>
+          </p:cNvPr>
+          <p:cNvSpPr/>
+          <p:nvPr/>
+        </p:nvSpPr>
+        <p:spPr>
+          <a:xfrm>
+            <a:off x="5413401" y="2658433"/>
+            <a:ext cx="160543" cy="160543"/>
+          </a:xfrm>
+          <a:prstGeom prst="ellipse">
+            <a:avLst/>
+          </a:prstGeom>
+          <a:solidFill>
+            <a:srgbClr val="3D7E4F"/>
+          </a:solidFill>
+          <a:ln>
+            <a:solidFill>
+              <a:schemeClr val="accent6">
+                <a:lumMod val="50000"/>
+              </a:schemeClr>
+            </a:solidFill>
+          </a:ln>
+        </p:spPr>
+        <p:style>
+          <a:lnRef idx="2">
+            <a:schemeClr val="accent1">
+              <a:shade val="50000"/>
+            </a:schemeClr>
+          </a:lnRef>
+          <a:fillRef idx="1">
+            <a:schemeClr val="accent1"/>
+          </a:fillRef>
+          <a:effectRef idx="0">
+            <a:schemeClr val="accent1"/>
+          </a:effectRef>
+          <a:fontRef idx="minor">
+            <a:schemeClr val="lt1"/>
+          </a:fontRef>
+        </p:style>
+        <p:txBody>
+          <a:bodyPr rtlCol="0" anchor="ctr"/>
+          <a:lstStyle/>
+          <a:p>
+            <a:pPr algn="ctr"/>
+            <a:endParaRPr lang="fr-FR"/>
+          </a:p>
+        </p:txBody>
+      </p:sp>
+      <p:sp>
+        <p:nvSpPr>
+          <p:cNvPr id="90" name="Ellipse 89">
+            <a:extLst>
+              <a:ext uri="{FF2B5EF4-FFF2-40B4-BE49-F238E27FC236}">
+                <a16:creationId xmlns:a16="http://schemas.microsoft.com/office/drawing/2014/main" id="{BE88FF63-59F4-C92B-A542-B6D74D7D63DC}"/>
+              </a:ext>
+            </a:extLst>
+          </p:cNvPr>
+          <p:cNvSpPr/>
+          <p:nvPr/>
+        </p:nvSpPr>
+        <p:spPr>
+          <a:xfrm>
+            <a:off x="5413401" y="2963357"/>
+            <a:ext cx="160543" cy="160543"/>
+          </a:xfrm>
+          <a:prstGeom prst="ellipse">
+            <a:avLst/>
+          </a:prstGeom>
+          <a:solidFill>
+            <a:srgbClr val="00D461"/>
+          </a:solidFill>
+          <a:ln>
+            <a:solidFill>
+              <a:srgbClr val="00B050"/>
+            </a:solidFill>
+          </a:ln>
+        </p:spPr>
+        <p:style>
+          <a:lnRef idx="2">
+            <a:schemeClr val="accent1">
+              <a:shade val="50000"/>
+            </a:schemeClr>
+          </a:lnRef>
+          <a:fillRef idx="1">
+            <a:schemeClr val="accent1"/>
+          </a:fillRef>
+          <a:effectRef idx="0">
+            <a:schemeClr val="accent1"/>
+          </a:effectRef>
+          <a:fontRef idx="minor">
+            <a:schemeClr val="lt1"/>
+          </a:fontRef>
+        </p:style>
+        <p:txBody>
+          <a:bodyPr rtlCol="0" anchor="ctr"/>
+          <a:lstStyle/>
+          <a:p>
+            <a:pPr algn="ctr"/>
+            <a:endParaRPr lang="fr-FR"/>
+          </a:p>
+        </p:txBody>
+      </p:sp>
+      <p:sp>
+        <p:nvSpPr>
+          <p:cNvPr id="91" name="Ellipse 90">
+            <a:extLst>
+              <a:ext uri="{FF2B5EF4-FFF2-40B4-BE49-F238E27FC236}">
+                <a16:creationId xmlns:a16="http://schemas.microsoft.com/office/drawing/2014/main" id="{ECC5794C-8D02-5E63-42D4-2D9F30241BDB}"/>
+              </a:ext>
+            </a:extLst>
+          </p:cNvPr>
+          <p:cNvSpPr/>
+          <p:nvPr/>
+        </p:nvSpPr>
+        <p:spPr>
+          <a:xfrm>
+            <a:off x="5726346" y="1743661"/>
+            <a:ext cx="160543" cy="160543"/>
+          </a:xfrm>
+          <a:prstGeom prst="ellipse">
+            <a:avLst/>
+          </a:prstGeom>
+          <a:solidFill>
+            <a:srgbClr val="3D7E4F"/>
+          </a:solidFill>
+          <a:ln>
+            <a:solidFill>
+              <a:schemeClr val="accent6">
+                <a:lumMod val="50000"/>
+              </a:schemeClr>
+            </a:solidFill>
+          </a:ln>
+        </p:spPr>
+        <p:style>
+          <a:lnRef idx="2">
+            <a:schemeClr val="accent1">
+              <a:shade val="50000"/>
+            </a:schemeClr>
+          </a:lnRef>
+          <a:fillRef idx="1">
+            <a:schemeClr val="accent1"/>
+          </a:fillRef>
+          <a:effectRef idx="0">
+            <a:schemeClr val="accent1"/>
+          </a:effectRef>
+          <a:fontRef idx="minor">
+            <a:schemeClr val="lt1"/>
+          </a:fontRef>
+        </p:style>
+        <p:txBody>
+          <a:bodyPr rtlCol="0" anchor="ctr"/>
+          <a:lstStyle/>
+          <a:p>
+            <a:pPr algn="ctr"/>
+            <a:endParaRPr lang="fr-FR"/>
+          </a:p>
+        </p:txBody>
+      </p:sp>
+      <p:sp>
+        <p:nvSpPr>
+          <p:cNvPr id="92" name="Ellipse 91">
+            <a:extLst>
+              <a:ext uri="{FF2B5EF4-FFF2-40B4-BE49-F238E27FC236}">
+                <a16:creationId xmlns:a16="http://schemas.microsoft.com/office/drawing/2014/main" id="{902109FD-57B3-89D2-C49B-61E8F6B2C705}"/>
+              </a:ext>
+            </a:extLst>
+          </p:cNvPr>
+          <p:cNvSpPr/>
+          <p:nvPr/>
+        </p:nvSpPr>
+        <p:spPr>
+          <a:xfrm>
+            <a:off x="5726346" y="2048585"/>
+            <a:ext cx="160543" cy="160543"/>
+          </a:xfrm>
+          <a:prstGeom prst="ellipse">
+            <a:avLst/>
+          </a:prstGeom>
+          <a:solidFill>
+            <a:srgbClr val="3D7E4F"/>
+          </a:solidFill>
+          <a:ln>
+            <a:solidFill>
+              <a:schemeClr val="accent6">
+                <a:lumMod val="50000"/>
+              </a:schemeClr>
+            </a:solidFill>
+          </a:ln>
+        </p:spPr>
+        <p:style>
+          <a:lnRef idx="2">
+            <a:schemeClr val="accent1">
+              <a:shade val="50000"/>
+            </a:schemeClr>
+          </a:lnRef>
+          <a:fillRef idx="1">
+            <a:schemeClr val="accent1"/>
+          </a:fillRef>
+          <a:effectRef idx="0">
+            <a:schemeClr val="accent1"/>
+          </a:effectRef>
+          <a:fontRef idx="minor">
+            <a:schemeClr val="lt1"/>
+          </a:fontRef>
+        </p:style>
+        <p:txBody>
+          <a:bodyPr rtlCol="0" anchor="ctr"/>
+          <a:lstStyle/>
+          <a:p>
+            <a:pPr algn="ctr"/>
+            <a:endParaRPr lang="fr-FR"/>
+          </a:p>
+        </p:txBody>
+      </p:sp>
+      <p:sp>
+        <p:nvSpPr>
+          <p:cNvPr id="93" name="Ellipse 92">
+            <a:extLst>
+              <a:ext uri="{FF2B5EF4-FFF2-40B4-BE49-F238E27FC236}">
+                <a16:creationId xmlns:a16="http://schemas.microsoft.com/office/drawing/2014/main" id="{1D0435D2-5F4E-68CE-9489-05FB41AFBC8D}"/>
+              </a:ext>
+            </a:extLst>
+          </p:cNvPr>
+          <p:cNvSpPr/>
+          <p:nvPr/>
+        </p:nvSpPr>
+        <p:spPr>
+          <a:xfrm>
+            <a:off x="5726345" y="2353509"/>
+            <a:ext cx="160543" cy="160543"/>
+          </a:xfrm>
+          <a:prstGeom prst="ellipse">
+            <a:avLst/>
+          </a:prstGeom>
+          <a:solidFill>
+            <a:srgbClr val="3D7E4F"/>
+          </a:solidFill>
+          <a:ln>
+            <a:solidFill>
+              <a:schemeClr val="accent6">
+                <a:lumMod val="50000"/>
+              </a:schemeClr>
+            </a:solidFill>
+          </a:ln>
+        </p:spPr>
+        <p:style>
+          <a:lnRef idx="2">
+            <a:schemeClr val="accent1">
+              <a:shade val="50000"/>
+            </a:schemeClr>
+          </a:lnRef>
+          <a:fillRef idx="1">
+            <a:schemeClr val="accent1"/>
+          </a:fillRef>
+          <a:effectRef idx="0">
+            <a:schemeClr val="accent1"/>
+          </a:effectRef>
+          <a:fontRef idx="minor">
+            <a:schemeClr val="lt1"/>
+          </a:fontRef>
+        </p:style>
+        <p:txBody>
+          <a:bodyPr rtlCol="0" anchor="ctr"/>
+          <a:lstStyle/>
+          <a:p>
+            <a:pPr algn="ctr"/>
+            <a:endParaRPr lang="fr-FR"/>
+          </a:p>
+        </p:txBody>
+      </p:sp>
+      <p:sp>
+        <p:nvSpPr>
+          <p:cNvPr id="94" name="Ellipse 93">
+            <a:extLst>
+              <a:ext uri="{FF2B5EF4-FFF2-40B4-BE49-F238E27FC236}">
+                <a16:creationId xmlns:a16="http://schemas.microsoft.com/office/drawing/2014/main" id="{1B345961-F38D-FA01-0AE6-C99F5DDFCF5A}"/>
+              </a:ext>
+            </a:extLst>
+          </p:cNvPr>
+          <p:cNvSpPr/>
+          <p:nvPr/>
+        </p:nvSpPr>
+        <p:spPr>
+          <a:xfrm>
+            <a:off x="5726345" y="2658433"/>
+            <a:ext cx="160543" cy="160543"/>
+          </a:xfrm>
+          <a:prstGeom prst="ellipse">
+            <a:avLst/>
+          </a:prstGeom>
+          <a:solidFill>
+            <a:srgbClr val="3D7E4F"/>
+          </a:solidFill>
+          <a:ln>
+            <a:solidFill>
+              <a:schemeClr val="accent6">
+                <a:lumMod val="50000"/>
+              </a:schemeClr>
+            </a:solidFill>
+          </a:ln>
+        </p:spPr>
+        <p:style>
+          <a:lnRef idx="2">
+            <a:schemeClr val="accent1">
+              <a:shade val="50000"/>
+            </a:schemeClr>
+          </a:lnRef>
+          <a:fillRef idx="1">
+            <a:schemeClr val="accent1"/>
+          </a:fillRef>
+          <a:effectRef idx="0">
+            <a:schemeClr val="accent1"/>
+          </a:effectRef>
+          <a:fontRef idx="minor">
+            <a:schemeClr val="lt1"/>
+          </a:fontRef>
+        </p:style>
+        <p:txBody>
+          <a:bodyPr rtlCol="0" anchor="ctr"/>
+          <a:lstStyle/>
+          <a:p>
+            <a:pPr algn="ctr"/>
+            <a:endParaRPr lang="fr-FR"/>
+          </a:p>
+        </p:txBody>
+      </p:sp>
+      <p:sp>
+        <p:nvSpPr>
+          <p:cNvPr id="95" name="Ellipse 94">
+            <a:extLst>
+              <a:ext uri="{FF2B5EF4-FFF2-40B4-BE49-F238E27FC236}">
+                <a16:creationId xmlns:a16="http://schemas.microsoft.com/office/drawing/2014/main" id="{3E4F9337-218C-73EE-72E0-2228666AC6BA}"/>
+              </a:ext>
+            </a:extLst>
+          </p:cNvPr>
+          <p:cNvSpPr/>
+          <p:nvPr/>
+        </p:nvSpPr>
+        <p:spPr>
+          <a:xfrm>
+            <a:off x="5726345" y="2963357"/>
+            <a:ext cx="160543" cy="160543"/>
+          </a:xfrm>
+          <a:prstGeom prst="ellipse">
+            <a:avLst/>
+          </a:prstGeom>
+          <a:solidFill>
+            <a:srgbClr val="3D7E4F"/>
+          </a:solidFill>
+          <a:ln>
+            <a:solidFill>
+              <a:schemeClr val="accent6">
+                <a:lumMod val="50000"/>
+              </a:schemeClr>
+            </a:solidFill>
+          </a:ln>
+        </p:spPr>
+        <p:style>
+          <a:lnRef idx="2">
+            <a:schemeClr val="accent1">
+              <a:shade val="50000"/>
+            </a:schemeClr>
+          </a:lnRef>
+          <a:fillRef idx="1">
+            <a:schemeClr val="accent1"/>
+          </a:fillRef>
+          <a:effectRef idx="0">
+            <a:schemeClr val="accent1"/>
+          </a:effectRef>
+          <a:fontRef idx="minor">
+            <a:schemeClr val="lt1"/>
+          </a:fontRef>
+        </p:style>
+        <p:txBody>
+          <a:bodyPr rtlCol="0" anchor="ctr"/>
+          <a:lstStyle/>
+          <a:p>
+            <a:pPr algn="ctr"/>
+            <a:endParaRPr lang="fr-FR"/>
+          </a:p>
+        </p:txBody>
+      </p:sp>
+      <p:sp>
+        <p:nvSpPr>
+          <p:cNvPr id="101" name="ZoneTexte 100">
+            <a:extLst>
+              <a:ext uri="{FF2B5EF4-FFF2-40B4-BE49-F238E27FC236}">
+                <a16:creationId xmlns:a16="http://schemas.microsoft.com/office/drawing/2014/main" id="{5D1A20F5-1B13-FEAD-5DEF-2B66005F2CE4}"/>
+              </a:ext>
+            </a:extLst>
+          </p:cNvPr>
+          <p:cNvSpPr txBox="1"/>
+          <p:nvPr/>
+        </p:nvSpPr>
+        <p:spPr>
+          <a:xfrm>
+            <a:off x="743038" y="1416382"/>
+            <a:ext cx="817853" cy="276999"/>
+          </a:xfrm>
+          <a:prstGeom prst="rect">
+            <a:avLst/>
+          </a:prstGeom>
+          <a:noFill/>
+        </p:spPr>
+        <p:txBody>
+          <a:bodyPr wrap="none" rtlCol="0">
+            <a:spAutoFit/>
+          </a:bodyPr>
+          <a:lstStyle/>
+          <a:p>
+            <a:r>
+              <a:rPr lang="fr-FR" sz="1200">
+                <a:latin typeface="Avenir Book" panose="02000503020000020003" pitchFamily="2" charset="0"/>
+              </a:rPr>
+              <a:t>Backup 1</a:t>
+            </a:r>
+          </a:p>
+        </p:txBody>
+      </p:sp>
+      <p:sp>
+        <p:nvSpPr>
+          <p:cNvPr id="103" name="Flèche vers le haut 102">
+            <a:extLst>
+              <a:ext uri="{FF2B5EF4-FFF2-40B4-BE49-F238E27FC236}">
+                <a16:creationId xmlns:a16="http://schemas.microsoft.com/office/drawing/2014/main" id="{6D00B5B3-077B-9449-3FC4-C416CE16E189}"/>
+              </a:ext>
+            </a:extLst>
+          </p:cNvPr>
+          <p:cNvSpPr/>
+          <p:nvPr/>
+        </p:nvSpPr>
+        <p:spPr>
+          <a:xfrm>
+            <a:off x="2013990" y="3163901"/>
+            <a:ext cx="185505" cy="195976"/>
+          </a:xfrm>
+          <a:prstGeom prst="upArrow">
+            <a:avLst/>
+          </a:prstGeom>
+          <a:solidFill>
+            <a:srgbClr val="3D7E4F"/>
+          </a:solidFill>
+          <a:ln>
+            <a:noFill/>
+          </a:ln>
+        </p:spPr>
+        <p:style>
+          <a:lnRef idx="2">
+            <a:schemeClr val="accent1">
+              <a:shade val="50000"/>
+            </a:schemeClr>
+          </a:lnRef>
+          <a:fillRef idx="1">
+            <a:schemeClr val="accent1"/>
+          </a:fillRef>
+          <a:effectRef idx="0">
+            <a:schemeClr val="accent1"/>
+          </a:effectRef>
+          <a:fontRef idx="minor">
+            <a:schemeClr val="lt1"/>
+          </a:fontRef>
+        </p:style>
+        <p:txBody>
+          <a:bodyPr rtlCol="0" anchor="ctr"/>
+          <a:lstStyle/>
+          <a:p>
+            <a:pPr algn="ctr"/>
+            <a:endParaRPr lang="fr-FR"/>
+          </a:p>
+        </p:txBody>
+      </p:sp>
+      <p:sp>
+        <p:nvSpPr>
+          <p:cNvPr id="104" name="Flèche vers le haut 103">
+            <a:extLst>
+              <a:ext uri="{FF2B5EF4-FFF2-40B4-BE49-F238E27FC236}">
+                <a16:creationId xmlns:a16="http://schemas.microsoft.com/office/drawing/2014/main" id="{9B6A4FC8-C6CD-F8EB-D4E7-2670631DB4EE}"/>
+              </a:ext>
+            </a:extLst>
+          </p:cNvPr>
+          <p:cNvSpPr/>
+          <p:nvPr/>
+        </p:nvSpPr>
+        <p:spPr>
+          <a:xfrm>
+            <a:off x="3926977" y="3163901"/>
+            <a:ext cx="192083" cy="195976"/>
+          </a:xfrm>
+          <a:prstGeom prst="upArrow">
+            <a:avLst/>
+          </a:prstGeom>
+          <a:solidFill>
+            <a:srgbClr val="3D7E4F"/>
+          </a:solidFill>
+          <a:ln>
+            <a:noFill/>
+          </a:ln>
+        </p:spPr>
+        <p:style>
+          <a:lnRef idx="2">
+            <a:schemeClr val="accent1">
+              <a:shade val="50000"/>
+            </a:schemeClr>
+          </a:lnRef>
+          <a:fillRef idx="1">
+            <a:schemeClr val="accent1"/>
+          </a:fillRef>
+          <a:effectRef idx="0">
+            <a:schemeClr val="accent1"/>
+          </a:effectRef>
+          <a:fontRef idx="minor">
+            <a:schemeClr val="lt1"/>
+          </a:fontRef>
+        </p:style>
+        <p:txBody>
+          <a:bodyPr rtlCol="0" anchor="ctr"/>
+          <a:lstStyle/>
+          <a:p>
+            <a:pPr algn="ctr"/>
+            <a:endParaRPr lang="fr-FR"/>
+          </a:p>
+        </p:txBody>
+      </p:sp>
+      <p:sp>
+        <p:nvSpPr>
+          <p:cNvPr id="105" name="Flèche vers le haut 104">
+            <a:extLst>
+              <a:ext uri="{FF2B5EF4-FFF2-40B4-BE49-F238E27FC236}">
+                <a16:creationId xmlns:a16="http://schemas.microsoft.com/office/drawing/2014/main" id="{587F1503-5A9D-2F94-B289-B6634770B76F}"/>
+              </a:ext>
+            </a:extLst>
+          </p:cNvPr>
+          <p:cNvSpPr/>
+          <p:nvPr/>
+        </p:nvSpPr>
+        <p:spPr>
+          <a:xfrm>
+            <a:off x="5867205" y="3163901"/>
+            <a:ext cx="187586" cy="195976"/>
+          </a:xfrm>
+          <a:prstGeom prst="upArrow">
+            <a:avLst/>
+          </a:prstGeom>
+          <a:solidFill>
+            <a:srgbClr val="3D7E4F"/>
+          </a:solidFill>
+          <a:ln>
+            <a:noFill/>
+          </a:ln>
+        </p:spPr>
+        <p:style>
+          <a:lnRef idx="2">
+            <a:schemeClr val="accent1">
+              <a:shade val="50000"/>
+            </a:schemeClr>
+          </a:lnRef>
+          <a:fillRef idx="1">
+            <a:schemeClr val="accent1"/>
+          </a:fillRef>
+          <a:effectRef idx="0">
+            <a:schemeClr val="accent1"/>
+          </a:effectRef>
+          <a:fontRef idx="minor">
+            <a:schemeClr val="lt1"/>
+          </a:fontRef>
+        </p:style>
+        <p:txBody>
+          <a:bodyPr rtlCol="0" anchor="ctr"/>
+          <a:lstStyle/>
+          <a:p>
+            <a:pPr algn="ctr"/>
+            <a:endParaRPr lang="fr-FR"/>
+          </a:p>
+        </p:txBody>
+      </p:sp>
+      <p:sp>
+        <p:nvSpPr>
+          <p:cNvPr id="106" name="ZoneTexte 105">
+            <a:extLst>
+              <a:ext uri="{FF2B5EF4-FFF2-40B4-BE49-F238E27FC236}">
+                <a16:creationId xmlns:a16="http://schemas.microsoft.com/office/drawing/2014/main" id="{57813CFE-CBE9-5120-7731-DD9853F09975}"/>
+              </a:ext>
+            </a:extLst>
+          </p:cNvPr>
+          <p:cNvSpPr txBox="1"/>
+          <p:nvPr/>
+        </p:nvSpPr>
+        <p:spPr>
+          <a:xfrm>
+            <a:off x="1790666" y="3101488"/>
+            <a:ext cx="311304" cy="307777"/>
+          </a:xfrm>
+          <a:prstGeom prst="rect">
+            <a:avLst/>
+          </a:prstGeom>
+          <a:noFill/>
+        </p:spPr>
+        <p:txBody>
+          <a:bodyPr wrap="none" rtlCol="0">
+            <a:spAutoFit/>
+          </a:bodyPr>
+          <a:lstStyle/>
+          <a:p>
+            <a:r>
+              <a:rPr lang="fr-FR" sz="1400">
+                <a:latin typeface="Avenir Book" panose="02000503020000020003" pitchFamily="2" charset="0"/>
+              </a:rPr>
+              <a:t>t</a:t>
+            </a:r>
+            <a:r>
+              <a:rPr lang="fr-FR" sz="1400" baseline="-25000">
+                <a:latin typeface="Avenir Book" panose="02000503020000020003" pitchFamily="2" charset="0"/>
+              </a:rPr>
+              <a:t>1</a:t>
+            </a:r>
+          </a:p>
+        </p:txBody>
+      </p:sp>
+      <p:sp>
+        <p:nvSpPr>
+          <p:cNvPr id="107" name="ZoneTexte 106">
+            <a:extLst>
+              <a:ext uri="{FF2B5EF4-FFF2-40B4-BE49-F238E27FC236}">
+                <a16:creationId xmlns:a16="http://schemas.microsoft.com/office/drawing/2014/main" id="{F0127172-BF7C-AB13-21D9-0E4D35601B4D}"/>
+              </a:ext>
+            </a:extLst>
+          </p:cNvPr>
+          <p:cNvSpPr txBox="1"/>
+          <p:nvPr/>
+        </p:nvSpPr>
+        <p:spPr>
+          <a:xfrm>
+            <a:off x="3701583" y="3101487"/>
+            <a:ext cx="311304" cy="307777"/>
+          </a:xfrm>
+          <a:prstGeom prst="rect">
+            <a:avLst/>
+          </a:prstGeom>
+          <a:noFill/>
+        </p:spPr>
+        <p:txBody>
+          <a:bodyPr wrap="none" rtlCol="0">
+            <a:spAutoFit/>
+          </a:bodyPr>
+          <a:lstStyle/>
+          <a:p>
+            <a:r>
+              <a:rPr lang="fr-FR" sz="1400">
+                <a:latin typeface="Avenir Book" panose="02000503020000020003" pitchFamily="2" charset="0"/>
+              </a:rPr>
+              <a:t>t</a:t>
+            </a:r>
+            <a:r>
+              <a:rPr lang="fr-FR" sz="1400" baseline="-25000">
+                <a:latin typeface="Avenir Book" panose="02000503020000020003" pitchFamily="2" charset="0"/>
+              </a:rPr>
+              <a:t>2</a:t>
+            </a:r>
+          </a:p>
+        </p:txBody>
+      </p:sp>
+      <p:sp>
+        <p:nvSpPr>
+          <p:cNvPr id="108" name="ZoneTexte 107">
+            <a:extLst>
+              <a:ext uri="{FF2B5EF4-FFF2-40B4-BE49-F238E27FC236}">
+                <a16:creationId xmlns:a16="http://schemas.microsoft.com/office/drawing/2014/main" id="{A6EEF2FC-C704-F665-0D29-8F26D391F82A}"/>
+              </a:ext>
+            </a:extLst>
+          </p:cNvPr>
+          <p:cNvSpPr txBox="1"/>
+          <p:nvPr/>
+        </p:nvSpPr>
+        <p:spPr>
+          <a:xfrm>
+            <a:off x="5645962" y="3098829"/>
+            <a:ext cx="311304" cy="307777"/>
+          </a:xfrm>
+          <a:prstGeom prst="rect">
+            <a:avLst/>
+          </a:prstGeom>
+          <a:noFill/>
+        </p:spPr>
+        <p:txBody>
+          <a:bodyPr wrap="none" rtlCol="0">
+            <a:spAutoFit/>
+          </a:bodyPr>
+          <a:lstStyle/>
+          <a:p>
+            <a:r>
+              <a:rPr lang="fr-FR" sz="1400">
+                <a:latin typeface="Avenir Book" panose="02000503020000020003" pitchFamily="2" charset="0"/>
+              </a:rPr>
+              <a:t>t</a:t>
+            </a:r>
+            <a:r>
+              <a:rPr lang="fr-FR" sz="1400" baseline="-25000">
+                <a:latin typeface="Avenir Book" panose="02000503020000020003" pitchFamily="2" charset="0"/>
+              </a:rPr>
+              <a:t>3</a:t>
+            </a:r>
+          </a:p>
+        </p:txBody>
+      </p:sp>
+      <p:sp>
+        <p:nvSpPr>
+          <p:cNvPr id="109" name="ZoneTexte 108">
+            <a:extLst>
+              <a:ext uri="{FF2B5EF4-FFF2-40B4-BE49-F238E27FC236}">
+                <a16:creationId xmlns:a16="http://schemas.microsoft.com/office/drawing/2014/main" id="{3B7CD79A-E15F-2AEE-F678-0F199EEC8B96}"/>
+              </a:ext>
+            </a:extLst>
+          </p:cNvPr>
+          <p:cNvSpPr txBox="1"/>
+          <p:nvPr/>
+        </p:nvSpPr>
+        <p:spPr>
+          <a:xfrm>
+            <a:off x="6048612" y="2175469"/>
+            <a:ext cx="1634141" cy="523220"/>
+          </a:xfrm>
+          <a:prstGeom prst="rect">
+            <a:avLst/>
+          </a:prstGeom>
+          <a:noFill/>
+        </p:spPr>
+        <p:txBody>
+          <a:bodyPr wrap="square" rtlCol="0">
+            <a:spAutoFit/>
+          </a:bodyPr>
+          <a:lstStyle/>
+          <a:p>
+            <a:r>
+              <a:rPr lang="fr-FR" sz="1400">
+                <a:latin typeface="Avenir Book" panose="02000503020000020003" pitchFamily="2" charset="0"/>
+              </a:rPr>
+              <a:t>Recover lineages</a:t>
+            </a:r>
+          </a:p>
+          <a:p>
+            <a:r>
+              <a:rPr lang="fr-FR" sz="1400">
+                <a:latin typeface="Avenir Book" panose="02000503020000020003" pitchFamily="2" charset="0"/>
+              </a:rPr>
+              <a:t>in post-treatment</a:t>
+            </a:r>
+          </a:p>
+        </p:txBody>
+      </p:sp>
+      <p:cxnSp>
+        <p:nvCxnSpPr>
+          <p:cNvPr id="111" name="Connecteur droit 110">
+            <a:extLst>
+              <a:ext uri="{FF2B5EF4-FFF2-40B4-BE49-F238E27FC236}">
+                <a16:creationId xmlns:a16="http://schemas.microsoft.com/office/drawing/2014/main" id="{E32214A5-0849-4633-EC05-FEAA7559B96E}"/>
+              </a:ext>
+            </a:extLst>
+          </p:cNvPr>
+          <p:cNvCxnSpPr>
+            <a:cxnSpLocks/>
+            <a:stCxn id="87" idx="7"/>
+            <a:endCxn id="91" idx="2"/>
+          </p:cNvCxnSpPr>
+          <p:nvPr/>
+        </p:nvCxnSpPr>
+        <p:spPr>
+          <a:xfrm flipV="1">
+            <a:off x="5550434" y="1823933"/>
+            <a:ext cx="175912" cy="248163"/>
+          </a:xfrm>
+          <a:prstGeom prst="line">
+            <a:avLst/>
+          </a:prstGeom>
+          <a:ln w="12700">
+            <a:solidFill>
+              <a:schemeClr val="accent6">
+                <a:lumMod val="50000"/>
+              </a:schemeClr>
+            </a:solidFill>
+          </a:ln>
+        </p:spPr>
+        <p:style>
+          <a:lnRef idx="1">
+            <a:schemeClr val="accent1"/>
+          </a:lnRef>
+          <a:fillRef idx="0">
+            <a:schemeClr val="accent1"/>
+          </a:fillRef>
+          <a:effectRef idx="0">
+            <a:schemeClr val="accent1"/>
+          </a:effectRef>
+          <a:fontRef idx="minor">
+            <a:schemeClr val="tx1"/>
+          </a:fontRef>
+        </p:style>
+      </p:cxnSp>
+      <p:cxnSp>
+        <p:nvCxnSpPr>
+          <p:cNvPr id="114" name="Connecteur droit 113">
+            <a:extLst>
+              <a:ext uri="{FF2B5EF4-FFF2-40B4-BE49-F238E27FC236}">
+                <a16:creationId xmlns:a16="http://schemas.microsoft.com/office/drawing/2014/main" id="{DB306339-3DE5-CFAF-7106-0C8770EC781C}"/>
+              </a:ext>
+            </a:extLst>
+          </p:cNvPr>
+          <p:cNvCxnSpPr>
+            <a:cxnSpLocks/>
+            <a:stCxn id="87" idx="6"/>
+            <a:endCxn id="92" idx="2"/>
+          </p:cNvCxnSpPr>
+          <p:nvPr/>
+        </p:nvCxnSpPr>
+        <p:spPr>
+          <a:xfrm>
+            <a:off x="5573945" y="2128857"/>
+            <a:ext cx="152401" cy="0"/>
+          </a:xfrm>
+          <a:prstGeom prst="line">
+            <a:avLst/>
+          </a:prstGeom>
+          <a:ln w="12700">
+            <a:solidFill>
+              <a:schemeClr val="accent6">
+                <a:lumMod val="50000"/>
+              </a:schemeClr>
+            </a:solidFill>
+          </a:ln>
+        </p:spPr>
+        <p:style>
+          <a:lnRef idx="1">
+            <a:schemeClr val="accent1"/>
+          </a:lnRef>
+          <a:fillRef idx="0">
+            <a:schemeClr val="accent1"/>
+          </a:fillRef>
+          <a:effectRef idx="0">
+            <a:schemeClr val="accent1"/>
+          </a:effectRef>
+          <a:fontRef idx="minor">
+            <a:schemeClr val="tx1"/>
+          </a:fontRef>
+        </p:style>
+      </p:cxnSp>
+      <p:cxnSp>
+        <p:nvCxnSpPr>
+          <p:cNvPr id="117" name="Connecteur droit 116">
+            <a:extLst>
+              <a:ext uri="{FF2B5EF4-FFF2-40B4-BE49-F238E27FC236}">
+                <a16:creationId xmlns:a16="http://schemas.microsoft.com/office/drawing/2014/main" id="{607207F9-F651-9BC4-705D-E69CBDDBDB37}"/>
+              </a:ext>
+            </a:extLst>
+          </p:cNvPr>
+          <p:cNvCxnSpPr>
+            <a:cxnSpLocks/>
+            <a:stCxn id="88" idx="6"/>
+            <a:endCxn id="93" idx="2"/>
+          </p:cNvCxnSpPr>
+          <p:nvPr/>
+        </p:nvCxnSpPr>
+        <p:spPr>
+          <a:xfrm>
+            <a:off x="5573944" y="2433781"/>
+            <a:ext cx="152401" cy="0"/>
+          </a:xfrm>
+          <a:prstGeom prst="line">
+            <a:avLst/>
+          </a:prstGeom>
+          <a:ln w="12700">
+            <a:solidFill>
+              <a:schemeClr val="accent6">
+                <a:lumMod val="50000"/>
+              </a:schemeClr>
+            </a:solidFill>
+          </a:ln>
+        </p:spPr>
+        <p:style>
+          <a:lnRef idx="1">
+            <a:schemeClr val="accent1"/>
+          </a:lnRef>
+          <a:fillRef idx="0">
+            <a:schemeClr val="accent1"/>
+          </a:fillRef>
+          <a:effectRef idx="0">
+            <a:schemeClr val="accent1"/>
+          </a:effectRef>
+          <a:fontRef idx="minor">
+            <a:schemeClr val="tx1"/>
+          </a:fontRef>
+        </p:style>
+      </p:cxnSp>
+      <p:cxnSp>
+        <p:nvCxnSpPr>
+          <p:cNvPr id="120" name="Connecteur droit 119">
+            <a:extLst>
+              <a:ext uri="{FF2B5EF4-FFF2-40B4-BE49-F238E27FC236}">
+                <a16:creationId xmlns:a16="http://schemas.microsoft.com/office/drawing/2014/main" id="{6FC36CAB-152A-85F2-2FAD-831266C2ABD5}"/>
+              </a:ext>
+            </a:extLst>
+          </p:cNvPr>
+          <p:cNvCxnSpPr>
+            <a:cxnSpLocks/>
+            <a:stCxn id="89" idx="6"/>
+            <a:endCxn id="94" idx="2"/>
+          </p:cNvCxnSpPr>
+          <p:nvPr/>
+        </p:nvCxnSpPr>
+        <p:spPr>
+          <a:xfrm>
+            <a:off x="5573944" y="2738705"/>
+            <a:ext cx="152401" cy="0"/>
+          </a:xfrm>
+          <a:prstGeom prst="line">
+            <a:avLst/>
+          </a:prstGeom>
+          <a:ln w="12700">
+            <a:solidFill>
+              <a:schemeClr val="accent6">
+                <a:lumMod val="50000"/>
+              </a:schemeClr>
+            </a:solidFill>
+          </a:ln>
+        </p:spPr>
+        <p:style>
+          <a:lnRef idx="1">
+            <a:schemeClr val="accent1"/>
+          </a:lnRef>
+          <a:fillRef idx="0">
+            <a:schemeClr val="accent1"/>
+          </a:fillRef>
+          <a:effectRef idx="0">
+            <a:schemeClr val="accent1"/>
+          </a:effectRef>
+          <a:fontRef idx="minor">
+            <a:schemeClr val="tx1"/>
+          </a:fontRef>
+        </p:style>
+      </p:cxnSp>
+      <p:cxnSp>
+        <p:nvCxnSpPr>
+          <p:cNvPr id="123" name="Connecteur droit 122">
+            <a:extLst>
+              <a:ext uri="{FF2B5EF4-FFF2-40B4-BE49-F238E27FC236}">
+                <a16:creationId xmlns:a16="http://schemas.microsoft.com/office/drawing/2014/main" id="{CC974B8F-2498-7F00-854F-CCC10B034A1F}"/>
+              </a:ext>
+            </a:extLst>
+          </p:cNvPr>
+          <p:cNvCxnSpPr>
+            <a:cxnSpLocks/>
+            <a:stCxn id="89" idx="5"/>
+            <a:endCxn id="95" idx="2"/>
+          </p:cNvCxnSpPr>
+          <p:nvPr/>
+        </p:nvCxnSpPr>
+        <p:spPr>
+          <a:xfrm>
+            <a:off x="5550433" y="2795465"/>
+            <a:ext cx="175912" cy="248164"/>
+          </a:xfrm>
+          <a:prstGeom prst="line">
+            <a:avLst/>
+          </a:prstGeom>
+          <a:ln w="12700">
+            <a:solidFill>
+              <a:schemeClr val="accent6">
+                <a:lumMod val="50000"/>
+              </a:schemeClr>
+            </a:solidFill>
+          </a:ln>
+        </p:spPr>
+        <p:style>
+          <a:lnRef idx="1">
+            <a:schemeClr val="accent1"/>
+          </a:lnRef>
+          <a:fillRef idx="0">
+            <a:schemeClr val="accent1"/>
+          </a:fillRef>
+          <a:effectRef idx="0">
+            <a:schemeClr val="accent1"/>
+          </a:effectRef>
+          <a:fontRef idx="minor">
+            <a:schemeClr val="tx1"/>
+          </a:fontRef>
+        </p:style>
+      </p:cxnSp>
+      <p:cxnSp>
+        <p:nvCxnSpPr>
+          <p:cNvPr id="126" name="Connecteur droit 125">
+            <a:extLst>
+              <a:ext uri="{FF2B5EF4-FFF2-40B4-BE49-F238E27FC236}">
+                <a16:creationId xmlns:a16="http://schemas.microsoft.com/office/drawing/2014/main" id="{055A68DB-6845-E60E-8070-FAC0534A3549}"/>
+              </a:ext>
+            </a:extLst>
+          </p:cNvPr>
+          <p:cNvCxnSpPr>
+            <a:cxnSpLocks/>
+            <a:stCxn id="82" idx="5"/>
+            <a:endCxn id="89" idx="1"/>
+          </p:cNvCxnSpPr>
+          <p:nvPr/>
+        </p:nvCxnSpPr>
+        <p:spPr>
+          <a:xfrm>
+            <a:off x="5237490" y="2185617"/>
+            <a:ext cx="199422" cy="496327"/>
+          </a:xfrm>
+          <a:prstGeom prst="line">
+            <a:avLst/>
+          </a:prstGeom>
+          <a:ln w="12700">
+            <a:solidFill>
+              <a:schemeClr val="accent6">
+                <a:lumMod val="50000"/>
+              </a:schemeClr>
+            </a:solidFill>
+          </a:ln>
+        </p:spPr>
+        <p:style>
+          <a:lnRef idx="1">
+            <a:schemeClr val="accent1"/>
+          </a:lnRef>
+          <a:fillRef idx="0">
+            <a:schemeClr val="accent1"/>
+          </a:fillRef>
+          <a:effectRef idx="0">
+            <a:schemeClr val="accent1"/>
+          </a:effectRef>
+          <a:fontRef idx="minor">
+            <a:schemeClr val="tx1"/>
+          </a:fontRef>
+        </p:style>
+      </p:cxnSp>
+      <p:cxnSp>
+        <p:nvCxnSpPr>
+          <p:cNvPr id="129" name="Connecteur droit 128">
+            <a:extLst>
+              <a:ext uri="{FF2B5EF4-FFF2-40B4-BE49-F238E27FC236}">
+                <a16:creationId xmlns:a16="http://schemas.microsoft.com/office/drawing/2014/main" id="{878E5184-8081-DEA8-996D-5AB2D2A87762}"/>
+              </a:ext>
+            </a:extLst>
+          </p:cNvPr>
+          <p:cNvCxnSpPr>
+            <a:cxnSpLocks/>
+            <a:stCxn id="82" idx="6"/>
+            <a:endCxn id="88" idx="1"/>
+          </p:cNvCxnSpPr>
+          <p:nvPr/>
+        </p:nvCxnSpPr>
+        <p:spPr>
+          <a:xfrm>
+            <a:off x="5261001" y="2128857"/>
+            <a:ext cx="175911" cy="248163"/>
+          </a:xfrm>
+          <a:prstGeom prst="line">
+            <a:avLst/>
+          </a:prstGeom>
+          <a:ln w="12700">
+            <a:solidFill>
+              <a:schemeClr val="accent6">
+                <a:lumMod val="50000"/>
+              </a:schemeClr>
+            </a:solidFill>
+          </a:ln>
+        </p:spPr>
+        <p:style>
+          <a:lnRef idx="1">
+            <a:schemeClr val="accent1"/>
+          </a:lnRef>
+          <a:fillRef idx="0">
+            <a:schemeClr val="accent1"/>
+          </a:fillRef>
+          <a:effectRef idx="0">
+            <a:schemeClr val="accent1"/>
+          </a:effectRef>
+          <a:fontRef idx="minor">
+            <a:schemeClr val="tx1"/>
+          </a:fontRef>
+        </p:style>
+      </p:cxnSp>
+      <p:cxnSp>
+        <p:nvCxnSpPr>
+          <p:cNvPr id="132" name="Connecteur droit 131">
+            <a:extLst>
+              <a:ext uri="{FF2B5EF4-FFF2-40B4-BE49-F238E27FC236}">
+                <a16:creationId xmlns:a16="http://schemas.microsoft.com/office/drawing/2014/main" id="{AB71B4D6-B8B0-46A5-D3AB-C48678DB7802}"/>
+              </a:ext>
+            </a:extLst>
+          </p:cNvPr>
+          <p:cNvCxnSpPr>
+            <a:cxnSpLocks/>
+            <a:stCxn id="81" idx="5"/>
+            <a:endCxn id="87" idx="1"/>
+          </p:cNvCxnSpPr>
+          <p:nvPr/>
+        </p:nvCxnSpPr>
+        <p:spPr>
+          <a:xfrm>
+            <a:off x="5237490" y="1880693"/>
+            <a:ext cx="199423" cy="191403"/>
+          </a:xfrm>
+          <a:prstGeom prst="line">
+            <a:avLst/>
+          </a:prstGeom>
+          <a:ln w="12700">
+            <a:solidFill>
+              <a:schemeClr val="accent6">
+                <a:lumMod val="50000"/>
+              </a:schemeClr>
+            </a:solidFill>
+          </a:ln>
+        </p:spPr>
+        <p:style>
+          <a:lnRef idx="1">
+            <a:schemeClr val="accent1"/>
+          </a:lnRef>
+          <a:fillRef idx="0">
+            <a:schemeClr val="accent1"/>
+          </a:fillRef>
+          <a:effectRef idx="0">
+            <a:schemeClr val="accent1"/>
+          </a:effectRef>
+          <a:fontRef idx="minor">
+            <a:schemeClr val="tx1"/>
+          </a:fontRef>
+        </p:style>
+      </p:cxnSp>
+      <p:cxnSp>
+        <p:nvCxnSpPr>
+          <p:cNvPr id="135" name="Connecteur droit 134">
+            <a:extLst>
+              <a:ext uri="{FF2B5EF4-FFF2-40B4-BE49-F238E27FC236}">
+                <a16:creationId xmlns:a16="http://schemas.microsoft.com/office/drawing/2014/main" id="{04BD9B98-A8AD-DC90-9A38-871BDF6886E0}"/>
+              </a:ext>
+            </a:extLst>
+          </p:cNvPr>
+          <p:cNvCxnSpPr>
+            <a:cxnSpLocks/>
+            <a:stCxn id="77" idx="6"/>
+            <a:endCxn id="82" idx="2"/>
+          </p:cNvCxnSpPr>
+          <p:nvPr/>
+        </p:nvCxnSpPr>
+        <p:spPr>
+          <a:xfrm>
+            <a:off x="4948057" y="2128857"/>
+            <a:ext cx="152401" cy="0"/>
+          </a:xfrm>
+          <a:prstGeom prst="line">
+            <a:avLst/>
+          </a:prstGeom>
+          <a:ln w="12700">
+            <a:solidFill>
+              <a:schemeClr val="accent6">
+                <a:lumMod val="50000"/>
+              </a:schemeClr>
+            </a:solidFill>
+          </a:ln>
+        </p:spPr>
+        <p:style>
+          <a:lnRef idx="1">
+            <a:schemeClr val="accent1"/>
+          </a:lnRef>
+          <a:fillRef idx="0">
+            <a:schemeClr val="accent1"/>
+          </a:fillRef>
+          <a:effectRef idx="0">
+            <a:schemeClr val="accent1"/>
+          </a:effectRef>
+          <a:fontRef idx="minor">
+            <a:schemeClr val="tx1"/>
+          </a:fontRef>
+        </p:style>
+      </p:cxnSp>
+      <p:cxnSp>
+        <p:nvCxnSpPr>
+          <p:cNvPr id="138" name="Connecteur droit 137">
+            <a:extLst>
+              <a:ext uri="{FF2B5EF4-FFF2-40B4-BE49-F238E27FC236}">
+                <a16:creationId xmlns:a16="http://schemas.microsoft.com/office/drawing/2014/main" id="{1C91F998-7D59-F5F6-39CF-10C15F50CEC3}"/>
+              </a:ext>
+            </a:extLst>
+          </p:cNvPr>
+          <p:cNvCxnSpPr>
+            <a:cxnSpLocks/>
+            <a:stCxn id="77" idx="7"/>
+            <a:endCxn id="81" idx="3"/>
+          </p:cNvCxnSpPr>
+          <p:nvPr/>
+        </p:nvCxnSpPr>
+        <p:spPr>
+          <a:xfrm flipV="1">
+            <a:off x="4924546" y="1880693"/>
+            <a:ext cx="199423" cy="191403"/>
+          </a:xfrm>
+          <a:prstGeom prst="line">
+            <a:avLst/>
+          </a:prstGeom>
+          <a:ln w="12700">
+            <a:solidFill>
+              <a:schemeClr val="accent6">
+                <a:lumMod val="50000"/>
+              </a:schemeClr>
+            </a:solidFill>
+          </a:ln>
+        </p:spPr>
+        <p:style>
+          <a:lnRef idx="1">
+            <a:schemeClr val="accent1"/>
+          </a:lnRef>
+          <a:fillRef idx="0">
+            <a:schemeClr val="accent1"/>
+          </a:fillRef>
+          <a:effectRef idx="0">
+            <a:schemeClr val="accent1"/>
+          </a:effectRef>
+          <a:fontRef idx="minor">
+            <a:schemeClr val="tx1"/>
+          </a:fontRef>
+        </p:style>
+      </p:cxnSp>
+      <p:cxnSp>
+        <p:nvCxnSpPr>
+          <p:cNvPr id="141" name="Connecteur droit 140">
+            <a:extLst>
+              <a:ext uri="{FF2B5EF4-FFF2-40B4-BE49-F238E27FC236}">
+                <a16:creationId xmlns:a16="http://schemas.microsoft.com/office/drawing/2014/main" id="{BB69EB9F-153F-8EF3-109E-C32E6029C6D9}"/>
+              </a:ext>
+            </a:extLst>
+          </p:cNvPr>
+          <p:cNvCxnSpPr>
+            <a:cxnSpLocks/>
+            <a:stCxn id="73" idx="7"/>
+            <a:endCxn id="77" idx="3"/>
+          </p:cNvCxnSpPr>
+          <p:nvPr/>
+        </p:nvCxnSpPr>
+        <p:spPr>
+          <a:xfrm flipV="1">
+            <a:off x="4611601" y="2185617"/>
+            <a:ext cx="199424" cy="191403"/>
+          </a:xfrm>
+          <a:prstGeom prst="line">
+            <a:avLst/>
+          </a:prstGeom>
+          <a:ln w="12700">
+            <a:solidFill>
+              <a:schemeClr val="accent6">
+                <a:lumMod val="50000"/>
+              </a:schemeClr>
+            </a:solidFill>
+          </a:ln>
+        </p:spPr>
+        <p:style>
+          <a:lnRef idx="1">
+            <a:schemeClr val="accent1"/>
+          </a:lnRef>
+          <a:fillRef idx="0">
+            <a:schemeClr val="accent1"/>
+          </a:fillRef>
+          <a:effectRef idx="0">
+            <a:schemeClr val="accent1"/>
+          </a:effectRef>
+          <a:fontRef idx="minor">
+            <a:schemeClr val="tx1"/>
+          </a:fontRef>
+        </p:style>
+      </p:cxnSp>
+      <p:cxnSp>
+        <p:nvCxnSpPr>
+          <p:cNvPr id="144" name="Connecteur droit 143">
+            <a:extLst>
+              <a:ext uri="{FF2B5EF4-FFF2-40B4-BE49-F238E27FC236}">
+                <a16:creationId xmlns:a16="http://schemas.microsoft.com/office/drawing/2014/main" id="{C8C5087D-93B8-F43C-4E4D-FE930618C71B}"/>
+              </a:ext>
+            </a:extLst>
+          </p:cNvPr>
+          <p:cNvCxnSpPr>
+            <a:cxnSpLocks/>
+            <a:stCxn id="68" idx="6"/>
+            <a:endCxn id="73" idx="2"/>
+          </p:cNvCxnSpPr>
+          <p:nvPr/>
+        </p:nvCxnSpPr>
+        <p:spPr>
+          <a:xfrm>
+            <a:off x="3951036" y="2433781"/>
+            <a:ext cx="523533" cy="0"/>
+          </a:xfrm>
+          <a:prstGeom prst="line">
+            <a:avLst/>
+          </a:prstGeom>
+          <a:ln w="12700">
+            <a:solidFill>
+              <a:schemeClr val="accent6">
+                <a:lumMod val="50000"/>
+              </a:schemeClr>
+            </a:solidFill>
+          </a:ln>
+        </p:spPr>
+        <p:style>
+          <a:lnRef idx="1">
+            <a:schemeClr val="accent1"/>
+          </a:lnRef>
+          <a:fillRef idx="0">
+            <a:schemeClr val="accent1"/>
+          </a:fillRef>
+          <a:effectRef idx="0">
+            <a:schemeClr val="accent1"/>
+          </a:effectRef>
+          <a:fontRef idx="minor">
+            <a:schemeClr val="tx1"/>
+          </a:fontRef>
+        </p:style>
+      </p:cxnSp>
+      <p:cxnSp>
+        <p:nvCxnSpPr>
+          <p:cNvPr id="148" name="Connecteur droit 147">
+            <a:extLst>
+              <a:ext uri="{FF2B5EF4-FFF2-40B4-BE49-F238E27FC236}">
+                <a16:creationId xmlns:a16="http://schemas.microsoft.com/office/drawing/2014/main" id="{C1DAC0C7-266A-DFF3-7854-0D79DA058CCC}"/>
+              </a:ext>
+            </a:extLst>
+          </p:cNvPr>
+          <p:cNvCxnSpPr>
+            <a:cxnSpLocks/>
+            <a:stCxn id="62" idx="5"/>
+            <a:endCxn id="68" idx="1"/>
+          </p:cNvCxnSpPr>
+          <p:nvPr/>
+        </p:nvCxnSpPr>
+        <p:spPr>
+          <a:xfrm>
+            <a:off x="3614582" y="2185617"/>
+            <a:ext cx="199422" cy="191403"/>
+          </a:xfrm>
+          <a:prstGeom prst="line">
+            <a:avLst/>
+          </a:prstGeom>
+          <a:ln w="12700">
+            <a:solidFill>
+              <a:schemeClr val="accent6">
+                <a:lumMod val="50000"/>
+              </a:schemeClr>
+            </a:solidFill>
+          </a:ln>
+        </p:spPr>
+        <p:style>
+          <a:lnRef idx="1">
+            <a:schemeClr val="accent1"/>
+          </a:lnRef>
+          <a:fillRef idx="0">
+            <a:schemeClr val="accent1"/>
+          </a:fillRef>
+          <a:effectRef idx="0">
+            <a:schemeClr val="accent1"/>
+          </a:effectRef>
+          <a:fontRef idx="minor">
+            <a:schemeClr val="tx1"/>
+          </a:fontRef>
+        </p:style>
+      </p:cxnSp>
+      <p:cxnSp>
+        <p:nvCxnSpPr>
+          <p:cNvPr id="151" name="Connecteur droit 150">
+            <a:extLst>
+              <a:ext uri="{FF2B5EF4-FFF2-40B4-BE49-F238E27FC236}">
+                <a16:creationId xmlns:a16="http://schemas.microsoft.com/office/drawing/2014/main" id="{59B666D9-884C-4D02-3CBB-4E291DAC7027}"/>
+              </a:ext>
+            </a:extLst>
+          </p:cNvPr>
+          <p:cNvCxnSpPr>
+            <a:cxnSpLocks/>
+          </p:cNvCxnSpPr>
+          <p:nvPr/>
+        </p:nvCxnSpPr>
+        <p:spPr>
+          <a:xfrm>
+            <a:off x="3332308" y="2128856"/>
+            <a:ext cx="145240" cy="0"/>
+          </a:xfrm>
+          <a:prstGeom prst="line">
+            <a:avLst/>
+          </a:prstGeom>
+          <a:ln w="12700">
+            <a:solidFill>
+              <a:schemeClr val="accent6">
+                <a:lumMod val="50000"/>
+              </a:schemeClr>
+            </a:solidFill>
+          </a:ln>
+        </p:spPr>
+        <p:style>
+          <a:lnRef idx="1">
+            <a:schemeClr val="accent1"/>
+          </a:lnRef>
+          <a:fillRef idx="0">
+            <a:schemeClr val="accent1"/>
+          </a:fillRef>
+          <a:effectRef idx="0">
+            <a:schemeClr val="accent1"/>
+          </a:effectRef>
+          <a:fontRef idx="minor">
+            <a:schemeClr val="tx1"/>
+          </a:fontRef>
+        </p:style>
+      </p:cxnSp>
+      <p:cxnSp>
+        <p:nvCxnSpPr>
+          <p:cNvPr id="154" name="Connecteur droit 153">
+            <a:extLst>
+              <a:ext uri="{FF2B5EF4-FFF2-40B4-BE49-F238E27FC236}">
+                <a16:creationId xmlns:a16="http://schemas.microsoft.com/office/drawing/2014/main" id="{6D3CECAB-E31A-1B5A-F01F-C9BC0C4AE2B4}"/>
+              </a:ext>
+            </a:extLst>
+          </p:cNvPr>
+          <p:cNvCxnSpPr>
+            <a:cxnSpLocks/>
+            <a:stCxn id="53" idx="7"/>
+            <a:endCxn id="57" idx="3"/>
+          </p:cNvCxnSpPr>
+          <p:nvPr/>
+        </p:nvCxnSpPr>
+        <p:spPr>
+          <a:xfrm flipV="1">
+            <a:off x="2988693" y="2185617"/>
+            <a:ext cx="199424" cy="191403"/>
+          </a:xfrm>
+          <a:prstGeom prst="line">
+            <a:avLst/>
+          </a:prstGeom>
+          <a:ln w="12700">
+            <a:solidFill>
+              <a:schemeClr val="accent6">
+                <a:lumMod val="50000"/>
+              </a:schemeClr>
+            </a:solidFill>
+          </a:ln>
+        </p:spPr>
+        <p:style>
+          <a:lnRef idx="1">
+            <a:schemeClr val="accent1"/>
+          </a:lnRef>
+          <a:fillRef idx="0">
+            <a:schemeClr val="accent1"/>
+          </a:fillRef>
+          <a:effectRef idx="0">
+            <a:schemeClr val="accent1"/>
+          </a:effectRef>
+          <a:fontRef idx="minor">
+            <a:schemeClr val="tx1"/>
+          </a:fontRef>
+        </p:style>
+      </p:cxnSp>
+      <p:cxnSp>
+        <p:nvCxnSpPr>
+          <p:cNvPr id="157" name="Connecteur droit 156">
+            <a:extLst>
+              <a:ext uri="{FF2B5EF4-FFF2-40B4-BE49-F238E27FC236}">
+                <a16:creationId xmlns:a16="http://schemas.microsoft.com/office/drawing/2014/main" id="{D32D79DA-BBCA-8B47-2A69-88C1EAF88900}"/>
+              </a:ext>
+            </a:extLst>
+          </p:cNvPr>
+          <p:cNvCxnSpPr>
+            <a:cxnSpLocks/>
+            <a:stCxn id="49" idx="7"/>
+            <a:endCxn id="53" idx="3"/>
+          </p:cNvCxnSpPr>
+          <p:nvPr/>
+        </p:nvCxnSpPr>
+        <p:spPr>
+          <a:xfrm flipV="1">
+            <a:off x="2675749" y="2490541"/>
+            <a:ext cx="199423" cy="191403"/>
+          </a:xfrm>
+          <a:prstGeom prst="line">
+            <a:avLst/>
+          </a:prstGeom>
+          <a:ln w="12700">
+            <a:solidFill>
+              <a:schemeClr val="accent6">
+                <a:lumMod val="50000"/>
+              </a:schemeClr>
+            </a:solidFill>
+          </a:ln>
+        </p:spPr>
+        <p:style>
+          <a:lnRef idx="1">
+            <a:schemeClr val="accent1"/>
+          </a:lnRef>
+          <a:fillRef idx="0">
+            <a:schemeClr val="accent1"/>
+          </a:fillRef>
+          <a:effectRef idx="0">
+            <a:schemeClr val="accent1"/>
+          </a:effectRef>
+          <a:fontRef idx="minor">
+            <a:schemeClr val="tx1"/>
+          </a:fontRef>
+        </p:style>
+      </p:cxnSp>
+      <p:cxnSp>
+        <p:nvCxnSpPr>
+          <p:cNvPr id="161" name="Connecteur droit 160">
+            <a:extLst>
+              <a:ext uri="{FF2B5EF4-FFF2-40B4-BE49-F238E27FC236}">
+                <a16:creationId xmlns:a16="http://schemas.microsoft.com/office/drawing/2014/main" id="{7CC9DCB3-1797-6977-231D-A77D093AD35B}"/>
+              </a:ext>
+            </a:extLst>
+          </p:cNvPr>
+          <p:cNvCxnSpPr>
+            <a:cxnSpLocks/>
+            <a:stCxn id="36" idx="6"/>
+            <a:endCxn id="49" idx="2"/>
+          </p:cNvCxnSpPr>
+          <p:nvPr/>
+        </p:nvCxnSpPr>
+        <p:spPr>
+          <a:xfrm>
+            <a:off x="2021470" y="2433781"/>
+            <a:ext cx="517247" cy="304924"/>
+          </a:xfrm>
+          <a:prstGeom prst="line">
+            <a:avLst/>
+          </a:prstGeom>
+          <a:ln w="12700">
+            <a:solidFill>
+              <a:schemeClr val="accent6">
+                <a:lumMod val="50000"/>
+              </a:schemeClr>
+            </a:solidFill>
+          </a:ln>
+        </p:spPr>
+        <p:style>
+          <a:lnRef idx="1">
+            <a:schemeClr val="accent1"/>
+          </a:lnRef>
+          <a:fillRef idx="0">
+            <a:schemeClr val="accent1"/>
+          </a:fillRef>
+          <a:effectRef idx="0">
+            <a:schemeClr val="accent1"/>
+          </a:effectRef>
+          <a:fontRef idx="minor">
+            <a:schemeClr val="tx1"/>
+          </a:fontRef>
+        </p:style>
+      </p:cxnSp>
+      <p:cxnSp>
+        <p:nvCxnSpPr>
+          <p:cNvPr id="165" name="Connecteur droit 164">
+            <a:extLst>
+              <a:ext uri="{FF2B5EF4-FFF2-40B4-BE49-F238E27FC236}">
+                <a16:creationId xmlns:a16="http://schemas.microsoft.com/office/drawing/2014/main" id="{FD005080-313C-903F-3018-B71D8A694D97}"/>
+              </a:ext>
+            </a:extLst>
+          </p:cNvPr>
+          <p:cNvCxnSpPr>
+            <a:cxnSpLocks/>
+            <a:stCxn id="31" idx="6"/>
+            <a:endCxn id="36" idx="2"/>
+          </p:cNvCxnSpPr>
+          <p:nvPr/>
+        </p:nvCxnSpPr>
+        <p:spPr>
+          <a:xfrm>
+            <a:off x="1708526" y="2433781"/>
+            <a:ext cx="152401" cy="0"/>
+          </a:xfrm>
+          <a:prstGeom prst="line">
+            <a:avLst/>
+          </a:prstGeom>
+          <a:ln w="12700">
+            <a:solidFill>
+              <a:schemeClr val="accent6">
+                <a:lumMod val="50000"/>
+              </a:schemeClr>
+            </a:solidFill>
+          </a:ln>
+        </p:spPr>
+        <p:style>
+          <a:lnRef idx="1">
+            <a:schemeClr val="accent1"/>
+          </a:lnRef>
+          <a:fillRef idx="0">
+            <a:schemeClr val="accent1"/>
+          </a:fillRef>
+          <a:effectRef idx="0">
+            <a:schemeClr val="accent1"/>
+          </a:effectRef>
+          <a:fontRef idx="minor">
+            <a:schemeClr val="tx1"/>
+          </a:fontRef>
+        </p:style>
+      </p:cxnSp>
+      <p:cxnSp>
+        <p:nvCxnSpPr>
+          <p:cNvPr id="168" name="Connecteur droit 167">
+            <a:extLst>
+              <a:ext uri="{FF2B5EF4-FFF2-40B4-BE49-F238E27FC236}">
+                <a16:creationId xmlns:a16="http://schemas.microsoft.com/office/drawing/2014/main" id="{38E82239-4F8A-D90C-BE6B-C7B15A15488A}"/>
+              </a:ext>
+            </a:extLst>
+          </p:cNvPr>
+          <p:cNvCxnSpPr>
+            <a:cxnSpLocks/>
+            <a:stCxn id="25" idx="5"/>
+            <a:endCxn id="31" idx="1"/>
+          </p:cNvCxnSpPr>
+          <p:nvPr/>
+        </p:nvCxnSpPr>
+        <p:spPr>
+          <a:xfrm>
+            <a:off x="1372072" y="2185617"/>
+            <a:ext cx="199422" cy="191403"/>
+          </a:xfrm>
+          <a:prstGeom prst="line">
+            <a:avLst/>
+          </a:prstGeom>
+          <a:ln w="12700">
+            <a:solidFill>
+              <a:schemeClr val="accent6">
+                <a:lumMod val="50000"/>
+              </a:schemeClr>
+            </a:solidFill>
+          </a:ln>
+        </p:spPr>
+        <p:style>
+          <a:lnRef idx="1">
+            <a:schemeClr val="accent1"/>
+          </a:lnRef>
+          <a:fillRef idx="0">
+            <a:schemeClr val="accent1"/>
+          </a:fillRef>
+          <a:effectRef idx="0">
+            <a:schemeClr val="accent1"/>
+          </a:effectRef>
+          <a:fontRef idx="minor">
+            <a:schemeClr val="tx1"/>
+          </a:fontRef>
+        </p:style>
+      </p:cxnSp>
+      <p:cxnSp>
+        <p:nvCxnSpPr>
+          <p:cNvPr id="171" name="Connecteur droit 170">
+            <a:extLst>
+              <a:ext uri="{FF2B5EF4-FFF2-40B4-BE49-F238E27FC236}">
+                <a16:creationId xmlns:a16="http://schemas.microsoft.com/office/drawing/2014/main" id="{2EA16B95-93E8-89EB-7B4D-BA5368C32383}"/>
+              </a:ext>
+            </a:extLst>
+          </p:cNvPr>
+          <p:cNvCxnSpPr>
+            <a:cxnSpLocks/>
+            <a:stCxn id="21" idx="7"/>
+            <a:endCxn id="25" idx="3"/>
+          </p:cNvCxnSpPr>
+          <p:nvPr/>
+        </p:nvCxnSpPr>
+        <p:spPr>
+          <a:xfrm flipV="1">
+            <a:off x="1059127" y="2185617"/>
+            <a:ext cx="199424" cy="191403"/>
+          </a:xfrm>
+          <a:prstGeom prst="line">
+            <a:avLst/>
+          </a:prstGeom>
+          <a:ln w="12700">
+            <a:solidFill>
+              <a:schemeClr val="accent6">
+                <a:lumMod val="50000"/>
+              </a:schemeClr>
+            </a:solidFill>
+          </a:ln>
+        </p:spPr>
+        <p:style>
+          <a:lnRef idx="1">
+            <a:schemeClr val="accent1"/>
+          </a:lnRef>
+          <a:fillRef idx="0">
+            <a:schemeClr val="accent1"/>
+          </a:fillRef>
+          <a:effectRef idx="0">
+            <a:schemeClr val="accent1"/>
+          </a:effectRef>
+          <a:fontRef idx="minor">
+            <a:schemeClr val="tx1"/>
+          </a:fontRef>
+        </p:style>
+      </p:cxnSp>
+      <p:cxnSp>
+        <p:nvCxnSpPr>
+          <p:cNvPr id="174" name="Connecteur droit 173">
+            <a:extLst>
+              <a:ext uri="{FF2B5EF4-FFF2-40B4-BE49-F238E27FC236}">
+                <a16:creationId xmlns:a16="http://schemas.microsoft.com/office/drawing/2014/main" id="{145B3D36-F7D1-BA85-10A7-8CB6C96EBC93}"/>
+              </a:ext>
+            </a:extLst>
+          </p:cNvPr>
+          <p:cNvCxnSpPr>
+            <a:cxnSpLocks/>
+            <a:stCxn id="12" idx="7"/>
+            <a:endCxn id="21" idx="3"/>
+          </p:cNvCxnSpPr>
+          <p:nvPr/>
+        </p:nvCxnSpPr>
+        <p:spPr>
+          <a:xfrm flipV="1">
+            <a:off x="746183" y="2490541"/>
+            <a:ext cx="199423" cy="191403"/>
+          </a:xfrm>
+          <a:prstGeom prst="line">
+            <a:avLst/>
+          </a:prstGeom>
+          <a:ln w="12700">
+            <a:solidFill>
+              <a:schemeClr val="accent6">
+                <a:lumMod val="50000"/>
+              </a:schemeClr>
+            </a:solidFill>
+          </a:ln>
+        </p:spPr>
+        <p:style>
+          <a:lnRef idx="1">
+            <a:schemeClr val="accent1"/>
+          </a:lnRef>
+          <a:fillRef idx="0">
+            <a:schemeClr val="accent1"/>
+          </a:fillRef>
+          <a:effectRef idx="0">
+            <a:schemeClr val="accent1"/>
+          </a:effectRef>
+          <a:fontRef idx="minor">
+            <a:schemeClr val="tx1"/>
+          </a:fontRef>
+        </p:style>
+      </p:cxnSp>
+      <p:pic>
+        <p:nvPicPr>
+          <p:cNvPr id="177" name="Image 176">
+            <a:extLst>
+              <a:ext uri="{FF2B5EF4-FFF2-40B4-BE49-F238E27FC236}">
+                <a16:creationId xmlns:a16="http://schemas.microsoft.com/office/drawing/2014/main" id="{5BFD93E2-0ACE-EBC3-9824-442A7A2DB433}"/>
+              </a:ext>
+            </a:extLst>
+          </p:cNvPr>
+          <p:cNvPicPr>
+            <a:picLocks noChangeAspect="1"/>
+          </p:cNvPicPr>
+          <p:nvPr/>
+        </p:nvPicPr>
+        <p:blipFill>
+          <a:blip r:embed="rId2"/>
+          <a:stretch>
+            <a:fillRect/>
+          </a:stretch>
+        </p:blipFill>
+        <p:spPr>
+          <a:xfrm>
+            <a:off x="576503" y="1431889"/>
+            <a:ext cx="230085" cy="217381"/>
+          </a:xfrm>
+          <a:prstGeom prst="rect">
+            <a:avLst/>
+          </a:prstGeom>
+        </p:spPr>
+      </p:pic>
+      <p:sp>
+        <p:nvSpPr>
+          <p:cNvPr id="178" name="ZoneTexte 177">
+            <a:extLst>
+              <a:ext uri="{FF2B5EF4-FFF2-40B4-BE49-F238E27FC236}">
+                <a16:creationId xmlns:a16="http://schemas.microsoft.com/office/drawing/2014/main" id="{7142D285-EB55-8120-714F-8BFA1046A3D7}"/>
+              </a:ext>
+            </a:extLst>
+          </p:cNvPr>
+          <p:cNvSpPr txBox="1"/>
+          <p:nvPr/>
+        </p:nvSpPr>
+        <p:spPr>
+          <a:xfrm>
+            <a:off x="2659695" y="1417846"/>
+            <a:ext cx="816249" cy="276999"/>
+          </a:xfrm>
+          <a:prstGeom prst="rect">
+            <a:avLst/>
+          </a:prstGeom>
+          <a:noFill/>
+        </p:spPr>
+        <p:txBody>
+          <a:bodyPr wrap="none" rtlCol="0">
+            <a:spAutoFit/>
+          </a:bodyPr>
+          <a:lstStyle/>
+          <a:p>
+            <a:r>
+              <a:rPr lang="fr-FR" sz="1200">
+                <a:latin typeface="Avenir Book" panose="02000503020000020003" pitchFamily="2" charset="0"/>
+              </a:rPr>
+              <a:t>Backup 2</a:t>
+            </a:r>
+          </a:p>
+        </p:txBody>
+      </p:sp>
+      <p:pic>
+        <p:nvPicPr>
+          <p:cNvPr id="179" name="Image 178">
+            <a:extLst>
+              <a:ext uri="{FF2B5EF4-FFF2-40B4-BE49-F238E27FC236}">
+                <a16:creationId xmlns:a16="http://schemas.microsoft.com/office/drawing/2014/main" id="{DD2166C2-DC9D-1630-CDFA-141370E5072E}"/>
+              </a:ext>
+            </a:extLst>
+          </p:cNvPr>
+          <p:cNvPicPr>
+            <a:picLocks noChangeAspect="1"/>
+          </p:cNvPicPr>
+          <p:nvPr/>
+        </p:nvPicPr>
+        <p:blipFill>
+          <a:blip r:embed="rId2"/>
+          <a:stretch>
+            <a:fillRect/>
+          </a:stretch>
+        </p:blipFill>
+        <p:spPr>
+          <a:xfrm>
+            <a:off x="2493160" y="1433353"/>
+            <a:ext cx="230085" cy="217381"/>
+          </a:xfrm>
+          <a:prstGeom prst="rect">
+            <a:avLst/>
+          </a:prstGeom>
+        </p:spPr>
+      </p:pic>
+      <p:sp>
+        <p:nvSpPr>
+          <p:cNvPr id="180" name="ZoneTexte 179">
+            <a:extLst>
+              <a:ext uri="{FF2B5EF4-FFF2-40B4-BE49-F238E27FC236}">
+                <a16:creationId xmlns:a16="http://schemas.microsoft.com/office/drawing/2014/main" id="{861A9757-FBD9-45C7-60BE-F154B5131BA0}"/>
+              </a:ext>
+            </a:extLst>
+          </p:cNvPr>
+          <p:cNvSpPr txBox="1"/>
+          <p:nvPr/>
+        </p:nvSpPr>
+        <p:spPr>
+          <a:xfrm>
+            <a:off x="4596887" y="1414345"/>
+            <a:ext cx="816249" cy="276999"/>
+          </a:xfrm>
+          <a:prstGeom prst="rect">
+            <a:avLst/>
+          </a:prstGeom>
+          <a:noFill/>
+        </p:spPr>
+        <p:txBody>
+          <a:bodyPr wrap="none" rtlCol="0">
+            <a:spAutoFit/>
+          </a:bodyPr>
+          <a:lstStyle/>
+          <a:p>
+            <a:r>
+              <a:rPr lang="fr-FR" sz="1200">
+                <a:latin typeface="Avenir Book" panose="02000503020000020003" pitchFamily="2" charset="0"/>
+              </a:rPr>
+              <a:t>Backup 3</a:t>
+            </a:r>
+          </a:p>
+        </p:txBody>
+      </p:sp>
+      <p:pic>
+        <p:nvPicPr>
+          <p:cNvPr id="181" name="Image 180">
+            <a:extLst>
+              <a:ext uri="{FF2B5EF4-FFF2-40B4-BE49-F238E27FC236}">
+                <a16:creationId xmlns:a16="http://schemas.microsoft.com/office/drawing/2014/main" id="{660CE1A5-A319-FA0A-B9DB-9A1B03864FC3}"/>
+              </a:ext>
+            </a:extLst>
+          </p:cNvPr>
+          <p:cNvPicPr>
+            <a:picLocks noChangeAspect="1"/>
+          </p:cNvPicPr>
+          <p:nvPr/>
+        </p:nvPicPr>
+        <p:blipFill>
+          <a:blip r:embed="rId2"/>
+          <a:stretch>
+            <a:fillRect/>
+          </a:stretch>
+        </p:blipFill>
+        <p:spPr>
+          <a:xfrm>
+            <a:off x="4430352" y="1429852"/>
+            <a:ext cx="230085" cy="217381"/>
+          </a:xfrm>
+          <a:prstGeom prst="rect">
+            <a:avLst/>
+          </a:prstGeom>
+        </p:spPr>
+      </p:pic>
+      <p:sp>
+        <p:nvSpPr>
+          <p:cNvPr id="188" name="Ellipse 187">
+            <a:extLst>
+              <a:ext uri="{FF2B5EF4-FFF2-40B4-BE49-F238E27FC236}">
+                <a16:creationId xmlns:a16="http://schemas.microsoft.com/office/drawing/2014/main" id="{9A6A2F41-5FEC-2A82-3912-9F28060EA51D}"/>
+              </a:ext>
+            </a:extLst>
+          </p:cNvPr>
+          <p:cNvSpPr/>
+          <p:nvPr/>
+        </p:nvSpPr>
+        <p:spPr>
+          <a:xfrm>
+            <a:off x="636016" y="4532256"/>
+            <a:ext cx="160543" cy="160543"/>
+          </a:xfrm>
+          <a:prstGeom prst="ellipse">
+            <a:avLst/>
+          </a:prstGeom>
+          <a:solidFill>
+            <a:srgbClr val="3D7E4F"/>
+          </a:solidFill>
+          <a:ln>
+            <a:solidFill>
+              <a:schemeClr val="accent6">
+                <a:lumMod val="50000"/>
+              </a:schemeClr>
+            </a:solidFill>
+          </a:ln>
+        </p:spPr>
+        <p:style>
+          <a:lnRef idx="2">
+            <a:schemeClr val="accent1">
+              <a:shade val="50000"/>
+            </a:schemeClr>
+          </a:lnRef>
+          <a:fillRef idx="1">
+            <a:schemeClr val="accent1"/>
+          </a:fillRef>
+          <a:effectRef idx="0">
+            <a:schemeClr val="accent1"/>
+          </a:effectRef>
+          <a:fontRef idx="minor">
+            <a:schemeClr val="lt1"/>
+          </a:fontRef>
+        </p:style>
+        <p:txBody>
+          <a:bodyPr rtlCol="0" anchor="ctr"/>
+          <a:lstStyle/>
+          <a:p>
+            <a:pPr algn="ctr"/>
+            <a:endParaRPr lang="fr-FR"/>
+          </a:p>
+        </p:txBody>
+      </p:sp>
+      <p:sp>
+        <p:nvSpPr>
+          <p:cNvPr id="192" name="Ellipse 191">
+            <a:extLst>
+              <a:ext uri="{FF2B5EF4-FFF2-40B4-BE49-F238E27FC236}">
+                <a16:creationId xmlns:a16="http://schemas.microsoft.com/office/drawing/2014/main" id="{E2860459-9C85-3B99-D671-B704F42F754D}"/>
+              </a:ext>
+            </a:extLst>
+          </p:cNvPr>
+          <p:cNvSpPr/>
+          <p:nvPr/>
+        </p:nvSpPr>
+        <p:spPr>
+          <a:xfrm>
+            <a:off x="948960" y="4227332"/>
+            <a:ext cx="160543" cy="160543"/>
+          </a:xfrm>
+          <a:prstGeom prst="ellipse">
+            <a:avLst/>
+          </a:prstGeom>
+          <a:solidFill>
+            <a:srgbClr val="3D7E4F"/>
+          </a:solidFill>
+          <a:ln>
+            <a:solidFill>
+              <a:schemeClr val="accent6">
+                <a:lumMod val="50000"/>
+              </a:schemeClr>
+            </a:solidFill>
+          </a:ln>
+        </p:spPr>
+        <p:style>
+          <a:lnRef idx="2">
+            <a:schemeClr val="accent1">
+              <a:shade val="50000"/>
+            </a:schemeClr>
+          </a:lnRef>
+          <a:fillRef idx="1">
+            <a:schemeClr val="accent1"/>
+          </a:fillRef>
+          <a:effectRef idx="0">
+            <a:schemeClr val="accent1"/>
+          </a:effectRef>
+          <a:fontRef idx="minor">
+            <a:schemeClr val="lt1"/>
+          </a:fontRef>
+        </p:style>
+        <p:txBody>
+          <a:bodyPr rtlCol="0" anchor="ctr"/>
+          <a:lstStyle/>
+          <a:p>
+            <a:pPr algn="ctr"/>
+            <a:endParaRPr lang="fr-FR"/>
+          </a:p>
+        </p:txBody>
+      </p:sp>
+      <p:sp>
+        <p:nvSpPr>
+          <p:cNvPr id="196" name="Ellipse 195">
+            <a:extLst>
+              <a:ext uri="{FF2B5EF4-FFF2-40B4-BE49-F238E27FC236}">
+                <a16:creationId xmlns:a16="http://schemas.microsoft.com/office/drawing/2014/main" id="{D9BD6C1D-96C0-CE32-4A45-CF5DF3972CEA}"/>
+              </a:ext>
+            </a:extLst>
+          </p:cNvPr>
+          <p:cNvSpPr/>
+          <p:nvPr/>
+        </p:nvSpPr>
+        <p:spPr>
+          <a:xfrm>
+            <a:off x="1261905" y="3922408"/>
+            <a:ext cx="160543" cy="160543"/>
+          </a:xfrm>
+          <a:prstGeom prst="ellipse">
+            <a:avLst/>
+          </a:prstGeom>
+          <a:solidFill>
+            <a:srgbClr val="3D7E4F"/>
+          </a:solidFill>
+          <a:ln>
+            <a:solidFill>
+              <a:schemeClr val="accent6">
+                <a:lumMod val="50000"/>
+              </a:schemeClr>
+            </a:solidFill>
+          </a:ln>
+        </p:spPr>
+        <p:style>
+          <a:lnRef idx="2">
+            <a:schemeClr val="accent1">
+              <a:shade val="50000"/>
+            </a:schemeClr>
+          </a:lnRef>
+          <a:fillRef idx="1">
+            <a:schemeClr val="accent1"/>
+          </a:fillRef>
+          <a:effectRef idx="0">
+            <a:schemeClr val="accent1"/>
+          </a:effectRef>
+          <a:fontRef idx="minor">
+            <a:schemeClr val="lt1"/>
+          </a:fontRef>
+        </p:style>
+        <p:txBody>
+          <a:bodyPr rtlCol="0" anchor="ctr"/>
+          <a:lstStyle/>
+          <a:p>
+            <a:pPr algn="ctr"/>
+            <a:endParaRPr lang="fr-FR"/>
+          </a:p>
+        </p:txBody>
+      </p:sp>
+      <p:sp>
+        <p:nvSpPr>
+          <p:cNvPr id="202" name="Ellipse 201">
+            <a:extLst>
+              <a:ext uri="{FF2B5EF4-FFF2-40B4-BE49-F238E27FC236}">
+                <a16:creationId xmlns:a16="http://schemas.microsoft.com/office/drawing/2014/main" id="{E52BD9F4-ECA1-1627-EB0F-03AB362D299D}"/>
+              </a:ext>
+            </a:extLst>
+          </p:cNvPr>
+          <p:cNvSpPr/>
+          <p:nvPr/>
+        </p:nvSpPr>
+        <p:spPr>
+          <a:xfrm>
+            <a:off x="1574848" y="4227332"/>
+            <a:ext cx="160543" cy="160543"/>
+          </a:xfrm>
+          <a:prstGeom prst="ellipse">
+            <a:avLst/>
+          </a:prstGeom>
+          <a:solidFill>
+            <a:srgbClr val="3D7E4F"/>
+          </a:solidFill>
+          <a:ln>
+            <a:solidFill>
+              <a:schemeClr val="accent6">
+                <a:lumMod val="50000"/>
+              </a:schemeClr>
+            </a:solidFill>
+          </a:ln>
+        </p:spPr>
+        <p:style>
+          <a:lnRef idx="2">
+            <a:schemeClr val="accent1">
+              <a:shade val="50000"/>
+            </a:schemeClr>
+          </a:lnRef>
+          <a:fillRef idx="1">
+            <a:schemeClr val="accent1"/>
+          </a:fillRef>
+          <a:effectRef idx="0">
+            <a:schemeClr val="accent1"/>
+          </a:effectRef>
+          <a:fontRef idx="minor">
+            <a:schemeClr val="lt1"/>
+          </a:fontRef>
+        </p:style>
+        <p:txBody>
+          <a:bodyPr rtlCol="0" anchor="ctr"/>
+          <a:lstStyle/>
+          <a:p>
+            <a:pPr algn="ctr"/>
+            <a:endParaRPr lang="fr-FR"/>
+          </a:p>
+        </p:txBody>
+      </p:sp>
+      <p:sp>
+        <p:nvSpPr>
+          <p:cNvPr id="207" name="Ellipse 206">
+            <a:extLst>
+              <a:ext uri="{FF2B5EF4-FFF2-40B4-BE49-F238E27FC236}">
+                <a16:creationId xmlns:a16="http://schemas.microsoft.com/office/drawing/2014/main" id="{1C112925-36C3-86E3-6EC1-03D6248A5AD2}"/>
+              </a:ext>
+            </a:extLst>
+          </p:cNvPr>
+          <p:cNvSpPr/>
+          <p:nvPr/>
+        </p:nvSpPr>
+        <p:spPr>
+          <a:xfrm>
+            <a:off x="1887792" y="4227332"/>
+            <a:ext cx="160543" cy="160543"/>
+          </a:xfrm>
+          <a:prstGeom prst="ellipse">
+            <a:avLst/>
+          </a:prstGeom>
+          <a:solidFill>
+            <a:srgbClr val="3D7E4F"/>
+          </a:solidFill>
+          <a:ln>
+            <a:solidFill>
+              <a:schemeClr val="accent6">
+                <a:lumMod val="50000"/>
+              </a:schemeClr>
+            </a:solidFill>
+          </a:ln>
+        </p:spPr>
+        <p:style>
+          <a:lnRef idx="2">
+            <a:schemeClr val="accent1">
+              <a:shade val="50000"/>
+            </a:schemeClr>
+          </a:lnRef>
+          <a:fillRef idx="1">
+            <a:schemeClr val="accent1"/>
+          </a:fillRef>
+          <a:effectRef idx="0">
+            <a:schemeClr val="accent1"/>
+          </a:effectRef>
+          <a:fontRef idx="minor">
+            <a:schemeClr val="lt1"/>
+          </a:fontRef>
+        </p:style>
+        <p:txBody>
+          <a:bodyPr rtlCol="0" anchor="ctr"/>
+          <a:lstStyle/>
+          <a:p>
+            <a:pPr algn="ctr"/>
+            <a:endParaRPr lang="fr-FR"/>
+          </a:p>
+        </p:txBody>
+      </p:sp>
+      <p:sp>
+        <p:nvSpPr>
+          <p:cNvPr id="213" name="Ellipse 212">
+            <a:extLst>
+              <a:ext uri="{FF2B5EF4-FFF2-40B4-BE49-F238E27FC236}">
+                <a16:creationId xmlns:a16="http://schemas.microsoft.com/office/drawing/2014/main" id="{3D235128-03C0-08F8-5F6F-4E8807322D34}"/>
+              </a:ext>
+            </a:extLst>
+          </p:cNvPr>
+          <p:cNvSpPr/>
+          <p:nvPr/>
+        </p:nvSpPr>
+        <p:spPr>
+          <a:xfrm>
+            <a:off x="2609771" y="4539592"/>
+            <a:ext cx="160543" cy="160543"/>
+          </a:xfrm>
+          <a:prstGeom prst="ellipse">
+            <a:avLst/>
+          </a:prstGeom>
+          <a:solidFill>
+            <a:srgbClr val="3D7E4F"/>
+          </a:solidFill>
+          <a:ln>
+            <a:solidFill>
+              <a:schemeClr val="accent6">
+                <a:lumMod val="50000"/>
+              </a:schemeClr>
+            </a:solidFill>
+          </a:ln>
+        </p:spPr>
+        <p:style>
+          <a:lnRef idx="2">
+            <a:schemeClr val="accent1">
+              <a:shade val="50000"/>
+            </a:schemeClr>
+          </a:lnRef>
+          <a:fillRef idx="1">
+            <a:schemeClr val="accent1"/>
+          </a:fillRef>
+          <a:effectRef idx="0">
+            <a:schemeClr val="accent1"/>
+          </a:effectRef>
+          <a:fontRef idx="minor">
+            <a:schemeClr val="lt1"/>
+          </a:fontRef>
+        </p:style>
+        <p:txBody>
+          <a:bodyPr rtlCol="0" anchor="ctr"/>
+          <a:lstStyle/>
+          <a:p>
+            <a:pPr algn="ctr"/>
+            <a:endParaRPr lang="fr-FR"/>
+          </a:p>
+        </p:txBody>
+      </p:sp>
+      <p:sp>
+        <p:nvSpPr>
+          <p:cNvPr id="217" name="Ellipse 216">
+            <a:extLst>
+              <a:ext uri="{FF2B5EF4-FFF2-40B4-BE49-F238E27FC236}">
+                <a16:creationId xmlns:a16="http://schemas.microsoft.com/office/drawing/2014/main" id="{3E492A80-7D17-8CAC-0B1B-F030AC8FC557}"/>
+              </a:ext>
+            </a:extLst>
+          </p:cNvPr>
+          <p:cNvSpPr/>
+          <p:nvPr/>
+        </p:nvSpPr>
+        <p:spPr>
+          <a:xfrm>
+            <a:off x="2922715" y="4234668"/>
+            <a:ext cx="160543" cy="160543"/>
+          </a:xfrm>
+          <a:prstGeom prst="ellipse">
+            <a:avLst/>
+          </a:prstGeom>
+          <a:solidFill>
+            <a:srgbClr val="3D7E4F"/>
+          </a:solidFill>
+          <a:ln>
+            <a:solidFill>
+              <a:schemeClr val="accent6">
+                <a:lumMod val="50000"/>
+              </a:schemeClr>
+            </a:solidFill>
+          </a:ln>
+        </p:spPr>
+        <p:style>
+          <a:lnRef idx="2">
+            <a:schemeClr val="accent1">
+              <a:shade val="50000"/>
+            </a:schemeClr>
+          </a:lnRef>
+          <a:fillRef idx="1">
+            <a:schemeClr val="accent1"/>
+          </a:fillRef>
+          <a:effectRef idx="0">
+            <a:schemeClr val="accent1"/>
+          </a:effectRef>
+          <a:fontRef idx="minor">
+            <a:schemeClr val="lt1"/>
+          </a:fontRef>
+        </p:style>
+        <p:txBody>
+          <a:bodyPr rtlCol="0" anchor="ctr"/>
+          <a:lstStyle/>
+          <a:p>
+            <a:pPr algn="ctr"/>
+            <a:endParaRPr lang="fr-FR"/>
+          </a:p>
+        </p:txBody>
+      </p:sp>
+      <p:sp>
+        <p:nvSpPr>
+          <p:cNvPr id="221" name="Ellipse 220">
+            <a:extLst>
+              <a:ext uri="{FF2B5EF4-FFF2-40B4-BE49-F238E27FC236}">
+                <a16:creationId xmlns:a16="http://schemas.microsoft.com/office/drawing/2014/main" id="{15E9A335-96FB-F72E-1BBD-B3E727FB2E44}"/>
+              </a:ext>
+            </a:extLst>
+          </p:cNvPr>
+          <p:cNvSpPr/>
+          <p:nvPr/>
+        </p:nvSpPr>
+        <p:spPr>
+          <a:xfrm>
+            <a:off x="3235660" y="3929744"/>
+            <a:ext cx="160543" cy="160543"/>
+          </a:xfrm>
+          <a:prstGeom prst="ellipse">
+            <a:avLst/>
+          </a:prstGeom>
+          <a:solidFill>
+            <a:srgbClr val="3D7E4F"/>
+          </a:solidFill>
+          <a:ln>
+            <a:solidFill>
+              <a:schemeClr val="accent6">
+                <a:lumMod val="50000"/>
+              </a:schemeClr>
+            </a:solidFill>
+          </a:ln>
+        </p:spPr>
+        <p:style>
+          <a:lnRef idx="2">
+            <a:schemeClr val="accent1">
+              <a:shade val="50000"/>
+            </a:schemeClr>
+          </a:lnRef>
+          <a:fillRef idx="1">
+            <a:schemeClr val="accent1"/>
+          </a:fillRef>
+          <a:effectRef idx="0">
+            <a:schemeClr val="accent1"/>
+          </a:effectRef>
+          <a:fontRef idx="minor">
+            <a:schemeClr val="lt1"/>
+          </a:fontRef>
+        </p:style>
+        <p:txBody>
+          <a:bodyPr rtlCol="0" anchor="ctr"/>
+          <a:lstStyle/>
+          <a:p>
+            <a:pPr algn="ctr"/>
+            <a:endParaRPr lang="fr-FR"/>
+          </a:p>
+        </p:txBody>
+      </p:sp>
+      <p:sp>
+        <p:nvSpPr>
+          <p:cNvPr id="226" name="Ellipse 225">
+            <a:extLst>
+              <a:ext uri="{FF2B5EF4-FFF2-40B4-BE49-F238E27FC236}">
+                <a16:creationId xmlns:a16="http://schemas.microsoft.com/office/drawing/2014/main" id="{9C3C53F2-6ABC-C126-FF9B-0E7A87FA4158}"/>
+              </a:ext>
+            </a:extLst>
+          </p:cNvPr>
+          <p:cNvSpPr/>
+          <p:nvPr/>
+        </p:nvSpPr>
+        <p:spPr>
+          <a:xfrm>
+            <a:off x="3548604" y="3929744"/>
+            <a:ext cx="160543" cy="160543"/>
+          </a:xfrm>
+          <a:prstGeom prst="ellipse">
+            <a:avLst/>
+          </a:prstGeom>
+          <a:solidFill>
+            <a:srgbClr val="3D7E4F"/>
+          </a:solidFill>
+          <a:ln>
+            <a:solidFill>
+              <a:schemeClr val="accent6">
+                <a:lumMod val="50000"/>
+              </a:schemeClr>
+            </a:solidFill>
+          </a:ln>
+        </p:spPr>
+        <p:style>
+          <a:lnRef idx="2">
+            <a:schemeClr val="accent1">
+              <a:shade val="50000"/>
+            </a:schemeClr>
+          </a:lnRef>
+          <a:fillRef idx="1">
+            <a:schemeClr val="accent1"/>
+          </a:fillRef>
+          <a:effectRef idx="0">
+            <a:schemeClr val="accent1"/>
+          </a:effectRef>
+          <a:fontRef idx="minor">
+            <a:schemeClr val="lt1"/>
+          </a:fontRef>
+        </p:style>
+        <p:txBody>
+          <a:bodyPr rtlCol="0" anchor="ctr"/>
+          <a:lstStyle/>
+          <a:p>
+            <a:pPr algn="ctr"/>
+            <a:endParaRPr lang="fr-FR"/>
+          </a:p>
+        </p:txBody>
+      </p:sp>
+      <p:sp>
+        <p:nvSpPr>
+          <p:cNvPr id="232" name="Ellipse 231">
+            <a:extLst>
+              <a:ext uri="{FF2B5EF4-FFF2-40B4-BE49-F238E27FC236}">
+                <a16:creationId xmlns:a16="http://schemas.microsoft.com/office/drawing/2014/main" id="{262B9F42-FA39-90DA-DA75-148AC6715321}"/>
+              </a:ext>
+            </a:extLst>
+          </p:cNvPr>
+          <p:cNvSpPr/>
+          <p:nvPr/>
+        </p:nvSpPr>
+        <p:spPr>
+          <a:xfrm>
+            <a:off x="3861547" y="4234668"/>
+            <a:ext cx="160543" cy="160543"/>
+          </a:xfrm>
+          <a:prstGeom prst="ellipse">
+            <a:avLst/>
+          </a:prstGeom>
+          <a:solidFill>
+            <a:srgbClr val="3D7E4F"/>
+          </a:solidFill>
+          <a:ln>
+            <a:solidFill>
+              <a:schemeClr val="accent6">
+                <a:lumMod val="50000"/>
+              </a:schemeClr>
+            </a:solidFill>
+          </a:ln>
+        </p:spPr>
+        <p:style>
+          <a:lnRef idx="2">
+            <a:schemeClr val="accent1">
+              <a:shade val="50000"/>
+            </a:schemeClr>
+          </a:lnRef>
+          <a:fillRef idx="1">
+            <a:schemeClr val="accent1"/>
+          </a:fillRef>
+          <a:effectRef idx="0">
+            <a:schemeClr val="accent1"/>
+          </a:effectRef>
+          <a:fontRef idx="minor">
+            <a:schemeClr val="lt1"/>
+          </a:fontRef>
+        </p:style>
+        <p:txBody>
+          <a:bodyPr rtlCol="0" anchor="ctr"/>
+          <a:lstStyle/>
+          <a:p>
+            <a:pPr algn="ctr"/>
+            <a:endParaRPr lang="fr-FR"/>
+          </a:p>
+        </p:txBody>
+      </p:sp>
+      <p:sp>
+        <p:nvSpPr>
+          <p:cNvPr id="241" name="Ellipse 240">
+            <a:extLst>
+              <a:ext uri="{FF2B5EF4-FFF2-40B4-BE49-F238E27FC236}">
+                <a16:creationId xmlns:a16="http://schemas.microsoft.com/office/drawing/2014/main" id="{1AC5641F-4A95-7A9A-2B82-4A8EED0675E2}"/>
+              </a:ext>
+            </a:extLst>
+          </p:cNvPr>
+          <p:cNvSpPr/>
+          <p:nvPr/>
+        </p:nvSpPr>
+        <p:spPr>
+          <a:xfrm>
+            <a:off x="4783954" y="3929744"/>
+            <a:ext cx="160543" cy="160543"/>
+          </a:xfrm>
+          <a:prstGeom prst="ellipse">
+            <a:avLst/>
+          </a:prstGeom>
+          <a:solidFill>
+            <a:srgbClr val="3D7E4F"/>
+          </a:solidFill>
+          <a:ln>
+            <a:solidFill>
+              <a:schemeClr val="accent6">
+                <a:lumMod val="50000"/>
+              </a:schemeClr>
+            </a:solidFill>
+          </a:ln>
+        </p:spPr>
+        <p:style>
+          <a:lnRef idx="2">
+            <a:schemeClr val="accent1">
+              <a:shade val="50000"/>
+            </a:schemeClr>
+          </a:lnRef>
+          <a:fillRef idx="1">
+            <a:schemeClr val="accent1"/>
+          </a:fillRef>
+          <a:effectRef idx="0">
+            <a:schemeClr val="accent1"/>
+          </a:effectRef>
+          <a:fontRef idx="minor">
+            <a:schemeClr val="lt1"/>
+          </a:fontRef>
+        </p:style>
+        <p:txBody>
+          <a:bodyPr rtlCol="0" anchor="ctr"/>
+          <a:lstStyle/>
+          <a:p>
+            <a:pPr algn="ctr"/>
+            <a:endParaRPr lang="fr-FR"/>
+          </a:p>
+        </p:txBody>
+      </p:sp>
+      <p:sp>
+        <p:nvSpPr>
+          <p:cNvPr id="242" name="Ellipse 241">
+            <a:extLst>
+              <a:ext uri="{FF2B5EF4-FFF2-40B4-BE49-F238E27FC236}">
+                <a16:creationId xmlns:a16="http://schemas.microsoft.com/office/drawing/2014/main" id="{8F973118-4422-FD18-DE15-9B76FAB516BD}"/>
+              </a:ext>
+            </a:extLst>
+          </p:cNvPr>
+          <p:cNvSpPr/>
+          <p:nvPr/>
+        </p:nvSpPr>
+        <p:spPr>
+          <a:xfrm>
+            <a:off x="4783953" y="4234668"/>
+            <a:ext cx="160543" cy="160543"/>
+          </a:xfrm>
+          <a:prstGeom prst="ellipse">
+            <a:avLst/>
+          </a:prstGeom>
+          <a:solidFill>
+            <a:schemeClr val="bg2">
+              <a:lumMod val="90000"/>
+            </a:schemeClr>
+          </a:solidFill>
+          <a:ln>
+            <a:solidFill>
+              <a:schemeClr val="bg2">
+                <a:lumMod val="90000"/>
+              </a:schemeClr>
+            </a:solidFill>
+          </a:ln>
+        </p:spPr>
+        <p:style>
+          <a:lnRef idx="2">
+            <a:schemeClr val="accent1">
+              <a:shade val="50000"/>
+            </a:schemeClr>
+          </a:lnRef>
+          <a:fillRef idx="1">
+            <a:schemeClr val="accent1"/>
+          </a:fillRef>
+          <a:effectRef idx="0">
+            <a:schemeClr val="accent1"/>
+          </a:effectRef>
+          <a:fontRef idx="minor">
+            <a:schemeClr val="lt1"/>
+          </a:fontRef>
+        </p:style>
+        <p:txBody>
+          <a:bodyPr rtlCol="0" anchor="ctr"/>
+          <a:lstStyle/>
+          <a:p>
+            <a:pPr algn="ctr"/>
+            <a:endParaRPr lang="fr-FR"/>
+          </a:p>
+        </p:txBody>
+      </p:sp>
+      <p:sp>
+        <p:nvSpPr>
+          <p:cNvPr id="243" name="Ellipse 242">
+            <a:extLst>
+              <a:ext uri="{FF2B5EF4-FFF2-40B4-BE49-F238E27FC236}">
+                <a16:creationId xmlns:a16="http://schemas.microsoft.com/office/drawing/2014/main" id="{53292F43-6166-A041-79B3-20E596239299}"/>
+              </a:ext>
+            </a:extLst>
+          </p:cNvPr>
+          <p:cNvSpPr/>
+          <p:nvPr/>
+        </p:nvSpPr>
+        <p:spPr>
+          <a:xfrm>
+            <a:off x="4783953" y="4539592"/>
+            <a:ext cx="160543" cy="160543"/>
+          </a:xfrm>
+          <a:prstGeom prst="ellipse">
+            <a:avLst/>
+          </a:prstGeom>
+          <a:solidFill>
+            <a:schemeClr val="bg2">
+              <a:lumMod val="90000"/>
+            </a:schemeClr>
+          </a:solidFill>
+          <a:ln>
+            <a:solidFill>
+              <a:schemeClr val="bg2">
+                <a:lumMod val="90000"/>
+              </a:schemeClr>
+            </a:solidFill>
+          </a:ln>
+        </p:spPr>
+        <p:style>
+          <a:lnRef idx="2">
+            <a:schemeClr val="accent1">
+              <a:shade val="50000"/>
+            </a:schemeClr>
+          </a:lnRef>
+          <a:fillRef idx="1">
+            <a:schemeClr val="accent1"/>
+          </a:fillRef>
+          <a:effectRef idx="0">
+            <a:schemeClr val="accent1"/>
+          </a:effectRef>
+          <a:fontRef idx="minor">
+            <a:schemeClr val="lt1"/>
+          </a:fontRef>
+        </p:style>
+        <p:txBody>
+          <a:bodyPr rtlCol="0" anchor="ctr"/>
+          <a:lstStyle/>
+          <a:p>
+            <a:pPr algn="ctr"/>
+            <a:endParaRPr lang="fr-FR"/>
+          </a:p>
+        </p:txBody>
+      </p:sp>
+      <p:sp>
+        <p:nvSpPr>
+          <p:cNvPr id="246" name="Ellipse 245">
+            <a:extLst>
+              <a:ext uri="{FF2B5EF4-FFF2-40B4-BE49-F238E27FC236}">
+                <a16:creationId xmlns:a16="http://schemas.microsoft.com/office/drawing/2014/main" id="{BBD21E24-8B01-EDB3-3671-E64C116F0F84}"/>
+              </a:ext>
+            </a:extLst>
+          </p:cNvPr>
+          <p:cNvSpPr/>
+          <p:nvPr/>
+        </p:nvSpPr>
+        <p:spPr>
+          <a:xfrm>
+            <a:off x="5096898" y="3929744"/>
+            <a:ext cx="160543" cy="160543"/>
+          </a:xfrm>
+          <a:prstGeom prst="ellipse">
+            <a:avLst/>
+          </a:prstGeom>
+          <a:solidFill>
+            <a:srgbClr val="3D7E4F"/>
+          </a:solidFill>
+          <a:ln>
+            <a:solidFill>
+              <a:schemeClr val="accent6">
+                <a:lumMod val="50000"/>
+              </a:schemeClr>
+            </a:solidFill>
+          </a:ln>
+        </p:spPr>
+        <p:style>
+          <a:lnRef idx="2">
+            <a:schemeClr val="accent1">
+              <a:shade val="50000"/>
+            </a:schemeClr>
+          </a:lnRef>
+          <a:fillRef idx="1">
+            <a:schemeClr val="accent1"/>
+          </a:fillRef>
+          <a:effectRef idx="0">
+            <a:schemeClr val="accent1"/>
+          </a:effectRef>
+          <a:fontRef idx="minor">
+            <a:schemeClr val="lt1"/>
+          </a:fontRef>
+        </p:style>
+        <p:txBody>
+          <a:bodyPr rtlCol="0" anchor="ctr"/>
+          <a:lstStyle/>
+          <a:p>
+            <a:pPr algn="ctr"/>
+            <a:endParaRPr lang="fr-FR"/>
+          </a:p>
+        </p:txBody>
+      </p:sp>
+      <p:sp>
+        <p:nvSpPr>
+          <p:cNvPr id="247" name="Ellipse 246">
+            <a:extLst>
+              <a:ext uri="{FF2B5EF4-FFF2-40B4-BE49-F238E27FC236}">
+                <a16:creationId xmlns:a16="http://schemas.microsoft.com/office/drawing/2014/main" id="{7437BFF6-6314-B030-DF0F-F89D41F37A09}"/>
+              </a:ext>
+            </a:extLst>
+          </p:cNvPr>
+          <p:cNvSpPr/>
+          <p:nvPr/>
+        </p:nvSpPr>
+        <p:spPr>
+          <a:xfrm>
+            <a:off x="5096897" y="4234668"/>
+            <a:ext cx="160543" cy="160543"/>
+          </a:xfrm>
+          <a:prstGeom prst="ellipse">
+            <a:avLst/>
+          </a:prstGeom>
+          <a:solidFill>
+            <a:schemeClr val="bg2">
+              <a:lumMod val="90000"/>
+            </a:schemeClr>
+          </a:solidFill>
+          <a:ln>
+            <a:solidFill>
+              <a:schemeClr val="bg2">
+                <a:lumMod val="90000"/>
+              </a:schemeClr>
+            </a:solidFill>
+          </a:ln>
+        </p:spPr>
+        <p:style>
+          <a:lnRef idx="2">
+            <a:schemeClr val="accent1">
+              <a:shade val="50000"/>
+            </a:schemeClr>
+          </a:lnRef>
+          <a:fillRef idx="1">
+            <a:schemeClr val="accent1"/>
+          </a:fillRef>
+          <a:effectRef idx="0">
+            <a:schemeClr val="accent1"/>
+          </a:effectRef>
+          <a:fontRef idx="minor">
+            <a:schemeClr val="lt1"/>
+          </a:fontRef>
+        </p:style>
+        <p:txBody>
+          <a:bodyPr rtlCol="0" anchor="ctr"/>
+          <a:lstStyle/>
+          <a:p>
+            <a:pPr algn="ctr"/>
+            <a:endParaRPr lang="fr-FR"/>
+          </a:p>
+        </p:txBody>
+      </p:sp>
+      <p:sp>
+        <p:nvSpPr>
+          <p:cNvPr id="248" name="Ellipse 247">
+            <a:extLst>
+              <a:ext uri="{FF2B5EF4-FFF2-40B4-BE49-F238E27FC236}">
+                <a16:creationId xmlns:a16="http://schemas.microsoft.com/office/drawing/2014/main" id="{E06191FF-E5FF-26C0-7D31-894EB5DEB355}"/>
+              </a:ext>
+            </a:extLst>
+          </p:cNvPr>
+          <p:cNvSpPr/>
+          <p:nvPr/>
+        </p:nvSpPr>
+        <p:spPr>
+          <a:xfrm>
+            <a:off x="5096897" y="4539592"/>
+            <a:ext cx="160543" cy="160543"/>
+          </a:xfrm>
+          <a:prstGeom prst="ellipse">
+            <a:avLst/>
+          </a:prstGeom>
+          <a:solidFill>
+            <a:schemeClr val="bg2">
+              <a:lumMod val="90000"/>
+            </a:schemeClr>
+          </a:solidFill>
+          <a:ln>
+            <a:solidFill>
+              <a:schemeClr val="bg2">
+                <a:lumMod val="90000"/>
+              </a:schemeClr>
+            </a:solidFill>
+          </a:ln>
+        </p:spPr>
+        <p:style>
+          <a:lnRef idx="2">
+            <a:schemeClr val="accent1">
+              <a:shade val="50000"/>
+            </a:schemeClr>
+          </a:lnRef>
+          <a:fillRef idx="1">
+            <a:schemeClr val="accent1"/>
+          </a:fillRef>
+          <a:effectRef idx="0">
+            <a:schemeClr val="accent1"/>
+          </a:effectRef>
+          <a:fontRef idx="minor">
+            <a:schemeClr val="lt1"/>
+          </a:fontRef>
+        </p:style>
+        <p:txBody>
+          <a:bodyPr rtlCol="0" anchor="ctr"/>
+          <a:lstStyle/>
+          <a:p>
+            <a:pPr algn="ctr"/>
+            <a:endParaRPr lang="fr-FR"/>
+          </a:p>
+        </p:txBody>
+      </p:sp>
+      <p:sp>
+        <p:nvSpPr>
+          <p:cNvPr id="249" name="Ellipse 248">
+            <a:extLst>
+              <a:ext uri="{FF2B5EF4-FFF2-40B4-BE49-F238E27FC236}">
+                <a16:creationId xmlns:a16="http://schemas.microsoft.com/office/drawing/2014/main" id="{3FF383A7-E601-7D2D-8791-129A48E4234C}"/>
+              </a:ext>
+            </a:extLst>
+          </p:cNvPr>
+          <p:cNvSpPr/>
+          <p:nvPr/>
+        </p:nvSpPr>
+        <p:spPr>
+          <a:xfrm>
+            <a:off x="5096897" y="4844516"/>
+            <a:ext cx="160543" cy="160543"/>
+          </a:xfrm>
+          <a:prstGeom prst="ellipse">
+            <a:avLst/>
+          </a:prstGeom>
+          <a:solidFill>
+            <a:schemeClr val="bg2">
+              <a:lumMod val="90000"/>
+            </a:schemeClr>
+          </a:solidFill>
+          <a:ln>
+            <a:solidFill>
+              <a:schemeClr val="bg2">
+                <a:lumMod val="90000"/>
+              </a:schemeClr>
+            </a:solidFill>
+          </a:ln>
+        </p:spPr>
+        <p:style>
+          <a:lnRef idx="2">
+            <a:schemeClr val="accent1">
+              <a:shade val="50000"/>
+            </a:schemeClr>
+          </a:lnRef>
+          <a:fillRef idx="1">
+            <a:schemeClr val="accent1"/>
+          </a:fillRef>
+          <a:effectRef idx="0">
+            <a:schemeClr val="accent1"/>
+          </a:effectRef>
+          <a:fontRef idx="minor">
+            <a:schemeClr val="lt1"/>
+          </a:fontRef>
+        </p:style>
+        <p:txBody>
+          <a:bodyPr rtlCol="0" anchor="ctr"/>
+          <a:lstStyle/>
+          <a:p>
+            <a:pPr algn="ctr"/>
+            <a:endParaRPr lang="fr-FR"/>
+          </a:p>
+        </p:txBody>
+      </p:sp>
+      <p:sp>
+        <p:nvSpPr>
+          <p:cNvPr id="250" name="Ellipse 249">
+            <a:extLst>
+              <a:ext uri="{FF2B5EF4-FFF2-40B4-BE49-F238E27FC236}">
+                <a16:creationId xmlns:a16="http://schemas.microsoft.com/office/drawing/2014/main" id="{00790A0D-7046-03E4-75FD-CB7092AAC619}"/>
+              </a:ext>
+            </a:extLst>
+          </p:cNvPr>
+          <p:cNvSpPr/>
+          <p:nvPr/>
+        </p:nvSpPr>
+        <p:spPr>
+          <a:xfrm>
+            <a:off x="5409842" y="3624820"/>
+            <a:ext cx="160543" cy="160543"/>
+          </a:xfrm>
+          <a:prstGeom prst="ellipse">
+            <a:avLst/>
+          </a:prstGeom>
+          <a:solidFill>
+            <a:schemeClr val="bg2">
+              <a:lumMod val="90000"/>
+            </a:schemeClr>
+          </a:solidFill>
+          <a:ln>
+            <a:solidFill>
+              <a:schemeClr val="bg2">
+                <a:lumMod val="90000"/>
+              </a:schemeClr>
+            </a:solidFill>
+          </a:ln>
+        </p:spPr>
+        <p:style>
+          <a:lnRef idx="2">
+            <a:schemeClr val="accent1">
+              <a:shade val="50000"/>
+            </a:schemeClr>
+          </a:lnRef>
+          <a:fillRef idx="1">
+            <a:schemeClr val="accent1"/>
+          </a:fillRef>
+          <a:effectRef idx="0">
+            <a:schemeClr val="accent1"/>
+          </a:effectRef>
+          <a:fontRef idx="minor">
+            <a:schemeClr val="lt1"/>
+          </a:fontRef>
+        </p:style>
+        <p:txBody>
+          <a:bodyPr rtlCol="0" anchor="ctr"/>
+          <a:lstStyle/>
+          <a:p>
+            <a:pPr algn="ctr"/>
+            <a:endParaRPr lang="fr-FR"/>
+          </a:p>
+        </p:txBody>
+      </p:sp>
+      <p:sp>
+        <p:nvSpPr>
+          <p:cNvPr id="251" name="Ellipse 250">
+            <a:extLst>
+              <a:ext uri="{FF2B5EF4-FFF2-40B4-BE49-F238E27FC236}">
+                <a16:creationId xmlns:a16="http://schemas.microsoft.com/office/drawing/2014/main" id="{929B458E-1E6F-ADFC-2BB2-FD2D91420580}"/>
+              </a:ext>
+            </a:extLst>
+          </p:cNvPr>
+          <p:cNvSpPr/>
+          <p:nvPr/>
+        </p:nvSpPr>
+        <p:spPr>
+          <a:xfrm>
+            <a:off x="5409842" y="3929744"/>
+            <a:ext cx="160543" cy="160543"/>
+          </a:xfrm>
+          <a:prstGeom prst="ellipse">
+            <a:avLst/>
+          </a:prstGeom>
+          <a:solidFill>
+            <a:srgbClr val="3D7E4F"/>
+          </a:solidFill>
+          <a:ln>
+            <a:solidFill>
+              <a:schemeClr val="accent6">
+                <a:lumMod val="50000"/>
+              </a:schemeClr>
+            </a:solidFill>
+          </a:ln>
+        </p:spPr>
+        <p:style>
+          <a:lnRef idx="2">
+            <a:schemeClr val="accent1">
+              <a:shade val="50000"/>
+            </a:schemeClr>
+          </a:lnRef>
+          <a:fillRef idx="1">
+            <a:schemeClr val="accent1"/>
+          </a:fillRef>
+          <a:effectRef idx="0">
+            <a:schemeClr val="accent1"/>
+          </a:effectRef>
+          <a:fontRef idx="minor">
+            <a:schemeClr val="lt1"/>
+          </a:fontRef>
+        </p:style>
+        <p:txBody>
+          <a:bodyPr rtlCol="0" anchor="ctr"/>
+          <a:lstStyle/>
+          <a:p>
+            <a:pPr algn="ctr"/>
+            <a:endParaRPr lang="fr-FR"/>
+          </a:p>
+        </p:txBody>
+      </p:sp>
+      <p:sp>
+        <p:nvSpPr>
+          <p:cNvPr id="252" name="Ellipse 251">
+            <a:extLst>
+              <a:ext uri="{FF2B5EF4-FFF2-40B4-BE49-F238E27FC236}">
+                <a16:creationId xmlns:a16="http://schemas.microsoft.com/office/drawing/2014/main" id="{A9480351-0FD3-136A-CFE2-18E8C60D141F}"/>
+              </a:ext>
+            </a:extLst>
+          </p:cNvPr>
+          <p:cNvSpPr/>
+          <p:nvPr/>
+        </p:nvSpPr>
+        <p:spPr>
+          <a:xfrm>
+            <a:off x="5409841" y="4234668"/>
+            <a:ext cx="160543" cy="160543"/>
+          </a:xfrm>
+          <a:prstGeom prst="ellipse">
+            <a:avLst/>
+          </a:prstGeom>
+          <a:solidFill>
+            <a:srgbClr val="3D7E4F"/>
+          </a:solidFill>
+          <a:ln>
+            <a:solidFill>
+              <a:schemeClr val="accent6">
+                <a:lumMod val="50000"/>
+              </a:schemeClr>
+            </a:solidFill>
+          </a:ln>
+        </p:spPr>
+        <p:style>
+          <a:lnRef idx="2">
+            <a:schemeClr val="accent1">
+              <a:shade val="50000"/>
+            </a:schemeClr>
+          </a:lnRef>
+          <a:fillRef idx="1">
+            <a:schemeClr val="accent1"/>
+          </a:fillRef>
+          <a:effectRef idx="0">
+            <a:schemeClr val="accent1"/>
+          </a:effectRef>
+          <a:fontRef idx="minor">
+            <a:schemeClr val="lt1"/>
+          </a:fontRef>
+        </p:style>
+        <p:txBody>
+          <a:bodyPr rtlCol="0" anchor="ctr"/>
+          <a:lstStyle/>
+          <a:p>
+            <a:pPr algn="ctr"/>
+            <a:endParaRPr lang="fr-FR"/>
+          </a:p>
+        </p:txBody>
+      </p:sp>
+      <p:sp>
+        <p:nvSpPr>
+          <p:cNvPr id="253" name="Ellipse 252">
+            <a:extLst>
+              <a:ext uri="{FF2B5EF4-FFF2-40B4-BE49-F238E27FC236}">
+                <a16:creationId xmlns:a16="http://schemas.microsoft.com/office/drawing/2014/main" id="{4E251A37-428B-CCCA-F38B-97F0E3C78545}"/>
+              </a:ext>
+            </a:extLst>
+          </p:cNvPr>
+          <p:cNvSpPr/>
+          <p:nvPr/>
+        </p:nvSpPr>
+        <p:spPr>
+          <a:xfrm>
+            <a:off x="5409841" y="4539592"/>
+            <a:ext cx="160543" cy="160543"/>
+          </a:xfrm>
+          <a:prstGeom prst="ellipse">
+            <a:avLst/>
+          </a:prstGeom>
+          <a:solidFill>
+            <a:srgbClr val="3D7E4F"/>
+          </a:solidFill>
+          <a:ln>
+            <a:solidFill>
+              <a:schemeClr val="accent6">
+                <a:lumMod val="50000"/>
+              </a:schemeClr>
+            </a:solidFill>
+          </a:ln>
+        </p:spPr>
+        <p:style>
+          <a:lnRef idx="2">
+            <a:schemeClr val="accent1">
+              <a:shade val="50000"/>
+            </a:schemeClr>
+          </a:lnRef>
+          <a:fillRef idx="1">
+            <a:schemeClr val="accent1"/>
+          </a:fillRef>
+          <a:effectRef idx="0">
+            <a:schemeClr val="accent1"/>
+          </a:effectRef>
+          <a:fontRef idx="minor">
+            <a:schemeClr val="lt1"/>
+          </a:fontRef>
+        </p:style>
+        <p:txBody>
+          <a:bodyPr rtlCol="0" anchor="ctr"/>
+          <a:lstStyle/>
+          <a:p>
+            <a:pPr algn="ctr"/>
+            <a:endParaRPr lang="fr-FR"/>
+          </a:p>
+        </p:txBody>
+      </p:sp>
+      <p:sp>
+        <p:nvSpPr>
+          <p:cNvPr id="254" name="Ellipse 253">
+            <a:extLst>
+              <a:ext uri="{FF2B5EF4-FFF2-40B4-BE49-F238E27FC236}">
+                <a16:creationId xmlns:a16="http://schemas.microsoft.com/office/drawing/2014/main" id="{64F098D3-7D84-FB5F-D409-621D808AD9D4}"/>
+              </a:ext>
+            </a:extLst>
+          </p:cNvPr>
+          <p:cNvSpPr/>
+          <p:nvPr/>
+        </p:nvSpPr>
+        <p:spPr>
+          <a:xfrm>
+            <a:off x="5409841" y="4844516"/>
+            <a:ext cx="160543" cy="160543"/>
+          </a:xfrm>
+          <a:prstGeom prst="ellipse">
+            <a:avLst/>
+          </a:prstGeom>
+          <a:solidFill>
+            <a:schemeClr val="bg2">
+              <a:lumMod val="90000"/>
+            </a:schemeClr>
+          </a:solidFill>
+          <a:ln>
+            <a:solidFill>
+              <a:schemeClr val="bg2">
+                <a:lumMod val="90000"/>
+              </a:schemeClr>
+            </a:solidFill>
+          </a:ln>
+        </p:spPr>
+        <p:style>
+          <a:lnRef idx="2">
+            <a:schemeClr val="accent1">
+              <a:shade val="50000"/>
+            </a:schemeClr>
+          </a:lnRef>
+          <a:fillRef idx="1">
+            <a:schemeClr val="accent1"/>
+          </a:fillRef>
+          <a:effectRef idx="0">
+            <a:schemeClr val="accent1"/>
+          </a:effectRef>
+          <a:fontRef idx="minor">
+            <a:schemeClr val="lt1"/>
+          </a:fontRef>
+        </p:style>
+        <p:txBody>
+          <a:bodyPr rtlCol="0" anchor="ctr"/>
+          <a:lstStyle/>
+          <a:p>
+            <a:pPr algn="ctr"/>
+            <a:endParaRPr lang="fr-FR"/>
+          </a:p>
+        </p:txBody>
+      </p:sp>
+      <p:sp>
+        <p:nvSpPr>
+          <p:cNvPr id="255" name="Ellipse 254">
+            <a:extLst>
+              <a:ext uri="{FF2B5EF4-FFF2-40B4-BE49-F238E27FC236}">
+                <a16:creationId xmlns:a16="http://schemas.microsoft.com/office/drawing/2014/main" id="{9DA5BF1A-F921-3D45-CAB0-4526193108BE}"/>
+              </a:ext>
+            </a:extLst>
+          </p:cNvPr>
+          <p:cNvSpPr/>
+          <p:nvPr/>
+        </p:nvSpPr>
+        <p:spPr>
+          <a:xfrm>
+            <a:off x="5722786" y="3624820"/>
+            <a:ext cx="160543" cy="160543"/>
+          </a:xfrm>
+          <a:prstGeom prst="ellipse">
+            <a:avLst/>
+          </a:prstGeom>
+          <a:solidFill>
+            <a:srgbClr val="3D7E4F"/>
+          </a:solidFill>
+          <a:ln>
+            <a:solidFill>
+              <a:schemeClr val="accent6">
+                <a:lumMod val="50000"/>
+              </a:schemeClr>
+            </a:solidFill>
+          </a:ln>
+        </p:spPr>
+        <p:style>
+          <a:lnRef idx="2">
+            <a:schemeClr val="accent1">
+              <a:shade val="50000"/>
+            </a:schemeClr>
+          </a:lnRef>
+          <a:fillRef idx="1">
+            <a:schemeClr val="accent1"/>
+          </a:fillRef>
+          <a:effectRef idx="0">
+            <a:schemeClr val="accent1"/>
+          </a:effectRef>
+          <a:fontRef idx="minor">
+            <a:schemeClr val="lt1"/>
+          </a:fontRef>
+        </p:style>
+        <p:txBody>
+          <a:bodyPr rtlCol="0" anchor="ctr"/>
+          <a:lstStyle/>
+          <a:p>
+            <a:pPr algn="ctr"/>
+            <a:endParaRPr lang="fr-FR"/>
+          </a:p>
+        </p:txBody>
+      </p:sp>
+      <p:sp>
+        <p:nvSpPr>
+          <p:cNvPr id="256" name="Ellipse 255">
+            <a:extLst>
+              <a:ext uri="{FF2B5EF4-FFF2-40B4-BE49-F238E27FC236}">
+                <a16:creationId xmlns:a16="http://schemas.microsoft.com/office/drawing/2014/main" id="{F2AF4A50-33A3-FFE4-0D07-91F92394308C}"/>
+              </a:ext>
+            </a:extLst>
+          </p:cNvPr>
+          <p:cNvSpPr/>
+          <p:nvPr/>
+        </p:nvSpPr>
+        <p:spPr>
+          <a:xfrm>
+            <a:off x="5722786" y="3929744"/>
+            <a:ext cx="160543" cy="160543"/>
+          </a:xfrm>
+          <a:prstGeom prst="ellipse">
+            <a:avLst/>
+          </a:prstGeom>
+          <a:solidFill>
+            <a:srgbClr val="3D7E4F"/>
+          </a:solidFill>
+          <a:ln>
+            <a:solidFill>
+              <a:schemeClr val="accent6">
+                <a:lumMod val="50000"/>
+              </a:schemeClr>
+            </a:solidFill>
+          </a:ln>
+        </p:spPr>
+        <p:style>
+          <a:lnRef idx="2">
+            <a:schemeClr val="accent1">
+              <a:shade val="50000"/>
+            </a:schemeClr>
+          </a:lnRef>
+          <a:fillRef idx="1">
+            <a:schemeClr val="accent1"/>
+          </a:fillRef>
+          <a:effectRef idx="0">
+            <a:schemeClr val="accent1"/>
+          </a:effectRef>
+          <a:fontRef idx="minor">
+            <a:schemeClr val="lt1"/>
+          </a:fontRef>
+        </p:style>
+        <p:txBody>
+          <a:bodyPr rtlCol="0" anchor="ctr"/>
+          <a:lstStyle/>
+          <a:p>
+            <a:pPr algn="ctr"/>
+            <a:endParaRPr lang="fr-FR"/>
+          </a:p>
+        </p:txBody>
+      </p:sp>
+      <p:sp>
+        <p:nvSpPr>
+          <p:cNvPr id="257" name="Ellipse 256">
+            <a:extLst>
+              <a:ext uri="{FF2B5EF4-FFF2-40B4-BE49-F238E27FC236}">
+                <a16:creationId xmlns:a16="http://schemas.microsoft.com/office/drawing/2014/main" id="{E981E836-54A3-F8EB-2736-7ECACE39D3D6}"/>
+              </a:ext>
+            </a:extLst>
+          </p:cNvPr>
+          <p:cNvSpPr/>
+          <p:nvPr/>
+        </p:nvSpPr>
+        <p:spPr>
+          <a:xfrm>
+            <a:off x="5722785" y="4234668"/>
+            <a:ext cx="160543" cy="160543"/>
+          </a:xfrm>
+          <a:prstGeom prst="ellipse">
+            <a:avLst/>
+          </a:prstGeom>
+          <a:solidFill>
+            <a:srgbClr val="3D7E4F"/>
+          </a:solidFill>
+          <a:ln>
+            <a:solidFill>
+              <a:schemeClr val="accent6">
+                <a:lumMod val="50000"/>
+              </a:schemeClr>
+            </a:solidFill>
+          </a:ln>
+        </p:spPr>
+        <p:style>
+          <a:lnRef idx="2">
+            <a:schemeClr val="accent1">
+              <a:shade val="50000"/>
+            </a:schemeClr>
+          </a:lnRef>
+          <a:fillRef idx="1">
+            <a:schemeClr val="accent1"/>
+          </a:fillRef>
+          <a:effectRef idx="0">
+            <a:schemeClr val="accent1"/>
+          </a:effectRef>
+          <a:fontRef idx="minor">
+            <a:schemeClr val="lt1"/>
+          </a:fontRef>
+        </p:style>
+        <p:txBody>
+          <a:bodyPr rtlCol="0" anchor="ctr"/>
+          <a:lstStyle/>
+          <a:p>
+            <a:pPr algn="ctr"/>
+            <a:endParaRPr lang="fr-FR"/>
+          </a:p>
+        </p:txBody>
+      </p:sp>
+      <p:sp>
+        <p:nvSpPr>
+          <p:cNvPr id="258" name="Ellipse 257">
+            <a:extLst>
+              <a:ext uri="{FF2B5EF4-FFF2-40B4-BE49-F238E27FC236}">
+                <a16:creationId xmlns:a16="http://schemas.microsoft.com/office/drawing/2014/main" id="{4824EA9E-ADF5-7889-5752-0BC6D6906D4A}"/>
+              </a:ext>
+            </a:extLst>
+          </p:cNvPr>
+          <p:cNvSpPr/>
+          <p:nvPr/>
+        </p:nvSpPr>
+        <p:spPr>
+          <a:xfrm>
+            <a:off x="5722785" y="4539592"/>
+            <a:ext cx="160543" cy="160543"/>
+          </a:xfrm>
+          <a:prstGeom prst="ellipse">
+            <a:avLst/>
+          </a:prstGeom>
+          <a:solidFill>
+            <a:srgbClr val="3D7E4F"/>
+          </a:solidFill>
+          <a:ln>
+            <a:solidFill>
+              <a:schemeClr val="accent6">
+                <a:lumMod val="50000"/>
+              </a:schemeClr>
+            </a:solidFill>
+          </a:ln>
+        </p:spPr>
+        <p:style>
+          <a:lnRef idx="2">
+            <a:schemeClr val="accent1">
+              <a:shade val="50000"/>
+            </a:schemeClr>
+          </a:lnRef>
+          <a:fillRef idx="1">
+            <a:schemeClr val="accent1"/>
+          </a:fillRef>
+          <a:effectRef idx="0">
+            <a:schemeClr val="accent1"/>
+          </a:effectRef>
+          <a:fontRef idx="minor">
+            <a:schemeClr val="lt1"/>
+          </a:fontRef>
+        </p:style>
+        <p:txBody>
+          <a:bodyPr rtlCol="0" anchor="ctr"/>
+          <a:lstStyle/>
+          <a:p>
+            <a:pPr algn="ctr"/>
+            <a:endParaRPr lang="fr-FR"/>
+          </a:p>
+        </p:txBody>
+      </p:sp>
+      <p:sp>
+        <p:nvSpPr>
+          <p:cNvPr id="259" name="Ellipse 258">
+            <a:extLst>
+              <a:ext uri="{FF2B5EF4-FFF2-40B4-BE49-F238E27FC236}">
+                <a16:creationId xmlns:a16="http://schemas.microsoft.com/office/drawing/2014/main" id="{1280893F-D22E-CC97-3CEF-8327B786F9AB}"/>
+              </a:ext>
+            </a:extLst>
+          </p:cNvPr>
+          <p:cNvSpPr/>
+          <p:nvPr/>
+        </p:nvSpPr>
+        <p:spPr>
+          <a:xfrm>
+            <a:off x="5722785" y="4844516"/>
+            <a:ext cx="160543" cy="160543"/>
+          </a:xfrm>
+          <a:prstGeom prst="ellipse">
+            <a:avLst/>
+          </a:prstGeom>
+          <a:solidFill>
+            <a:srgbClr val="3D7E4F"/>
+          </a:solidFill>
+          <a:ln>
+            <a:solidFill>
+              <a:schemeClr val="accent6">
+                <a:lumMod val="50000"/>
+              </a:schemeClr>
+            </a:solidFill>
+          </a:ln>
+        </p:spPr>
+        <p:style>
+          <a:lnRef idx="2">
+            <a:schemeClr val="accent1">
+              <a:shade val="50000"/>
+            </a:schemeClr>
+          </a:lnRef>
+          <a:fillRef idx="1">
+            <a:schemeClr val="accent1"/>
+          </a:fillRef>
+          <a:effectRef idx="0">
+            <a:schemeClr val="accent1"/>
+          </a:effectRef>
+          <a:fontRef idx="minor">
+            <a:schemeClr val="lt1"/>
+          </a:fontRef>
+        </p:style>
+        <p:txBody>
+          <a:bodyPr rtlCol="0" anchor="ctr"/>
+          <a:lstStyle/>
+          <a:p>
+            <a:pPr algn="ctr"/>
+            <a:endParaRPr lang="fr-FR"/>
+          </a:p>
+        </p:txBody>
+      </p:sp>
+      <p:cxnSp>
+        <p:nvCxnSpPr>
+          <p:cNvPr id="260" name="Connecteur droit 259">
+            <a:extLst>
+              <a:ext uri="{FF2B5EF4-FFF2-40B4-BE49-F238E27FC236}">
+                <a16:creationId xmlns:a16="http://schemas.microsoft.com/office/drawing/2014/main" id="{EDD75061-BE83-7A7A-FA13-D32E7C5CA1CC}"/>
+              </a:ext>
+            </a:extLst>
+          </p:cNvPr>
+          <p:cNvCxnSpPr>
+            <a:cxnSpLocks/>
+            <a:stCxn id="251" idx="7"/>
+            <a:endCxn id="255" idx="2"/>
+          </p:cNvCxnSpPr>
+          <p:nvPr/>
+        </p:nvCxnSpPr>
+        <p:spPr>
+          <a:xfrm flipV="1">
+            <a:off x="5546874" y="3705092"/>
+            <a:ext cx="175912" cy="248163"/>
+          </a:xfrm>
+          <a:prstGeom prst="line">
+            <a:avLst/>
+          </a:prstGeom>
+          <a:ln w="12700">
+            <a:solidFill>
+              <a:schemeClr val="accent6">
+                <a:lumMod val="50000"/>
+              </a:schemeClr>
+            </a:solidFill>
+          </a:ln>
+        </p:spPr>
+        <p:style>
+          <a:lnRef idx="1">
+            <a:schemeClr val="accent1"/>
+          </a:lnRef>
+          <a:fillRef idx="0">
+            <a:schemeClr val="accent1"/>
+          </a:fillRef>
+          <a:effectRef idx="0">
+            <a:schemeClr val="accent1"/>
+          </a:effectRef>
+          <a:fontRef idx="minor">
+            <a:schemeClr val="tx1"/>
+          </a:fontRef>
+        </p:style>
+      </p:cxnSp>
+      <p:cxnSp>
+        <p:nvCxnSpPr>
+          <p:cNvPr id="261" name="Connecteur droit 260">
+            <a:extLst>
+              <a:ext uri="{FF2B5EF4-FFF2-40B4-BE49-F238E27FC236}">
+                <a16:creationId xmlns:a16="http://schemas.microsoft.com/office/drawing/2014/main" id="{41B74550-D3CF-71BF-DB1A-8090F575C40E}"/>
+              </a:ext>
+            </a:extLst>
+          </p:cNvPr>
+          <p:cNvCxnSpPr>
+            <a:cxnSpLocks/>
+            <a:stCxn id="251" idx="6"/>
+            <a:endCxn id="256" idx="2"/>
+          </p:cNvCxnSpPr>
+          <p:nvPr/>
+        </p:nvCxnSpPr>
+        <p:spPr>
+          <a:xfrm>
+            <a:off x="5570385" y="4010016"/>
+            <a:ext cx="152401" cy="0"/>
+          </a:xfrm>
+          <a:prstGeom prst="line">
+            <a:avLst/>
+          </a:prstGeom>
+          <a:ln w="12700">
+            <a:solidFill>
+              <a:schemeClr val="accent6">
+                <a:lumMod val="50000"/>
+              </a:schemeClr>
+            </a:solidFill>
+          </a:ln>
+        </p:spPr>
+        <p:style>
+          <a:lnRef idx="1">
+            <a:schemeClr val="accent1"/>
+          </a:lnRef>
+          <a:fillRef idx="0">
+            <a:schemeClr val="accent1"/>
+          </a:fillRef>
+          <a:effectRef idx="0">
+            <a:schemeClr val="accent1"/>
+          </a:effectRef>
+          <a:fontRef idx="minor">
+            <a:schemeClr val="tx1"/>
+          </a:fontRef>
+        </p:style>
+      </p:cxnSp>
+      <p:cxnSp>
+        <p:nvCxnSpPr>
+          <p:cNvPr id="262" name="Connecteur droit 261">
+            <a:extLst>
+              <a:ext uri="{FF2B5EF4-FFF2-40B4-BE49-F238E27FC236}">
+                <a16:creationId xmlns:a16="http://schemas.microsoft.com/office/drawing/2014/main" id="{AECA0F5E-3E1D-35D3-3C0A-870ABC08A0FE}"/>
+              </a:ext>
+            </a:extLst>
+          </p:cNvPr>
+          <p:cNvCxnSpPr>
+            <a:cxnSpLocks/>
+            <a:stCxn id="252" idx="6"/>
+            <a:endCxn id="257" idx="2"/>
+          </p:cNvCxnSpPr>
+          <p:nvPr/>
+        </p:nvCxnSpPr>
+        <p:spPr>
+          <a:xfrm>
+            <a:off x="5570384" y="4314940"/>
+            <a:ext cx="152401" cy="0"/>
+          </a:xfrm>
+          <a:prstGeom prst="line">
+            <a:avLst/>
+          </a:prstGeom>
+          <a:ln w="12700">
+            <a:solidFill>
+              <a:schemeClr val="accent6">
+                <a:lumMod val="50000"/>
+              </a:schemeClr>
+            </a:solidFill>
+          </a:ln>
+        </p:spPr>
+        <p:style>
+          <a:lnRef idx="1">
+            <a:schemeClr val="accent1"/>
+          </a:lnRef>
+          <a:fillRef idx="0">
+            <a:schemeClr val="accent1"/>
+          </a:fillRef>
+          <a:effectRef idx="0">
+            <a:schemeClr val="accent1"/>
+          </a:effectRef>
+          <a:fontRef idx="minor">
+            <a:schemeClr val="tx1"/>
+          </a:fontRef>
+        </p:style>
+      </p:cxnSp>
+      <p:cxnSp>
+        <p:nvCxnSpPr>
+          <p:cNvPr id="263" name="Connecteur droit 262">
+            <a:extLst>
+              <a:ext uri="{FF2B5EF4-FFF2-40B4-BE49-F238E27FC236}">
+                <a16:creationId xmlns:a16="http://schemas.microsoft.com/office/drawing/2014/main" id="{30425D2B-94E7-48D7-1B3E-E86D890A410B}"/>
+              </a:ext>
+            </a:extLst>
+          </p:cNvPr>
+          <p:cNvCxnSpPr>
+            <a:cxnSpLocks/>
+            <a:stCxn id="253" idx="6"/>
+            <a:endCxn id="258" idx="2"/>
+          </p:cNvCxnSpPr>
+          <p:nvPr/>
+        </p:nvCxnSpPr>
+        <p:spPr>
+          <a:xfrm>
+            <a:off x="5570384" y="4619864"/>
+            <a:ext cx="152401" cy="0"/>
+          </a:xfrm>
+          <a:prstGeom prst="line">
+            <a:avLst/>
+          </a:prstGeom>
+          <a:ln w="12700">
+            <a:solidFill>
+              <a:schemeClr val="accent6">
+                <a:lumMod val="50000"/>
+              </a:schemeClr>
+            </a:solidFill>
+          </a:ln>
+        </p:spPr>
+        <p:style>
+          <a:lnRef idx="1">
+            <a:schemeClr val="accent1"/>
+          </a:lnRef>
+          <a:fillRef idx="0">
+            <a:schemeClr val="accent1"/>
+          </a:fillRef>
+          <a:effectRef idx="0">
+            <a:schemeClr val="accent1"/>
+          </a:effectRef>
+          <a:fontRef idx="minor">
+            <a:schemeClr val="tx1"/>
+          </a:fontRef>
+        </p:style>
+      </p:cxnSp>
+      <p:cxnSp>
+        <p:nvCxnSpPr>
+          <p:cNvPr id="264" name="Connecteur droit 263">
+            <a:extLst>
+              <a:ext uri="{FF2B5EF4-FFF2-40B4-BE49-F238E27FC236}">
+                <a16:creationId xmlns:a16="http://schemas.microsoft.com/office/drawing/2014/main" id="{9D122CA6-11CC-D4CB-C2F3-20A8895EB7CD}"/>
+              </a:ext>
+            </a:extLst>
+          </p:cNvPr>
+          <p:cNvCxnSpPr>
+            <a:cxnSpLocks/>
+            <a:stCxn id="253" idx="5"/>
+            <a:endCxn id="259" idx="2"/>
+          </p:cNvCxnSpPr>
+          <p:nvPr/>
+        </p:nvCxnSpPr>
+        <p:spPr>
+          <a:xfrm>
+            <a:off x="5546873" y="4676624"/>
+            <a:ext cx="175912" cy="248164"/>
+          </a:xfrm>
+          <a:prstGeom prst="line">
+            <a:avLst/>
+          </a:prstGeom>
+          <a:ln w="12700">
+            <a:solidFill>
+              <a:schemeClr val="accent6">
+                <a:lumMod val="50000"/>
+              </a:schemeClr>
+            </a:solidFill>
+          </a:ln>
+        </p:spPr>
+        <p:style>
+          <a:lnRef idx="1">
+            <a:schemeClr val="accent1"/>
+          </a:lnRef>
+          <a:fillRef idx="0">
+            <a:schemeClr val="accent1"/>
+          </a:fillRef>
+          <a:effectRef idx="0">
+            <a:schemeClr val="accent1"/>
+          </a:effectRef>
+          <a:fontRef idx="minor">
+            <a:schemeClr val="tx1"/>
+          </a:fontRef>
+        </p:style>
+      </p:cxnSp>
+      <p:cxnSp>
+        <p:nvCxnSpPr>
+          <p:cNvPr id="265" name="Connecteur droit 264">
+            <a:extLst>
+              <a:ext uri="{FF2B5EF4-FFF2-40B4-BE49-F238E27FC236}">
+                <a16:creationId xmlns:a16="http://schemas.microsoft.com/office/drawing/2014/main" id="{591931F8-2BA5-C2EF-6176-80F9BC5CC984}"/>
+              </a:ext>
+            </a:extLst>
+          </p:cNvPr>
+          <p:cNvCxnSpPr>
+            <a:cxnSpLocks/>
+            <a:stCxn id="246" idx="5"/>
+            <a:endCxn id="253" idx="1"/>
+          </p:cNvCxnSpPr>
+          <p:nvPr/>
+        </p:nvCxnSpPr>
+        <p:spPr>
+          <a:xfrm>
+            <a:off x="5233930" y="4066776"/>
+            <a:ext cx="199422" cy="496327"/>
+          </a:xfrm>
+          <a:prstGeom prst="line">
+            <a:avLst/>
+          </a:prstGeom>
+          <a:ln w="12700">
+            <a:solidFill>
+              <a:schemeClr val="accent6">
+                <a:lumMod val="50000"/>
+              </a:schemeClr>
+            </a:solidFill>
+          </a:ln>
+        </p:spPr>
+        <p:style>
+          <a:lnRef idx="1">
+            <a:schemeClr val="accent1"/>
+          </a:lnRef>
+          <a:fillRef idx="0">
+            <a:schemeClr val="accent1"/>
+          </a:fillRef>
+          <a:effectRef idx="0">
+            <a:schemeClr val="accent1"/>
+          </a:effectRef>
+          <a:fontRef idx="minor">
+            <a:schemeClr val="tx1"/>
+          </a:fontRef>
+        </p:style>
+      </p:cxnSp>
+      <p:cxnSp>
+        <p:nvCxnSpPr>
+          <p:cNvPr id="266" name="Connecteur droit 265">
+            <a:extLst>
+              <a:ext uri="{FF2B5EF4-FFF2-40B4-BE49-F238E27FC236}">
+                <a16:creationId xmlns:a16="http://schemas.microsoft.com/office/drawing/2014/main" id="{F15F51E3-4C84-48BA-7A89-5060CE91EEB6}"/>
+              </a:ext>
+            </a:extLst>
+          </p:cNvPr>
+          <p:cNvCxnSpPr>
+            <a:cxnSpLocks/>
+            <a:stCxn id="246" idx="6"/>
+            <a:endCxn id="252" idx="1"/>
+          </p:cNvCxnSpPr>
+          <p:nvPr/>
+        </p:nvCxnSpPr>
+        <p:spPr>
+          <a:xfrm>
+            <a:off x="5257441" y="4010016"/>
+            <a:ext cx="175911" cy="248163"/>
+          </a:xfrm>
+          <a:prstGeom prst="line">
+            <a:avLst/>
+          </a:prstGeom>
+          <a:ln w="12700">
+            <a:solidFill>
+              <a:schemeClr val="accent6">
+                <a:lumMod val="50000"/>
+              </a:schemeClr>
+            </a:solidFill>
+          </a:ln>
+        </p:spPr>
+        <p:style>
+          <a:lnRef idx="1">
+            <a:schemeClr val="accent1"/>
+          </a:lnRef>
+          <a:fillRef idx="0">
+            <a:schemeClr val="accent1"/>
+          </a:fillRef>
+          <a:effectRef idx="0">
+            <a:schemeClr val="accent1"/>
+          </a:effectRef>
+          <a:fontRef idx="minor">
+            <a:schemeClr val="tx1"/>
+          </a:fontRef>
+        </p:style>
+      </p:cxnSp>
+      <p:cxnSp>
+        <p:nvCxnSpPr>
+          <p:cNvPr id="267" name="Connecteur droit 266">
+            <a:extLst>
+              <a:ext uri="{FF2B5EF4-FFF2-40B4-BE49-F238E27FC236}">
+                <a16:creationId xmlns:a16="http://schemas.microsoft.com/office/drawing/2014/main" id="{A4BDFCD0-64BA-66FF-8208-ABA55ECEAC6D}"/>
+              </a:ext>
+            </a:extLst>
+          </p:cNvPr>
+          <p:cNvCxnSpPr>
+            <a:cxnSpLocks/>
+            <a:stCxn id="245" idx="5"/>
+            <a:endCxn id="251" idx="1"/>
+          </p:cNvCxnSpPr>
+          <p:nvPr/>
+        </p:nvCxnSpPr>
+        <p:spPr>
+          <a:xfrm>
+            <a:off x="5233930" y="3761852"/>
+            <a:ext cx="199423" cy="191403"/>
+          </a:xfrm>
+          <a:prstGeom prst="line">
+            <a:avLst/>
+          </a:prstGeom>
+          <a:ln w="12700">
+            <a:solidFill>
+              <a:schemeClr val="accent6">
+                <a:lumMod val="50000"/>
+              </a:schemeClr>
+            </a:solidFill>
+          </a:ln>
+        </p:spPr>
+        <p:style>
+          <a:lnRef idx="1">
+            <a:schemeClr val="accent1"/>
+          </a:lnRef>
+          <a:fillRef idx="0">
+            <a:schemeClr val="accent1"/>
+          </a:fillRef>
+          <a:effectRef idx="0">
+            <a:schemeClr val="accent1"/>
+          </a:effectRef>
+          <a:fontRef idx="minor">
+            <a:schemeClr val="tx1"/>
+          </a:fontRef>
+        </p:style>
+      </p:cxnSp>
+      <p:cxnSp>
+        <p:nvCxnSpPr>
+          <p:cNvPr id="268" name="Connecteur droit 267">
+            <a:extLst>
+              <a:ext uri="{FF2B5EF4-FFF2-40B4-BE49-F238E27FC236}">
+                <a16:creationId xmlns:a16="http://schemas.microsoft.com/office/drawing/2014/main" id="{237A285B-5F93-3166-AD67-49C69DC6BAC2}"/>
+              </a:ext>
+            </a:extLst>
+          </p:cNvPr>
+          <p:cNvCxnSpPr>
+            <a:cxnSpLocks/>
+            <a:stCxn id="241" idx="6"/>
+            <a:endCxn id="246" idx="2"/>
+          </p:cNvCxnSpPr>
+          <p:nvPr/>
+        </p:nvCxnSpPr>
+        <p:spPr>
+          <a:xfrm>
+            <a:off x="4944497" y="4010016"/>
+            <a:ext cx="152401" cy="0"/>
+          </a:xfrm>
+          <a:prstGeom prst="line">
+            <a:avLst/>
+          </a:prstGeom>
+          <a:ln w="12700">
+            <a:solidFill>
+              <a:schemeClr val="accent6">
+                <a:lumMod val="50000"/>
+              </a:schemeClr>
+            </a:solidFill>
+          </a:ln>
+        </p:spPr>
+        <p:style>
+          <a:lnRef idx="1">
+            <a:schemeClr val="accent1"/>
+          </a:lnRef>
+          <a:fillRef idx="0">
+            <a:schemeClr val="accent1"/>
+          </a:fillRef>
+          <a:effectRef idx="0">
+            <a:schemeClr val="accent1"/>
+          </a:effectRef>
+          <a:fontRef idx="minor">
+            <a:schemeClr val="tx1"/>
+          </a:fontRef>
+        </p:style>
+      </p:cxnSp>
+      <p:cxnSp>
+        <p:nvCxnSpPr>
+          <p:cNvPr id="269" name="Connecteur droit 268">
+            <a:extLst>
+              <a:ext uri="{FF2B5EF4-FFF2-40B4-BE49-F238E27FC236}">
+                <a16:creationId xmlns:a16="http://schemas.microsoft.com/office/drawing/2014/main" id="{3EC053B9-EB61-3DEC-B24F-F17D909836B5}"/>
+              </a:ext>
+            </a:extLst>
+          </p:cNvPr>
+          <p:cNvCxnSpPr>
+            <a:cxnSpLocks/>
+            <a:stCxn id="241" idx="7"/>
+            <a:endCxn id="245" idx="3"/>
+          </p:cNvCxnSpPr>
+          <p:nvPr/>
+        </p:nvCxnSpPr>
+        <p:spPr>
+          <a:xfrm flipV="1">
+            <a:off x="4920986" y="3761852"/>
+            <a:ext cx="199423" cy="191403"/>
+          </a:xfrm>
+          <a:prstGeom prst="line">
+            <a:avLst/>
+          </a:prstGeom>
+          <a:ln w="12700">
+            <a:solidFill>
+              <a:schemeClr val="accent6">
+                <a:lumMod val="50000"/>
+              </a:schemeClr>
+            </a:solidFill>
+          </a:ln>
+        </p:spPr>
+        <p:style>
+          <a:lnRef idx="1">
+            <a:schemeClr val="accent1"/>
+          </a:lnRef>
+          <a:fillRef idx="0">
+            <a:schemeClr val="accent1"/>
+          </a:fillRef>
+          <a:effectRef idx="0">
+            <a:schemeClr val="accent1"/>
+          </a:effectRef>
+          <a:fontRef idx="minor">
+            <a:schemeClr val="tx1"/>
+          </a:fontRef>
+        </p:style>
+      </p:cxnSp>
+      <p:cxnSp>
+        <p:nvCxnSpPr>
+          <p:cNvPr id="270" name="Connecteur droit 269">
+            <a:extLst>
+              <a:ext uri="{FF2B5EF4-FFF2-40B4-BE49-F238E27FC236}">
+                <a16:creationId xmlns:a16="http://schemas.microsoft.com/office/drawing/2014/main" id="{8359CFDE-3FC7-5B45-D487-3CC247304A08}"/>
+              </a:ext>
+            </a:extLst>
+          </p:cNvPr>
+          <p:cNvCxnSpPr>
+            <a:cxnSpLocks/>
+            <a:stCxn id="237" idx="7"/>
+            <a:endCxn id="241" idx="3"/>
+          </p:cNvCxnSpPr>
+          <p:nvPr/>
+        </p:nvCxnSpPr>
+        <p:spPr>
+          <a:xfrm flipV="1">
+            <a:off x="4608041" y="4066776"/>
+            <a:ext cx="199424" cy="191403"/>
+          </a:xfrm>
+          <a:prstGeom prst="line">
+            <a:avLst/>
+          </a:prstGeom>
+          <a:ln w="12700">
+            <a:solidFill>
+              <a:schemeClr val="accent6">
+                <a:lumMod val="50000"/>
+              </a:schemeClr>
+            </a:solidFill>
+          </a:ln>
+        </p:spPr>
+        <p:style>
+          <a:lnRef idx="1">
+            <a:schemeClr val="accent1"/>
+          </a:lnRef>
+          <a:fillRef idx="0">
+            <a:schemeClr val="accent1"/>
+          </a:fillRef>
+          <a:effectRef idx="0">
+            <a:schemeClr val="accent1"/>
+          </a:effectRef>
+          <a:fontRef idx="minor">
+            <a:schemeClr val="tx1"/>
+          </a:fontRef>
+        </p:style>
+      </p:cxnSp>
+      <p:cxnSp>
+        <p:nvCxnSpPr>
+          <p:cNvPr id="271" name="Connecteur droit 270">
+            <a:extLst>
+              <a:ext uri="{FF2B5EF4-FFF2-40B4-BE49-F238E27FC236}">
+                <a16:creationId xmlns:a16="http://schemas.microsoft.com/office/drawing/2014/main" id="{9C865959-184A-736E-44E9-B2B7632BD46B}"/>
+              </a:ext>
+            </a:extLst>
+          </p:cNvPr>
+          <p:cNvCxnSpPr>
+            <a:cxnSpLocks/>
+            <a:stCxn id="232" idx="6"/>
+            <a:endCxn id="237" idx="2"/>
+          </p:cNvCxnSpPr>
+          <p:nvPr/>
+        </p:nvCxnSpPr>
+        <p:spPr>
+          <a:xfrm>
+            <a:off x="4022090" y="4314940"/>
+            <a:ext cx="448919" cy="0"/>
+          </a:xfrm>
+          <a:prstGeom prst="line">
+            <a:avLst/>
+          </a:prstGeom>
+          <a:ln w="12700">
+            <a:solidFill>
+              <a:schemeClr val="accent6">
+                <a:lumMod val="50000"/>
+              </a:schemeClr>
+            </a:solidFill>
+          </a:ln>
+        </p:spPr>
+        <p:style>
+          <a:lnRef idx="1">
+            <a:schemeClr val="accent1"/>
+          </a:lnRef>
+          <a:fillRef idx="0">
+            <a:schemeClr val="accent1"/>
+          </a:fillRef>
+          <a:effectRef idx="0">
+            <a:schemeClr val="accent1"/>
+          </a:effectRef>
+          <a:fontRef idx="minor">
+            <a:schemeClr val="tx1"/>
+          </a:fontRef>
+        </p:style>
+      </p:cxnSp>
+      <p:cxnSp>
+        <p:nvCxnSpPr>
+          <p:cNvPr id="272" name="Connecteur droit 271">
+            <a:extLst>
+              <a:ext uri="{FF2B5EF4-FFF2-40B4-BE49-F238E27FC236}">
+                <a16:creationId xmlns:a16="http://schemas.microsoft.com/office/drawing/2014/main" id="{708405F5-C190-EC1B-12AA-2F5C74D0983A}"/>
+              </a:ext>
+            </a:extLst>
+          </p:cNvPr>
+          <p:cNvCxnSpPr>
+            <a:cxnSpLocks/>
+            <a:stCxn id="226" idx="5"/>
+            <a:endCxn id="232" idx="1"/>
+          </p:cNvCxnSpPr>
+          <p:nvPr/>
+        </p:nvCxnSpPr>
+        <p:spPr>
+          <a:xfrm>
+            <a:off x="3685636" y="4066776"/>
+            <a:ext cx="199422" cy="191403"/>
+          </a:xfrm>
+          <a:prstGeom prst="line">
+            <a:avLst/>
+          </a:prstGeom>
+          <a:ln w="12700">
+            <a:solidFill>
+              <a:schemeClr val="accent6">
+                <a:lumMod val="50000"/>
+              </a:schemeClr>
+            </a:solidFill>
+          </a:ln>
+        </p:spPr>
+        <p:style>
+          <a:lnRef idx="1">
+            <a:schemeClr val="accent1"/>
+          </a:lnRef>
+          <a:fillRef idx="0">
+            <a:schemeClr val="accent1"/>
+          </a:fillRef>
+          <a:effectRef idx="0">
+            <a:schemeClr val="accent1"/>
+          </a:effectRef>
+          <a:fontRef idx="minor">
+            <a:schemeClr val="tx1"/>
+          </a:fontRef>
+        </p:style>
+      </p:cxnSp>
+      <p:cxnSp>
+        <p:nvCxnSpPr>
+          <p:cNvPr id="273" name="Connecteur droit 272">
+            <a:extLst>
+              <a:ext uri="{FF2B5EF4-FFF2-40B4-BE49-F238E27FC236}">
+                <a16:creationId xmlns:a16="http://schemas.microsoft.com/office/drawing/2014/main" id="{B0A826DF-EA73-F483-3CD8-63E87A83EC4D}"/>
+              </a:ext>
+            </a:extLst>
+          </p:cNvPr>
+          <p:cNvCxnSpPr>
+            <a:cxnSpLocks/>
+          </p:cNvCxnSpPr>
+          <p:nvPr/>
+        </p:nvCxnSpPr>
+        <p:spPr>
+          <a:xfrm>
+            <a:off x="3403362" y="4010015"/>
+            <a:ext cx="145240" cy="0"/>
+          </a:xfrm>
+          <a:prstGeom prst="line">
+            <a:avLst/>
+          </a:prstGeom>
+          <a:ln w="12700">
+            <a:solidFill>
+              <a:schemeClr val="accent6">
+                <a:lumMod val="50000"/>
+              </a:schemeClr>
+            </a:solidFill>
+          </a:ln>
+        </p:spPr>
+        <p:style>
+          <a:lnRef idx="1">
+            <a:schemeClr val="accent1"/>
+          </a:lnRef>
+          <a:fillRef idx="0">
+            <a:schemeClr val="accent1"/>
+          </a:fillRef>
+          <a:effectRef idx="0">
+            <a:schemeClr val="accent1"/>
+          </a:effectRef>
+          <a:fontRef idx="minor">
+            <a:schemeClr val="tx1"/>
+          </a:fontRef>
+        </p:style>
+      </p:cxnSp>
+      <p:cxnSp>
+        <p:nvCxnSpPr>
+          <p:cNvPr id="274" name="Connecteur droit 273">
+            <a:extLst>
+              <a:ext uri="{FF2B5EF4-FFF2-40B4-BE49-F238E27FC236}">
+                <a16:creationId xmlns:a16="http://schemas.microsoft.com/office/drawing/2014/main" id="{AB4372A5-7D0E-02C2-BF6D-6A75F6BE1A62}"/>
+              </a:ext>
+            </a:extLst>
+          </p:cNvPr>
+          <p:cNvCxnSpPr>
+            <a:cxnSpLocks/>
+            <a:stCxn id="217" idx="7"/>
+            <a:endCxn id="221" idx="3"/>
+          </p:cNvCxnSpPr>
+          <p:nvPr/>
+        </p:nvCxnSpPr>
+        <p:spPr>
+          <a:xfrm flipV="1">
+            <a:off x="3059747" y="4066776"/>
+            <a:ext cx="199424" cy="191403"/>
+          </a:xfrm>
+          <a:prstGeom prst="line">
+            <a:avLst/>
+          </a:prstGeom>
+          <a:ln w="12700">
+            <a:solidFill>
+              <a:schemeClr val="accent6">
+                <a:lumMod val="50000"/>
+              </a:schemeClr>
+            </a:solidFill>
+          </a:ln>
+        </p:spPr>
+        <p:style>
+          <a:lnRef idx="1">
+            <a:schemeClr val="accent1"/>
+          </a:lnRef>
+          <a:fillRef idx="0">
+            <a:schemeClr val="accent1"/>
+          </a:fillRef>
+          <a:effectRef idx="0">
+            <a:schemeClr val="accent1"/>
+          </a:effectRef>
+          <a:fontRef idx="minor">
+            <a:schemeClr val="tx1"/>
+          </a:fontRef>
+        </p:style>
+      </p:cxnSp>
+      <p:cxnSp>
+        <p:nvCxnSpPr>
+          <p:cNvPr id="275" name="Connecteur droit 274">
+            <a:extLst>
+              <a:ext uri="{FF2B5EF4-FFF2-40B4-BE49-F238E27FC236}">
+                <a16:creationId xmlns:a16="http://schemas.microsoft.com/office/drawing/2014/main" id="{945D88F3-26CE-6FFD-9908-3C7339CB724D}"/>
+              </a:ext>
+            </a:extLst>
+          </p:cNvPr>
+          <p:cNvCxnSpPr>
+            <a:cxnSpLocks/>
+            <a:stCxn id="213" idx="7"/>
+            <a:endCxn id="217" idx="3"/>
+          </p:cNvCxnSpPr>
+          <p:nvPr/>
+        </p:nvCxnSpPr>
+        <p:spPr>
+          <a:xfrm flipV="1">
+            <a:off x="2746803" y="4371700"/>
+            <a:ext cx="199423" cy="191403"/>
+          </a:xfrm>
+          <a:prstGeom prst="line">
+            <a:avLst/>
+          </a:prstGeom>
+          <a:ln w="12700">
+            <a:solidFill>
+              <a:schemeClr val="accent6">
+                <a:lumMod val="50000"/>
+              </a:schemeClr>
+            </a:solidFill>
+          </a:ln>
+        </p:spPr>
+        <p:style>
+          <a:lnRef idx="1">
+            <a:schemeClr val="accent1"/>
+          </a:lnRef>
+          <a:fillRef idx="0">
+            <a:schemeClr val="accent1"/>
+          </a:fillRef>
+          <a:effectRef idx="0">
+            <a:schemeClr val="accent1"/>
+          </a:effectRef>
+          <a:fontRef idx="minor">
+            <a:schemeClr val="tx1"/>
+          </a:fontRef>
+        </p:style>
+      </p:cxnSp>
+      <p:cxnSp>
+        <p:nvCxnSpPr>
+          <p:cNvPr id="276" name="Connecteur droit 275">
+            <a:extLst>
+              <a:ext uri="{FF2B5EF4-FFF2-40B4-BE49-F238E27FC236}">
+                <a16:creationId xmlns:a16="http://schemas.microsoft.com/office/drawing/2014/main" id="{37D85144-BC24-CAB7-28D7-449D73D49C31}"/>
+              </a:ext>
+            </a:extLst>
+          </p:cNvPr>
+          <p:cNvCxnSpPr>
+            <a:cxnSpLocks/>
+            <a:stCxn id="207" idx="6"/>
+            <a:endCxn id="213" idx="2"/>
+          </p:cNvCxnSpPr>
+          <p:nvPr/>
+        </p:nvCxnSpPr>
+        <p:spPr>
+          <a:xfrm>
+            <a:off x="2048335" y="4307604"/>
+            <a:ext cx="561436" cy="312260"/>
+          </a:xfrm>
+          <a:prstGeom prst="line">
+            <a:avLst/>
+          </a:prstGeom>
+          <a:ln w="12700">
+            <a:solidFill>
+              <a:schemeClr val="accent6">
+                <a:lumMod val="50000"/>
+              </a:schemeClr>
+            </a:solidFill>
+          </a:ln>
+        </p:spPr>
+        <p:style>
+          <a:lnRef idx="1">
+            <a:schemeClr val="accent1"/>
+          </a:lnRef>
+          <a:fillRef idx="0">
+            <a:schemeClr val="accent1"/>
+          </a:fillRef>
+          <a:effectRef idx="0">
+            <a:schemeClr val="accent1"/>
+          </a:effectRef>
+          <a:fontRef idx="minor">
+            <a:schemeClr val="tx1"/>
+          </a:fontRef>
+        </p:style>
+      </p:cxnSp>
+      <p:cxnSp>
+        <p:nvCxnSpPr>
+          <p:cNvPr id="277" name="Connecteur droit 276">
+            <a:extLst>
+              <a:ext uri="{FF2B5EF4-FFF2-40B4-BE49-F238E27FC236}">
+                <a16:creationId xmlns:a16="http://schemas.microsoft.com/office/drawing/2014/main" id="{355D8F53-C0CC-E09F-CD3E-F72A093E4451}"/>
+              </a:ext>
+            </a:extLst>
+          </p:cNvPr>
+          <p:cNvCxnSpPr>
+            <a:cxnSpLocks/>
+            <a:stCxn id="202" idx="6"/>
+            <a:endCxn id="207" idx="2"/>
+          </p:cNvCxnSpPr>
+          <p:nvPr/>
+        </p:nvCxnSpPr>
+        <p:spPr>
+          <a:xfrm>
+            <a:off x="1735391" y="4307604"/>
+            <a:ext cx="152401" cy="0"/>
+          </a:xfrm>
+          <a:prstGeom prst="line">
+            <a:avLst/>
+          </a:prstGeom>
+          <a:ln w="12700">
+            <a:solidFill>
+              <a:schemeClr val="accent6">
+                <a:lumMod val="50000"/>
+              </a:schemeClr>
+            </a:solidFill>
+          </a:ln>
+        </p:spPr>
+        <p:style>
+          <a:lnRef idx="1">
+            <a:schemeClr val="accent1"/>
+          </a:lnRef>
+          <a:fillRef idx="0">
+            <a:schemeClr val="accent1"/>
+          </a:fillRef>
+          <a:effectRef idx="0">
+            <a:schemeClr val="accent1"/>
+          </a:effectRef>
+          <a:fontRef idx="minor">
+            <a:schemeClr val="tx1"/>
+          </a:fontRef>
+        </p:style>
+      </p:cxnSp>
+      <p:cxnSp>
+        <p:nvCxnSpPr>
+          <p:cNvPr id="278" name="Connecteur droit 277">
+            <a:extLst>
+              <a:ext uri="{FF2B5EF4-FFF2-40B4-BE49-F238E27FC236}">
+                <a16:creationId xmlns:a16="http://schemas.microsoft.com/office/drawing/2014/main" id="{149AB264-D958-0DAF-4CB7-5F9FF6077BDA}"/>
+              </a:ext>
+            </a:extLst>
+          </p:cNvPr>
+          <p:cNvCxnSpPr>
+            <a:cxnSpLocks/>
+            <a:stCxn id="196" idx="5"/>
+            <a:endCxn id="202" idx="1"/>
+          </p:cNvCxnSpPr>
+          <p:nvPr/>
+        </p:nvCxnSpPr>
+        <p:spPr>
+          <a:xfrm>
+            <a:off x="1398937" y="4059440"/>
+            <a:ext cx="199422" cy="191403"/>
+          </a:xfrm>
+          <a:prstGeom prst="line">
+            <a:avLst/>
+          </a:prstGeom>
+          <a:ln w="12700">
+            <a:solidFill>
+              <a:schemeClr val="accent6">
+                <a:lumMod val="50000"/>
+              </a:schemeClr>
+            </a:solidFill>
+          </a:ln>
+        </p:spPr>
+        <p:style>
+          <a:lnRef idx="1">
+            <a:schemeClr val="accent1"/>
+          </a:lnRef>
+          <a:fillRef idx="0">
+            <a:schemeClr val="accent1"/>
+          </a:fillRef>
+          <a:effectRef idx="0">
+            <a:schemeClr val="accent1"/>
+          </a:effectRef>
+          <a:fontRef idx="minor">
+            <a:schemeClr val="tx1"/>
+          </a:fontRef>
+        </p:style>
+      </p:cxnSp>
+      <p:cxnSp>
+        <p:nvCxnSpPr>
+          <p:cNvPr id="279" name="Connecteur droit 278">
+            <a:extLst>
+              <a:ext uri="{FF2B5EF4-FFF2-40B4-BE49-F238E27FC236}">
+                <a16:creationId xmlns:a16="http://schemas.microsoft.com/office/drawing/2014/main" id="{D8AB223B-49EC-C01C-6044-9B1DFA646A43}"/>
+              </a:ext>
+            </a:extLst>
+          </p:cNvPr>
+          <p:cNvCxnSpPr>
+            <a:cxnSpLocks/>
+            <a:stCxn id="192" idx="7"/>
+            <a:endCxn id="196" idx="3"/>
+          </p:cNvCxnSpPr>
+          <p:nvPr/>
+        </p:nvCxnSpPr>
+        <p:spPr>
+          <a:xfrm flipV="1">
+            <a:off x="1085992" y="4059440"/>
+            <a:ext cx="199424" cy="191403"/>
+          </a:xfrm>
+          <a:prstGeom prst="line">
+            <a:avLst/>
+          </a:prstGeom>
+          <a:ln w="12700">
+            <a:solidFill>
+              <a:schemeClr val="accent6">
+                <a:lumMod val="50000"/>
+              </a:schemeClr>
+            </a:solidFill>
+          </a:ln>
+        </p:spPr>
+        <p:style>
+          <a:lnRef idx="1">
+            <a:schemeClr val="accent1"/>
+          </a:lnRef>
+          <a:fillRef idx="0">
+            <a:schemeClr val="accent1"/>
+          </a:fillRef>
+          <a:effectRef idx="0">
+            <a:schemeClr val="accent1"/>
+          </a:effectRef>
+          <a:fontRef idx="minor">
+            <a:schemeClr val="tx1"/>
+          </a:fontRef>
+        </p:style>
+      </p:cxnSp>
+      <p:cxnSp>
+        <p:nvCxnSpPr>
+          <p:cNvPr id="280" name="Connecteur droit 279">
+            <a:extLst>
+              <a:ext uri="{FF2B5EF4-FFF2-40B4-BE49-F238E27FC236}">
+                <a16:creationId xmlns:a16="http://schemas.microsoft.com/office/drawing/2014/main" id="{2F79D6B9-22BE-AF4A-695A-70EF0B5581D3}"/>
+              </a:ext>
+            </a:extLst>
+          </p:cNvPr>
+          <p:cNvCxnSpPr>
+            <a:cxnSpLocks/>
+            <a:stCxn id="188" idx="7"/>
+            <a:endCxn id="192" idx="3"/>
+          </p:cNvCxnSpPr>
+          <p:nvPr/>
+        </p:nvCxnSpPr>
+        <p:spPr>
+          <a:xfrm flipV="1">
+            <a:off x="773048" y="4364364"/>
+            <a:ext cx="199423" cy="191403"/>
+          </a:xfrm>
+          <a:prstGeom prst="line">
+            <a:avLst/>
+          </a:prstGeom>
+          <a:ln w="12700">
+            <a:solidFill>
+              <a:schemeClr val="accent6">
+                <a:lumMod val="50000"/>
+              </a:schemeClr>
+            </a:solidFill>
+          </a:ln>
+        </p:spPr>
+        <p:style>
+          <a:lnRef idx="1">
+            <a:schemeClr val="accent1"/>
+          </a:lnRef>
+          <a:fillRef idx="0">
+            <a:schemeClr val="accent1"/>
+          </a:fillRef>
+          <a:effectRef idx="0">
+            <a:schemeClr val="accent1"/>
+          </a:effectRef>
+          <a:fontRef idx="minor">
+            <a:schemeClr val="tx1"/>
+          </a:fontRef>
+        </p:style>
+      </p:cxnSp>
+      <p:sp>
+        <p:nvSpPr>
+          <p:cNvPr id="281" name="ZoneTexte 280">
+            <a:extLst>
+              <a:ext uri="{FF2B5EF4-FFF2-40B4-BE49-F238E27FC236}">
+                <a16:creationId xmlns:a16="http://schemas.microsoft.com/office/drawing/2014/main" id="{882F7A05-A277-DC99-637A-F3379DC56804}"/>
+              </a:ext>
+            </a:extLst>
+          </p:cNvPr>
+          <p:cNvSpPr txBox="1"/>
+          <p:nvPr/>
+        </p:nvSpPr>
+        <p:spPr>
+          <a:xfrm>
+            <a:off x="829259" y="4606675"/>
+            <a:ext cx="1460519" cy="646331"/>
+          </a:xfrm>
+          <a:prstGeom prst="rect">
+            <a:avLst/>
+          </a:prstGeom>
+          <a:noFill/>
+        </p:spPr>
+        <p:txBody>
+          <a:bodyPr wrap="square" rtlCol="0">
+            <a:spAutoFit/>
+          </a:bodyPr>
+          <a:lstStyle/>
+          <a:p>
+            <a:r>
+              <a:rPr lang="fr-FR" sz="1200">
+                <a:latin typeface="Avenir Book" panose="02000503020000020003" pitchFamily="2" charset="0"/>
+              </a:rPr>
+              <a:t>Information kept</a:t>
+            </a:r>
+          </a:p>
+          <a:p>
+            <a:r>
+              <a:rPr lang="fr-FR" sz="1200">
+                <a:latin typeface="Avenir Book" panose="02000503020000020003" pitchFamily="2" charset="0"/>
+              </a:rPr>
+              <a:t>in live memory</a:t>
+            </a:r>
+          </a:p>
+          <a:p>
+            <a:r>
+              <a:rPr lang="fr-FR" sz="1200">
+                <a:latin typeface="Avenir Book" panose="02000503020000020003" pitchFamily="2" charset="0"/>
+              </a:rPr>
+              <a:t>(no backup)</a:t>
+            </a:r>
+          </a:p>
+        </p:txBody>
+      </p:sp>
+      <p:pic>
+        <p:nvPicPr>
+          <p:cNvPr id="284" name="Image 283">
+            <a:extLst>
+              <a:ext uri="{FF2B5EF4-FFF2-40B4-BE49-F238E27FC236}">
+                <a16:creationId xmlns:a16="http://schemas.microsoft.com/office/drawing/2014/main" id="{9E45AA23-565E-2833-5ED0-548BC7984978}"/>
+              </a:ext>
+            </a:extLst>
+          </p:cNvPr>
+          <p:cNvPicPr>
+            <a:picLocks noChangeAspect="1"/>
+          </p:cNvPicPr>
+          <p:nvPr/>
+        </p:nvPicPr>
+        <p:blipFill>
+          <a:blip r:embed="rId3"/>
+          <a:stretch>
+            <a:fillRect/>
+          </a:stretch>
+        </p:blipFill>
+        <p:spPr>
+          <a:xfrm>
+            <a:off x="580088" y="4817657"/>
+            <a:ext cx="283259" cy="231364"/>
+          </a:xfrm>
+          <a:prstGeom prst="rect">
+            <a:avLst/>
+          </a:prstGeom>
+        </p:spPr>
+      </p:pic>
+      <p:sp>
+        <p:nvSpPr>
+          <p:cNvPr id="285" name="ZoneTexte 284">
+            <a:extLst>
+              <a:ext uri="{FF2B5EF4-FFF2-40B4-BE49-F238E27FC236}">
+                <a16:creationId xmlns:a16="http://schemas.microsoft.com/office/drawing/2014/main" id="{08CBBB21-CF3F-7A7D-6F1C-0BA0C0F29041}"/>
+              </a:ext>
+            </a:extLst>
+          </p:cNvPr>
+          <p:cNvSpPr txBox="1"/>
+          <p:nvPr/>
+        </p:nvSpPr>
+        <p:spPr>
+          <a:xfrm>
+            <a:off x="6070816" y="3975410"/>
+            <a:ext cx="1468502" cy="738664"/>
+          </a:xfrm>
+          <a:prstGeom prst="rect">
+            <a:avLst/>
+          </a:prstGeom>
+          <a:noFill/>
+        </p:spPr>
+        <p:txBody>
+          <a:bodyPr wrap="square" rtlCol="0">
+            <a:spAutoFit/>
+          </a:bodyPr>
+          <a:lstStyle/>
+          <a:p>
+            <a:r>
+              <a:rPr lang="fr-FR" sz="1400">
+                <a:latin typeface="Avenir Book" panose="02000503020000020003" pitchFamily="2" charset="0"/>
+              </a:rPr>
+              <a:t>Lineage data</a:t>
+            </a:r>
+          </a:p>
+          <a:p>
+            <a:r>
+              <a:rPr lang="fr-FR" sz="1400">
+                <a:latin typeface="Avenir Book" panose="02000503020000020003" pitchFamily="2" charset="0"/>
+              </a:rPr>
+              <a:t>available at any time</a:t>
+            </a:r>
+          </a:p>
+        </p:txBody>
+      </p:sp>
+      <p:cxnSp>
+        <p:nvCxnSpPr>
+          <p:cNvPr id="287" name="Connecteur droit 286">
+            <a:extLst>
+              <a:ext uri="{FF2B5EF4-FFF2-40B4-BE49-F238E27FC236}">
+                <a16:creationId xmlns:a16="http://schemas.microsoft.com/office/drawing/2014/main" id="{AD962013-72BC-5816-77FB-DEC326A471F6}"/>
+              </a:ext>
+            </a:extLst>
+          </p:cNvPr>
+          <p:cNvCxnSpPr>
+            <a:cxnSpLocks/>
+            <a:stCxn id="245" idx="6"/>
+            <a:endCxn id="250" idx="2"/>
+          </p:cNvCxnSpPr>
+          <p:nvPr/>
+        </p:nvCxnSpPr>
+        <p:spPr>
+          <a:xfrm>
+            <a:off x="5257441" y="3705092"/>
+            <a:ext cx="152401" cy="0"/>
+          </a:xfrm>
+          <a:prstGeom prst="line">
+            <a:avLst/>
+          </a:prstGeom>
+          <a:ln w="12700">
+            <a:solidFill>
+              <a:schemeClr val="bg2">
+                <a:lumMod val="90000"/>
+              </a:schemeClr>
+            </a:solidFill>
+          </a:ln>
+        </p:spPr>
+        <p:style>
+          <a:lnRef idx="1">
+            <a:schemeClr val="accent1"/>
+          </a:lnRef>
+          <a:fillRef idx="0">
+            <a:schemeClr val="accent1"/>
+          </a:fillRef>
+          <a:effectRef idx="0">
+            <a:schemeClr val="accent1"/>
+          </a:effectRef>
+          <a:fontRef idx="minor">
+            <a:schemeClr val="tx1"/>
+          </a:fontRef>
+        </p:style>
+      </p:cxnSp>
+      <p:cxnSp>
+        <p:nvCxnSpPr>
+          <p:cNvPr id="290" name="Connecteur droit 289">
+            <a:extLst>
+              <a:ext uri="{FF2B5EF4-FFF2-40B4-BE49-F238E27FC236}">
+                <a16:creationId xmlns:a16="http://schemas.microsoft.com/office/drawing/2014/main" id="{6928FCCC-2E61-982B-69E9-4699F41BB4FA}"/>
+              </a:ext>
+            </a:extLst>
+          </p:cNvPr>
+          <p:cNvCxnSpPr>
+            <a:cxnSpLocks/>
+            <a:stCxn id="242" idx="6"/>
+            <a:endCxn id="247" idx="2"/>
+          </p:cNvCxnSpPr>
+          <p:nvPr/>
+        </p:nvCxnSpPr>
+        <p:spPr>
+          <a:xfrm>
+            <a:off x="4944496" y="4314940"/>
+            <a:ext cx="152401" cy="0"/>
+          </a:xfrm>
+          <a:prstGeom prst="line">
+            <a:avLst/>
+          </a:prstGeom>
+          <a:ln w="12700">
+            <a:solidFill>
+              <a:schemeClr val="bg2">
+                <a:lumMod val="90000"/>
+              </a:schemeClr>
+            </a:solidFill>
+          </a:ln>
+        </p:spPr>
+        <p:style>
+          <a:lnRef idx="1">
+            <a:schemeClr val="accent1"/>
+          </a:lnRef>
+          <a:fillRef idx="0">
+            <a:schemeClr val="accent1"/>
+          </a:fillRef>
+          <a:effectRef idx="0">
+            <a:schemeClr val="accent1"/>
+          </a:effectRef>
+          <a:fontRef idx="minor">
+            <a:schemeClr val="tx1"/>
+          </a:fontRef>
+        </p:style>
+      </p:cxnSp>
+      <p:cxnSp>
+        <p:nvCxnSpPr>
+          <p:cNvPr id="293" name="Connecteur droit 292">
+            <a:extLst>
+              <a:ext uri="{FF2B5EF4-FFF2-40B4-BE49-F238E27FC236}">
+                <a16:creationId xmlns:a16="http://schemas.microsoft.com/office/drawing/2014/main" id="{C180C65A-5B85-DB04-9BA5-9EEA22CDA795}"/>
+              </a:ext>
+            </a:extLst>
+          </p:cNvPr>
+          <p:cNvCxnSpPr>
+            <a:cxnSpLocks/>
+            <a:stCxn id="242" idx="5"/>
+            <a:endCxn id="248" idx="1"/>
+          </p:cNvCxnSpPr>
+          <p:nvPr/>
+        </p:nvCxnSpPr>
+        <p:spPr>
+          <a:xfrm>
+            <a:off x="4920985" y="4371700"/>
+            <a:ext cx="199423" cy="191403"/>
+          </a:xfrm>
+          <a:prstGeom prst="line">
+            <a:avLst/>
+          </a:prstGeom>
+          <a:ln w="12700">
+            <a:solidFill>
+              <a:schemeClr val="bg2">
+                <a:lumMod val="90000"/>
+              </a:schemeClr>
+            </a:solidFill>
+          </a:ln>
+        </p:spPr>
+        <p:style>
+          <a:lnRef idx="1">
+            <a:schemeClr val="accent1"/>
+          </a:lnRef>
+          <a:fillRef idx="0">
+            <a:schemeClr val="accent1"/>
+          </a:fillRef>
+          <a:effectRef idx="0">
+            <a:schemeClr val="accent1"/>
+          </a:effectRef>
+          <a:fontRef idx="minor">
+            <a:schemeClr val="tx1"/>
+          </a:fontRef>
+        </p:style>
+      </p:cxnSp>
+      <p:cxnSp>
+        <p:nvCxnSpPr>
+          <p:cNvPr id="296" name="Connecteur droit 295">
+            <a:extLst>
+              <a:ext uri="{FF2B5EF4-FFF2-40B4-BE49-F238E27FC236}">
+                <a16:creationId xmlns:a16="http://schemas.microsoft.com/office/drawing/2014/main" id="{46F0940D-2FB6-4B63-9BE3-760FE7DCCAC3}"/>
+              </a:ext>
+            </a:extLst>
+          </p:cNvPr>
+          <p:cNvCxnSpPr>
+            <a:cxnSpLocks/>
+            <a:stCxn id="243" idx="5"/>
+            <a:endCxn id="249" idx="1"/>
+          </p:cNvCxnSpPr>
+          <p:nvPr/>
+        </p:nvCxnSpPr>
+        <p:spPr>
+          <a:xfrm>
+            <a:off x="4920985" y="4676624"/>
+            <a:ext cx="199423" cy="191403"/>
+          </a:xfrm>
+          <a:prstGeom prst="line">
+            <a:avLst/>
+          </a:prstGeom>
+          <a:ln w="12700">
+            <a:solidFill>
+              <a:schemeClr val="bg2">
+                <a:lumMod val="90000"/>
+              </a:schemeClr>
+            </a:solidFill>
+          </a:ln>
+        </p:spPr>
+        <p:style>
+          <a:lnRef idx="1">
+            <a:schemeClr val="accent1"/>
+          </a:lnRef>
+          <a:fillRef idx="0">
+            <a:schemeClr val="accent1"/>
+          </a:fillRef>
+          <a:effectRef idx="0">
+            <a:schemeClr val="accent1"/>
+          </a:effectRef>
+          <a:fontRef idx="minor">
+            <a:schemeClr val="tx1"/>
+          </a:fontRef>
+        </p:style>
+      </p:cxnSp>
+      <p:cxnSp>
+        <p:nvCxnSpPr>
+          <p:cNvPr id="299" name="Connecteur droit 298">
+            <a:extLst>
+              <a:ext uri="{FF2B5EF4-FFF2-40B4-BE49-F238E27FC236}">
+                <a16:creationId xmlns:a16="http://schemas.microsoft.com/office/drawing/2014/main" id="{BB6B4A55-3B23-2949-C4BC-7621A6B8CFB9}"/>
+              </a:ext>
+            </a:extLst>
+          </p:cNvPr>
+          <p:cNvCxnSpPr>
+            <a:cxnSpLocks/>
+            <a:stCxn id="249" idx="6"/>
+            <a:endCxn id="254" idx="2"/>
+          </p:cNvCxnSpPr>
+          <p:nvPr/>
+        </p:nvCxnSpPr>
+        <p:spPr>
+          <a:xfrm>
+            <a:off x="5257440" y="4924788"/>
+            <a:ext cx="152401" cy="0"/>
+          </a:xfrm>
+          <a:prstGeom prst="line">
+            <a:avLst/>
+          </a:prstGeom>
+          <a:ln w="12700">
+            <a:solidFill>
+              <a:schemeClr val="bg2">
+                <a:lumMod val="90000"/>
+              </a:schemeClr>
+            </a:solidFill>
+          </a:ln>
+        </p:spPr>
+        <p:style>
+          <a:lnRef idx="1">
+            <a:schemeClr val="accent1"/>
+          </a:lnRef>
+          <a:fillRef idx="0">
+            <a:schemeClr val="accent1"/>
+          </a:fillRef>
+          <a:effectRef idx="0">
+            <a:schemeClr val="accent1"/>
+          </a:effectRef>
+          <a:fontRef idx="minor">
+            <a:schemeClr val="tx1"/>
+          </a:fontRef>
+        </p:style>
+      </p:cxnSp>
+      <p:cxnSp>
+        <p:nvCxnSpPr>
+          <p:cNvPr id="304" name="Connecteur droit 303">
+            <a:extLst>
+              <a:ext uri="{FF2B5EF4-FFF2-40B4-BE49-F238E27FC236}">
+                <a16:creationId xmlns:a16="http://schemas.microsoft.com/office/drawing/2014/main" id="{935D850C-DB6F-2C59-2C00-D39ECE62928B}"/>
+              </a:ext>
+            </a:extLst>
+          </p:cNvPr>
+          <p:cNvCxnSpPr>
+            <a:cxnSpLocks/>
+            <a:stCxn id="237" idx="6"/>
+            <a:endCxn id="242" idx="2"/>
+          </p:cNvCxnSpPr>
+          <p:nvPr/>
+        </p:nvCxnSpPr>
+        <p:spPr>
+          <a:xfrm>
+            <a:off x="4631552" y="4314940"/>
+            <a:ext cx="152401" cy="0"/>
+          </a:xfrm>
+          <a:prstGeom prst="line">
+            <a:avLst/>
+          </a:prstGeom>
+          <a:ln w="12700">
+            <a:solidFill>
+              <a:schemeClr val="bg2">
+                <a:lumMod val="90000"/>
+              </a:schemeClr>
+            </a:solidFill>
+          </a:ln>
+        </p:spPr>
+        <p:style>
+          <a:lnRef idx="1">
+            <a:schemeClr val="accent1"/>
+          </a:lnRef>
+          <a:fillRef idx="0">
+            <a:schemeClr val="accent1"/>
+          </a:fillRef>
+          <a:effectRef idx="0">
+            <a:schemeClr val="accent1"/>
+          </a:effectRef>
+          <a:fontRef idx="minor">
+            <a:schemeClr val="tx1"/>
+          </a:fontRef>
+        </p:style>
+      </p:cxnSp>
+      <p:cxnSp>
+        <p:nvCxnSpPr>
+          <p:cNvPr id="307" name="Connecteur droit 306">
+            <a:extLst>
+              <a:ext uri="{FF2B5EF4-FFF2-40B4-BE49-F238E27FC236}">
+                <a16:creationId xmlns:a16="http://schemas.microsoft.com/office/drawing/2014/main" id="{76F6945F-7A9C-75F6-B045-FC611A59F9D5}"/>
+              </a:ext>
+            </a:extLst>
+          </p:cNvPr>
+          <p:cNvCxnSpPr>
+            <a:cxnSpLocks/>
+            <a:stCxn id="237" idx="5"/>
+            <a:endCxn id="243" idx="1"/>
+          </p:cNvCxnSpPr>
+          <p:nvPr/>
+        </p:nvCxnSpPr>
+        <p:spPr>
+          <a:xfrm>
+            <a:off x="4608041" y="4371700"/>
+            <a:ext cx="199423" cy="191403"/>
+          </a:xfrm>
+          <a:prstGeom prst="line">
+            <a:avLst/>
+          </a:prstGeom>
+          <a:ln w="12700">
+            <a:solidFill>
+              <a:schemeClr val="bg2">
+                <a:lumMod val="90000"/>
+              </a:schemeClr>
+            </a:solidFill>
+          </a:ln>
+        </p:spPr>
+        <p:style>
+          <a:lnRef idx="1">
+            <a:schemeClr val="accent1"/>
+          </a:lnRef>
+          <a:fillRef idx="0">
+            <a:schemeClr val="accent1"/>
+          </a:fillRef>
+          <a:effectRef idx="0">
+            <a:schemeClr val="accent1"/>
+          </a:effectRef>
+          <a:fontRef idx="minor">
+            <a:schemeClr val="tx1"/>
+          </a:fontRef>
+        </p:style>
+      </p:cxnSp>
+      <p:sp>
+        <p:nvSpPr>
+          <p:cNvPr id="237" name="Ellipse 236">
+            <a:extLst>
+              <a:ext uri="{FF2B5EF4-FFF2-40B4-BE49-F238E27FC236}">
+                <a16:creationId xmlns:a16="http://schemas.microsoft.com/office/drawing/2014/main" id="{36929E2B-52EB-024D-9208-77BC61EA7BCF}"/>
+              </a:ext>
+            </a:extLst>
+          </p:cNvPr>
+          <p:cNvSpPr/>
+          <p:nvPr/>
+        </p:nvSpPr>
+        <p:spPr>
+          <a:xfrm>
+            <a:off x="4471009" y="4234668"/>
+            <a:ext cx="160543" cy="160543"/>
+          </a:xfrm>
+          <a:prstGeom prst="ellipse">
+            <a:avLst/>
+          </a:prstGeom>
+          <a:solidFill>
+            <a:srgbClr val="3D7E4F"/>
+          </a:solidFill>
+          <a:ln>
+            <a:solidFill>
+              <a:schemeClr val="accent6">
+                <a:lumMod val="50000"/>
+              </a:schemeClr>
+            </a:solidFill>
+          </a:ln>
+        </p:spPr>
+        <p:style>
+          <a:lnRef idx="2">
+            <a:schemeClr val="accent1">
+              <a:shade val="50000"/>
+            </a:schemeClr>
+          </a:lnRef>
+          <a:fillRef idx="1">
+            <a:schemeClr val="accent1"/>
+          </a:fillRef>
+          <a:effectRef idx="0">
+            <a:schemeClr val="accent1"/>
+          </a:effectRef>
+          <a:fontRef idx="minor">
+            <a:schemeClr val="lt1"/>
+          </a:fontRef>
+        </p:style>
+        <p:txBody>
+          <a:bodyPr rtlCol="0" anchor="ctr"/>
+          <a:lstStyle/>
+          <a:p>
+            <a:pPr algn="ctr"/>
+            <a:endParaRPr lang="fr-FR"/>
+          </a:p>
+        </p:txBody>
+      </p:sp>
+      <p:sp>
+        <p:nvSpPr>
+          <p:cNvPr id="245" name="Ellipse 244">
+            <a:extLst>
+              <a:ext uri="{FF2B5EF4-FFF2-40B4-BE49-F238E27FC236}">
+                <a16:creationId xmlns:a16="http://schemas.microsoft.com/office/drawing/2014/main" id="{88E40857-02E0-CCC6-48AB-160673A2789E}"/>
+              </a:ext>
+            </a:extLst>
+          </p:cNvPr>
+          <p:cNvSpPr/>
+          <p:nvPr/>
+        </p:nvSpPr>
+        <p:spPr>
+          <a:xfrm>
+            <a:off x="5096898" y="3624820"/>
+            <a:ext cx="160543" cy="160543"/>
+          </a:xfrm>
+          <a:prstGeom prst="ellipse">
+            <a:avLst/>
+          </a:prstGeom>
+          <a:solidFill>
+            <a:srgbClr val="3D7E4F"/>
+          </a:solidFill>
+          <a:ln>
+            <a:solidFill>
+              <a:schemeClr val="accent6">
+                <a:lumMod val="50000"/>
+              </a:schemeClr>
+            </a:solidFill>
+          </a:ln>
+        </p:spPr>
+        <p:style>
+          <a:lnRef idx="2">
+            <a:schemeClr val="accent1">
+              <a:shade val="50000"/>
+            </a:schemeClr>
+          </a:lnRef>
+          <a:fillRef idx="1">
+            <a:schemeClr val="accent1"/>
+          </a:fillRef>
+          <a:effectRef idx="0">
+            <a:schemeClr val="accent1"/>
+          </a:effectRef>
+          <a:fontRef idx="minor">
+            <a:schemeClr val="lt1"/>
+          </a:fontRef>
+        </p:style>
+        <p:txBody>
+          <a:bodyPr rtlCol="0" anchor="ctr"/>
+          <a:lstStyle/>
+          <a:p>
+            <a:pPr algn="ctr"/>
+            <a:endParaRPr lang="fr-FR"/>
+          </a:p>
+        </p:txBody>
+      </p:sp>
+      <p:sp>
+        <p:nvSpPr>
+          <p:cNvPr id="316" name="Bulle rectangulaire 315">
+            <a:extLst>
+              <a:ext uri="{FF2B5EF4-FFF2-40B4-BE49-F238E27FC236}">
+                <a16:creationId xmlns:a16="http://schemas.microsoft.com/office/drawing/2014/main" id="{A2ABA2FB-87B2-2095-D769-B9C36C79FE2D}"/>
+              </a:ext>
+            </a:extLst>
+          </p:cNvPr>
+          <p:cNvSpPr/>
+          <p:nvPr/>
+        </p:nvSpPr>
+        <p:spPr>
+          <a:xfrm>
+            <a:off x="3300048" y="4676897"/>
+            <a:ext cx="1274450" cy="429593"/>
+          </a:xfrm>
+          <a:prstGeom prst="wedgeRectCallout">
+            <a:avLst>
+              <a:gd name="adj1" fmla="val 54823"/>
+              <a:gd name="adj2" fmla="val -86783"/>
+            </a:avLst>
+          </a:prstGeom>
+          <a:noFill/>
+          <a:ln w="6350">
+            <a:solidFill>
+              <a:schemeClr val="tx1">
+                <a:lumMod val="50000"/>
+                <a:lumOff val="50000"/>
+              </a:schemeClr>
+            </a:solidFill>
+          </a:ln>
+        </p:spPr>
+        <p:style>
+          <a:lnRef idx="2">
+            <a:schemeClr val="accent1">
+              <a:shade val="50000"/>
+            </a:schemeClr>
+          </a:lnRef>
+          <a:fillRef idx="1">
+            <a:schemeClr val="accent1"/>
+          </a:fillRef>
+          <a:effectRef idx="0">
+            <a:schemeClr val="accent1"/>
+          </a:effectRef>
+          <a:fontRef idx="minor">
+            <a:schemeClr val="lt1"/>
+          </a:fontRef>
+        </p:style>
+        <p:txBody>
+          <a:bodyPr rtlCol="0" anchor="ctr"/>
+          <a:lstStyle/>
+          <a:p>
+            <a:pPr algn="ctr"/>
+            <a:r>
+              <a:rPr lang="fr-FR" sz="1200">
+                <a:solidFill>
+                  <a:schemeClr val="tx1">
+                    <a:lumMod val="50000"/>
+                    <a:lumOff val="50000"/>
+                  </a:schemeClr>
+                </a:solidFill>
+                <a:latin typeface="Avenir Book" panose="02000503020000020003" pitchFamily="2" charset="0"/>
+              </a:rPr>
+              <a:t>Dead branches are pruned.</a:t>
+            </a:r>
+          </a:p>
+        </p:txBody>
+      </p:sp>
+      <p:pic>
+        <p:nvPicPr>
+          <p:cNvPr id="4" name="Image 3">
+            <a:extLst>
+              <a:ext uri="{FF2B5EF4-FFF2-40B4-BE49-F238E27FC236}">
+                <a16:creationId xmlns:a16="http://schemas.microsoft.com/office/drawing/2014/main" id="{6CFDAEF4-11E7-4CDC-F5C2-26C66BC99F1D}"/>
+              </a:ext>
+            </a:extLst>
+          </p:cNvPr>
+          <p:cNvPicPr>
+            <a:picLocks noChangeAspect="1"/>
+          </p:cNvPicPr>
+          <p:nvPr/>
+        </p:nvPicPr>
+        <p:blipFill>
+          <a:blip r:embed="rId4"/>
+          <a:stretch>
+            <a:fillRect/>
+          </a:stretch>
+        </p:blipFill>
+        <p:spPr>
+          <a:xfrm>
+            <a:off x="10483648" y="5033491"/>
+            <a:ext cx="839013" cy="575700"/>
+          </a:xfrm>
+          <a:prstGeom prst="rect">
+            <a:avLst/>
+          </a:prstGeom>
+        </p:spPr>
+      </p:pic>
+      <p:cxnSp>
+        <p:nvCxnSpPr>
+          <p:cNvPr id="5" name="Connecteur droit 4">
+            <a:extLst>
+              <a:ext uri="{FF2B5EF4-FFF2-40B4-BE49-F238E27FC236}">
+                <a16:creationId xmlns:a16="http://schemas.microsoft.com/office/drawing/2014/main" id="{8EE99500-D202-8760-C000-DED69569A24F}"/>
+              </a:ext>
+            </a:extLst>
+          </p:cNvPr>
+          <p:cNvCxnSpPr>
+            <a:cxnSpLocks/>
+            <a:stCxn id="40" idx="1"/>
+          </p:cNvCxnSpPr>
+          <p:nvPr/>
+        </p:nvCxnSpPr>
+        <p:spPr>
+          <a:xfrm flipH="1">
+            <a:off x="9608221" y="1976394"/>
+            <a:ext cx="1129" cy="2700230"/>
+          </a:xfrm>
+          <a:prstGeom prst="line">
+            <a:avLst/>
+          </a:prstGeom>
+          <a:ln w="12700">
+            <a:solidFill>
+              <a:schemeClr val="accent6">
+                <a:lumMod val="50000"/>
+              </a:schemeClr>
+            </a:solidFill>
+          </a:ln>
+        </p:spPr>
+        <p:style>
+          <a:lnRef idx="1">
+            <a:schemeClr val="accent1"/>
+          </a:lnRef>
+          <a:fillRef idx="0">
+            <a:schemeClr val="accent1"/>
+          </a:fillRef>
+          <a:effectRef idx="0">
+            <a:schemeClr val="accent1"/>
+          </a:effectRef>
+          <a:fontRef idx="minor">
+            <a:schemeClr val="tx1"/>
+          </a:fontRef>
+        </p:style>
+      </p:cxnSp>
+      <p:cxnSp>
+        <p:nvCxnSpPr>
+          <p:cNvPr id="14" name="Connecteur droit 13">
+            <a:extLst>
+              <a:ext uri="{FF2B5EF4-FFF2-40B4-BE49-F238E27FC236}">
+                <a16:creationId xmlns:a16="http://schemas.microsoft.com/office/drawing/2014/main" id="{1E34D7C1-8074-7D90-40F5-BFB45A16DD21}"/>
+              </a:ext>
+            </a:extLst>
+          </p:cNvPr>
+          <p:cNvCxnSpPr>
+            <a:cxnSpLocks/>
+          </p:cNvCxnSpPr>
+          <p:nvPr/>
+        </p:nvCxnSpPr>
+        <p:spPr>
+          <a:xfrm>
+            <a:off x="7964129" y="3406606"/>
+            <a:ext cx="3291710" cy="0"/>
+          </a:xfrm>
+          <a:prstGeom prst="line">
+            <a:avLst/>
+          </a:prstGeom>
+          <a:ln w="12700">
+            <a:solidFill>
+              <a:schemeClr val="accent6">
+                <a:lumMod val="50000"/>
+              </a:schemeClr>
+            </a:solidFill>
+          </a:ln>
+        </p:spPr>
+        <p:style>
+          <a:lnRef idx="1">
+            <a:schemeClr val="accent1"/>
+          </a:lnRef>
+          <a:fillRef idx="0">
+            <a:schemeClr val="accent1"/>
+          </a:fillRef>
+          <a:effectRef idx="0">
+            <a:schemeClr val="accent1"/>
+          </a:effectRef>
+          <a:fontRef idx="minor">
+            <a:schemeClr val="tx1"/>
+          </a:fontRef>
+        </p:style>
+      </p:cxnSp>
+      <p:sp>
+        <p:nvSpPr>
+          <p:cNvPr id="39" name="ZoneTexte 38">
+            <a:extLst>
+              <a:ext uri="{FF2B5EF4-FFF2-40B4-BE49-F238E27FC236}">
+                <a16:creationId xmlns:a16="http://schemas.microsoft.com/office/drawing/2014/main" id="{623CFADE-FECA-24BA-54EA-10F73971F389}"/>
+              </a:ext>
+            </a:extLst>
+          </p:cNvPr>
+          <p:cNvSpPr txBox="1"/>
+          <p:nvPr/>
+        </p:nvSpPr>
+        <p:spPr>
+          <a:xfrm>
+            <a:off x="7903441" y="1822505"/>
+            <a:ext cx="1707177" cy="307777"/>
+          </a:xfrm>
+          <a:prstGeom prst="rect">
+            <a:avLst/>
+          </a:prstGeom>
+          <a:noFill/>
+        </p:spPr>
+        <p:txBody>
+          <a:bodyPr wrap="square" rtlCol="0">
+            <a:spAutoFit/>
+          </a:bodyPr>
+          <a:lstStyle/>
+          <a:p>
+            <a:pPr algn="ctr"/>
+            <a:r>
+              <a:rPr lang="fr-FR" sz="1400">
+                <a:solidFill>
+                  <a:srgbClr val="00D461"/>
+                </a:solidFill>
+                <a:latin typeface="Avenir Book" panose="02000503020000020003" pitchFamily="2" charset="0"/>
+              </a:rPr>
+              <a:t>✓</a:t>
+            </a:r>
+            <a:r>
+              <a:rPr lang="fr-FR" sz="1400">
+                <a:latin typeface="Avenir Book" panose="02000503020000020003" pitchFamily="2" charset="0"/>
+              </a:rPr>
+              <a:t> Pros</a:t>
+            </a:r>
+          </a:p>
+        </p:txBody>
+      </p:sp>
+      <p:sp>
+        <p:nvSpPr>
+          <p:cNvPr id="40" name="ZoneTexte 39">
+            <a:extLst>
+              <a:ext uri="{FF2B5EF4-FFF2-40B4-BE49-F238E27FC236}">
+                <a16:creationId xmlns:a16="http://schemas.microsoft.com/office/drawing/2014/main" id="{7DD54A36-8860-B9C8-5A59-068659BFA42A}"/>
+              </a:ext>
+            </a:extLst>
+          </p:cNvPr>
+          <p:cNvSpPr txBox="1"/>
+          <p:nvPr/>
+        </p:nvSpPr>
+        <p:spPr>
+          <a:xfrm>
+            <a:off x="9609350" y="1822505"/>
+            <a:ext cx="1713311" cy="307777"/>
+          </a:xfrm>
+          <a:prstGeom prst="rect">
+            <a:avLst/>
+          </a:prstGeom>
+          <a:noFill/>
+        </p:spPr>
+        <p:txBody>
+          <a:bodyPr wrap="square" rtlCol="0">
+            <a:spAutoFit/>
+          </a:bodyPr>
+          <a:lstStyle/>
+          <a:p>
+            <a:pPr algn="ctr"/>
+            <a:r>
+              <a:rPr lang="fr-FR" sz="1400">
+                <a:solidFill>
+                  <a:srgbClr val="FF0000"/>
+                </a:solidFill>
+                <a:latin typeface="Avenir Book" panose="02000503020000020003" pitchFamily="2" charset="0"/>
+              </a:rPr>
+              <a:t>⨯</a:t>
+            </a:r>
+            <a:r>
+              <a:rPr lang="fr-FR" sz="1400">
+                <a:latin typeface="Avenir Book" panose="02000503020000020003" pitchFamily="2" charset="0"/>
+              </a:rPr>
+              <a:t> Cons</a:t>
+            </a:r>
+          </a:p>
+        </p:txBody>
+      </p:sp>
+      <p:sp>
+        <p:nvSpPr>
+          <p:cNvPr id="42" name="ZoneTexte 41">
+            <a:extLst>
+              <a:ext uri="{FF2B5EF4-FFF2-40B4-BE49-F238E27FC236}">
+                <a16:creationId xmlns:a16="http://schemas.microsoft.com/office/drawing/2014/main" id="{9A51EF5B-7ED7-F77F-5E50-8C25A606E29D}"/>
+              </a:ext>
+            </a:extLst>
+          </p:cNvPr>
+          <p:cNvSpPr txBox="1"/>
+          <p:nvPr/>
+        </p:nvSpPr>
+        <p:spPr>
+          <a:xfrm>
+            <a:off x="8078471" y="2451088"/>
+            <a:ext cx="1531455" cy="600164"/>
+          </a:xfrm>
+          <a:prstGeom prst="rect">
+            <a:avLst/>
+          </a:prstGeom>
+          <a:noFill/>
+        </p:spPr>
+        <p:txBody>
+          <a:bodyPr wrap="square" rtlCol="0">
+            <a:spAutoFit/>
+          </a:bodyPr>
+          <a:lstStyle/>
+          <a:p>
+            <a:r>
+              <a:rPr lang="fr-FR" sz="1100">
+                <a:latin typeface="Avenir Book" panose="02000503020000020003" pitchFamily="2" charset="0"/>
+              </a:rPr>
+              <a:t>• Easy to implement</a:t>
+            </a:r>
+          </a:p>
+          <a:p>
+            <a:r>
+              <a:rPr lang="fr-FR" sz="1100">
+                <a:latin typeface="Avenir Book" panose="02000503020000020003" pitchFamily="2" charset="0"/>
+              </a:rPr>
+              <a:t>• Does not increase computational load</a:t>
+            </a:r>
+          </a:p>
+        </p:txBody>
+      </p:sp>
+      <p:sp>
+        <p:nvSpPr>
+          <p:cNvPr id="43" name="ZoneTexte 42">
+            <a:extLst>
+              <a:ext uri="{FF2B5EF4-FFF2-40B4-BE49-F238E27FC236}">
+                <a16:creationId xmlns:a16="http://schemas.microsoft.com/office/drawing/2014/main" id="{D871DC83-C42C-5A2D-BDD7-B3449B99D62B}"/>
+              </a:ext>
+            </a:extLst>
+          </p:cNvPr>
+          <p:cNvSpPr txBox="1"/>
+          <p:nvPr/>
+        </p:nvSpPr>
+        <p:spPr>
+          <a:xfrm>
+            <a:off x="9614178" y="2140561"/>
+            <a:ext cx="1528792" cy="1277273"/>
+          </a:xfrm>
+          <a:prstGeom prst="rect">
+            <a:avLst/>
+          </a:prstGeom>
+          <a:noFill/>
+        </p:spPr>
+        <p:txBody>
+          <a:bodyPr wrap="square" rtlCol="0">
+            <a:spAutoFit/>
+          </a:bodyPr>
+          <a:lstStyle/>
+          <a:p>
+            <a:r>
+              <a:rPr lang="fr-FR" sz="1100">
+                <a:latin typeface="Avenir Book" panose="02000503020000020003" pitchFamily="2" charset="0"/>
+              </a:rPr>
+              <a:t>• Requires an important storage space (usually several Gb)</a:t>
+            </a:r>
+          </a:p>
+          <a:p>
+            <a:r>
+              <a:rPr lang="fr-FR" sz="1100">
+                <a:latin typeface="Avenir Book" panose="02000503020000020003" pitchFamily="2" charset="0"/>
+              </a:rPr>
+              <a:t>• Information is only recovered in post-treatment</a:t>
+            </a:r>
+          </a:p>
+        </p:txBody>
+      </p:sp>
+      <p:sp>
+        <p:nvSpPr>
+          <p:cNvPr id="44" name="ZoneTexte 43">
+            <a:extLst>
+              <a:ext uri="{FF2B5EF4-FFF2-40B4-BE49-F238E27FC236}">
+                <a16:creationId xmlns:a16="http://schemas.microsoft.com/office/drawing/2014/main" id="{CBD03BA8-0CEA-1947-9654-09B593A1DA71}"/>
+              </a:ext>
+            </a:extLst>
+          </p:cNvPr>
+          <p:cNvSpPr txBox="1"/>
+          <p:nvPr/>
+        </p:nvSpPr>
+        <p:spPr>
+          <a:xfrm>
+            <a:off x="8078471" y="3565042"/>
+            <a:ext cx="1528787" cy="938719"/>
+          </a:xfrm>
+          <a:prstGeom prst="rect">
+            <a:avLst/>
+          </a:prstGeom>
+          <a:noFill/>
+        </p:spPr>
+        <p:txBody>
+          <a:bodyPr wrap="square" rtlCol="0">
+            <a:spAutoFit/>
+          </a:bodyPr>
+          <a:lstStyle/>
+          <a:p>
+            <a:r>
+              <a:rPr lang="fr-FR" sz="1100">
+                <a:latin typeface="Avenir Book" panose="02000503020000020003" pitchFamily="2" charset="0"/>
+              </a:rPr>
+              <a:t>• Strongly reduces storage space requirements</a:t>
+            </a:r>
+          </a:p>
+          <a:p>
+            <a:r>
+              <a:rPr lang="fr-FR" sz="1100">
+                <a:latin typeface="Avenir Book" panose="02000503020000020003" pitchFamily="2" charset="0"/>
+              </a:rPr>
+              <a:t>• Provides live access to information</a:t>
+            </a:r>
+          </a:p>
+        </p:txBody>
+      </p:sp>
+      <p:sp>
+        <p:nvSpPr>
+          <p:cNvPr id="45" name="ZoneTexte 44">
+            <a:extLst>
+              <a:ext uri="{FF2B5EF4-FFF2-40B4-BE49-F238E27FC236}">
+                <a16:creationId xmlns:a16="http://schemas.microsoft.com/office/drawing/2014/main" id="{D0BE85B4-916A-2985-3B71-351EB90CA847}"/>
+              </a:ext>
+            </a:extLst>
+          </p:cNvPr>
+          <p:cNvSpPr txBox="1"/>
+          <p:nvPr/>
+        </p:nvSpPr>
+        <p:spPr>
+          <a:xfrm>
+            <a:off x="9614177" y="3421094"/>
+            <a:ext cx="1713318" cy="1277273"/>
+          </a:xfrm>
+          <a:prstGeom prst="rect">
+            <a:avLst/>
+          </a:prstGeom>
+          <a:noFill/>
+        </p:spPr>
+        <p:txBody>
+          <a:bodyPr wrap="square" rtlCol="0">
+            <a:spAutoFit/>
+          </a:bodyPr>
+          <a:lstStyle/>
+          <a:p>
+            <a:r>
+              <a:rPr lang="fr-FR" sz="1100">
+                <a:latin typeface="Avenir Book" panose="02000503020000020003" pitchFamily="2" charset="0"/>
+              </a:rPr>
+              <a:t>• Increases computational load (tree’s pruning and shortening)</a:t>
+            </a:r>
+          </a:p>
+          <a:p>
+            <a:r>
+              <a:rPr lang="fr-FR" sz="1100">
+                <a:latin typeface="Avenir Book" panose="02000503020000020003" pitchFamily="2" charset="0"/>
+              </a:rPr>
+              <a:t>• Increases live memory load (tree’s nodes must be stored in memory)</a:t>
+            </a:r>
+          </a:p>
+        </p:txBody>
+      </p:sp>
+      <p:sp>
+        <p:nvSpPr>
+          <p:cNvPr id="102" name="Rectangle 101">
+            <a:extLst>
+              <a:ext uri="{FF2B5EF4-FFF2-40B4-BE49-F238E27FC236}">
+                <a16:creationId xmlns:a16="http://schemas.microsoft.com/office/drawing/2014/main" id="{37945FF8-65B7-5B13-C20C-6686272A3BE6}"/>
+              </a:ext>
+            </a:extLst>
+          </p:cNvPr>
+          <p:cNvSpPr/>
+          <p:nvPr/>
+        </p:nvSpPr>
+        <p:spPr>
+          <a:xfrm>
+            <a:off x="7903441" y="1778261"/>
+            <a:ext cx="3424054" cy="3045522"/>
+          </a:xfrm>
+          <a:prstGeom prst="rect">
+            <a:avLst/>
+          </a:prstGeom>
+          <a:noFill/>
+          <a:ln>
+            <a:solidFill>
+              <a:srgbClr val="00D461"/>
+            </a:solidFill>
+            <a:prstDash val="dash"/>
+          </a:ln>
+        </p:spPr>
+        <p:style>
+          <a:lnRef idx="2">
+            <a:schemeClr val="accent1">
+              <a:shade val="50000"/>
+            </a:schemeClr>
+          </a:lnRef>
+          <a:fillRef idx="1">
+            <a:schemeClr val="accent1"/>
+          </a:fillRef>
+          <a:effectRef idx="0">
+            <a:schemeClr val="accent1"/>
+          </a:effectRef>
+          <a:fontRef idx="minor">
+            <a:schemeClr val="lt1"/>
+          </a:fontRef>
+        </p:style>
+        <p:txBody>
+          <a:bodyPr rtlCol="0" anchor="ctr"/>
+          <a:lstStyle/>
+          <a:p>
+            <a:pPr algn="ctr"/>
+            <a:endParaRPr lang="fr-FR"/>
+          </a:p>
+        </p:txBody>
+      </p:sp>
+    </p:spTree>
+    <p:extLst>
+      <p:ext uri="{BB962C8B-B14F-4D97-AF65-F5344CB8AC3E}">
+        <p14:creationId xmlns:p14="http://schemas.microsoft.com/office/powerpoint/2010/main" val="3929597125"/>
       </p:ext>
     </p:extLst>
   </p:cSld>

--- a/doc/backup_vs_live_tracking.pptx
+++ b/doc/backup_vs_live_tracking.pptx
@@ -4,6 +4,9 @@
   <p:sldMasterIdLst>
     <p:sldMasterId id="2147483648" r:id="rId1"/>
   </p:sldMasterIdLst>
+  <p:notesMasterIdLst>
+    <p:notesMasterId r:id="rId4"/>
+  </p:notesMasterIdLst>
   <p:sldIdLst>
     <p:sldId id="256" r:id="rId2"/>
     <p:sldId id="257" r:id="rId3"/>
@@ -113,6 +116,436 @@
 </p:presentation>
 </file>
 
+<file path=ppt/notesMasters/notesMaster1.xml><?xml version="1.0" encoding="utf-8"?>
+<p:notesMaster xmlns:a="http://schemas.openxmlformats.org/drawingml/2006/main" xmlns:r="http://schemas.openxmlformats.org/officeDocument/2006/relationships" xmlns:p="http://schemas.openxmlformats.org/presentationml/2006/main">
+  <p:cSld>
+    <p:bg>
+      <p:bgRef idx="1001">
+        <a:schemeClr val="bg1"/>
+      </p:bgRef>
+    </p:bg>
+    <p:spTree>
+      <p:nvGrpSpPr>
+        <p:cNvPr id="1" name=""/>
+        <p:cNvGrpSpPr/>
+        <p:nvPr/>
+      </p:nvGrpSpPr>
+      <p:grpSpPr>
+        <a:xfrm>
+          <a:off x="0" y="0"/>
+          <a:ext cx="0" cy="0"/>
+          <a:chOff x="0" y="0"/>
+          <a:chExt cx="0" cy="0"/>
+        </a:xfrm>
+      </p:grpSpPr>
+      <p:sp>
+        <p:nvSpPr>
+          <p:cNvPr id="2" name="Espace réservé de l'en-tête 1"/>
+          <p:cNvSpPr>
+            <a:spLocks noGrp="1"/>
+          </p:cNvSpPr>
+          <p:nvPr>
+            <p:ph type="hdr" sz="quarter"/>
+          </p:nvPr>
+        </p:nvSpPr>
+        <p:spPr>
+          <a:xfrm>
+            <a:off x="0" y="0"/>
+            <a:ext cx="2971800" cy="458788"/>
+          </a:xfrm>
+          <a:prstGeom prst="rect">
+            <a:avLst/>
+          </a:prstGeom>
+        </p:spPr>
+        <p:txBody>
+          <a:bodyPr vert="horz" lIns="91440" tIns="45720" rIns="91440" bIns="45720" rtlCol="0"/>
+          <a:lstStyle>
+            <a:lvl1pPr algn="l">
+              <a:defRPr sz="1200"/>
+            </a:lvl1pPr>
+          </a:lstStyle>
+          <a:p>
+            <a:endParaRPr lang="fr-FR"/>
+          </a:p>
+        </p:txBody>
+      </p:sp>
+      <p:sp>
+        <p:nvSpPr>
+          <p:cNvPr id="3" name="Espace réservé de la date 2"/>
+          <p:cNvSpPr>
+            <a:spLocks noGrp="1"/>
+          </p:cNvSpPr>
+          <p:nvPr>
+            <p:ph type="dt" idx="1"/>
+          </p:nvPr>
+        </p:nvSpPr>
+        <p:spPr>
+          <a:xfrm>
+            <a:off x="3884613" y="0"/>
+            <a:ext cx="2971800" cy="458788"/>
+          </a:xfrm>
+          <a:prstGeom prst="rect">
+            <a:avLst/>
+          </a:prstGeom>
+        </p:spPr>
+        <p:txBody>
+          <a:bodyPr vert="horz" lIns="91440" tIns="45720" rIns="91440" bIns="45720" rtlCol="0"/>
+          <a:lstStyle>
+            <a:lvl1pPr algn="r">
+              <a:defRPr sz="1200"/>
+            </a:lvl1pPr>
+          </a:lstStyle>
+          <a:p>
+            <a:fld id="{EAD27F31-BF5F-7F40-A56D-7CEE75C730A9}" type="datetimeFigureOut">
+              <a:t>20/09/2022</a:t>
+            </a:fld>
+            <a:endParaRPr lang="fr-FR"/>
+          </a:p>
+        </p:txBody>
+      </p:sp>
+      <p:sp>
+        <p:nvSpPr>
+          <p:cNvPr id="4" name="Espace réservé de l'image des diapositives 3"/>
+          <p:cNvSpPr>
+            <a:spLocks noGrp="1" noRot="1" noChangeAspect="1"/>
+          </p:cNvSpPr>
+          <p:nvPr>
+            <p:ph type="sldImg" idx="2"/>
+          </p:nvPr>
+        </p:nvSpPr>
+        <p:spPr>
+          <a:xfrm>
+            <a:off x="685800" y="1143000"/>
+            <a:ext cx="5486400" cy="3086100"/>
+          </a:xfrm>
+          <a:prstGeom prst="rect">
+            <a:avLst/>
+          </a:prstGeom>
+          <a:noFill/>
+          <a:ln w="12700">
+            <a:solidFill>
+              <a:prstClr val="black"/>
+            </a:solidFill>
+          </a:ln>
+        </p:spPr>
+        <p:txBody>
+          <a:bodyPr vert="horz" lIns="91440" tIns="45720" rIns="91440" bIns="45720" rtlCol="0" anchor="ctr"/>
+          <a:lstStyle/>
+          <a:p>
+            <a:endParaRPr lang="fr-FR"/>
+          </a:p>
+        </p:txBody>
+      </p:sp>
+      <p:sp>
+        <p:nvSpPr>
+          <p:cNvPr id="5" name="Espace réservé des notes 4"/>
+          <p:cNvSpPr>
+            <a:spLocks noGrp="1"/>
+          </p:cNvSpPr>
+          <p:nvPr>
+            <p:ph type="body" sz="quarter" idx="3"/>
+          </p:nvPr>
+        </p:nvSpPr>
+        <p:spPr>
+          <a:xfrm>
+            <a:off x="685800" y="4400550"/>
+            <a:ext cx="5486400" cy="3600450"/>
+          </a:xfrm>
+          <a:prstGeom prst="rect">
+            <a:avLst/>
+          </a:prstGeom>
+        </p:spPr>
+        <p:txBody>
+          <a:bodyPr vert="horz" lIns="91440" tIns="45720" rIns="91440" bIns="45720" rtlCol="0"/>
+          <a:lstStyle/>
+          <a:p>
+            <a:pPr lvl="0"/>
+            <a:r>
+              <a:rPr lang="fr-FR"/>
+              <a:t>Cliquez pour modifier les styles du texte du masque</a:t>
+            </a:r>
+          </a:p>
+          <a:p>
+            <a:pPr lvl="1"/>
+            <a:r>
+              <a:rPr lang="fr-FR"/>
+              <a:t>Deuxième niveau</a:t>
+            </a:r>
+          </a:p>
+          <a:p>
+            <a:pPr lvl="2"/>
+            <a:r>
+              <a:rPr lang="fr-FR"/>
+              <a:t>Troisième niveau</a:t>
+            </a:r>
+          </a:p>
+          <a:p>
+            <a:pPr lvl="3"/>
+            <a:r>
+              <a:rPr lang="fr-FR"/>
+              <a:t>Quatrième niveau</a:t>
+            </a:r>
+          </a:p>
+          <a:p>
+            <a:pPr lvl="4"/>
+            <a:r>
+              <a:rPr lang="fr-FR"/>
+              <a:t>Cinquième niveau</a:t>
+            </a:r>
+          </a:p>
+        </p:txBody>
+      </p:sp>
+      <p:sp>
+        <p:nvSpPr>
+          <p:cNvPr id="6" name="Espace réservé du pied de page 5"/>
+          <p:cNvSpPr>
+            <a:spLocks noGrp="1"/>
+          </p:cNvSpPr>
+          <p:nvPr>
+            <p:ph type="ftr" sz="quarter" idx="4"/>
+          </p:nvPr>
+        </p:nvSpPr>
+        <p:spPr>
+          <a:xfrm>
+            <a:off x="0" y="8685213"/>
+            <a:ext cx="2971800" cy="458787"/>
+          </a:xfrm>
+          <a:prstGeom prst="rect">
+            <a:avLst/>
+          </a:prstGeom>
+        </p:spPr>
+        <p:txBody>
+          <a:bodyPr vert="horz" lIns="91440" tIns="45720" rIns="91440" bIns="45720" rtlCol="0" anchor="b"/>
+          <a:lstStyle>
+            <a:lvl1pPr algn="l">
+              <a:defRPr sz="1200"/>
+            </a:lvl1pPr>
+          </a:lstStyle>
+          <a:p>
+            <a:endParaRPr lang="fr-FR"/>
+          </a:p>
+        </p:txBody>
+      </p:sp>
+      <p:sp>
+        <p:nvSpPr>
+          <p:cNvPr id="7" name="Espace réservé du numéro de diapositive 6"/>
+          <p:cNvSpPr>
+            <a:spLocks noGrp="1"/>
+          </p:cNvSpPr>
+          <p:nvPr>
+            <p:ph type="sldNum" sz="quarter" idx="5"/>
+          </p:nvPr>
+        </p:nvSpPr>
+        <p:spPr>
+          <a:xfrm>
+            <a:off x="3884613" y="8685213"/>
+            <a:ext cx="2971800" cy="458787"/>
+          </a:xfrm>
+          <a:prstGeom prst="rect">
+            <a:avLst/>
+          </a:prstGeom>
+        </p:spPr>
+        <p:txBody>
+          <a:bodyPr vert="horz" lIns="91440" tIns="45720" rIns="91440" bIns="45720" rtlCol="0" anchor="b"/>
+          <a:lstStyle>
+            <a:lvl1pPr algn="r">
+              <a:defRPr sz="1200"/>
+            </a:lvl1pPr>
+          </a:lstStyle>
+          <a:p>
+            <a:fld id="{C31B2C0B-05F7-244E-A051-6BCDEE712B6E}" type="slidenum">
+              <a:t>‹N°›</a:t>
+            </a:fld>
+            <a:endParaRPr lang="fr-FR"/>
+          </a:p>
+        </p:txBody>
+      </p:sp>
+    </p:spTree>
+    <p:extLst>
+      <p:ext uri="{BB962C8B-B14F-4D97-AF65-F5344CB8AC3E}">
+        <p14:creationId xmlns:p14="http://schemas.microsoft.com/office/powerpoint/2010/main" val="1477900315"/>
+      </p:ext>
+    </p:extLst>
+  </p:cSld>
+  <p:clrMap bg1="lt1" tx1="dk1" bg2="lt2" tx2="dk2" accent1="accent1" accent2="accent2" accent3="accent3" accent4="accent4" accent5="accent5" accent6="accent6" hlink="hlink" folHlink="folHlink"/>
+  <p:notesStyle>
+    <a:lvl1pPr marL="0" algn="l" defTabSz="914400" rtl="0" eaLnBrk="1" latinLnBrk="0" hangingPunct="1">
+      <a:defRPr sz="1200" kern="1200">
+        <a:solidFill>
+          <a:schemeClr val="tx1"/>
+        </a:solidFill>
+        <a:latin typeface="+mn-lt"/>
+        <a:ea typeface="+mn-ea"/>
+        <a:cs typeface="+mn-cs"/>
+      </a:defRPr>
+    </a:lvl1pPr>
+    <a:lvl2pPr marL="457200" algn="l" defTabSz="914400" rtl="0" eaLnBrk="1" latinLnBrk="0" hangingPunct="1">
+      <a:defRPr sz="1200" kern="1200">
+        <a:solidFill>
+          <a:schemeClr val="tx1"/>
+        </a:solidFill>
+        <a:latin typeface="+mn-lt"/>
+        <a:ea typeface="+mn-ea"/>
+        <a:cs typeface="+mn-cs"/>
+      </a:defRPr>
+    </a:lvl2pPr>
+    <a:lvl3pPr marL="914400" algn="l" defTabSz="914400" rtl="0" eaLnBrk="1" latinLnBrk="0" hangingPunct="1">
+      <a:defRPr sz="1200" kern="1200">
+        <a:solidFill>
+          <a:schemeClr val="tx1"/>
+        </a:solidFill>
+        <a:latin typeface="+mn-lt"/>
+        <a:ea typeface="+mn-ea"/>
+        <a:cs typeface="+mn-cs"/>
+      </a:defRPr>
+    </a:lvl3pPr>
+    <a:lvl4pPr marL="1371600" algn="l" defTabSz="914400" rtl="0" eaLnBrk="1" latinLnBrk="0" hangingPunct="1">
+      <a:defRPr sz="1200" kern="1200">
+        <a:solidFill>
+          <a:schemeClr val="tx1"/>
+        </a:solidFill>
+        <a:latin typeface="+mn-lt"/>
+        <a:ea typeface="+mn-ea"/>
+        <a:cs typeface="+mn-cs"/>
+      </a:defRPr>
+    </a:lvl4pPr>
+    <a:lvl5pPr marL="1828800" algn="l" defTabSz="914400" rtl="0" eaLnBrk="1" latinLnBrk="0" hangingPunct="1">
+      <a:defRPr sz="1200" kern="1200">
+        <a:solidFill>
+          <a:schemeClr val="tx1"/>
+        </a:solidFill>
+        <a:latin typeface="+mn-lt"/>
+        <a:ea typeface="+mn-ea"/>
+        <a:cs typeface="+mn-cs"/>
+      </a:defRPr>
+    </a:lvl5pPr>
+    <a:lvl6pPr marL="2286000" algn="l" defTabSz="914400" rtl="0" eaLnBrk="1" latinLnBrk="0" hangingPunct="1">
+      <a:defRPr sz="1200" kern="1200">
+        <a:solidFill>
+          <a:schemeClr val="tx1"/>
+        </a:solidFill>
+        <a:latin typeface="+mn-lt"/>
+        <a:ea typeface="+mn-ea"/>
+        <a:cs typeface="+mn-cs"/>
+      </a:defRPr>
+    </a:lvl6pPr>
+    <a:lvl7pPr marL="2743200" algn="l" defTabSz="914400" rtl="0" eaLnBrk="1" latinLnBrk="0" hangingPunct="1">
+      <a:defRPr sz="1200" kern="1200">
+        <a:solidFill>
+          <a:schemeClr val="tx1"/>
+        </a:solidFill>
+        <a:latin typeface="+mn-lt"/>
+        <a:ea typeface="+mn-ea"/>
+        <a:cs typeface="+mn-cs"/>
+      </a:defRPr>
+    </a:lvl7pPr>
+    <a:lvl8pPr marL="3200400" algn="l" defTabSz="914400" rtl="0" eaLnBrk="1" latinLnBrk="0" hangingPunct="1">
+      <a:defRPr sz="1200" kern="1200">
+        <a:solidFill>
+          <a:schemeClr val="tx1"/>
+        </a:solidFill>
+        <a:latin typeface="+mn-lt"/>
+        <a:ea typeface="+mn-ea"/>
+        <a:cs typeface="+mn-cs"/>
+      </a:defRPr>
+    </a:lvl8pPr>
+    <a:lvl9pPr marL="3657600" algn="l" defTabSz="914400" rtl="0" eaLnBrk="1" latinLnBrk="0" hangingPunct="1">
+      <a:defRPr sz="1200" kern="1200">
+        <a:solidFill>
+          <a:schemeClr val="tx1"/>
+        </a:solidFill>
+        <a:latin typeface="+mn-lt"/>
+        <a:ea typeface="+mn-ea"/>
+        <a:cs typeface="+mn-cs"/>
+      </a:defRPr>
+    </a:lvl9pPr>
+  </p:notesStyle>
+</p:notesMaster>
+</file>
+
+<file path=ppt/notesSlides/notesSlide1.xml><?xml version="1.0" encoding="utf-8"?>
+<p:notes xmlns:a="http://schemas.openxmlformats.org/drawingml/2006/main" xmlns:r="http://schemas.openxmlformats.org/officeDocument/2006/relationships" xmlns:p="http://schemas.openxmlformats.org/presentationml/2006/main">
+  <p:cSld>
+    <p:spTree>
+      <p:nvGrpSpPr>
+        <p:cNvPr id="1" name=""/>
+        <p:cNvGrpSpPr/>
+        <p:nvPr/>
+      </p:nvGrpSpPr>
+      <p:grpSpPr>
+        <a:xfrm>
+          <a:off x="0" y="0"/>
+          <a:ext cx="0" cy="0"/>
+          <a:chOff x="0" y="0"/>
+          <a:chExt cx="0" cy="0"/>
+        </a:xfrm>
+      </p:grpSpPr>
+      <p:sp>
+        <p:nvSpPr>
+          <p:cNvPr id="2" name="Espace réservé de l'image des diapositives 1"/>
+          <p:cNvSpPr>
+            <a:spLocks noGrp="1" noRot="1" noChangeAspect="1"/>
+          </p:cNvSpPr>
+          <p:nvPr>
+            <p:ph type="sldImg"/>
+          </p:nvPr>
+        </p:nvSpPr>
+        <p:spPr/>
+      </p:sp>
+      <p:sp>
+        <p:nvSpPr>
+          <p:cNvPr id="3" name="Espace réservé des notes 2"/>
+          <p:cNvSpPr>
+            <a:spLocks noGrp="1"/>
+          </p:cNvSpPr>
+          <p:nvPr>
+            <p:ph type="body" idx="1"/>
+          </p:nvPr>
+        </p:nvSpPr>
+        <p:spPr/>
+        <p:txBody>
+          <a:bodyPr/>
+          <a:lstStyle/>
+          <a:p>
+            <a:endParaRPr lang="fr-FR"/>
+          </a:p>
+        </p:txBody>
+      </p:sp>
+      <p:sp>
+        <p:nvSpPr>
+          <p:cNvPr id="4" name="Espace réservé du numéro de diapositive 3"/>
+          <p:cNvSpPr>
+            <a:spLocks noGrp="1"/>
+          </p:cNvSpPr>
+          <p:nvPr>
+            <p:ph type="sldNum" sz="quarter" idx="5"/>
+          </p:nvPr>
+        </p:nvSpPr>
+        <p:spPr/>
+        <p:txBody>
+          <a:bodyPr/>
+          <a:lstStyle/>
+          <a:p>
+            <a:fld id="{C31B2C0B-05F7-244E-A051-6BCDEE712B6E}" type="slidenum">
+              <a:t>2</a:t>
+            </a:fld>
+            <a:endParaRPr lang="fr-FR"/>
+          </a:p>
+        </p:txBody>
+      </p:sp>
+    </p:spTree>
+    <p:extLst>
+      <p:ext uri="{BB962C8B-B14F-4D97-AF65-F5344CB8AC3E}">
+        <p14:creationId xmlns:p14="http://schemas.microsoft.com/office/powerpoint/2010/main" val="2367723846"/>
+      </p:ext>
+    </p:extLst>
+  </p:cSld>
+  <p:clrMapOvr>
+    <a:masterClrMapping/>
+  </p:clrMapOvr>
+</p:notes>
+</file>
+
 <file path=ppt/slideLayouts/slideLayout1.xml><?xml version="1.0" encoding="utf-8"?>
 <p:sldLayout xmlns:a="http://schemas.openxmlformats.org/drawingml/2006/main" xmlns:r="http://schemas.openxmlformats.org/officeDocument/2006/relationships" xmlns:p="http://schemas.openxmlformats.org/presentationml/2006/main" type="title" preserve="1">
   <p:cSld name="Diapositive de titre">
@@ -259,7 +692,7 @@
           <a:lstStyle/>
           <a:p>
             <a:fld id="{DB59BE99-1D5B-A54A-987A-4EB64A74179F}" type="datetimeFigureOut">
-              <a:t>07/09/2022</a:t>
+              <a:t>20/09/2022</a:t>
             </a:fld>
             <a:endParaRPr lang="fr-FR"/>
           </a:p>
@@ -455,7 +888,7 @@
           <a:lstStyle/>
           <a:p>
             <a:fld id="{DB59BE99-1D5B-A54A-987A-4EB64A74179F}" type="datetimeFigureOut">
-              <a:t>07/09/2022</a:t>
+              <a:t>20/09/2022</a:t>
             </a:fld>
             <a:endParaRPr lang="fr-FR"/>
           </a:p>
@@ -661,7 +1094,7 @@
           <a:lstStyle/>
           <a:p>
             <a:fld id="{DB59BE99-1D5B-A54A-987A-4EB64A74179F}" type="datetimeFigureOut">
-              <a:t>07/09/2022</a:t>
+              <a:t>20/09/2022</a:t>
             </a:fld>
             <a:endParaRPr lang="fr-FR"/>
           </a:p>
@@ -857,7 +1290,7 @@
           <a:lstStyle/>
           <a:p>
             <a:fld id="{DB59BE99-1D5B-A54A-987A-4EB64A74179F}" type="datetimeFigureOut">
-              <a:t>07/09/2022</a:t>
+              <a:t>20/09/2022</a:t>
             </a:fld>
             <a:endParaRPr lang="fr-FR"/>
           </a:p>
@@ -1130,7 +1563,7 @@
           <a:lstStyle/>
           <a:p>
             <a:fld id="{DB59BE99-1D5B-A54A-987A-4EB64A74179F}" type="datetimeFigureOut">
-              <a:t>07/09/2022</a:t>
+              <a:t>20/09/2022</a:t>
             </a:fld>
             <a:endParaRPr lang="fr-FR"/>
           </a:p>
@@ -1393,7 +1826,7 @@
           <a:lstStyle/>
           <a:p>
             <a:fld id="{DB59BE99-1D5B-A54A-987A-4EB64A74179F}" type="datetimeFigureOut">
-              <a:t>07/09/2022</a:t>
+              <a:t>20/09/2022</a:t>
             </a:fld>
             <a:endParaRPr lang="fr-FR"/>
           </a:p>
@@ -1803,7 +2236,7 @@
           <a:lstStyle/>
           <a:p>
             <a:fld id="{DB59BE99-1D5B-A54A-987A-4EB64A74179F}" type="datetimeFigureOut">
-              <a:t>07/09/2022</a:t>
+              <a:t>20/09/2022</a:t>
             </a:fld>
             <a:endParaRPr lang="fr-FR"/>
           </a:p>
@@ -1942,7 +2375,7 @@
           <a:lstStyle/>
           <a:p>
             <a:fld id="{DB59BE99-1D5B-A54A-987A-4EB64A74179F}" type="datetimeFigureOut">
-              <a:t>07/09/2022</a:t>
+              <a:t>20/09/2022</a:t>
             </a:fld>
             <a:endParaRPr lang="fr-FR"/>
           </a:p>
@@ -2053,7 +2486,7 @@
           <a:lstStyle/>
           <a:p>
             <a:fld id="{DB59BE99-1D5B-A54A-987A-4EB64A74179F}" type="datetimeFigureOut">
-              <a:t>07/09/2022</a:t>
+              <a:t>20/09/2022</a:t>
             </a:fld>
             <a:endParaRPr lang="fr-FR"/>
           </a:p>
@@ -2362,7 +2795,7 @@
           <a:lstStyle/>
           <a:p>
             <a:fld id="{DB59BE99-1D5B-A54A-987A-4EB64A74179F}" type="datetimeFigureOut">
-              <a:t>07/09/2022</a:t>
+              <a:t>20/09/2022</a:t>
             </a:fld>
             <a:endParaRPr lang="fr-FR"/>
           </a:p>
@@ -2648,7 +3081,7 @@
           <a:lstStyle/>
           <a:p>
             <a:fld id="{DB59BE99-1D5B-A54A-987A-4EB64A74179F}" type="datetimeFigureOut">
-              <a:t>07/09/2022</a:t>
+              <a:t>20/09/2022</a:t>
             </a:fld>
             <a:endParaRPr lang="fr-FR"/>
           </a:p>
@@ -2887,7 +3320,7 @@
           </a:lstStyle>
           <a:p>
             <a:fld id="{DB59BE99-1D5B-A54A-987A-4EB64A74179F}" type="datetimeFigureOut">
-              <a:t>07/09/2022</a:t>
+              <a:t>20/09/2022</a:t>
             </a:fld>
             <a:endParaRPr lang="fr-FR"/>
           </a:p>
@@ -12515,7 +12948,7 @@
         </p:nvSpPr>
         <p:spPr>
           <a:xfrm>
-            <a:off x="2481671" y="1693551"/>
+            <a:off x="2481671" y="885655"/>
             <a:ext cx="1546076" cy="1470350"/>
           </a:xfrm>
           <a:prstGeom prst="rect">
@@ -12572,7 +13005,7 @@
         </p:nvSpPr>
         <p:spPr>
           <a:xfrm>
-            <a:off x="564187" y="1693551"/>
+            <a:off x="564187" y="885655"/>
             <a:ext cx="1546076" cy="1470350"/>
           </a:xfrm>
           <a:prstGeom prst="rect">
@@ -12629,7 +13062,7 @@
         </p:nvSpPr>
         <p:spPr>
           <a:xfrm>
-            <a:off x="4417402" y="1693551"/>
+            <a:off x="4417402" y="885655"/>
             <a:ext cx="1546076" cy="1470350"/>
           </a:xfrm>
           <a:prstGeom prst="rect">
@@ -12686,7 +13119,7 @@
         </p:nvSpPr>
         <p:spPr>
           <a:xfrm>
-            <a:off x="515245" y="3359878"/>
+            <a:off x="515245" y="2551982"/>
             <a:ext cx="6236537" cy="126778"/>
           </a:xfrm>
           <a:prstGeom prst="homePlate">
@@ -12738,7 +13171,7 @@
         </p:nvSpPr>
         <p:spPr>
           <a:xfrm>
-            <a:off x="6710160" y="3190938"/>
+            <a:off x="6710160" y="2383042"/>
             <a:ext cx="972593" cy="461665"/>
           </a:xfrm>
           <a:prstGeom prst="rect">
@@ -12775,7 +13208,7 @@
         </p:nvSpPr>
         <p:spPr>
           <a:xfrm>
-            <a:off x="407721" y="1000504"/>
+            <a:off x="407721" y="192608"/>
             <a:ext cx="10914940" cy="338554"/>
           </a:xfrm>
           <a:prstGeom prst="rect">
@@ -12826,7 +13259,7 @@
         </p:nvSpPr>
         <p:spPr>
           <a:xfrm>
-            <a:off x="407721" y="5270637"/>
+            <a:off x="407721" y="5930759"/>
             <a:ext cx="10914940" cy="338554"/>
           </a:xfrm>
           <a:prstGeom prst="rect">
@@ -12874,7 +13307,7 @@
         </p:nvSpPr>
         <p:spPr>
           <a:xfrm>
-            <a:off x="609152" y="1743661"/>
+            <a:off x="609152" y="935765"/>
             <a:ext cx="160543" cy="160543"/>
           </a:xfrm>
           <a:prstGeom prst="ellipse">
@@ -12928,7 +13361,7 @@
         </p:nvSpPr>
         <p:spPr>
           <a:xfrm>
-            <a:off x="609152" y="2048585"/>
+            <a:off x="609152" y="1240689"/>
             <a:ext cx="160543" cy="160543"/>
           </a:xfrm>
           <a:prstGeom prst="ellipse">
@@ -12982,7 +13415,7 @@
         </p:nvSpPr>
         <p:spPr>
           <a:xfrm>
-            <a:off x="609151" y="2353509"/>
+            <a:off x="609151" y="1545613"/>
             <a:ext cx="160543" cy="160543"/>
           </a:xfrm>
           <a:prstGeom prst="ellipse">
@@ -13036,7 +13469,7 @@
         </p:nvSpPr>
         <p:spPr>
           <a:xfrm>
-            <a:off x="609151" y="2658433"/>
+            <a:off x="609151" y="1850537"/>
             <a:ext cx="160543" cy="160543"/>
           </a:xfrm>
           <a:prstGeom prst="ellipse">
@@ -13092,7 +13525,7 @@
         </p:nvSpPr>
         <p:spPr>
           <a:xfrm>
-            <a:off x="609151" y="2963357"/>
+            <a:off x="609151" y="2155461"/>
             <a:ext cx="160543" cy="160543"/>
           </a:xfrm>
           <a:prstGeom prst="ellipse">
@@ -13146,7 +13579,7 @@
         </p:nvSpPr>
         <p:spPr>
           <a:xfrm>
-            <a:off x="922096" y="1743661"/>
+            <a:off x="922096" y="935765"/>
             <a:ext cx="160543" cy="160543"/>
           </a:xfrm>
           <a:prstGeom prst="ellipse">
@@ -13200,7 +13633,7 @@
         </p:nvSpPr>
         <p:spPr>
           <a:xfrm>
-            <a:off x="922096" y="2048585"/>
+            <a:off x="922096" y="1240689"/>
             <a:ext cx="160543" cy="160543"/>
           </a:xfrm>
           <a:prstGeom prst="ellipse">
@@ -13254,7 +13687,7 @@
         </p:nvSpPr>
         <p:spPr>
           <a:xfrm>
-            <a:off x="922095" y="2353509"/>
+            <a:off x="922095" y="1545613"/>
             <a:ext cx="160543" cy="160543"/>
           </a:xfrm>
           <a:prstGeom prst="ellipse">
@@ -13310,7 +13743,7 @@
         </p:nvSpPr>
         <p:spPr>
           <a:xfrm>
-            <a:off x="922095" y="2658433"/>
+            <a:off x="922095" y="1850537"/>
             <a:ext cx="160543" cy="160543"/>
           </a:xfrm>
           <a:prstGeom prst="ellipse">
@@ -13364,7 +13797,7 @@
         </p:nvSpPr>
         <p:spPr>
           <a:xfrm>
-            <a:off x="922095" y="2963357"/>
+            <a:off x="922095" y="2155461"/>
             <a:ext cx="160543" cy="160543"/>
           </a:xfrm>
           <a:prstGeom prst="ellipse">
@@ -13418,7 +13851,7 @@
         </p:nvSpPr>
         <p:spPr>
           <a:xfrm>
-            <a:off x="1235040" y="1743661"/>
+            <a:off x="1235040" y="935765"/>
             <a:ext cx="160543" cy="160543"/>
           </a:xfrm>
           <a:prstGeom prst="ellipse">
@@ -13472,7 +13905,7 @@
         </p:nvSpPr>
         <p:spPr>
           <a:xfrm>
-            <a:off x="1235040" y="2048585"/>
+            <a:off x="1235040" y="1240689"/>
             <a:ext cx="160543" cy="160543"/>
           </a:xfrm>
           <a:prstGeom prst="ellipse">
@@ -13528,7 +13961,7 @@
         </p:nvSpPr>
         <p:spPr>
           <a:xfrm>
-            <a:off x="1235039" y="2353509"/>
+            <a:off x="1235039" y="1545613"/>
             <a:ext cx="160543" cy="160543"/>
           </a:xfrm>
           <a:prstGeom prst="ellipse">
@@ -13582,7 +14015,7 @@
         </p:nvSpPr>
         <p:spPr>
           <a:xfrm>
-            <a:off x="1235039" y="2658433"/>
+            <a:off x="1235039" y="1850537"/>
             <a:ext cx="160543" cy="160543"/>
           </a:xfrm>
           <a:prstGeom prst="ellipse">
@@ -13636,7 +14069,7 @@
         </p:nvSpPr>
         <p:spPr>
           <a:xfrm>
-            <a:off x="1235039" y="2963357"/>
+            <a:off x="1235039" y="2155461"/>
             <a:ext cx="160543" cy="160543"/>
           </a:xfrm>
           <a:prstGeom prst="ellipse">
@@ -13690,7 +14123,7 @@
         </p:nvSpPr>
         <p:spPr>
           <a:xfrm>
-            <a:off x="1547984" y="1743661"/>
+            <a:off x="1547984" y="935765"/>
             <a:ext cx="160543" cy="160543"/>
           </a:xfrm>
           <a:prstGeom prst="ellipse">
@@ -13744,7 +14177,7 @@
         </p:nvSpPr>
         <p:spPr>
           <a:xfrm>
-            <a:off x="1547984" y="2048585"/>
+            <a:off x="1547984" y="1240689"/>
             <a:ext cx="160543" cy="160543"/>
           </a:xfrm>
           <a:prstGeom prst="ellipse">
@@ -13798,7 +14231,7 @@
         </p:nvSpPr>
         <p:spPr>
           <a:xfrm>
-            <a:off x="1547983" y="2353509"/>
+            <a:off x="1547983" y="1545613"/>
             <a:ext cx="160543" cy="160543"/>
           </a:xfrm>
           <a:prstGeom prst="ellipse">
@@ -13854,7 +14287,7 @@
         </p:nvSpPr>
         <p:spPr>
           <a:xfrm>
-            <a:off x="1547983" y="2658433"/>
+            <a:off x="1547983" y="1850537"/>
             <a:ext cx="160543" cy="160543"/>
           </a:xfrm>
           <a:prstGeom prst="ellipse">
@@ -13908,7 +14341,7 @@
         </p:nvSpPr>
         <p:spPr>
           <a:xfrm>
-            <a:off x="1547983" y="2963357"/>
+            <a:off x="1547983" y="2155461"/>
             <a:ext cx="160543" cy="160543"/>
           </a:xfrm>
           <a:prstGeom prst="ellipse">
@@ -13962,7 +14395,7 @@
         </p:nvSpPr>
         <p:spPr>
           <a:xfrm>
-            <a:off x="1860928" y="1743661"/>
+            <a:off x="1860928" y="935765"/>
             <a:ext cx="160543" cy="160543"/>
           </a:xfrm>
           <a:prstGeom prst="ellipse">
@@ -14016,7 +14449,7 @@
         </p:nvSpPr>
         <p:spPr>
           <a:xfrm>
-            <a:off x="1860928" y="2048585"/>
+            <a:off x="1860928" y="1240689"/>
             <a:ext cx="160543" cy="160543"/>
           </a:xfrm>
           <a:prstGeom prst="ellipse">
@@ -14070,7 +14503,7 @@
         </p:nvSpPr>
         <p:spPr>
           <a:xfrm>
-            <a:off x="1860927" y="2353509"/>
+            <a:off x="1860927" y="1545613"/>
             <a:ext cx="160543" cy="160543"/>
           </a:xfrm>
           <a:prstGeom prst="ellipse">
@@ -14126,7 +14559,7 @@
         </p:nvSpPr>
         <p:spPr>
           <a:xfrm>
-            <a:off x="1860927" y="2658433"/>
+            <a:off x="1860927" y="1850537"/>
             <a:ext cx="160543" cy="160543"/>
           </a:xfrm>
           <a:prstGeom prst="ellipse">
@@ -14180,7 +14613,7 @@
         </p:nvSpPr>
         <p:spPr>
           <a:xfrm>
-            <a:off x="1860927" y="2963357"/>
+            <a:off x="1860927" y="2155461"/>
             <a:ext cx="160543" cy="160543"/>
           </a:xfrm>
           <a:prstGeom prst="ellipse">
@@ -14234,7 +14667,7 @@
         </p:nvSpPr>
         <p:spPr>
           <a:xfrm>
-            <a:off x="2538718" y="1743661"/>
+            <a:off x="2538718" y="935765"/>
             <a:ext cx="160543" cy="160543"/>
           </a:xfrm>
           <a:prstGeom prst="ellipse">
@@ -14288,7 +14721,7 @@
         </p:nvSpPr>
         <p:spPr>
           <a:xfrm>
-            <a:off x="2538718" y="2048585"/>
+            <a:off x="2538718" y="1240689"/>
             <a:ext cx="160543" cy="160543"/>
           </a:xfrm>
           <a:prstGeom prst="ellipse">
@@ -14342,7 +14775,7 @@
         </p:nvSpPr>
         <p:spPr>
           <a:xfrm>
-            <a:off x="2538717" y="2353509"/>
+            <a:off x="2538717" y="1545613"/>
             <a:ext cx="160543" cy="160543"/>
           </a:xfrm>
           <a:prstGeom prst="ellipse">
@@ -14396,7 +14829,7 @@
         </p:nvSpPr>
         <p:spPr>
           <a:xfrm>
-            <a:off x="2538717" y="2658433"/>
+            <a:off x="2538717" y="1850537"/>
             <a:ext cx="160543" cy="160543"/>
           </a:xfrm>
           <a:prstGeom prst="ellipse">
@@ -14452,7 +14885,7 @@
         </p:nvSpPr>
         <p:spPr>
           <a:xfrm>
-            <a:off x="2538717" y="2963357"/>
+            <a:off x="2538717" y="2155461"/>
             <a:ext cx="160543" cy="160543"/>
           </a:xfrm>
           <a:prstGeom prst="ellipse">
@@ -14506,7 +14939,7 @@
         </p:nvSpPr>
         <p:spPr>
           <a:xfrm>
-            <a:off x="2851662" y="1743661"/>
+            <a:off x="2851662" y="935765"/>
             <a:ext cx="160543" cy="160543"/>
           </a:xfrm>
           <a:prstGeom prst="ellipse">
@@ -14560,7 +14993,7 @@
         </p:nvSpPr>
         <p:spPr>
           <a:xfrm>
-            <a:off x="2851662" y="2048585"/>
+            <a:off x="2851662" y="1240689"/>
             <a:ext cx="160543" cy="160543"/>
           </a:xfrm>
           <a:prstGeom prst="ellipse">
@@ -14614,7 +15047,7 @@
         </p:nvSpPr>
         <p:spPr>
           <a:xfrm>
-            <a:off x="2851661" y="2353509"/>
+            <a:off x="2851661" y="1545613"/>
             <a:ext cx="160543" cy="160543"/>
           </a:xfrm>
           <a:prstGeom prst="ellipse">
@@ -14670,7 +15103,7 @@
         </p:nvSpPr>
         <p:spPr>
           <a:xfrm>
-            <a:off x="2851661" y="2658433"/>
+            <a:off x="2851661" y="1850537"/>
             <a:ext cx="160543" cy="160543"/>
           </a:xfrm>
           <a:prstGeom prst="ellipse">
@@ -14724,7 +15157,7 @@
         </p:nvSpPr>
         <p:spPr>
           <a:xfrm>
-            <a:off x="2851661" y="2963357"/>
+            <a:off x="2851661" y="2155461"/>
             <a:ext cx="160543" cy="160543"/>
           </a:xfrm>
           <a:prstGeom prst="ellipse">
@@ -14778,7 +15211,7 @@
         </p:nvSpPr>
         <p:spPr>
           <a:xfrm>
-            <a:off x="3164606" y="1743661"/>
+            <a:off x="3164606" y="935765"/>
             <a:ext cx="160543" cy="160543"/>
           </a:xfrm>
           <a:prstGeom prst="ellipse">
@@ -14832,7 +15265,7 @@
         </p:nvSpPr>
         <p:spPr>
           <a:xfrm>
-            <a:off x="3164606" y="2048585"/>
+            <a:off x="3164606" y="1240689"/>
             <a:ext cx="160543" cy="160543"/>
           </a:xfrm>
           <a:prstGeom prst="ellipse">
@@ -14888,7 +15321,7 @@
         </p:nvSpPr>
         <p:spPr>
           <a:xfrm>
-            <a:off x="3164605" y="2353509"/>
+            <a:off x="3164605" y="1545613"/>
             <a:ext cx="160543" cy="160543"/>
           </a:xfrm>
           <a:prstGeom prst="ellipse">
@@ -14942,7 +15375,7 @@
         </p:nvSpPr>
         <p:spPr>
           <a:xfrm>
-            <a:off x="3164605" y="2658433"/>
+            <a:off x="3164605" y="1850537"/>
             <a:ext cx="160543" cy="160543"/>
           </a:xfrm>
           <a:prstGeom prst="ellipse">
@@ -14996,7 +15429,7 @@
         </p:nvSpPr>
         <p:spPr>
           <a:xfrm>
-            <a:off x="3164605" y="2963357"/>
+            <a:off x="3164605" y="2155461"/>
             <a:ext cx="160543" cy="160543"/>
           </a:xfrm>
           <a:prstGeom prst="ellipse">
@@ -15050,7 +15483,7 @@
         </p:nvSpPr>
         <p:spPr>
           <a:xfrm>
-            <a:off x="3477550" y="1743661"/>
+            <a:off x="3477550" y="935765"/>
             <a:ext cx="160543" cy="160543"/>
           </a:xfrm>
           <a:prstGeom prst="ellipse">
@@ -15104,7 +15537,7 @@
         </p:nvSpPr>
         <p:spPr>
           <a:xfrm>
-            <a:off x="3477550" y="2048585"/>
+            <a:off x="3477550" y="1240689"/>
             <a:ext cx="160543" cy="160543"/>
           </a:xfrm>
           <a:prstGeom prst="ellipse">
@@ -15160,7 +15593,7 @@
         </p:nvSpPr>
         <p:spPr>
           <a:xfrm>
-            <a:off x="3477549" y="2353509"/>
+            <a:off x="3477549" y="1545613"/>
             <a:ext cx="160543" cy="160543"/>
           </a:xfrm>
           <a:prstGeom prst="ellipse">
@@ -15214,7 +15647,7 @@
         </p:nvSpPr>
         <p:spPr>
           <a:xfrm>
-            <a:off x="3477549" y="2658433"/>
+            <a:off x="3477549" y="1850537"/>
             <a:ext cx="160543" cy="160543"/>
           </a:xfrm>
           <a:prstGeom prst="ellipse">
@@ -15268,7 +15701,7 @@
         </p:nvSpPr>
         <p:spPr>
           <a:xfrm>
-            <a:off x="3477549" y="2963357"/>
+            <a:off x="3477549" y="2155461"/>
             <a:ext cx="160543" cy="160543"/>
           </a:xfrm>
           <a:prstGeom prst="ellipse">
@@ -15322,7 +15755,7 @@
         </p:nvSpPr>
         <p:spPr>
           <a:xfrm>
-            <a:off x="3790494" y="1743661"/>
+            <a:off x="3790494" y="935765"/>
             <a:ext cx="160543" cy="160543"/>
           </a:xfrm>
           <a:prstGeom prst="ellipse">
@@ -15376,7 +15809,7 @@
         </p:nvSpPr>
         <p:spPr>
           <a:xfrm>
-            <a:off x="3790494" y="2048585"/>
+            <a:off x="3790494" y="1240689"/>
             <a:ext cx="160543" cy="160543"/>
           </a:xfrm>
           <a:prstGeom prst="ellipse">
@@ -15430,7 +15863,7 @@
         </p:nvSpPr>
         <p:spPr>
           <a:xfrm>
-            <a:off x="3790493" y="2353509"/>
+            <a:off x="3790493" y="1545613"/>
             <a:ext cx="160543" cy="160543"/>
           </a:xfrm>
           <a:prstGeom prst="ellipse">
@@ -15486,7 +15919,7 @@
         </p:nvSpPr>
         <p:spPr>
           <a:xfrm>
-            <a:off x="3790493" y="2658433"/>
+            <a:off x="3790493" y="1850537"/>
             <a:ext cx="160543" cy="160543"/>
           </a:xfrm>
           <a:prstGeom prst="ellipse">
@@ -15540,7 +15973,7 @@
         </p:nvSpPr>
         <p:spPr>
           <a:xfrm>
-            <a:off x="3790493" y="2963357"/>
+            <a:off x="3790493" y="2155461"/>
             <a:ext cx="160543" cy="160543"/>
           </a:xfrm>
           <a:prstGeom prst="ellipse">
@@ -15594,7 +16027,7 @@
         </p:nvSpPr>
         <p:spPr>
           <a:xfrm>
-            <a:off x="4474570" y="1743661"/>
+            <a:off x="4474570" y="935765"/>
             <a:ext cx="160543" cy="160543"/>
           </a:xfrm>
           <a:prstGeom prst="ellipse">
@@ -15648,7 +16081,7 @@
         </p:nvSpPr>
         <p:spPr>
           <a:xfrm>
-            <a:off x="4474570" y="2048585"/>
+            <a:off x="4474570" y="1240689"/>
             <a:ext cx="160543" cy="160543"/>
           </a:xfrm>
           <a:prstGeom prst="ellipse">
@@ -15702,7 +16135,7 @@
         </p:nvSpPr>
         <p:spPr>
           <a:xfrm>
-            <a:off x="4474569" y="2353509"/>
+            <a:off x="4474569" y="1545613"/>
             <a:ext cx="160543" cy="160543"/>
           </a:xfrm>
           <a:prstGeom prst="ellipse">
@@ -15758,7 +16191,7 @@
         </p:nvSpPr>
         <p:spPr>
           <a:xfrm>
-            <a:off x="4474569" y="2658433"/>
+            <a:off x="4474569" y="1850537"/>
             <a:ext cx="160543" cy="160543"/>
           </a:xfrm>
           <a:prstGeom prst="ellipse">
@@ -15812,7 +16245,7 @@
         </p:nvSpPr>
         <p:spPr>
           <a:xfrm>
-            <a:off x="4474569" y="2963357"/>
+            <a:off x="4474569" y="2155461"/>
             <a:ext cx="160543" cy="160543"/>
           </a:xfrm>
           <a:prstGeom prst="ellipse">
@@ -15866,7 +16299,7 @@
         </p:nvSpPr>
         <p:spPr>
           <a:xfrm>
-            <a:off x="4787514" y="1743661"/>
+            <a:off x="4787514" y="935765"/>
             <a:ext cx="160543" cy="160543"/>
           </a:xfrm>
           <a:prstGeom prst="ellipse">
@@ -15920,7 +16353,7 @@
         </p:nvSpPr>
         <p:spPr>
           <a:xfrm>
-            <a:off x="4787514" y="2048585"/>
+            <a:off x="4787514" y="1240689"/>
             <a:ext cx="160543" cy="160543"/>
           </a:xfrm>
           <a:prstGeom prst="ellipse">
@@ -15976,7 +16409,7 @@
         </p:nvSpPr>
         <p:spPr>
           <a:xfrm>
-            <a:off x="4787513" y="2353509"/>
+            <a:off x="4787513" y="1545613"/>
             <a:ext cx="160543" cy="160543"/>
           </a:xfrm>
           <a:prstGeom prst="ellipse">
@@ -16030,7 +16463,7 @@
         </p:nvSpPr>
         <p:spPr>
           <a:xfrm>
-            <a:off x="4787513" y="2658433"/>
+            <a:off x="4787513" y="1850537"/>
             <a:ext cx="160543" cy="160543"/>
           </a:xfrm>
           <a:prstGeom prst="ellipse">
@@ -16084,7 +16517,7 @@
         </p:nvSpPr>
         <p:spPr>
           <a:xfrm>
-            <a:off x="4787513" y="2963357"/>
+            <a:off x="4787513" y="2155461"/>
             <a:ext cx="160543" cy="160543"/>
           </a:xfrm>
           <a:prstGeom prst="ellipse">
@@ -16138,7 +16571,7 @@
         </p:nvSpPr>
         <p:spPr>
           <a:xfrm>
-            <a:off x="5100458" y="1743661"/>
+            <a:off x="5100458" y="935765"/>
             <a:ext cx="160543" cy="160543"/>
           </a:xfrm>
           <a:prstGeom prst="ellipse">
@@ -16194,7 +16627,7 @@
         </p:nvSpPr>
         <p:spPr>
           <a:xfrm>
-            <a:off x="5100458" y="2048585"/>
+            <a:off x="5100458" y="1240689"/>
             <a:ext cx="160543" cy="160543"/>
           </a:xfrm>
           <a:prstGeom prst="ellipse">
@@ -16250,7 +16683,7 @@
         </p:nvSpPr>
         <p:spPr>
           <a:xfrm>
-            <a:off x="5100457" y="2353509"/>
+            <a:off x="5100457" y="1545613"/>
             <a:ext cx="160543" cy="160543"/>
           </a:xfrm>
           <a:prstGeom prst="ellipse">
@@ -16304,7 +16737,7 @@
         </p:nvSpPr>
         <p:spPr>
           <a:xfrm>
-            <a:off x="5100457" y="2658433"/>
+            <a:off x="5100457" y="1850537"/>
             <a:ext cx="160543" cy="160543"/>
           </a:xfrm>
           <a:prstGeom prst="ellipse">
@@ -16358,7 +16791,7 @@
         </p:nvSpPr>
         <p:spPr>
           <a:xfrm>
-            <a:off x="5100457" y="2963357"/>
+            <a:off x="5100457" y="2155461"/>
             <a:ext cx="160543" cy="160543"/>
           </a:xfrm>
           <a:prstGeom prst="ellipse">
@@ -16412,7 +16845,7 @@
         </p:nvSpPr>
         <p:spPr>
           <a:xfrm>
-            <a:off x="5413402" y="1743661"/>
+            <a:off x="5413402" y="935765"/>
             <a:ext cx="160543" cy="160543"/>
           </a:xfrm>
           <a:prstGeom prst="ellipse">
@@ -16466,7 +16899,7 @@
         </p:nvSpPr>
         <p:spPr>
           <a:xfrm>
-            <a:off x="5413402" y="2048585"/>
+            <a:off x="5413402" y="1240689"/>
             <a:ext cx="160543" cy="160543"/>
           </a:xfrm>
           <a:prstGeom prst="ellipse">
@@ -16522,7 +16955,7 @@
         </p:nvSpPr>
         <p:spPr>
           <a:xfrm>
-            <a:off x="5413401" y="2353509"/>
+            <a:off x="5413401" y="1545613"/>
             <a:ext cx="160543" cy="160543"/>
           </a:xfrm>
           <a:prstGeom prst="ellipse">
@@ -16578,7 +17011,7 @@
         </p:nvSpPr>
         <p:spPr>
           <a:xfrm>
-            <a:off x="5413401" y="2658433"/>
+            <a:off x="5413401" y="1850537"/>
             <a:ext cx="160543" cy="160543"/>
           </a:xfrm>
           <a:prstGeom prst="ellipse">
@@ -16634,7 +17067,7 @@
         </p:nvSpPr>
         <p:spPr>
           <a:xfrm>
-            <a:off x="5413401" y="2963357"/>
+            <a:off x="5413401" y="2155461"/>
             <a:ext cx="160543" cy="160543"/>
           </a:xfrm>
           <a:prstGeom prst="ellipse">
@@ -16688,7 +17121,7 @@
         </p:nvSpPr>
         <p:spPr>
           <a:xfrm>
-            <a:off x="5726346" y="1743661"/>
+            <a:off x="5726346" y="935765"/>
             <a:ext cx="160543" cy="160543"/>
           </a:xfrm>
           <a:prstGeom prst="ellipse">
@@ -16744,7 +17177,7 @@
         </p:nvSpPr>
         <p:spPr>
           <a:xfrm>
-            <a:off x="5726346" y="2048585"/>
+            <a:off x="5726346" y="1240689"/>
             <a:ext cx="160543" cy="160543"/>
           </a:xfrm>
           <a:prstGeom prst="ellipse">
@@ -16800,7 +17233,7 @@
         </p:nvSpPr>
         <p:spPr>
           <a:xfrm>
-            <a:off x="5726345" y="2353509"/>
+            <a:off x="5726345" y="1545613"/>
             <a:ext cx="160543" cy="160543"/>
           </a:xfrm>
           <a:prstGeom prst="ellipse">
@@ -16856,7 +17289,7 @@
         </p:nvSpPr>
         <p:spPr>
           <a:xfrm>
-            <a:off x="5726345" y="2658433"/>
+            <a:off x="5726345" y="1850537"/>
             <a:ext cx="160543" cy="160543"/>
           </a:xfrm>
           <a:prstGeom prst="ellipse">
@@ -16912,7 +17345,7 @@
         </p:nvSpPr>
         <p:spPr>
           <a:xfrm>
-            <a:off x="5726345" y="2963357"/>
+            <a:off x="5726345" y="2155461"/>
             <a:ext cx="160543" cy="160543"/>
           </a:xfrm>
           <a:prstGeom prst="ellipse">
@@ -16968,7 +17401,7 @@
         </p:nvSpPr>
         <p:spPr>
           <a:xfrm>
-            <a:off x="743038" y="1416382"/>
+            <a:off x="743038" y="608486"/>
             <a:ext cx="817853" cy="276999"/>
           </a:xfrm>
           <a:prstGeom prst="rect">
@@ -17005,7 +17438,7 @@
         </p:nvSpPr>
         <p:spPr>
           <a:xfrm>
-            <a:off x="2013990" y="3163901"/>
+            <a:off x="2013990" y="2356005"/>
             <a:ext cx="185505" cy="195976"/>
           </a:xfrm>
           <a:prstGeom prst="upArrow">
@@ -17057,7 +17490,7 @@
         </p:nvSpPr>
         <p:spPr>
           <a:xfrm>
-            <a:off x="3926977" y="3163901"/>
+            <a:off x="3926977" y="2356005"/>
             <a:ext cx="192083" cy="195976"/>
           </a:xfrm>
           <a:prstGeom prst="upArrow">
@@ -17109,7 +17542,7 @@
         </p:nvSpPr>
         <p:spPr>
           <a:xfrm>
-            <a:off x="5867205" y="3163901"/>
+            <a:off x="5867205" y="2356005"/>
             <a:ext cx="187586" cy="195976"/>
           </a:xfrm>
           <a:prstGeom prst="upArrow">
@@ -17161,7 +17594,7 @@
         </p:nvSpPr>
         <p:spPr>
           <a:xfrm>
-            <a:off x="1790666" y="3101488"/>
+            <a:off x="1790666" y="2293592"/>
             <a:ext cx="311304" cy="307777"/>
           </a:xfrm>
           <a:prstGeom prst="rect">
@@ -17204,7 +17637,7 @@
         </p:nvSpPr>
         <p:spPr>
           <a:xfrm>
-            <a:off x="3701583" y="3101487"/>
+            <a:off x="3701583" y="2293591"/>
             <a:ext cx="311304" cy="307777"/>
           </a:xfrm>
           <a:prstGeom prst="rect">
@@ -17247,7 +17680,7 @@
         </p:nvSpPr>
         <p:spPr>
           <a:xfrm>
-            <a:off x="5645962" y="3098829"/>
+            <a:off x="5645962" y="2290933"/>
             <a:ext cx="311304" cy="307777"/>
           </a:xfrm>
           <a:prstGeom prst="rect">
@@ -17290,7 +17723,7 @@
         </p:nvSpPr>
         <p:spPr>
           <a:xfrm>
-            <a:off x="6048612" y="2175469"/>
+            <a:off x="6048612" y="1367573"/>
             <a:ext cx="1634141" cy="523220"/>
           </a:xfrm>
           <a:prstGeom prst="rect">
@@ -17339,7 +17772,7 @@
         </p:nvCxnSpPr>
         <p:spPr>
           <a:xfrm flipV="1">
-            <a:off x="5550434" y="1823933"/>
+            <a:off x="5550434" y="1016037"/>
             <a:ext cx="175912" cy="248163"/>
           </a:xfrm>
           <a:prstGeom prst="line">
@@ -17386,7 +17819,7 @@
         </p:nvCxnSpPr>
         <p:spPr>
           <a:xfrm>
-            <a:off x="5573945" y="2128857"/>
+            <a:off x="5573945" y="1320961"/>
             <a:ext cx="152401" cy="0"/>
           </a:xfrm>
           <a:prstGeom prst="line">
@@ -17433,7 +17866,7 @@
         </p:nvCxnSpPr>
         <p:spPr>
           <a:xfrm>
-            <a:off x="5573944" y="2433781"/>
+            <a:off x="5573944" y="1625885"/>
             <a:ext cx="152401" cy="0"/>
           </a:xfrm>
           <a:prstGeom prst="line">
@@ -17480,7 +17913,7 @@
         </p:nvCxnSpPr>
         <p:spPr>
           <a:xfrm>
-            <a:off x="5573944" y="2738705"/>
+            <a:off x="5573944" y="1930809"/>
             <a:ext cx="152401" cy="0"/>
           </a:xfrm>
           <a:prstGeom prst="line">
@@ -17527,7 +17960,7 @@
         </p:nvCxnSpPr>
         <p:spPr>
           <a:xfrm>
-            <a:off x="5550433" y="2795465"/>
+            <a:off x="5550433" y="1987569"/>
             <a:ext cx="175912" cy="248164"/>
           </a:xfrm>
           <a:prstGeom prst="line">
@@ -17574,7 +18007,7 @@
         </p:nvCxnSpPr>
         <p:spPr>
           <a:xfrm>
-            <a:off x="5237490" y="2185617"/>
+            <a:off x="5237490" y="1377721"/>
             <a:ext cx="199422" cy="496327"/>
           </a:xfrm>
           <a:prstGeom prst="line">
@@ -17621,7 +18054,7 @@
         </p:nvCxnSpPr>
         <p:spPr>
           <a:xfrm>
-            <a:off x="5261001" y="2128857"/>
+            <a:off x="5261001" y="1320961"/>
             <a:ext cx="175911" cy="248163"/>
           </a:xfrm>
           <a:prstGeom prst="line">
@@ -17668,7 +18101,7 @@
         </p:nvCxnSpPr>
         <p:spPr>
           <a:xfrm>
-            <a:off x="5237490" y="1880693"/>
+            <a:off x="5237490" y="1072797"/>
             <a:ext cx="199423" cy="191403"/>
           </a:xfrm>
           <a:prstGeom prst="line">
@@ -17715,7 +18148,7 @@
         </p:nvCxnSpPr>
         <p:spPr>
           <a:xfrm>
-            <a:off x="4948057" y="2128857"/>
+            <a:off x="4948057" y="1320961"/>
             <a:ext cx="152401" cy="0"/>
           </a:xfrm>
           <a:prstGeom prst="line">
@@ -17762,7 +18195,7 @@
         </p:nvCxnSpPr>
         <p:spPr>
           <a:xfrm flipV="1">
-            <a:off x="4924546" y="1880693"/>
+            <a:off x="4924546" y="1072797"/>
             <a:ext cx="199423" cy="191403"/>
           </a:xfrm>
           <a:prstGeom prst="line">
@@ -17809,7 +18242,7 @@
         </p:nvCxnSpPr>
         <p:spPr>
           <a:xfrm flipV="1">
-            <a:off x="4611601" y="2185617"/>
+            <a:off x="4611601" y="1377721"/>
             <a:ext cx="199424" cy="191403"/>
           </a:xfrm>
           <a:prstGeom prst="line">
@@ -17856,7 +18289,7 @@
         </p:nvCxnSpPr>
         <p:spPr>
           <a:xfrm>
-            <a:off x="3951036" y="2433781"/>
+            <a:off x="3951036" y="1625885"/>
             <a:ext cx="523533" cy="0"/>
           </a:xfrm>
           <a:prstGeom prst="line">
@@ -17903,7 +18336,7 @@
         </p:nvCxnSpPr>
         <p:spPr>
           <a:xfrm>
-            <a:off x="3614582" y="2185617"/>
+            <a:off x="3614582" y="1377721"/>
             <a:ext cx="199422" cy="191403"/>
           </a:xfrm>
           <a:prstGeom prst="line">
@@ -17948,7 +18381,7 @@
         </p:nvCxnSpPr>
         <p:spPr>
           <a:xfrm>
-            <a:off x="3332308" y="2128856"/>
+            <a:off x="3332308" y="1320960"/>
             <a:ext cx="145240" cy="0"/>
           </a:xfrm>
           <a:prstGeom prst="line">
@@ -17995,7 +18428,7 @@
         </p:nvCxnSpPr>
         <p:spPr>
           <a:xfrm flipV="1">
-            <a:off x="2988693" y="2185617"/>
+            <a:off x="2988693" y="1377721"/>
             <a:ext cx="199424" cy="191403"/>
           </a:xfrm>
           <a:prstGeom prst="line">
@@ -18042,7 +18475,7 @@
         </p:nvCxnSpPr>
         <p:spPr>
           <a:xfrm flipV="1">
-            <a:off x="2675749" y="2490541"/>
+            <a:off x="2675749" y="1682645"/>
             <a:ext cx="199423" cy="191403"/>
           </a:xfrm>
           <a:prstGeom prst="line">
@@ -18089,7 +18522,7 @@
         </p:nvCxnSpPr>
         <p:spPr>
           <a:xfrm>
-            <a:off x="2021470" y="2433781"/>
+            <a:off x="2021470" y="1625885"/>
             <a:ext cx="517247" cy="304924"/>
           </a:xfrm>
           <a:prstGeom prst="line">
@@ -18136,7 +18569,7 @@
         </p:nvCxnSpPr>
         <p:spPr>
           <a:xfrm>
-            <a:off x="1708526" y="2433781"/>
+            <a:off x="1708526" y="1625885"/>
             <a:ext cx="152401" cy="0"/>
           </a:xfrm>
           <a:prstGeom prst="line">
@@ -18183,7 +18616,7 @@
         </p:nvCxnSpPr>
         <p:spPr>
           <a:xfrm>
-            <a:off x="1372072" y="2185617"/>
+            <a:off x="1372072" y="1377721"/>
             <a:ext cx="199422" cy="191403"/>
           </a:xfrm>
           <a:prstGeom prst="line">
@@ -18230,7 +18663,7 @@
         </p:nvCxnSpPr>
         <p:spPr>
           <a:xfrm flipV="1">
-            <a:off x="1059127" y="2185617"/>
+            <a:off x="1059127" y="1377721"/>
             <a:ext cx="199424" cy="191403"/>
           </a:xfrm>
           <a:prstGeom prst="line">
@@ -18277,7 +18710,7 @@
         </p:nvCxnSpPr>
         <p:spPr>
           <a:xfrm flipV="1">
-            <a:off x="746183" y="2490541"/>
+            <a:off x="746183" y="1682645"/>
             <a:ext cx="199423" cy="191403"/>
           </a:xfrm>
           <a:prstGeom prst="line">
@@ -18312,2734 +18745,6 @@
             <a:extLst>
               <a:ext uri="{FF2B5EF4-FFF2-40B4-BE49-F238E27FC236}">
                 <a16:creationId xmlns:a16="http://schemas.microsoft.com/office/drawing/2014/main" id="{5BFD93E2-0ACE-EBC3-9824-442A7A2DB433}"/>
-              </a:ext>
-            </a:extLst>
-          </p:cNvPr>
-          <p:cNvPicPr>
-            <a:picLocks noChangeAspect="1"/>
-          </p:cNvPicPr>
-          <p:nvPr/>
-        </p:nvPicPr>
-        <p:blipFill>
-          <a:blip r:embed="rId2"/>
-          <a:stretch>
-            <a:fillRect/>
-          </a:stretch>
-        </p:blipFill>
-        <p:spPr>
-          <a:xfrm>
-            <a:off x="576503" y="1431889"/>
-            <a:ext cx="230085" cy="217381"/>
-          </a:xfrm>
-          <a:prstGeom prst="rect">
-            <a:avLst/>
-          </a:prstGeom>
-        </p:spPr>
-      </p:pic>
-      <p:sp>
-        <p:nvSpPr>
-          <p:cNvPr id="178" name="ZoneTexte 177">
-            <a:extLst>
-              <a:ext uri="{FF2B5EF4-FFF2-40B4-BE49-F238E27FC236}">
-                <a16:creationId xmlns:a16="http://schemas.microsoft.com/office/drawing/2014/main" id="{7142D285-EB55-8120-714F-8BFA1046A3D7}"/>
-              </a:ext>
-            </a:extLst>
-          </p:cNvPr>
-          <p:cNvSpPr txBox="1"/>
-          <p:nvPr/>
-        </p:nvSpPr>
-        <p:spPr>
-          <a:xfrm>
-            <a:off x="2659695" y="1417846"/>
-            <a:ext cx="816249" cy="276999"/>
-          </a:xfrm>
-          <a:prstGeom prst="rect">
-            <a:avLst/>
-          </a:prstGeom>
-          <a:noFill/>
-        </p:spPr>
-        <p:txBody>
-          <a:bodyPr wrap="none" rtlCol="0">
-            <a:spAutoFit/>
-          </a:bodyPr>
-          <a:lstStyle/>
-          <a:p>
-            <a:r>
-              <a:rPr lang="fr-FR" sz="1200">
-                <a:latin typeface="Avenir Book" panose="02000503020000020003" pitchFamily="2" charset="0"/>
-              </a:rPr>
-              <a:t>Backup 2</a:t>
-            </a:r>
-          </a:p>
-        </p:txBody>
-      </p:sp>
-      <p:pic>
-        <p:nvPicPr>
-          <p:cNvPr id="179" name="Image 178">
-            <a:extLst>
-              <a:ext uri="{FF2B5EF4-FFF2-40B4-BE49-F238E27FC236}">
-                <a16:creationId xmlns:a16="http://schemas.microsoft.com/office/drawing/2014/main" id="{DD2166C2-DC9D-1630-CDFA-141370E5072E}"/>
-              </a:ext>
-            </a:extLst>
-          </p:cNvPr>
-          <p:cNvPicPr>
-            <a:picLocks noChangeAspect="1"/>
-          </p:cNvPicPr>
-          <p:nvPr/>
-        </p:nvPicPr>
-        <p:blipFill>
-          <a:blip r:embed="rId2"/>
-          <a:stretch>
-            <a:fillRect/>
-          </a:stretch>
-        </p:blipFill>
-        <p:spPr>
-          <a:xfrm>
-            <a:off x="2493160" y="1433353"/>
-            <a:ext cx="230085" cy="217381"/>
-          </a:xfrm>
-          <a:prstGeom prst="rect">
-            <a:avLst/>
-          </a:prstGeom>
-        </p:spPr>
-      </p:pic>
-      <p:sp>
-        <p:nvSpPr>
-          <p:cNvPr id="180" name="ZoneTexte 179">
-            <a:extLst>
-              <a:ext uri="{FF2B5EF4-FFF2-40B4-BE49-F238E27FC236}">
-                <a16:creationId xmlns:a16="http://schemas.microsoft.com/office/drawing/2014/main" id="{861A9757-FBD9-45C7-60BE-F154B5131BA0}"/>
-              </a:ext>
-            </a:extLst>
-          </p:cNvPr>
-          <p:cNvSpPr txBox="1"/>
-          <p:nvPr/>
-        </p:nvSpPr>
-        <p:spPr>
-          <a:xfrm>
-            <a:off x="4596887" y="1414345"/>
-            <a:ext cx="816249" cy="276999"/>
-          </a:xfrm>
-          <a:prstGeom prst="rect">
-            <a:avLst/>
-          </a:prstGeom>
-          <a:noFill/>
-        </p:spPr>
-        <p:txBody>
-          <a:bodyPr wrap="none" rtlCol="0">
-            <a:spAutoFit/>
-          </a:bodyPr>
-          <a:lstStyle/>
-          <a:p>
-            <a:r>
-              <a:rPr lang="fr-FR" sz="1200">
-                <a:latin typeface="Avenir Book" panose="02000503020000020003" pitchFamily="2" charset="0"/>
-              </a:rPr>
-              <a:t>Backup 3</a:t>
-            </a:r>
-          </a:p>
-        </p:txBody>
-      </p:sp>
-      <p:pic>
-        <p:nvPicPr>
-          <p:cNvPr id="181" name="Image 180">
-            <a:extLst>
-              <a:ext uri="{FF2B5EF4-FFF2-40B4-BE49-F238E27FC236}">
-                <a16:creationId xmlns:a16="http://schemas.microsoft.com/office/drawing/2014/main" id="{660CE1A5-A319-FA0A-B9DB-9A1B03864FC3}"/>
-              </a:ext>
-            </a:extLst>
-          </p:cNvPr>
-          <p:cNvPicPr>
-            <a:picLocks noChangeAspect="1"/>
-          </p:cNvPicPr>
-          <p:nvPr/>
-        </p:nvPicPr>
-        <p:blipFill>
-          <a:blip r:embed="rId2"/>
-          <a:stretch>
-            <a:fillRect/>
-          </a:stretch>
-        </p:blipFill>
-        <p:spPr>
-          <a:xfrm>
-            <a:off x="4430352" y="1429852"/>
-            <a:ext cx="230085" cy="217381"/>
-          </a:xfrm>
-          <a:prstGeom prst="rect">
-            <a:avLst/>
-          </a:prstGeom>
-        </p:spPr>
-      </p:pic>
-      <p:sp>
-        <p:nvSpPr>
-          <p:cNvPr id="188" name="Ellipse 187">
-            <a:extLst>
-              <a:ext uri="{FF2B5EF4-FFF2-40B4-BE49-F238E27FC236}">
-                <a16:creationId xmlns:a16="http://schemas.microsoft.com/office/drawing/2014/main" id="{9A6A2F41-5FEC-2A82-3912-9F28060EA51D}"/>
-              </a:ext>
-            </a:extLst>
-          </p:cNvPr>
-          <p:cNvSpPr/>
-          <p:nvPr/>
-        </p:nvSpPr>
-        <p:spPr>
-          <a:xfrm>
-            <a:off x="636016" y="4532256"/>
-            <a:ext cx="160543" cy="160543"/>
-          </a:xfrm>
-          <a:prstGeom prst="ellipse">
-            <a:avLst/>
-          </a:prstGeom>
-          <a:solidFill>
-            <a:srgbClr val="3D7E4F"/>
-          </a:solidFill>
-          <a:ln>
-            <a:solidFill>
-              <a:schemeClr val="accent6">
-                <a:lumMod val="50000"/>
-              </a:schemeClr>
-            </a:solidFill>
-          </a:ln>
-        </p:spPr>
-        <p:style>
-          <a:lnRef idx="2">
-            <a:schemeClr val="accent1">
-              <a:shade val="50000"/>
-            </a:schemeClr>
-          </a:lnRef>
-          <a:fillRef idx="1">
-            <a:schemeClr val="accent1"/>
-          </a:fillRef>
-          <a:effectRef idx="0">
-            <a:schemeClr val="accent1"/>
-          </a:effectRef>
-          <a:fontRef idx="minor">
-            <a:schemeClr val="lt1"/>
-          </a:fontRef>
-        </p:style>
-        <p:txBody>
-          <a:bodyPr rtlCol="0" anchor="ctr"/>
-          <a:lstStyle/>
-          <a:p>
-            <a:pPr algn="ctr"/>
-            <a:endParaRPr lang="fr-FR"/>
-          </a:p>
-        </p:txBody>
-      </p:sp>
-      <p:sp>
-        <p:nvSpPr>
-          <p:cNvPr id="192" name="Ellipse 191">
-            <a:extLst>
-              <a:ext uri="{FF2B5EF4-FFF2-40B4-BE49-F238E27FC236}">
-                <a16:creationId xmlns:a16="http://schemas.microsoft.com/office/drawing/2014/main" id="{E2860459-9C85-3B99-D671-B704F42F754D}"/>
-              </a:ext>
-            </a:extLst>
-          </p:cNvPr>
-          <p:cNvSpPr/>
-          <p:nvPr/>
-        </p:nvSpPr>
-        <p:spPr>
-          <a:xfrm>
-            <a:off x="948960" y="4227332"/>
-            <a:ext cx="160543" cy="160543"/>
-          </a:xfrm>
-          <a:prstGeom prst="ellipse">
-            <a:avLst/>
-          </a:prstGeom>
-          <a:solidFill>
-            <a:srgbClr val="3D7E4F"/>
-          </a:solidFill>
-          <a:ln>
-            <a:solidFill>
-              <a:schemeClr val="accent6">
-                <a:lumMod val="50000"/>
-              </a:schemeClr>
-            </a:solidFill>
-          </a:ln>
-        </p:spPr>
-        <p:style>
-          <a:lnRef idx="2">
-            <a:schemeClr val="accent1">
-              <a:shade val="50000"/>
-            </a:schemeClr>
-          </a:lnRef>
-          <a:fillRef idx="1">
-            <a:schemeClr val="accent1"/>
-          </a:fillRef>
-          <a:effectRef idx="0">
-            <a:schemeClr val="accent1"/>
-          </a:effectRef>
-          <a:fontRef idx="minor">
-            <a:schemeClr val="lt1"/>
-          </a:fontRef>
-        </p:style>
-        <p:txBody>
-          <a:bodyPr rtlCol="0" anchor="ctr"/>
-          <a:lstStyle/>
-          <a:p>
-            <a:pPr algn="ctr"/>
-            <a:endParaRPr lang="fr-FR"/>
-          </a:p>
-        </p:txBody>
-      </p:sp>
-      <p:sp>
-        <p:nvSpPr>
-          <p:cNvPr id="196" name="Ellipse 195">
-            <a:extLst>
-              <a:ext uri="{FF2B5EF4-FFF2-40B4-BE49-F238E27FC236}">
-                <a16:creationId xmlns:a16="http://schemas.microsoft.com/office/drawing/2014/main" id="{D9BD6C1D-96C0-CE32-4A45-CF5DF3972CEA}"/>
-              </a:ext>
-            </a:extLst>
-          </p:cNvPr>
-          <p:cNvSpPr/>
-          <p:nvPr/>
-        </p:nvSpPr>
-        <p:spPr>
-          <a:xfrm>
-            <a:off x="1261905" y="3922408"/>
-            <a:ext cx="160543" cy="160543"/>
-          </a:xfrm>
-          <a:prstGeom prst="ellipse">
-            <a:avLst/>
-          </a:prstGeom>
-          <a:solidFill>
-            <a:srgbClr val="3D7E4F"/>
-          </a:solidFill>
-          <a:ln>
-            <a:solidFill>
-              <a:schemeClr val="accent6">
-                <a:lumMod val="50000"/>
-              </a:schemeClr>
-            </a:solidFill>
-          </a:ln>
-        </p:spPr>
-        <p:style>
-          <a:lnRef idx="2">
-            <a:schemeClr val="accent1">
-              <a:shade val="50000"/>
-            </a:schemeClr>
-          </a:lnRef>
-          <a:fillRef idx="1">
-            <a:schemeClr val="accent1"/>
-          </a:fillRef>
-          <a:effectRef idx="0">
-            <a:schemeClr val="accent1"/>
-          </a:effectRef>
-          <a:fontRef idx="minor">
-            <a:schemeClr val="lt1"/>
-          </a:fontRef>
-        </p:style>
-        <p:txBody>
-          <a:bodyPr rtlCol="0" anchor="ctr"/>
-          <a:lstStyle/>
-          <a:p>
-            <a:pPr algn="ctr"/>
-            <a:endParaRPr lang="fr-FR"/>
-          </a:p>
-        </p:txBody>
-      </p:sp>
-      <p:sp>
-        <p:nvSpPr>
-          <p:cNvPr id="202" name="Ellipse 201">
-            <a:extLst>
-              <a:ext uri="{FF2B5EF4-FFF2-40B4-BE49-F238E27FC236}">
-                <a16:creationId xmlns:a16="http://schemas.microsoft.com/office/drawing/2014/main" id="{E52BD9F4-ECA1-1627-EB0F-03AB362D299D}"/>
-              </a:ext>
-            </a:extLst>
-          </p:cNvPr>
-          <p:cNvSpPr/>
-          <p:nvPr/>
-        </p:nvSpPr>
-        <p:spPr>
-          <a:xfrm>
-            <a:off x="1574848" y="4227332"/>
-            <a:ext cx="160543" cy="160543"/>
-          </a:xfrm>
-          <a:prstGeom prst="ellipse">
-            <a:avLst/>
-          </a:prstGeom>
-          <a:solidFill>
-            <a:srgbClr val="3D7E4F"/>
-          </a:solidFill>
-          <a:ln>
-            <a:solidFill>
-              <a:schemeClr val="accent6">
-                <a:lumMod val="50000"/>
-              </a:schemeClr>
-            </a:solidFill>
-          </a:ln>
-        </p:spPr>
-        <p:style>
-          <a:lnRef idx="2">
-            <a:schemeClr val="accent1">
-              <a:shade val="50000"/>
-            </a:schemeClr>
-          </a:lnRef>
-          <a:fillRef idx="1">
-            <a:schemeClr val="accent1"/>
-          </a:fillRef>
-          <a:effectRef idx="0">
-            <a:schemeClr val="accent1"/>
-          </a:effectRef>
-          <a:fontRef idx="minor">
-            <a:schemeClr val="lt1"/>
-          </a:fontRef>
-        </p:style>
-        <p:txBody>
-          <a:bodyPr rtlCol="0" anchor="ctr"/>
-          <a:lstStyle/>
-          <a:p>
-            <a:pPr algn="ctr"/>
-            <a:endParaRPr lang="fr-FR"/>
-          </a:p>
-        </p:txBody>
-      </p:sp>
-      <p:sp>
-        <p:nvSpPr>
-          <p:cNvPr id="207" name="Ellipse 206">
-            <a:extLst>
-              <a:ext uri="{FF2B5EF4-FFF2-40B4-BE49-F238E27FC236}">
-                <a16:creationId xmlns:a16="http://schemas.microsoft.com/office/drawing/2014/main" id="{1C112925-36C3-86E3-6EC1-03D6248A5AD2}"/>
-              </a:ext>
-            </a:extLst>
-          </p:cNvPr>
-          <p:cNvSpPr/>
-          <p:nvPr/>
-        </p:nvSpPr>
-        <p:spPr>
-          <a:xfrm>
-            <a:off x="1887792" y="4227332"/>
-            <a:ext cx="160543" cy="160543"/>
-          </a:xfrm>
-          <a:prstGeom prst="ellipse">
-            <a:avLst/>
-          </a:prstGeom>
-          <a:solidFill>
-            <a:srgbClr val="3D7E4F"/>
-          </a:solidFill>
-          <a:ln>
-            <a:solidFill>
-              <a:schemeClr val="accent6">
-                <a:lumMod val="50000"/>
-              </a:schemeClr>
-            </a:solidFill>
-          </a:ln>
-        </p:spPr>
-        <p:style>
-          <a:lnRef idx="2">
-            <a:schemeClr val="accent1">
-              <a:shade val="50000"/>
-            </a:schemeClr>
-          </a:lnRef>
-          <a:fillRef idx="1">
-            <a:schemeClr val="accent1"/>
-          </a:fillRef>
-          <a:effectRef idx="0">
-            <a:schemeClr val="accent1"/>
-          </a:effectRef>
-          <a:fontRef idx="minor">
-            <a:schemeClr val="lt1"/>
-          </a:fontRef>
-        </p:style>
-        <p:txBody>
-          <a:bodyPr rtlCol="0" anchor="ctr"/>
-          <a:lstStyle/>
-          <a:p>
-            <a:pPr algn="ctr"/>
-            <a:endParaRPr lang="fr-FR"/>
-          </a:p>
-        </p:txBody>
-      </p:sp>
-      <p:sp>
-        <p:nvSpPr>
-          <p:cNvPr id="213" name="Ellipse 212">
-            <a:extLst>
-              <a:ext uri="{FF2B5EF4-FFF2-40B4-BE49-F238E27FC236}">
-                <a16:creationId xmlns:a16="http://schemas.microsoft.com/office/drawing/2014/main" id="{3D235128-03C0-08F8-5F6F-4E8807322D34}"/>
-              </a:ext>
-            </a:extLst>
-          </p:cNvPr>
-          <p:cNvSpPr/>
-          <p:nvPr/>
-        </p:nvSpPr>
-        <p:spPr>
-          <a:xfrm>
-            <a:off x="2609771" y="4539592"/>
-            <a:ext cx="160543" cy="160543"/>
-          </a:xfrm>
-          <a:prstGeom prst="ellipse">
-            <a:avLst/>
-          </a:prstGeom>
-          <a:solidFill>
-            <a:srgbClr val="3D7E4F"/>
-          </a:solidFill>
-          <a:ln>
-            <a:solidFill>
-              <a:schemeClr val="accent6">
-                <a:lumMod val="50000"/>
-              </a:schemeClr>
-            </a:solidFill>
-          </a:ln>
-        </p:spPr>
-        <p:style>
-          <a:lnRef idx="2">
-            <a:schemeClr val="accent1">
-              <a:shade val="50000"/>
-            </a:schemeClr>
-          </a:lnRef>
-          <a:fillRef idx="1">
-            <a:schemeClr val="accent1"/>
-          </a:fillRef>
-          <a:effectRef idx="0">
-            <a:schemeClr val="accent1"/>
-          </a:effectRef>
-          <a:fontRef idx="minor">
-            <a:schemeClr val="lt1"/>
-          </a:fontRef>
-        </p:style>
-        <p:txBody>
-          <a:bodyPr rtlCol="0" anchor="ctr"/>
-          <a:lstStyle/>
-          <a:p>
-            <a:pPr algn="ctr"/>
-            <a:endParaRPr lang="fr-FR"/>
-          </a:p>
-        </p:txBody>
-      </p:sp>
-      <p:sp>
-        <p:nvSpPr>
-          <p:cNvPr id="217" name="Ellipse 216">
-            <a:extLst>
-              <a:ext uri="{FF2B5EF4-FFF2-40B4-BE49-F238E27FC236}">
-                <a16:creationId xmlns:a16="http://schemas.microsoft.com/office/drawing/2014/main" id="{3E492A80-7D17-8CAC-0B1B-F030AC8FC557}"/>
-              </a:ext>
-            </a:extLst>
-          </p:cNvPr>
-          <p:cNvSpPr/>
-          <p:nvPr/>
-        </p:nvSpPr>
-        <p:spPr>
-          <a:xfrm>
-            <a:off x="2922715" y="4234668"/>
-            <a:ext cx="160543" cy="160543"/>
-          </a:xfrm>
-          <a:prstGeom prst="ellipse">
-            <a:avLst/>
-          </a:prstGeom>
-          <a:solidFill>
-            <a:srgbClr val="3D7E4F"/>
-          </a:solidFill>
-          <a:ln>
-            <a:solidFill>
-              <a:schemeClr val="accent6">
-                <a:lumMod val="50000"/>
-              </a:schemeClr>
-            </a:solidFill>
-          </a:ln>
-        </p:spPr>
-        <p:style>
-          <a:lnRef idx="2">
-            <a:schemeClr val="accent1">
-              <a:shade val="50000"/>
-            </a:schemeClr>
-          </a:lnRef>
-          <a:fillRef idx="1">
-            <a:schemeClr val="accent1"/>
-          </a:fillRef>
-          <a:effectRef idx="0">
-            <a:schemeClr val="accent1"/>
-          </a:effectRef>
-          <a:fontRef idx="minor">
-            <a:schemeClr val="lt1"/>
-          </a:fontRef>
-        </p:style>
-        <p:txBody>
-          <a:bodyPr rtlCol="0" anchor="ctr"/>
-          <a:lstStyle/>
-          <a:p>
-            <a:pPr algn="ctr"/>
-            <a:endParaRPr lang="fr-FR"/>
-          </a:p>
-        </p:txBody>
-      </p:sp>
-      <p:sp>
-        <p:nvSpPr>
-          <p:cNvPr id="221" name="Ellipse 220">
-            <a:extLst>
-              <a:ext uri="{FF2B5EF4-FFF2-40B4-BE49-F238E27FC236}">
-                <a16:creationId xmlns:a16="http://schemas.microsoft.com/office/drawing/2014/main" id="{15E9A335-96FB-F72E-1BBD-B3E727FB2E44}"/>
-              </a:ext>
-            </a:extLst>
-          </p:cNvPr>
-          <p:cNvSpPr/>
-          <p:nvPr/>
-        </p:nvSpPr>
-        <p:spPr>
-          <a:xfrm>
-            <a:off x="3235660" y="3929744"/>
-            <a:ext cx="160543" cy="160543"/>
-          </a:xfrm>
-          <a:prstGeom prst="ellipse">
-            <a:avLst/>
-          </a:prstGeom>
-          <a:solidFill>
-            <a:srgbClr val="3D7E4F"/>
-          </a:solidFill>
-          <a:ln>
-            <a:solidFill>
-              <a:schemeClr val="accent6">
-                <a:lumMod val="50000"/>
-              </a:schemeClr>
-            </a:solidFill>
-          </a:ln>
-        </p:spPr>
-        <p:style>
-          <a:lnRef idx="2">
-            <a:schemeClr val="accent1">
-              <a:shade val="50000"/>
-            </a:schemeClr>
-          </a:lnRef>
-          <a:fillRef idx="1">
-            <a:schemeClr val="accent1"/>
-          </a:fillRef>
-          <a:effectRef idx="0">
-            <a:schemeClr val="accent1"/>
-          </a:effectRef>
-          <a:fontRef idx="minor">
-            <a:schemeClr val="lt1"/>
-          </a:fontRef>
-        </p:style>
-        <p:txBody>
-          <a:bodyPr rtlCol="0" anchor="ctr"/>
-          <a:lstStyle/>
-          <a:p>
-            <a:pPr algn="ctr"/>
-            <a:endParaRPr lang="fr-FR"/>
-          </a:p>
-        </p:txBody>
-      </p:sp>
-      <p:sp>
-        <p:nvSpPr>
-          <p:cNvPr id="226" name="Ellipse 225">
-            <a:extLst>
-              <a:ext uri="{FF2B5EF4-FFF2-40B4-BE49-F238E27FC236}">
-                <a16:creationId xmlns:a16="http://schemas.microsoft.com/office/drawing/2014/main" id="{9C3C53F2-6ABC-C126-FF9B-0E7A87FA4158}"/>
-              </a:ext>
-            </a:extLst>
-          </p:cNvPr>
-          <p:cNvSpPr/>
-          <p:nvPr/>
-        </p:nvSpPr>
-        <p:spPr>
-          <a:xfrm>
-            <a:off x="3548604" y="3929744"/>
-            <a:ext cx="160543" cy="160543"/>
-          </a:xfrm>
-          <a:prstGeom prst="ellipse">
-            <a:avLst/>
-          </a:prstGeom>
-          <a:solidFill>
-            <a:srgbClr val="3D7E4F"/>
-          </a:solidFill>
-          <a:ln>
-            <a:solidFill>
-              <a:schemeClr val="accent6">
-                <a:lumMod val="50000"/>
-              </a:schemeClr>
-            </a:solidFill>
-          </a:ln>
-        </p:spPr>
-        <p:style>
-          <a:lnRef idx="2">
-            <a:schemeClr val="accent1">
-              <a:shade val="50000"/>
-            </a:schemeClr>
-          </a:lnRef>
-          <a:fillRef idx="1">
-            <a:schemeClr val="accent1"/>
-          </a:fillRef>
-          <a:effectRef idx="0">
-            <a:schemeClr val="accent1"/>
-          </a:effectRef>
-          <a:fontRef idx="minor">
-            <a:schemeClr val="lt1"/>
-          </a:fontRef>
-        </p:style>
-        <p:txBody>
-          <a:bodyPr rtlCol="0" anchor="ctr"/>
-          <a:lstStyle/>
-          <a:p>
-            <a:pPr algn="ctr"/>
-            <a:endParaRPr lang="fr-FR"/>
-          </a:p>
-        </p:txBody>
-      </p:sp>
-      <p:sp>
-        <p:nvSpPr>
-          <p:cNvPr id="232" name="Ellipse 231">
-            <a:extLst>
-              <a:ext uri="{FF2B5EF4-FFF2-40B4-BE49-F238E27FC236}">
-                <a16:creationId xmlns:a16="http://schemas.microsoft.com/office/drawing/2014/main" id="{262B9F42-FA39-90DA-DA75-148AC6715321}"/>
-              </a:ext>
-            </a:extLst>
-          </p:cNvPr>
-          <p:cNvSpPr/>
-          <p:nvPr/>
-        </p:nvSpPr>
-        <p:spPr>
-          <a:xfrm>
-            <a:off x="3861547" y="4234668"/>
-            <a:ext cx="160543" cy="160543"/>
-          </a:xfrm>
-          <a:prstGeom prst="ellipse">
-            <a:avLst/>
-          </a:prstGeom>
-          <a:solidFill>
-            <a:srgbClr val="3D7E4F"/>
-          </a:solidFill>
-          <a:ln>
-            <a:solidFill>
-              <a:schemeClr val="accent6">
-                <a:lumMod val="50000"/>
-              </a:schemeClr>
-            </a:solidFill>
-          </a:ln>
-        </p:spPr>
-        <p:style>
-          <a:lnRef idx="2">
-            <a:schemeClr val="accent1">
-              <a:shade val="50000"/>
-            </a:schemeClr>
-          </a:lnRef>
-          <a:fillRef idx="1">
-            <a:schemeClr val="accent1"/>
-          </a:fillRef>
-          <a:effectRef idx="0">
-            <a:schemeClr val="accent1"/>
-          </a:effectRef>
-          <a:fontRef idx="minor">
-            <a:schemeClr val="lt1"/>
-          </a:fontRef>
-        </p:style>
-        <p:txBody>
-          <a:bodyPr rtlCol="0" anchor="ctr"/>
-          <a:lstStyle/>
-          <a:p>
-            <a:pPr algn="ctr"/>
-            <a:endParaRPr lang="fr-FR"/>
-          </a:p>
-        </p:txBody>
-      </p:sp>
-      <p:sp>
-        <p:nvSpPr>
-          <p:cNvPr id="241" name="Ellipse 240">
-            <a:extLst>
-              <a:ext uri="{FF2B5EF4-FFF2-40B4-BE49-F238E27FC236}">
-                <a16:creationId xmlns:a16="http://schemas.microsoft.com/office/drawing/2014/main" id="{1AC5641F-4A95-7A9A-2B82-4A8EED0675E2}"/>
-              </a:ext>
-            </a:extLst>
-          </p:cNvPr>
-          <p:cNvSpPr/>
-          <p:nvPr/>
-        </p:nvSpPr>
-        <p:spPr>
-          <a:xfrm>
-            <a:off x="4783954" y="3929744"/>
-            <a:ext cx="160543" cy="160543"/>
-          </a:xfrm>
-          <a:prstGeom prst="ellipse">
-            <a:avLst/>
-          </a:prstGeom>
-          <a:solidFill>
-            <a:srgbClr val="3D7E4F"/>
-          </a:solidFill>
-          <a:ln>
-            <a:solidFill>
-              <a:schemeClr val="accent6">
-                <a:lumMod val="50000"/>
-              </a:schemeClr>
-            </a:solidFill>
-          </a:ln>
-        </p:spPr>
-        <p:style>
-          <a:lnRef idx="2">
-            <a:schemeClr val="accent1">
-              <a:shade val="50000"/>
-            </a:schemeClr>
-          </a:lnRef>
-          <a:fillRef idx="1">
-            <a:schemeClr val="accent1"/>
-          </a:fillRef>
-          <a:effectRef idx="0">
-            <a:schemeClr val="accent1"/>
-          </a:effectRef>
-          <a:fontRef idx="minor">
-            <a:schemeClr val="lt1"/>
-          </a:fontRef>
-        </p:style>
-        <p:txBody>
-          <a:bodyPr rtlCol="0" anchor="ctr"/>
-          <a:lstStyle/>
-          <a:p>
-            <a:pPr algn="ctr"/>
-            <a:endParaRPr lang="fr-FR"/>
-          </a:p>
-        </p:txBody>
-      </p:sp>
-      <p:sp>
-        <p:nvSpPr>
-          <p:cNvPr id="242" name="Ellipse 241">
-            <a:extLst>
-              <a:ext uri="{FF2B5EF4-FFF2-40B4-BE49-F238E27FC236}">
-                <a16:creationId xmlns:a16="http://schemas.microsoft.com/office/drawing/2014/main" id="{8F973118-4422-FD18-DE15-9B76FAB516BD}"/>
-              </a:ext>
-            </a:extLst>
-          </p:cNvPr>
-          <p:cNvSpPr/>
-          <p:nvPr/>
-        </p:nvSpPr>
-        <p:spPr>
-          <a:xfrm>
-            <a:off x="4783953" y="4234668"/>
-            <a:ext cx="160543" cy="160543"/>
-          </a:xfrm>
-          <a:prstGeom prst="ellipse">
-            <a:avLst/>
-          </a:prstGeom>
-          <a:solidFill>
-            <a:schemeClr val="bg2">
-              <a:lumMod val="90000"/>
-            </a:schemeClr>
-          </a:solidFill>
-          <a:ln>
-            <a:solidFill>
-              <a:schemeClr val="bg2">
-                <a:lumMod val="90000"/>
-              </a:schemeClr>
-            </a:solidFill>
-          </a:ln>
-        </p:spPr>
-        <p:style>
-          <a:lnRef idx="2">
-            <a:schemeClr val="accent1">
-              <a:shade val="50000"/>
-            </a:schemeClr>
-          </a:lnRef>
-          <a:fillRef idx="1">
-            <a:schemeClr val="accent1"/>
-          </a:fillRef>
-          <a:effectRef idx="0">
-            <a:schemeClr val="accent1"/>
-          </a:effectRef>
-          <a:fontRef idx="minor">
-            <a:schemeClr val="lt1"/>
-          </a:fontRef>
-        </p:style>
-        <p:txBody>
-          <a:bodyPr rtlCol="0" anchor="ctr"/>
-          <a:lstStyle/>
-          <a:p>
-            <a:pPr algn="ctr"/>
-            <a:endParaRPr lang="fr-FR"/>
-          </a:p>
-        </p:txBody>
-      </p:sp>
-      <p:sp>
-        <p:nvSpPr>
-          <p:cNvPr id="243" name="Ellipse 242">
-            <a:extLst>
-              <a:ext uri="{FF2B5EF4-FFF2-40B4-BE49-F238E27FC236}">
-                <a16:creationId xmlns:a16="http://schemas.microsoft.com/office/drawing/2014/main" id="{53292F43-6166-A041-79B3-20E596239299}"/>
-              </a:ext>
-            </a:extLst>
-          </p:cNvPr>
-          <p:cNvSpPr/>
-          <p:nvPr/>
-        </p:nvSpPr>
-        <p:spPr>
-          <a:xfrm>
-            <a:off x="4783953" y="4539592"/>
-            <a:ext cx="160543" cy="160543"/>
-          </a:xfrm>
-          <a:prstGeom prst="ellipse">
-            <a:avLst/>
-          </a:prstGeom>
-          <a:solidFill>
-            <a:schemeClr val="bg2">
-              <a:lumMod val="90000"/>
-            </a:schemeClr>
-          </a:solidFill>
-          <a:ln>
-            <a:solidFill>
-              <a:schemeClr val="bg2">
-                <a:lumMod val="90000"/>
-              </a:schemeClr>
-            </a:solidFill>
-          </a:ln>
-        </p:spPr>
-        <p:style>
-          <a:lnRef idx="2">
-            <a:schemeClr val="accent1">
-              <a:shade val="50000"/>
-            </a:schemeClr>
-          </a:lnRef>
-          <a:fillRef idx="1">
-            <a:schemeClr val="accent1"/>
-          </a:fillRef>
-          <a:effectRef idx="0">
-            <a:schemeClr val="accent1"/>
-          </a:effectRef>
-          <a:fontRef idx="minor">
-            <a:schemeClr val="lt1"/>
-          </a:fontRef>
-        </p:style>
-        <p:txBody>
-          <a:bodyPr rtlCol="0" anchor="ctr"/>
-          <a:lstStyle/>
-          <a:p>
-            <a:pPr algn="ctr"/>
-            <a:endParaRPr lang="fr-FR"/>
-          </a:p>
-        </p:txBody>
-      </p:sp>
-      <p:sp>
-        <p:nvSpPr>
-          <p:cNvPr id="246" name="Ellipse 245">
-            <a:extLst>
-              <a:ext uri="{FF2B5EF4-FFF2-40B4-BE49-F238E27FC236}">
-                <a16:creationId xmlns:a16="http://schemas.microsoft.com/office/drawing/2014/main" id="{BBD21E24-8B01-EDB3-3671-E64C116F0F84}"/>
-              </a:ext>
-            </a:extLst>
-          </p:cNvPr>
-          <p:cNvSpPr/>
-          <p:nvPr/>
-        </p:nvSpPr>
-        <p:spPr>
-          <a:xfrm>
-            <a:off x="5096898" y="3929744"/>
-            <a:ext cx="160543" cy="160543"/>
-          </a:xfrm>
-          <a:prstGeom prst="ellipse">
-            <a:avLst/>
-          </a:prstGeom>
-          <a:solidFill>
-            <a:srgbClr val="3D7E4F"/>
-          </a:solidFill>
-          <a:ln>
-            <a:solidFill>
-              <a:schemeClr val="accent6">
-                <a:lumMod val="50000"/>
-              </a:schemeClr>
-            </a:solidFill>
-          </a:ln>
-        </p:spPr>
-        <p:style>
-          <a:lnRef idx="2">
-            <a:schemeClr val="accent1">
-              <a:shade val="50000"/>
-            </a:schemeClr>
-          </a:lnRef>
-          <a:fillRef idx="1">
-            <a:schemeClr val="accent1"/>
-          </a:fillRef>
-          <a:effectRef idx="0">
-            <a:schemeClr val="accent1"/>
-          </a:effectRef>
-          <a:fontRef idx="minor">
-            <a:schemeClr val="lt1"/>
-          </a:fontRef>
-        </p:style>
-        <p:txBody>
-          <a:bodyPr rtlCol="0" anchor="ctr"/>
-          <a:lstStyle/>
-          <a:p>
-            <a:pPr algn="ctr"/>
-            <a:endParaRPr lang="fr-FR"/>
-          </a:p>
-        </p:txBody>
-      </p:sp>
-      <p:sp>
-        <p:nvSpPr>
-          <p:cNvPr id="247" name="Ellipse 246">
-            <a:extLst>
-              <a:ext uri="{FF2B5EF4-FFF2-40B4-BE49-F238E27FC236}">
-                <a16:creationId xmlns:a16="http://schemas.microsoft.com/office/drawing/2014/main" id="{7437BFF6-6314-B030-DF0F-F89D41F37A09}"/>
-              </a:ext>
-            </a:extLst>
-          </p:cNvPr>
-          <p:cNvSpPr/>
-          <p:nvPr/>
-        </p:nvSpPr>
-        <p:spPr>
-          <a:xfrm>
-            <a:off x="5096897" y="4234668"/>
-            <a:ext cx="160543" cy="160543"/>
-          </a:xfrm>
-          <a:prstGeom prst="ellipse">
-            <a:avLst/>
-          </a:prstGeom>
-          <a:solidFill>
-            <a:schemeClr val="bg2">
-              <a:lumMod val="90000"/>
-            </a:schemeClr>
-          </a:solidFill>
-          <a:ln>
-            <a:solidFill>
-              <a:schemeClr val="bg2">
-                <a:lumMod val="90000"/>
-              </a:schemeClr>
-            </a:solidFill>
-          </a:ln>
-        </p:spPr>
-        <p:style>
-          <a:lnRef idx="2">
-            <a:schemeClr val="accent1">
-              <a:shade val="50000"/>
-            </a:schemeClr>
-          </a:lnRef>
-          <a:fillRef idx="1">
-            <a:schemeClr val="accent1"/>
-          </a:fillRef>
-          <a:effectRef idx="0">
-            <a:schemeClr val="accent1"/>
-          </a:effectRef>
-          <a:fontRef idx="minor">
-            <a:schemeClr val="lt1"/>
-          </a:fontRef>
-        </p:style>
-        <p:txBody>
-          <a:bodyPr rtlCol="0" anchor="ctr"/>
-          <a:lstStyle/>
-          <a:p>
-            <a:pPr algn="ctr"/>
-            <a:endParaRPr lang="fr-FR"/>
-          </a:p>
-        </p:txBody>
-      </p:sp>
-      <p:sp>
-        <p:nvSpPr>
-          <p:cNvPr id="248" name="Ellipse 247">
-            <a:extLst>
-              <a:ext uri="{FF2B5EF4-FFF2-40B4-BE49-F238E27FC236}">
-                <a16:creationId xmlns:a16="http://schemas.microsoft.com/office/drawing/2014/main" id="{E06191FF-E5FF-26C0-7D31-894EB5DEB355}"/>
-              </a:ext>
-            </a:extLst>
-          </p:cNvPr>
-          <p:cNvSpPr/>
-          <p:nvPr/>
-        </p:nvSpPr>
-        <p:spPr>
-          <a:xfrm>
-            <a:off x="5096897" y="4539592"/>
-            <a:ext cx="160543" cy="160543"/>
-          </a:xfrm>
-          <a:prstGeom prst="ellipse">
-            <a:avLst/>
-          </a:prstGeom>
-          <a:solidFill>
-            <a:schemeClr val="bg2">
-              <a:lumMod val="90000"/>
-            </a:schemeClr>
-          </a:solidFill>
-          <a:ln>
-            <a:solidFill>
-              <a:schemeClr val="bg2">
-                <a:lumMod val="90000"/>
-              </a:schemeClr>
-            </a:solidFill>
-          </a:ln>
-        </p:spPr>
-        <p:style>
-          <a:lnRef idx="2">
-            <a:schemeClr val="accent1">
-              <a:shade val="50000"/>
-            </a:schemeClr>
-          </a:lnRef>
-          <a:fillRef idx="1">
-            <a:schemeClr val="accent1"/>
-          </a:fillRef>
-          <a:effectRef idx="0">
-            <a:schemeClr val="accent1"/>
-          </a:effectRef>
-          <a:fontRef idx="minor">
-            <a:schemeClr val="lt1"/>
-          </a:fontRef>
-        </p:style>
-        <p:txBody>
-          <a:bodyPr rtlCol="0" anchor="ctr"/>
-          <a:lstStyle/>
-          <a:p>
-            <a:pPr algn="ctr"/>
-            <a:endParaRPr lang="fr-FR"/>
-          </a:p>
-        </p:txBody>
-      </p:sp>
-      <p:sp>
-        <p:nvSpPr>
-          <p:cNvPr id="249" name="Ellipse 248">
-            <a:extLst>
-              <a:ext uri="{FF2B5EF4-FFF2-40B4-BE49-F238E27FC236}">
-                <a16:creationId xmlns:a16="http://schemas.microsoft.com/office/drawing/2014/main" id="{3FF383A7-E601-7D2D-8791-129A48E4234C}"/>
-              </a:ext>
-            </a:extLst>
-          </p:cNvPr>
-          <p:cNvSpPr/>
-          <p:nvPr/>
-        </p:nvSpPr>
-        <p:spPr>
-          <a:xfrm>
-            <a:off x="5096897" y="4844516"/>
-            <a:ext cx="160543" cy="160543"/>
-          </a:xfrm>
-          <a:prstGeom prst="ellipse">
-            <a:avLst/>
-          </a:prstGeom>
-          <a:solidFill>
-            <a:schemeClr val="bg2">
-              <a:lumMod val="90000"/>
-            </a:schemeClr>
-          </a:solidFill>
-          <a:ln>
-            <a:solidFill>
-              <a:schemeClr val="bg2">
-                <a:lumMod val="90000"/>
-              </a:schemeClr>
-            </a:solidFill>
-          </a:ln>
-        </p:spPr>
-        <p:style>
-          <a:lnRef idx="2">
-            <a:schemeClr val="accent1">
-              <a:shade val="50000"/>
-            </a:schemeClr>
-          </a:lnRef>
-          <a:fillRef idx="1">
-            <a:schemeClr val="accent1"/>
-          </a:fillRef>
-          <a:effectRef idx="0">
-            <a:schemeClr val="accent1"/>
-          </a:effectRef>
-          <a:fontRef idx="minor">
-            <a:schemeClr val="lt1"/>
-          </a:fontRef>
-        </p:style>
-        <p:txBody>
-          <a:bodyPr rtlCol="0" anchor="ctr"/>
-          <a:lstStyle/>
-          <a:p>
-            <a:pPr algn="ctr"/>
-            <a:endParaRPr lang="fr-FR"/>
-          </a:p>
-        </p:txBody>
-      </p:sp>
-      <p:sp>
-        <p:nvSpPr>
-          <p:cNvPr id="250" name="Ellipse 249">
-            <a:extLst>
-              <a:ext uri="{FF2B5EF4-FFF2-40B4-BE49-F238E27FC236}">
-                <a16:creationId xmlns:a16="http://schemas.microsoft.com/office/drawing/2014/main" id="{00790A0D-7046-03E4-75FD-CB7092AAC619}"/>
-              </a:ext>
-            </a:extLst>
-          </p:cNvPr>
-          <p:cNvSpPr/>
-          <p:nvPr/>
-        </p:nvSpPr>
-        <p:spPr>
-          <a:xfrm>
-            <a:off x="5409842" y="3624820"/>
-            <a:ext cx="160543" cy="160543"/>
-          </a:xfrm>
-          <a:prstGeom prst="ellipse">
-            <a:avLst/>
-          </a:prstGeom>
-          <a:solidFill>
-            <a:schemeClr val="bg2">
-              <a:lumMod val="90000"/>
-            </a:schemeClr>
-          </a:solidFill>
-          <a:ln>
-            <a:solidFill>
-              <a:schemeClr val="bg2">
-                <a:lumMod val="90000"/>
-              </a:schemeClr>
-            </a:solidFill>
-          </a:ln>
-        </p:spPr>
-        <p:style>
-          <a:lnRef idx="2">
-            <a:schemeClr val="accent1">
-              <a:shade val="50000"/>
-            </a:schemeClr>
-          </a:lnRef>
-          <a:fillRef idx="1">
-            <a:schemeClr val="accent1"/>
-          </a:fillRef>
-          <a:effectRef idx="0">
-            <a:schemeClr val="accent1"/>
-          </a:effectRef>
-          <a:fontRef idx="minor">
-            <a:schemeClr val="lt1"/>
-          </a:fontRef>
-        </p:style>
-        <p:txBody>
-          <a:bodyPr rtlCol="0" anchor="ctr"/>
-          <a:lstStyle/>
-          <a:p>
-            <a:pPr algn="ctr"/>
-            <a:endParaRPr lang="fr-FR"/>
-          </a:p>
-        </p:txBody>
-      </p:sp>
-      <p:sp>
-        <p:nvSpPr>
-          <p:cNvPr id="251" name="Ellipse 250">
-            <a:extLst>
-              <a:ext uri="{FF2B5EF4-FFF2-40B4-BE49-F238E27FC236}">
-                <a16:creationId xmlns:a16="http://schemas.microsoft.com/office/drawing/2014/main" id="{929B458E-1E6F-ADFC-2BB2-FD2D91420580}"/>
-              </a:ext>
-            </a:extLst>
-          </p:cNvPr>
-          <p:cNvSpPr/>
-          <p:nvPr/>
-        </p:nvSpPr>
-        <p:spPr>
-          <a:xfrm>
-            <a:off x="5409842" y="3929744"/>
-            <a:ext cx="160543" cy="160543"/>
-          </a:xfrm>
-          <a:prstGeom prst="ellipse">
-            <a:avLst/>
-          </a:prstGeom>
-          <a:solidFill>
-            <a:srgbClr val="3D7E4F"/>
-          </a:solidFill>
-          <a:ln>
-            <a:solidFill>
-              <a:schemeClr val="accent6">
-                <a:lumMod val="50000"/>
-              </a:schemeClr>
-            </a:solidFill>
-          </a:ln>
-        </p:spPr>
-        <p:style>
-          <a:lnRef idx="2">
-            <a:schemeClr val="accent1">
-              <a:shade val="50000"/>
-            </a:schemeClr>
-          </a:lnRef>
-          <a:fillRef idx="1">
-            <a:schemeClr val="accent1"/>
-          </a:fillRef>
-          <a:effectRef idx="0">
-            <a:schemeClr val="accent1"/>
-          </a:effectRef>
-          <a:fontRef idx="minor">
-            <a:schemeClr val="lt1"/>
-          </a:fontRef>
-        </p:style>
-        <p:txBody>
-          <a:bodyPr rtlCol="0" anchor="ctr"/>
-          <a:lstStyle/>
-          <a:p>
-            <a:pPr algn="ctr"/>
-            <a:endParaRPr lang="fr-FR"/>
-          </a:p>
-        </p:txBody>
-      </p:sp>
-      <p:sp>
-        <p:nvSpPr>
-          <p:cNvPr id="252" name="Ellipse 251">
-            <a:extLst>
-              <a:ext uri="{FF2B5EF4-FFF2-40B4-BE49-F238E27FC236}">
-                <a16:creationId xmlns:a16="http://schemas.microsoft.com/office/drawing/2014/main" id="{A9480351-0FD3-136A-CFE2-18E8C60D141F}"/>
-              </a:ext>
-            </a:extLst>
-          </p:cNvPr>
-          <p:cNvSpPr/>
-          <p:nvPr/>
-        </p:nvSpPr>
-        <p:spPr>
-          <a:xfrm>
-            <a:off x="5409841" y="4234668"/>
-            <a:ext cx="160543" cy="160543"/>
-          </a:xfrm>
-          <a:prstGeom prst="ellipse">
-            <a:avLst/>
-          </a:prstGeom>
-          <a:solidFill>
-            <a:srgbClr val="3D7E4F"/>
-          </a:solidFill>
-          <a:ln>
-            <a:solidFill>
-              <a:schemeClr val="accent6">
-                <a:lumMod val="50000"/>
-              </a:schemeClr>
-            </a:solidFill>
-          </a:ln>
-        </p:spPr>
-        <p:style>
-          <a:lnRef idx="2">
-            <a:schemeClr val="accent1">
-              <a:shade val="50000"/>
-            </a:schemeClr>
-          </a:lnRef>
-          <a:fillRef idx="1">
-            <a:schemeClr val="accent1"/>
-          </a:fillRef>
-          <a:effectRef idx="0">
-            <a:schemeClr val="accent1"/>
-          </a:effectRef>
-          <a:fontRef idx="minor">
-            <a:schemeClr val="lt1"/>
-          </a:fontRef>
-        </p:style>
-        <p:txBody>
-          <a:bodyPr rtlCol="0" anchor="ctr"/>
-          <a:lstStyle/>
-          <a:p>
-            <a:pPr algn="ctr"/>
-            <a:endParaRPr lang="fr-FR"/>
-          </a:p>
-        </p:txBody>
-      </p:sp>
-      <p:sp>
-        <p:nvSpPr>
-          <p:cNvPr id="253" name="Ellipse 252">
-            <a:extLst>
-              <a:ext uri="{FF2B5EF4-FFF2-40B4-BE49-F238E27FC236}">
-                <a16:creationId xmlns:a16="http://schemas.microsoft.com/office/drawing/2014/main" id="{4E251A37-428B-CCCA-F38B-97F0E3C78545}"/>
-              </a:ext>
-            </a:extLst>
-          </p:cNvPr>
-          <p:cNvSpPr/>
-          <p:nvPr/>
-        </p:nvSpPr>
-        <p:spPr>
-          <a:xfrm>
-            <a:off x="5409841" y="4539592"/>
-            <a:ext cx="160543" cy="160543"/>
-          </a:xfrm>
-          <a:prstGeom prst="ellipse">
-            <a:avLst/>
-          </a:prstGeom>
-          <a:solidFill>
-            <a:srgbClr val="3D7E4F"/>
-          </a:solidFill>
-          <a:ln>
-            <a:solidFill>
-              <a:schemeClr val="accent6">
-                <a:lumMod val="50000"/>
-              </a:schemeClr>
-            </a:solidFill>
-          </a:ln>
-        </p:spPr>
-        <p:style>
-          <a:lnRef idx="2">
-            <a:schemeClr val="accent1">
-              <a:shade val="50000"/>
-            </a:schemeClr>
-          </a:lnRef>
-          <a:fillRef idx="1">
-            <a:schemeClr val="accent1"/>
-          </a:fillRef>
-          <a:effectRef idx="0">
-            <a:schemeClr val="accent1"/>
-          </a:effectRef>
-          <a:fontRef idx="minor">
-            <a:schemeClr val="lt1"/>
-          </a:fontRef>
-        </p:style>
-        <p:txBody>
-          <a:bodyPr rtlCol="0" anchor="ctr"/>
-          <a:lstStyle/>
-          <a:p>
-            <a:pPr algn="ctr"/>
-            <a:endParaRPr lang="fr-FR"/>
-          </a:p>
-        </p:txBody>
-      </p:sp>
-      <p:sp>
-        <p:nvSpPr>
-          <p:cNvPr id="254" name="Ellipse 253">
-            <a:extLst>
-              <a:ext uri="{FF2B5EF4-FFF2-40B4-BE49-F238E27FC236}">
-                <a16:creationId xmlns:a16="http://schemas.microsoft.com/office/drawing/2014/main" id="{64F098D3-7D84-FB5F-D409-621D808AD9D4}"/>
-              </a:ext>
-            </a:extLst>
-          </p:cNvPr>
-          <p:cNvSpPr/>
-          <p:nvPr/>
-        </p:nvSpPr>
-        <p:spPr>
-          <a:xfrm>
-            <a:off x="5409841" y="4844516"/>
-            <a:ext cx="160543" cy="160543"/>
-          </a:xfrm>
-          <a:prstGeom prst="ellipse">
-            <a:avLst/>
-          </a:prstGeom>
-          <a:solidFill>
-            <a:schemeClr val="bg2">
-              <a:lumMod val="90000"/>
-            </a:schemeClr>
-          </a:solidFill>
-          <a:ln>
-            <a:solidFill>
-              <a:schemeClr val="bg2">
-                <a:lumMod val="90000"/>
-              </a:schemeClr>
-            </a:solidFill>
-          </a:ln>
-        </p:spPr>
-        <p:style>
-          <a:lnRef idx="2">
-            <a:schemeClr val="accent1">
-              <a:shade val="50000"/>
-            </a:schemeClr>
-          </a:lnRef>
-          <a:fillRef idx="1">
-            <a:schemeClr val="accent1"/>
-          </a:fillRef>
-          <a:effectRef idx="0">
-            <a:schemeClr val="accent1"/>
-          </a:effectRef>
-          <a:fontRef idx="minor">
-            <a:schemeClr val="lt1"/>
-          </a:fontRef>
-        </p:style>
-        <p:txBody>
-          <a:bodyPr rtlCol="0" anchor="ctr"/>
-          <a:lstStyle/>
-          <a:p>
-            <a:pPr algn="ctr"/>
-            <a:endParaRPr lang="fr-FR"/>
-          </a:p>
-        </p:txBody>
-      </p:sp>
-      <p:sp>
-        <p:nvSpPr>
-          <p:cNvPr id="255" name="Ellipse 254">
-            <a:extLst>
-              <a:ext uri="{FF2B5EF4-FFF2-40B4-BE49-F238E27FC236}">
-                <a16:creationId xmlns:a16="http://schemas.microsoft.com/office/drawing/2014/main" id="{9DA5BF1A-F921-3D45-CAB0-4526193108BE}"/>
-              </a:ext>
-            </a:extLst>
-          </p:cNvPr>
-          <p:cNvSpPr/>
-          <p:nvPr/>
-        </p:nvSpPr>
-        <p:spPr>
-          <a:xfrm>
-            <a:off x="5722786" y="3624820"/>
-            <a:ext cx="160543" cy="160543"/>
-          </a:xfrm>
-          <a:prstGeom prst="ellipse">
-            <a:avLst/>
-          </a:prstGeom>
-          <a:solidFill>
-            <a:srgbClr val="3D7E4F"/>
-          </a:solidFill>
-          <a:ln>
-            <a:solidFill>
-              <a:schemeClr val="accent6">
-                <a:lumMod val="50000"/>
-              </a:schemeClr>
-            </a:solidFill>
-          </a:ln>
-        </p:spPr>
-        <p:style>
-          <a:lnRef idx="2">
-            <a:schemeClr val="accent1">
-              <a:shade val="50000"/>
-            </a:schemeClr>
-          </a:lnRef>
-          <a:fillRef idx="1">
-            <a:schemeClr val="accent1"/>
-          </a:fillRef>
-          <a:effectRef idx="0">
-            <a:schemeClr val="accent1"/>
-          </a:effectRef>
-          <a:fontRef idx="minor">
-            <a:schemeClr val="lt1"/>
-          </a:fontRef>
-        </p:style>
-        <p:txBody>
-          <a:bodyPr rtlCol="0" anchor="ctr"/>
-          <a:lstStyle/>
-          <a:p>
-            <a:pPr algn="ctr"/>
-            <a:endParaRPr lang="fr-FR"/>
-          </a:p>
-        </p:txBody>
-      </p:sp>
-      <p:sp>
-        <p:nvSpPr>
-          <p:cNvPr id="256" name="Ellipse 255">
-            <a:extLst>
-              <a:ext uri="{FF2B5EF4-FFF2-40B4-BE49-F238E27FC236}">
-                <a16:creationId xmlns:a16="http://schemas.microsoft.com/office/drawing/2014/main" id="{F2AF4A50-33A3-FFE4-0D07-91F92394308C}"/>
-              </a:ext>
-            </a:extLst>
-          </p:cNvPr>
-          <p:cNvSpPr/>
-          <p:nvPr/>
-        </p:nvSpPr>
-        <p:spPr>
-          <a:xfrm>
-            <a:off x="5722786" y="3929744"/>
-            <a:ext cx="160543" cy="160543"/>
-          </a:xfrm>
-          <a:prstGeom prst="ellipse">
-            <a:avLst/>
-          </a:prstGeom>
-          <a:solidFill>
-            <a:srgbClr val="3D7E4F"/>
-          </a:solidFill>
-          <a:ln>
-            <a:solidFill>
-              <a:schemeClr val="accent6">
-                <a:lumMod val="50000"/>
-              </a:schemeClr>
-            </a:solidFill>
-          </a:ln>
-        </p:spPr>
-        <p:style>
-          <a:lnRef idx="2">
-            <a:schemeClr val="accent1">
-              <a:shade val="50000"/>
-            </a:schemeClr>
-          </a:lnRef>
-          <a:fillRef idx="1">
-            <a:schemeClr val="accent1"/>
-          </a:fillRef>
-          <a:effectRef idx="0">
-            <a:schemeClr val="accent1"/>
-          </a:effectRef>
-          <a:fontRef idx="minor">
-            <a:schemeClr val="lt1"/>
-          </a:fontRef>
-        </p:style>
-        <p:txBody>
-          <a:bodyPr rtlCol="0" anchor="ctr"/>
-          <a:lstStyle/>
-          <a:p>
-            <a:pPr algn="ctr"/>
-            <a:endParaRPr lang="fr-FR"/>
-          </a:p>
-        </p:txBody>
-      </p:sp>
-      <p:sp>
-        <p:nvSpPr>
-          <p:cNvPr id="257" name="Ellipse 256">
-            <a:extLst>
-              <a:ext uri="{FF2B5EF4-FFF2-40B4-BE49-F238E27FC236}">
-                <a16:creationId xmlns:a16="http://schemas.microsoft.com/office/drawing/2014/main" id="{E981E836-54A3-F8EB-2736-7ECACE39D3D6}"/>
-              </a:ext>
-            </a:extLst>
-          </p:cNvPr>
-          <p:cNvSpPr/>
-          <p:nvPr/>
-        </p:nvSpPr>
-        <p:spPr>
-          <a:xfrm>
-            <a:off x="5722785" y="4234668"/>
-            <a:ext cx="160543" cy="160543"/>
-          </a:xfrm>
-          <a:prstGeom prst="ellipse">
-            <a:avLst/>
-          </a:prstGeom>
-          <a:solidFill>
-            <a:srgbClr val="3D7E4F"/>
-          </a:solidFill>
-          <a:ln>
-            <a:solidFill>
-              <a:schemeClr val="accent6">
-                <a:lumMod val="50000"/>
-              </a:schemeClr>
-            </a:solidFill>
-          </a:ln>
-        </p:spPr>
-        <p:style>
-          <a:lnRef idx="2">
-            <a:schemeClr val="accent1">
-              <a:shade val="50000"/>
-            </a:schemeClr>
-          </a:lnRef>
-          <a:fillRef idx="1">
-            <a:schemeClr val="accent1"/>
-          </a:fillRef>
-          <a:effectRef idx="0">
-            <a:schemeClr val="accent1"/>
-          </a:effectRef>
-          <a:fontRef idx="minor">
-            <a:schemeClr val="lt1"/>
-          </a:fontRef>
-        </p:style>
-        <p:txBody>
-          <a:bodyPr rtlCol="0" anchor="ctr"/>
-          <a:lstStyle/>
-          <a:p>
-            <a:pPr algn="ctr"/>
-            <a:endParaRPr lang="fr-FR"/>
-          </a:p>
-        </p:txBody>
-      </p:sp>
-      <p:sp>
-        <p:nvSpPr>
-          <p:cNvPr id="258" name="Ellipse 257">
-            <a:extLst>
-              <a:ext uri="{FF2B5EF4-FFF2-40B4-BE49-F238E27FC236}">
-                <a16:creationId xmlns:a16="http://schemas.microsoft.com/office/drawing/2014/main" id="{4824EA9E-ADF5-7889-5752-0BC6D6906D4A}"/>
-              </a:ext>
-            </a:extLst>
-          </p:cNvPr>
-          <p:cNvSpPr/>
-          <p:nvPr/>
-        </p:nvSpPr>
-        <p:spPr>
-          <a:xfrm>
-            <a:off x="5722785" y="4539592"/>
-            <a:ext cx="160543" cy="160543"/>
-          </a:xfrm>
-          <a:prstGeom prst="ellipse">
-            <a:avLst/>
-          </a:prstGeom>
-          <a:solidFill>
-            <a:srgbClr val="3D7E4F"/>
-          </a:solidFill>
-          <a:ln>
-            <a:solidFill>
-              <a:schemeClr val="accent6">
-                <a:lumMod val="50000"/>
-              </a:schemeClr>
-            </a:solidFill>
-          </a:ln>
-        </p:spPr>
-        <p:style>
-          <a:lnRef idx="2">
-            <a:schemeClr val="accent1">
-              <a:shade val="50000"/>
-            </a:schemeClr>
-          </a:lnRef>
-          <a:fillRef idx="1">
-            <a:schemeClr val="accent1"/>
-          </a:fillRef>
-          <a:effectRef idx="0">
-            <a:schemeClr val="accent1"/>
-          </a:effectRef>
-          <a:fontRef idx="minor">
-            <a:schemeClr val="lt1"/>
-          </a:fontRef>
-        </p:style>
-        <p:txBody>
-          <a:bodyPr rtlCol="0" anchor="ctr"/>
-          <a:lstStyle/>
-          <a:p>
-            <a:pPr algn="ctr"/>
-            <a:endParaRPr lang="fr-FR"/>
-          </a:p>
-        </p:txBody>
-      </p:sp>
-      <p:sp>
-        <p:nvSpPr>
-          <p:cNvPr id="259" name="Ellipse 258">
-            <a:extLst>
-              <a:ext uri="{FF2B5EF4-FFF2-40B4-BE49-F238E27FC236}">
-                <a16:creationId xmlns:a16="http://schemas.microsoft.com/office/drawing/2014/main" id="{1280893F-D22E-CC97-3CEF-8327B786F9AB}"/>
-              </a:ext>
-            </a:extLst>
-          </p:cNvPr>
-          <p:cNvSpPr/>
-          <p:nvPr/>
-        </p:nvSpPr>
-        <p:spPr>
-          <a:xfrm>
-            <a:off x="5722785" y="4844516"/>
-            <a:ext cx="160543" cy="160543"/>
-          </a:xfrm>
-          <a:prstGeom prst="ellipse">
-            <a:avLst/>
-          </a:prstGeom>
-          <a:solidFill>
-            <a:srgbClr val="3D7E4F"/>
-          </a:solidFill>
-          <a:ln>
-            <a:solidFill>
-              <a:schemeClr val="accent6">
-                <a:lumMod val="50000"/>
-              </a:schemeClr>
-            </a:solidFill>
-          </a:ln>
-        </p:spPr>
-        <p:style>
-          <a:lnRef idx="2">
-            <a:schemeClr val="accent1">
-              <a:shade val="50000"/>
-            </a:schemeClr>
-          </a:lnRef>
-          <a:fillRef idx="1">
-            <a:schemeClr val="accent1"/>
-          </a:fillRef>
-          <a:effectRef idx="0">
-            <a:schemeClr val="accent1"/>
-          </a:effectRef>
-          <a:fontRef idx="minor">
-            <a:schemeClr val="lt1"/>
-          </a:fontRef>
-        </p:style>
-        <p:txBody>
-          <a:bodyPr rtlCol="0" anchor="ctr"/>
-          <a:lstStyle/>
-          <a:p>
-            <a:pPr algn="ctr"/>
-            <a:endParaRPr lang="fr-FR"/>
-          </a:p>
-        </p:txBody>
-      </p:sp>
-      <p:cxnSp>
-        <p:nvCxnSpPr>
-          <p:cNvPr id="260" name="Connecteur droit 259">
-            <a:extLst>
-              <a:ext uri="{FF2B5EF4-FFF2-40B4-BE49-F238E27FC236}">
-                <a16:creationId xmlns:a16="http://schemas.microsoft.com/office/drawing/2014/main" id="{EDD75061-BE83-7A7A-FA13-D32E7C5CA1CC}"/>
-              </a:ext>
-            </a:extLst>
-          </p:cNvPr>
-          <p:cNvCxnSpPr>
-            <a:cxnSpLocks/>
-            <a:stCxn id="251" idx="7"/>
-            <a:endCxn id="255" idx="2"/>
-          </p:cNvCxnSpPr>
-          <p:nvPr/>
-        </p:nvCxnSpPr>
-        <p:spPr>
-          <a:xfrm flipV="1">
-            <a:off x="5546874" y="3705092"/>
-            <a:ext cx="175912" cy="248163"/>
-          </a:xfrm>
-          <a:prstGeom prst="line">
-            <a:avLst/>
-          </a:prstGeom>
-          <a:ln w="12700">
-            <a:solidFill>
-              <a:schemeClr val="accent6">
-                <a:lumMod val="50000"/>
-              </a:schemeClr>
-            </a:solidFill>
-          </a:ln>
-        </p:spPr>
-        <p:style>
-          <a:lnRef idx="1">
-            <a:schemeClr val="accent1"/>
-          </a:lnRef>
-          <a:fillRef idx="0">
-            <a:schemeClr val="accent1"/>
-          </a:fillRef>
-          <a:effectRef idx="0">
-            <a:schemeClr val="accent1"/>
-          </a:effectRef>
-          <a:fontRef idx="minor">
-            <a:schemeClr val="tx1"/>
-          </a:fontRef>
-        </p:style>
-      </p:cxnSp>
-      <p:cxnSp>
-        <p:nvCxnSpPr>
-          <p:cNvPr id="261" name="Connecteur droit 260">
-            <a:extLst>
-              <a:ext uri="{FF2B5EF4-FFF2-40B4-BE49-F238E27FC236}">
-                <a16:creationId xmlns:a16="http://schemas.microsoft.com/office/drawing/2014/main" id="{41B74550-D3CF-71BF-DB1A-8090F575C40E}"/>
-              </a:ext>
-            </a:extLst>
-          </p:cNvPr>
-          <p:cNvCxnSpPr>
-            <a:cxnSpLocks/>
-            <a:stCxn id="251" idx="6"/>
-            <a:endCxn id="256" idx="2"/>
-          </p:cNvCxnSpPr>
-          <p:nvPr/>
-        </p:nvCxnSpPr>
-        <p:spPr>
-          <a:xfrm>
-            <a:off x="5570385" y="4010016"/>
-            <a:ext cx="152401" cy="0"/>
-          </a:xfrm>
-          <a:prstGeom prst="line">
-            <a:avLst/>
-          </a:prstGeom>
-          <a:ln w="12700">
-            <a:solidFill>
-              <a:schemeClr val="accent6">
-                <a:lumMod val="50000"/>
-              </a:schemeClr>
-            </a:solidFill>
-          </a:ln>
-        </p:spPr>
-        <p:style>
-          <a:lnRef idx="1">
-            <a:schemeClr val="accent1"/>
-          </a:lnRef>
-          <a:fillRef idx="0">
-            <a:schemeClr val="accent1"/>
-          </a:fillRef>
-          <a:effectRef idx="0">
-            <a:schemeClr val="accent1"/>
-          </a:effectRef>
-          <a:fontRef idx="minor">
-            <a:schemeClr val="tx1"/>
-          </a:fontRef>
-        </p:style>
-      </p:cxnSp>
-      <p:cxnSp>
-        <p:nvCxnSpPr>
-          <p:cNvPr id="262" name="Connecteur droit 261">
-            <a:extLst>
-              <a:ext uri="{FF2B5EF4-FFF2-40B4-BE49-F238E27FC236}">
-                <a16:creationId xmlns:a16="http://schemas.microsoft.com/office/drawing/2014/main" id="{AECA0F5E-3E1D-35D3-3C0A-870ABC08A0FE}"/>
-              </a:ext>
-            </a:extLst>
-          </p:cNvPr>
-          <p:cNvCxnSpPr>
-            <a:cxnSpLocks/>
-            <a:stCxn id="252" idx="6"/>
-            <a:endCxn id="257" idx="2"/>
-          </p:cNvCxnSpPr>
-          <p:nvPr/>
-        </p:nvCxnSpPr>
-        <p:spPr>
-          <a:xfrm>
-            <a:off x="5570384" y="4314940"/>
-            <a:ext cx="152401" cy="0"/>
-          </a:xfrm>
-          <a:prstGeom prst="line">
-            <a:avLst/>
-          </a:prstGeom>
-          <a:ln w="12700">
-            <a:solidFill>
-              <a:schemeClr val="accent6">
-                <a:lumMod val="50000"/>
-              </a:schemeClr>
-            </a:solidFill>
-          </a:ln>
-        </p:spPr>
-        <p:style>
-          <a:lnRef idx="1">
-            <a:schemeClr val="accent1"/>
-          </a:lnRef>
-          <a:fillRef idx="0">
-            <a:schemeClr val="accent1"/>
-          </a:fillRef>
-          <a:effectRef idx="0">
-            <a:schemeClr val="accent1"/>
-          </a:effectRef>
-          <a:fontRef idx="minor">
-            <a:schemeClr val="tx1"/>
-          </a:fontRef>
-        </p:style>
-      </p:cxnSp>
-      <p:cxnSp>
-        <p:nvCxnSpPr>
-          <p:cNvPr id="263" name="Connecteur droit 262">
-            <a:extLst>
-              <a:ext uri="{FF2B5EF4-FFF2-40B4-BE49-F238E27FC236}">
-                <a16:creationId xmlns:a16="http://schemas.microsoft.com/office/drawing/2014/main" id="{30425D2B-94E7-48D7-1B3E-E86D890A410B}"/>
-              </a:ext>
-            </a:extLst>
-          </p:cNvPr>
-          <p:cNvCxnSpPr>
-            <a:cxnSpLocks/>
-            <a:stCxn id="253" idx="6"/>
-            <a:endCxn id="258" idx="2"/>
-          </p:cNvCxnSpPr>
-          <p:nvPr/>
-        </p:nvCxnSpPr>
-        <p:spPr>
-          <a:xfrm>
-            <a:off x="5570384" y="4619864"/>
-            <a:ext cx="152401" cy="0"/>
-          </a:xfrm>
-          <a:prstGeom prst="line">
-            <a:avLst/>
-          </a:prstGeom>
-          <a:ln w="12700">
-            <a:solidFill>
-              <a:schemeClr val="accent6">
-                <a:lumMod val="50000"/>
-              </a:schemeClr>
-            </a:solidFill>
-          </a:ln>
-        </p:spPr>
-        <p:style>
-          <a:lnRef idx="1">
-            <a:schemeClr val="accent1"/>
-          </a:lnRef>
-          <a:fillRef idx="0">
-            <a:schemeClr val="accent1"/>
-          </a:fillRef>
-          <a:effectRef idx="0">
-            <a:schemeClr val="accent1"/>
-          </a:effectRef>
-          <a:fontRef idx="minor">
-            <a:schemeClr val="tx1"/>
-          </a:fontRef>
-        </p:style>
-      </p:cxnSp>
-      <p:cxnSp>
-        <p:nvCxnSpPr>
-          <p:cNvPr id="264" name="Connecteur droit 263">
-            <a:extLst>
-              <a:ext uri="{FF2B5EF4-FFF2-40B4-BE49-F238E27FC236}">
-                <a16:creationId xmlns:a16="http://schemas.microsoft.com/office/drawing/2014/main" id="{9D122CA6-11CC-D4CB-C2F3-20A8895EB7CD}"/>
-              </a:ext>
-            </a:extLst>
-          </p:cNvPr>
-          <p:cNvCxnSpPr>
-            <a:cxnSpLocks/>
-            <a:stCxn id="253" idx="5"/>
-            <a:endCxn id="259" idx="2"/>
-          </p:cNvCxnSpPr>
-          <p:nvPr/>
-        </p:nvCxnSpPr>
-        <p:spPr>
-          <a:xfrm>
-            <a:off x="5546873" y="4676624"/>
-            <a:ext cx="175912" cy="248164"/>
-          </a:xfrm>
-          <a:prstGeom prst="line">
-            <a:avLst/>
-          </a:prstGeom>
-          <a:ln w="12700">
-            <a:solidFill>
-              <a:schemeClr val="accent6">
-                <a:lumMod val="50000"/>
-              </a:schemeClr>
-            </a:solidFill>
-          </a:ln>
-        </p:spPr>
-        <p:style>
-          <a:lnRef idx="1">
-            <a:schemeClr val="accent1"/>
-          </a:lnRef>
-          <a:fillRef idx="0">
-            <a:schemeClr val="accent1"/>
-          </a:fillRef>
-          <a:effectRef idx="0">
-            <a:schemeClr val="accent1"/>
-          </a:effectRef>
-          <a:fontRef idx="minor">
-            <a:schemeClr val="tx1"/>
-          </a:fontRef>
-        </p:style>
-      </p:cxnSp>
-      <p:cxnSp>
-        <p:nvCxnSpPr>
-          <p:cNvPr id="265" name="Connecteur droit 264">
-            <a:extLst>
-              <a:ext uri="{FF2B5EF4-FFF2-40B4-BE49-F238E27FC236}">
-                <a16:creationId xmlns:a16="http://schemas.microsoft.com/office/drawing/2014/main" id="{591931F8-2BA5-C2EF-6176-80F9BC5CC984}"/>
-              </a:ext>
-            </a:extLst>
-          </p:cNvPr>
-          <p:cNvCxnSpPr>
-            <a:cxnSpLocks/>
-            <a:stCxn id="246" idx="5"/>
-            <a:endCxn id="253" idx="1"/>
-          </p:cNvCxnSpPr>
-          <p:nvPr/>
-        </p:nvCxnSpPr>
-        <p:spPr>
-          <a:xfrm>
-            <a:off x="5233930" y="4066776"/>
-            <a:ext cx="199422" cy="496327"/>
-          </a:xfrm>
-          <a:prstGeom prst="line">
-            <a:avLst/>
-          </a:prstGeom>
-          <a:ln w="12700">
-            <a:solidFill>
-              <a:schemeClr val="accent6">
-                <a:lumMod val="50000"/>
-              </a:schemeClr>
-            </a:solidFill>
-          </a:ln>
-        </p:spPr>
-        <p:style>
-          <a:lnRef idx="1">
-            <a:schemeClr val="accent1"/>
-          </a:lnRef>
-          <a:fillRef idx="0">
-            <a:schemeClr val="accent1"/>
-          </a:fillRef>
-          <a:effectRef idx="0">
-            <a:schemeClr val="accent1"/>
-          </a:effectRef>
-          <a:fontRef idx="minor">
-            <a:schemeClr val="tx1"/>
-          </a:fontRef>
-        </p:style>
-      </p:cxnSp>
-      <p:cxnSp>
-        <p:nvCxnSpPr>
-          <p:cNvPr id="266" name="Connecteur droit 265">
-            <a:extLst>
-              <a:ext uri="{FF2B5EF4-FFF2-40B4-BE49-F238E27FC236}">
-                <a16:creationId xmlns:a16="http://schemas.microsoft.com/office/drawing/2014/main" id="{F15F51E3-4C84-48BA-7A89-5060CE91EEB6}"/>
-              </a:ext>
-            </a:extLst>
-          </p:cNvPr>
-          <p:cNvCxnSpPr>
-            <a:cxnSpLocks/>
-            <a:stCxn id="246" idx="6"/>
-            <a:endCxn id="252" idx="1"/>
-          </p:cNvCxnSpPr>
-          <p:nvPr/>
-        </p:nvCxnSpPr>
-        <p:spPr>
-          <a:xfrm>
-            <a:off x="5257441" y="4010016"/>
-            <a:ext cx="175911" cy="248163"/>
-          </a:xfrm>
-          <a:prstGeom prst="line">
-            <a:avLst/>
-          </a:prstGeom>
-          <a:ln w="12700">
-            <a:solidFill>
-              <a:schemeClr val="accent6">
-                <a:lumMod val="50000"/>
-              </a:schemeClr>
-            </a:solidFill>
-          </a:ln>
-        </p:spPr>
-        <p:style>
-          <a:lnRef idx="1">
-            <a:schemeClr val="accent1"/>
-          </a:lnRef>
-          <a:fillRef idx="0">
-            <a:schemeClr val="accent1"/>
-          </a:fillRef>
-          <a:effectRef idx="0">
-            <a:schemeClr val="accent1"/>
-          </a:effectRef>
-          <a:fontRef idx="minor">
-            <a:schemeClr val="tx1"/>
-          </a:fontRef>
-        </p:style>
-      </p:cxnSp>
-      <p:cxnSp>
-        <p:nvCxnSpPr>
-          <p:cNvPr id="267" name="Connecteur droit 266">
-            <a:extLst>
-              <a:ext uri="{FF2B5EF4-FFF2-40B4-BE49-F238E27FC236}">
-                <a16:creationId xmlns:a16="http://schemas.microsoft.com/office/drawing/2014/main" id="{A4BDFCD0-64BA-66FF-8208-ABA55ECEAC6D}"/>
-              </a:ext>
-            </a:extLst>
-          </p:cNvPr>
-          <p:cNvCxnSpPr>
-            <a:cxnSpLocks/>
-            <a:stCxn id="245" idx="5"/>
-            <a:endCxn id="251" idx="1"/>
-          </p:cNvCxnSpPr>
-          <p:nvPr/>
-        </p:nvCxnSpPr>
-        <p:spPr>
-          <a:xfrm>
-            <a:off x="5233930" y="3761852"/>
-            <a:ext cx="199423" cy="191403"/>
-          </a:xfrm>
-          <a:prstGeom prst="line">
-            <a:avLst/>
-          </a:prstGeom>
-          <a:ln w="12700">
-            <a:solidFill>
-              <a:schemeClr val="accent6">
-                <a:lumMod val="50000"/>
-              </a:schemeClr>
-            </a:solidFill>
-          </a:ln>
-        </p:spPr>
-        <p:style>
-          <a:lnRef idx="1">
-            <a:schemeClr val="accent1"/>
-          </a:lnRef>
-          <a:fillRef idx="0">
-            <a:schemeClr val="accent1"/>
-          </a:fillRef>
-          <a:effectRef idx="0">
-            <a:schemeClr val="accent1"/>
-          </a:effectRef>
-          <a:fontRef idx="minor">
-            <a:schemeClr val="tx1"/>
-          </a:fontRef>
-        </p:style>
-      </p:cxnSp>
-      <p:cxnSp>
-        <p:nvCxnSpPr>
-          <p:cNvPr id="268" name="Connecteur droit 267">
-            <a:extLst>
-              <a:ext uri="{FF2B5EF4-FFF2-40B4-BE49-F238E27FC236}">
-                <a16:creationId xmlns:a16="http://schemas.microsoft.com/office/drawing/2014/main" id="{237A285B-5F93-3166-AD67-49C69DC6BAC2}"/>
-              </a:ext>
-            </a:extLst>
-          </p:cNvPr>
-          <p:cNvCxnSpPr>
-            <a:cxnSpLocks/>
-            <a:stCxn id="241" idx="6"/>
-            <a:endCxn id="246" idx="2"/>
-          </p:cNvCxnSpPr>
-          <p:nvPr/>
-        </p:nvCxnSpPr>
-        <p:spPr>
-          <a:xfrm>
-            <a:off x="4944497" y="4010016"/>
-            <a:ext cx="152401" cy="0"/>
-          </a:xfrm>
-          <a:prstGeom prst="line">
-            <a:avLst/>
-          </a:prstGeom>
-          <a:ln w="12700">
-            <a:solidFill>
-              <a:schemeClr val="accent6">
-                <a:lumMod val="50000"/>
-              </a:schemeClr>
-            </a:solidFill>
-          </a:ln>
-        </p:spPr>
-        <p:style>
-          <a:lnRef idx="1">
-            <a:schemeClr val="accent1"/>
-          </a:lnRef>
-          <a:fillRef idx="0">
-            <a:schemeClr val="accent1"/>
-          </a:fillRef>
-          <a:effectRef idx="0">
-            <a:schemeClr val="accent1"/>
-          </a:effectRef>
-          <a:fontRef idx="minor">
-            <a:schemeClr val="tx1"/>
-          </a:fontRef>
-        </p:style>
-      </p:cxnSp>
-      <p:cxnSp>
-        <p:nvCxnSpPr>
-          <p:cNvPr id="269" name="Connecteur droit 268">
-            <a:extLst>
-              <a:ext uri="{FF2B5EF4-FFF2-40B4-BE49-F238E27FC236}">
-                <a16:creationId xmlns:a16="http://schemas.microsoft.com/office/drawing/2014/main" id="{3EC053B9-EB61-3DEC-B24F-F17D909836B5}"/>
-              </a:ext>
-            </a:extLst>
-          </p:cNvPr>
-          <p:cNvCxnSpPr>
-            <a:cxnSpLocks/>
-            <a:stCxn id="241" idx="7"/>
-            <a:endCxn id="245" idx="3"/>
-          </p:cNvCxnSpPr>
-          <p:nvPr/>
-        </p:nvCxnSpPr>
-        <p:spPr>
-          <a:xfrm flipV="1">
-            <a:off x="4920986" y="3761852"/>
-            <a:ext cx="199423" cy="191403"/>
-          </a:xfrm>
-          <a:prstGeom prst="line">
-            <a:avLst/>
-          </a:prstGeom>
-          <a:ln w="12700">
-            <a:solidFill>
-              <a:schemeClr val="accent6">
-                <a:lumMod val="50000"/>
-              </a:schemeClr>
-            </a:solidFill>
-          </a:ln>
-        </p:spPr>
-        <p:style>
-          <a:lnRef idx="1">
-            <a:schemeClr val="accent1"/>
-          </a:lnRef>
-          <a:fillRef idx="0">
-            <a:schemeClr val="accent1"/>
-          </a:fillRef>
-          <a:effectRef idx="0">
-            <a:schemeClr val="accent1"/>
-          </a:effectRef>
-          <a:fontRef idx="minor">
-            <a:schemeClr val="tx1"/>
-          </a:fontRef>
-        </p:style>
-      </p:cxnSp>
-      <p:cxnSp>
-        <p:nvCxnSpPr>
-          <p:cNvPr id="270" name="Connecteur droit 269">
-            <a:extLst>
-              <a:ext uri="{FF2B5EF4-FFF2-40B4-BE49-F238E27FC236}">
-                <a16:creationId xmlns:a16="http://schemas.microsoft.com/office/drawing/2014/main" id="{8359CFDE-3FC7-5B45-D487-3CC247304A08}"/>
-              </a:ext>
-            </a:extLst>
-          </p:cNvPr>
-          <p:cNvCxnSpPr>
-            <a:cxnSpLocks/>
-            <a:stCxn id="237" idx="7"/>
-            <a:endCxn id="241" idx="3"/>
-          </p:cNvCxnSpPr>
-          <p:nvPr/>
-        </p:nvCxnSpPr>
-        <p:spPr>
-          <a:xfrm flipV="1">
-            <a:off x="4608041" y="4066776"/>
-            <a:ext cx="199424" cy="191403"/>
-          </a:xfrm>
-          <a:prstGeom prst="line">
-            <a:avLst/>
-          </a:prstGeom>
-          <a:ln w="12700">
-            <a:solidFill>
-              <a:schemeClr val="accent6">
-                <a:lumMod val="50000"/>
-              </a:schemeClr>
-            </a:solidFill>
-          </a:ln>
-        </p:spPr>
-        <p:style>
-          <a:lnRef idx="1">
-            <a:schemeClr val="accent1"/>
-          </a:lnRef>
-          <a:fillRef idx="0">
-            <a:schemeClr val="accent1"/>
-          </a:fillRef>
-          <a:effectRef idx="0">
-            <a:schemeClr val="accent1"/>
-          </a:effectRef>
-          <a:fontRef idx="minor">
-            <a:schemeClr val="tx1"/>
-          </a:fontRef>
-        </p:style>
-      </p:cxnSp>
-      <p:cxnSp>
-        <p:nvCxnSpPr>
-          <p:cNvPr id="271" name="Connecteur droit 270">
-            <a:extLst>
-              <a:ext uri="{FF2B5EF4-FFF2-40B4-BE49-F238E27FC236}">
-                <a16:creationId xmlns:a16="http://schemas.microsoft.com/office/drawing/2014/main" id="{9C865959-184A-736E-44E9-B2B7632BD46B}"/>
-              </a:ext>
-            </a:extLst>
-          </p:cNvPr>
-          <p:cNvCxnSpPr>
-            <a:cxnSpLocks/>
-            <a:stCxn id="232" idx="6"/>
-            <a:endCxn id="237" idx="2"/>
-          </p:cNvCxnSpPr>
-          <p:nvPr/>
-        </p:nvCxnSpPr>
-        <p:spPr>
-          <a:xfrm>
-            <a:off x="4022090" y="4314940"/>
-            <a:ext cx="448919" cy="0"/>
-          </a:xfrm>
-          <a:prstGeom prst="line">
-            <a:avLst/>
-          </a:prstGeom>
-          <a:ln w="12700">
-            <a:solidFill>
-              <a:schemeClr val="accent6">
-                <a:lumMod val="50000"/>
-              </a:schemeClr>
-            </a:solidFill>
-          </a:ln>
-        </p:spPr>
-        <p:style>
-          <a:lnRef idx="1">
-            <a:schemeClr val="accent1"/>
-          </a:lnRef>
-          <a:fillRef idx="0">
-            <a:schemeClr val="accent1"/>
-          </a:fillRef>
-          <a:effectRef idx="0">
-            <a:schemeClr val="accent1"/>
-          </a:effectRef>
-          <a:fontRef idx="minor">
-            <a:schemeClr val="tx1"/>
-          </a:fontRef>
-        </p:style>
-      </p:cxnSp>
-      <p:cxnSp>
-        <p:nvCxnSpPr>
-          <p:cNvPr id="272" name="Connecteur droit 271">
-            <a:extLst>
-              <a:ext uri="{FF2B5EF4-FFF2-40B4-BE49-F238E27FC236}">
-                <a16:creationId xmlns:a16="http://schemas.microsoft.com/office/drawing/2014/main" id="{708405F5-C190-EC1B-12AA-2F5C74D0983A}"/>
-              </a:ext>
-            </a:extLst>
-          </p:cNvPr>
-          <p:cNvCxnSpPr>
-            <a:cxnSpLocks/>
-            <a:stCxn id="226" idx="5"/>
-            <a:endCxn id="232" idx="1"/>
-          </p:cNvCxnSpPr>
-          <p:nvPr/>
-        </p:nvCxnSpPr>
-        <p:spPr>
-          <a:xfrm>
-            <a:off x="3685636" y="4066776"/>
-            <a:ext cx="199422" cy="191403"/>
-          </a:xfrm>
-          <a:prstGeom prst="line">
-            <a:avLst/>
-          </a:prstGeom>
-          <a:ln w="12700">
-            <a:solidFill>
-              <a:schemeClr val="accent6">
-                <a:lumMod val="50000"/>
-              </a:schemeClr>
-            </a:solidFill>
-          </a:ln>
-        </p:spPr>
-        <p:style>
-          <a:lnRef idx="1">
-            <a:schemeClr val="accent1"/>
-          </a:lnRef>
-          <a:fillRef idx="0">
-            <a:schemeClr val="accent1"/>
-          </a:fillRef>
-          <a:effectRef idx="0">
-            <a:schemeClr val="accent1"/>
-          </a:effectRef>
-          <a:fontRef idx="minor">
-            <a:schemeClr val="tx1"/>
-          </a:fontRef>
-        </p:style>
-      </p:cxnSp>
-      <p:cxnSp>
-        <p:nvCxnSpPr>
-          <p:cNvPr id="273" name="Connecteur droit 272">
-            <a:extLst>
-              <a:ext uri="{FF2B5EF4-FFF2-40B4-BE49-F238E27FC236}">
-                <a16:creationId xmlns:a16="http://schemas.microsoft.com/office/drawing/2014/main" id="{B0A826DF-EA73-F483-3CD8-63E87A83EC4D}"/>
-              </a:ext>
-            </a:extLst>
-          </p:cNvPr>
-          <p:cNvCxnSpPr>
-            <a:cxnSpLocks/>
-          </p:cNvCxnSpPr>
-          <p:nvPr/>
-        </p:nvCxnSpPr>
-        <p:spPr>
-          <a:xfrm>
-            <a:off x="3403362" y="4010015"/>
-            <a:ext cx="145240" cy="0"/>
-          </a:xfrm>
-          <a:prstGeom prst="line">
-            <a:avLst/>
-          </a:prstGeom>
-          <a:ln w="12700">
-            <a:solidFill>
-              <a:schemeClr val="accent6">
-                <a:lumMod val="50000"/>
-              </a:schemeClr>
-            </a:solidFill>
-          </a:ln>
-        </p:spPr>
-        <p:style>
-          <a:lnRef idx="1">
-            <a:schemeClr val="accent1"/>
-          </a:lnRef>
-          <a:fillRef idx="0">
-            <a:schemeClr val="accent1"/>
-          </a:fillRef>
-          <a:effectRef idx="0">
-            <a:schemeClr val="accent1"/>
-          </a:effectRef>
-          <a:fontRef idx="minor">
-            <a:schemeClr val="tx1"/>
-          </a:fontRef>
-        </p:style>
-      </p:cxnSp>
-      <p:cxnSp>
-        <p:nvCxnSpPr>
-          <p:cNvPr id="274" name="Connecteur droit 273">
-            <a:extLst>
-              <a:ext uri="{FF2B5EF4-FFF2-40B4-BE49-F238E27FC236}">
-                <a16:creationId xmlns:a16="http://schemas.microsoft.com/office/drawing/2014/main" id="{AB4372A5-7D0E-02C2-BF6D-6A75F6BE1A62}"/>
-              </a:ext>
-            </a:extLst>
-          </p:cNvPr>
-          <p:cNvCxnSpPr>
-            <a:cxnSpLocks/>
-            <a:stCxn id="217" idx="7"/>
-            <a:endCxn id="221" idx="3"/>
-          </p:cNvCxnSpPr>
-          <p:nvPr/>
-        </p:nvCxnSpPr>
-        <p:spPr>
-          <a:xfrm flipV="1">
-            <a:off x="3059747" y="4066776"/>
-            <a:ext cx="199424" cy="191403"/>
-          </a:xfrm>
-          <a:prstGeom prst="line">
-            <a:avLst/>
-          </a:prstGeom>
-          <a:ln w="12700">
-            <a:solidFill>
-              <a:schemeClr val="accent6">
-                <a:lumMod val="50000"/>
-              </a:schemeClr>
-            </a:solidFill>
-          </a:ln>
-        </p:spPr>
-        <p:style>
-          <a:lnRef idx="1">
-            <a:schemeClr val="accent1"/>
-          </a:lnRef>
-          <a:fillRef idx="0">
-            <a:schemeClr val="accent1"/>
-          </a:fillRef>
-          <a:effectRef idx="0">
-            <a:schemeClr val="accent1"/>
-          </a:effectRef>
-          <a:fontRef idx="minor">
-            <a:schemeClr val="tx1"/>
-          </a:fontRef>
-        </p:style>
-      </p:cxnSp>
-      <p:cxnSp>
-        <p:nvCxnSpPr>
-          <p:cNvPr id="275" name="Connecteur droit 274">
-            <a:extLst>
-              <a:ext uri="{FF2B5EF4-FFF2-40B4-BE49-F238E27FC236}">
-                <a16:creationId xmlns:a16="http://schemas.microsoft.com/office/drawing/2014/main" id="{945D88F3-26CE-6FFD-9908-3C7339CB724D}"/>
-              </a:ext>
-            </a:extLst>
-          </p:cNvPr>
-          <p:cNvCxnSpPr>
-            <a:cxnSpLocks/>
-            <a:stCxn id="213" idx="7"/>
-            <a:endCxn id="217" idx="3"/>
-          </p:cNvCxnSpPr>
-          <p:nvPr/>
-        </p:nvCxnSpPr>
-        <p:spPr>
-          <a:xfrm flipV="1">
-            <a:off x="2746803" y="4371700"/>
-            <a:ext cx="199423" cy="191403"/>
-          </a:xfrm>
-          <a:prstGeom prst="line">
-            <a:avLst/>
-          </a:prstGeom>
-          <a:ln w="12700">
-            <a:solidFill>
-              <a:schemeClr val="accent6">
-                <a:lumMod val="50000"/>
-              </a:schemeClr>
-            </a:solidFill>
-          </a:ln>
-        </p:spPr>
-        <p:style>
-          <a:lnRef idx="1">
-            <a:schemeClr val="accent1"/>
-          </a:lnRef>
-          <a:fillRef idx="0">
-            <a:schemeClr val="accent1"/>
-          </a:fillRef>
-          <a:effectRef idx="0">
-            <a:schemeClr val="accent1"/>
-          </a:effectRef>
-          <a:fontRef idx="minor">
-            <a:schemeClr val="tx1"/>
-          </a:fontRef>
-        </p:style>
-      </p:cxnSp>
-      <p:cxnSp>
-        <p:nvCxnSpPr>
-          <p:cNvPr id="276" name="Connecteur droit 275">
-            <a:extLst>
-              <a:ext uri="{FF2B5EF4-FFF2-40B4-BE49-F238E27FC236}">
-                <a16:creationId xmlns:a16="http://schemas.microsoft.com/office/drawing/2014/main" id="{37D85144-BC24-CAB7-28D7-449D73D49C31}"/>
-              </a:ext>
-            </a:extLst>
-          </p:cNvPr>
-          <p:cNvCxnSpPr>
-            <a:cxnSpLocks/>
-            <a:stCxn id="207" idx="6"/>
-            <a:endCxn id="213" idx="2"/>
-          </p:cNvCxnSpPr>
-          <p:nvPr/>
-        </p:nvCxnSpPr>
-        <p:spPr>
-          <a:xfrm>
-            <a:off x="2048335" y="4307604"/>
-            <a:ext cx="561436" cy="312260"/>
-          </a:xfrm>
-          <a:prstGeom prst="line">
-            <a:avLst/>
-          </a:prstGeom>
-          <a:ln w="12700">
-            <a:solidFill>
-              <a:schemeClr val="accent6">
-                <a:lumMod val="50000"/>
-              </a:schemeClr>
-            </a:solidFill>
-          </a:ln>
-        </p:spPr>
-        <p:style>
-          <a:lnRef idx="1">
-            <a:schemeClr val="accent1"/>
-          </a:lnRef>
-          <a:fillRef idx="0">
-            <a:schemeClr val="accent1"/>
-          </a:fillRef>
-          <a:effectRef idx="0">
-            <a:schemeClr val="accent1"/>
-          </a:effectRef>
-          <a:fontRef idx="minor">
-            <a:schemeClr val="tx1"/>
-          </a:fontRef>
-        </p:style>
-      </p:cxnSp>
-      <p:cxnSp>
-        <p:nvCxnSpPr>
-          <p:cNvPr id="277" name="Connecteur droit 276">
-            <a:extLst>
-              <a:ext uri="{FF2B5EF4-FFF2-40B4-BE49-F238E27FC236}">
-                <a16:creationId xmlns:a16="http://schemas.microsoft.com/office/drawing/2014/main" id="{355D8F53-C0CC-E09F-CD3E-F72A093E4451}"/>
-              </a:ext>
-            </a:extLst>
-          </p:cNvPr>
-          <p:cNvCxnSpPr>
-            <a:cxnSpLocks/>
-            <a:stCxn id="202" idx="6"/>
-            <a:endCxn id="207" idx="2"/>
-          </p:cNvCxnSpPr>
-          <p:nvPr/>
-        </p:nvCxnSpPr>
-        <p:spPr>
-          <a:xfrm>
-            <a:off x="1735391" y="4307604"/>
-            <a:ext cx="152401" cy="0"/>
-          </a:xfrm>
-          <a:prstGeom prst="line">
-            <a:avLst/>
-          </a:prstGeom>
-          <a:ln w="12700">
-            <a:solidFill>
-              <a:schemeClr val="accent6">
-                <a:lumMod val="50000"/>
-              </a:schemeClr>
-            </a:solidFill>
-          </a:ln>
-        </p:spPr>
-        <p:style>
-          <a:lnRef idx="1">
-            <a:schemeClr val="accent1"/>
-          </a:lnRef>
-          <a:fillRef idx="0">
-            <a:schemeClr val="accent1"/>
-          </a:fillRef>
-          <a:effectRef idx="0">
-            <a:schemeClr val="accent1"/>
-          </a:effectRef>
-          <a:fontRef idx="minor">
-            <a:schemeClr val="tx1"/>
-          </a:fontRef>
-        </p:style>
-      </p:cxnSp>
-      <p:cxnSp>
-        <p:nvCxnSpPr>
-          <p:cNvPr id="278" name="Connecteur droit 277">
-            <a:extLst>
-              <a:ext uri="{FF2B5EF4-FFF2-40B4-BE49-F238E27FC236}">
-                <a16:creationId xmlns:a16="http://schemas.microsoft.com/office/drawing/2014/main" id="{149AB264-D958-0DAF-4CB7-5F9FF6077BDA}"/>
-              </a:ext>
-            </a:extLst>
-          </p:cNvPr>
-          <p:cNvCxnSpPr>
-            <a:cxnSpLocks/>
-            <a:stCxn id="196" idx="5"/>
-            <a:endCxn id="202" idx="1"/>
-          </p:cNvCxnSpPr>
-          <p:nvPr/>
-        </p:nvCxnSpPr>
-        <p:spPr>
-          <a:xfrm>
-            <a:off x="1398937" y="4059440"/>
-            <a:ext cx="199422" cy="191403"/>
-          </a:xfrm>
-          <a:prstGeom prst="line">
-            <a:avLst/>
-          </a:prstGeom>
-          <a:ln w="12700">
-            <a:solidFill>
-              <a:schemeClr val="accent6">
-                <a:lumMod val="50000"/>
-              </a:schemeClr>
-            </a:solidFill>
-          </a:ln>
-        </p:spPr>
-        <p:style>
-          <a:lnRef idx="1">
-            <a:schemeClr val="accent1"/>
-          </a:lnRef>
-          <a:fillRef idx="0">
-            <a:schemeClr val="accent1"/>
-          </a:fillRef>
-          <a:effectRef idx="0">
-            <a:schemeClr val="accent1"/>
-          </a:effectRef>
-          <a:fontRef idx="minor">
-            <a:schemeClr val="tx1"/>
-          </a:fontRef>
-        </p:style>
-      </p:cxnSp>
-      <p:cxnSp>
-        <p:nvCxnSpPr>
-          <p:cNvPr id="279" name="Connecteur droit 278">
-            <a:extLst>
-              <a:ext uri="{FF2B5EF4-FFF2-40B4-BE49-F238E27FC236}">
-                <a16:creationId xmlns:a16="http://schemas.microsoft.com/office/drawing/2014/main" id="{D8AB223B-49EC-C01C-6044-9B1DFA646A43}"/>
-              </a:ext>
-            </a:extLst>
-          </p:cNvPr>
-          <p:cNvCxnSpPr>
-            <a:cxnSpLocks/>
-            <a:stCxn id="192" idx="7"/>
-            <a:endCxn id="196" idx="3"/>
-          </p:cNvCxnSpPr>
-          <p:nvPr/>
-        </p:nvCxnSpPr>
-        <p:spPr>
-          <a:xfrm flipV="1">
-            <a:off x="1085992" y="4059440"/>
-            <a:ext cx="199424" cy="191403"/>
-          </a:xfrm>
-          <a:prstGeom prst="line">
-            <a:avLst/>
-          </a:prstGeom>
-          <a:ln w="12700">
-            <a:solidFill>
-              <a:schemeClr val="accent6">
-                <a:lumMod val="50000"/>
-              </a:schemeClr>
-            </a:solidFill>
-          </a:ln>
-        </p:spPr>
-        <p:style>
-          <a:lnRef idx="1">
-            <a:schemeClr val="accent1"/>
-          </a:lnRef>
-          <a:fillRef idx="0">
-            <a:schemeClr val="accent1"/>
-          </a:fillRef>
-          <a:effectRef idx="0">
-            <a:schemeClr val="accent1"/>
-          </a:effectRef>
-          <a:fontRef idx="minor">
-            <a:schemeClr val="tx1"/>
-          </a:fontRef>
-        </p:style>
-      </p:cxnSp>
-      <p:cxnSp>
-        <p:nvCxnSpPr>
-          <p:cNvPr id="280" name="Connecteur droit 279">
-            <a:extLst>
-              <a:ext uri="{FF2B5EF4-FFF2-40B4-BE49-F238E27FC236}">
-                <a16:creationId xmlns:a16="http://schemas.microsoft.com/office/drawing/2014/main" id="{2F79D6B9-22BE-AF4A-695A-70EF0B5581D3}"/>
-              </a:ext>
-            </a:extLst>
-          </p:cNvPr>
-          <p:cNvCxnSpPr>
-            <a:cxnSpLocks/>
-            <a:stCxn id="188" idx="7"/>
-            <a:endCxn id="192" idx="3"/>
-          </p:cNvCxnSpPr>
-          <p:nvPr/>
-        </p:nvCxnSpPr>
-        <p:spPr>
-          <a:xfrm flipV="1">
-            <a:off x="773048" y="4364364"/>
-            <a:ext cx="199423" cy="191403"/>
-          </a:xfrm>
-          <a:prstGeom prst="line">
-            <a:avLst/>
-          </a:prstGeom>
-          <a:ln w="12700">
-            <a:solidFill>
-              <a:schemeClr val="accent6">
-                <a:lumMod val="50000"/>
-              </a:schemeClr>
-            </a:solidFill>
-          </a:ln>
-        </p:spPr>
-        <p:style>
-          <a:lnRef idx="1">
-            <a:schemeClr val="accent1"/>
-          </a:lnRef>
-          <a:fillRef idx="0">
-            <a:schemeClr val="accent1"/>
-          </a:fillRef>
-          <a:effectRef idx="0">
-            <a:schemeClr val="accent1"/>
-          </a:effectRef>
-          <a:fontRef idx="minor">
-            <a:schemeClr val="tx1"/>
-          </a:fontRef>
-        </p:style>
-      </p:cxnSp>
-      <p:sp>
-        <p:nvSpPr>
-          <p:cNvPr id="281" name="ZoneTexte 280">
-            <a:extLst>
-              <a:ext uri="{FF2B5EF4-FFF2-40B4-BE49-F238E27FC236}">
-                <a16:creationId xmlns:a16="http://schemas.microsoft.com/office/drawing/2014/main" id="{882F7A05-A277-DC99-637A-F3379DC56804}"/>
-              </a:ext>
-            </a:extLst>
-          </p:cNvPr>
-          <p:cNvSpPr txBox="1"/>
-          <p:nvPr/>
-        </p:nvSpPr>
-        <p:spPr>
-          <a:xfrm>
-            <a:off x="829259" y="4606675"/>
-            <a:ext cx="1460519" cy="646331"/>
-          </a:xfrm>
-          <a:prstGeom prst="rect">
-            <a:avLst/>
-          </a:prstGeom>
-          <a:noFill/>
-        </p:spPr>
-        <p:txBody>
-          <a:bodyPr wrap="square" rtlCol="0">
-            <a:spAutoFit/>
-          </a:bodyPr>
-          <a:lstStyle/>
-          <a:p>
-            <a:r>
-              <a:rPr lang="fr-FR" sz="1200">
-                <a:latin typeface="Avenir Book" panose="02000503020000020003" pitchFamily="2" charset="0"/>
-              </a:rPr>
-              <a:t>Information kept</a:t>
-            </a:r>
-          </a:p>
-          <a:p>
-            <a:r>
-              <a:rPr lang="fr-FR" sz="1200">
-                <a:latin typeface="Avenir Book" panose="02000503020000020003" pitchFamily="2" charset="0"/>
-              </a:rPr>
-              <a:t>in live memory</a:t>
-            </a:r>
-          </a:p>
-          <a:p>
-            <a:r>
-              <a:rPr lang="fr-FR" sz="1200">
-                <a:latin typeface="Avenir Book" panose="02000503020000020003" pitchFamily="2" charset="0"/>
-              </a:rPr>
-              <a:t>(no backup)</a:t>
-            </a:r>
-          </a:p>
-        </p:txBody>
-      </p:sp>
-      <p:pic>
-        <p:nvPicPr>
-          <p:cNvPr id="284" name="Image 283">
-            <a:extLst>
-              <a:ext uri="{FF2B5EF4-FFF2-40B4-BE49-F238E27FC236}">
-                <a16:creationId xmlns:a16="http://schemas.microsoft.com/office/drawing/2014/main" id="{9E45AA23-565E-2833-5ED0-548BC7984978}"/>
               </a:ext>
             </a:extLst>
           </p:cNvPr>
@@ -21056,7 +18761,2735 @@
         </p:blipFill>
         <p:spPr>
           <a:xfrm>
-            <a:off x="580088" y="4817657"/>
+            <a:off x="576503" y="623993"/>
+            <a:ext cx="230085" cy="217381"/>
+          </a:xfrm>
+          <a:prstGeom prst="rect">
+            <a:avLst/>
+          </a:prstGeom>
+        </p:spPr>
+      </p:pic>
+      <p:sp>
+        <p:nvSpPr>
+          <p:cNvPr id="178" name="ZoneTexte 177">
+            <a:extLst>
+              <a:ext uri="{FF2B5EF4-FFF2-40B4-BE49-F238E27FC236}">
+                <a16:creationId xmlns:a16="http://schemas.microsoft.com/office/drawing/2014/main" id="{7142D285-EB55-8120-714F-8BFA1046A3D7}"/>
+              </a:ext>
+            </a:extLst>
+          </p:cNvPr>
+          <p:cNvSpPr txBox="1"/>
+          <p:nvPr/>
+        </p:nvSpPr>
+        <p:spPr>
+          <a:xfrm>
+            <a:off x="2659695" y="609950"/>
+            <a:ext cx="816249" cy="276999"/>
+          </a:xfrm>
+          <a:prstGeom prst="rect">
+            <a:avLst/>
+          </a:prstGeom>
+          <a:noFill/>
+        </p:spPr>
+        <p:txBody>
+          <a:bodyPr wrap="none" rtlCol="0">
+            <a:spAutoFit/>
+          </a:bodyPr>
+          <a:lstStyle/>
+          <a:p>
+            <a:r>
+              <a:rPr lang="fr-FR" sz="1200">
+                <a:latin typeface="Avenir Book" panose="02000503020000020003" pitchFamily="2" charset="0"/>
+              </a:rPr>
+              <a:t>Backup 2</a:t>
+            </a:r>
+          </a:p>
+        </p:txBody>
+      </p:sp>
+      <p:pic>
+        <p:nvPicPr>
+          <p:cNvPr id="179" name="Image 178">
+            <a:extLst>
+              <a:ext uri="{FF2B5EF4-FFF2-40B4-BE49-F238E27FC236}">
+                <a16:creationId xmlns:a16="http://schemas.microsoft.com/office/drawing/2014/main" id="{DD2166C2-DC9D-1630-CDFA-141370E5072E}"/>
+              </a:ext>
+            </a:extLst>
+          </p:cNvPr>
+          <p:cNvPicPr>
+            <a:picLocks noChangeAspect="1"/>
+          </p:cNvPicPr>
+          <p:nvPr/>
+        </p:nvPicPr>
+        <p:blipFill>
+          <a:blip r:embed="rId3"/>
+          <a:stretch>
+            <a:fillRect/>
+          </a:stretch>
+        </p:blipFill>
+        <p:spPr>
+          <a:xfrm>
+            <a:off x="2493160" y="625457"/>
+            <a:ext cx="230085" cy="217381"/>
+          </a:xfrm>
+          <a:prstGeom prst="rect">
+            <a:avLst/>
+          </a:prstGeom>
+        </p:spPr>
+      </p:pic>
+      <p:sp>
+        <p:nvSpPr>
+          <p:cNvPr id="180" name="ZoneTexte 179">
+            <a:extLst>
+              <a:ext uri="{FF2B5EF4-FFF2-40B4-BE49-F238E27FC236}">
+                <a16:creationId xmlns:a16="http://schemas.microsoft.com/office/drawing/2014/main" id="{861A9757-FBD9-45C7-60BE-F154B5131BA0}"/>
+              </a:ext>
+            </a:extLst>
+          </p:cNvPr>
+          <p:cNvSpPr txBox="1"/>
+          <p:nvPr/>
+        </p:nvSpPr>
+        <p:spPr>
+          <a:xfrm>
+            <a:off x="4596887" y="606449"/>
+            <a:ext cx="816249" cy="276999"/>
+          </a:xfrm>
+          <a:prstGeom prst="rect">
+            <a:avLst/>
+          </a:prstGeom>
+          <a:noFill/>
+        </p:spPr>
+        <p:txBody>
+          <a:bodyPr wrap="none" rtlCol="0">
+            <a:spAutoFit/>
+          </a:bodyPr>
+          <a:lstStyle/>
+          <a:p>
+            <a:r>
+              <a:rPr lang="fr-FR" sz="1200">
+                <a:latin typeface="Avenir Book" panose="02000503020000020003" pitchFamily="2" charset="0"/>
+              </a:rPr>
+              <a:t>Backup 3</a:t>
+            </a:r>
+          </a:p>
+        </p:txBody>
+      </p:sp>
+      <p:pic>
+        <p:nvPicPr>
+          <p:cNvPr id="181" name="Image 180">
+            <a:extLst>
+              <a:ext uri="{FF2B5EF4-FFF2-40B4-BE49-F238E27FC236}">
+                <a16:creationId xmlns:a16="http://schemas.microsoft.com/office/drawing/2014/main" id="{660CE1A5-A319-FA0A-B9DB-9A1B03864FC3}"/>
+              </a:ext>
+            </a:extLst>
+          </p:cNvPr>
+          <p:cNvPicPr>
+            <a:picLocks noChangeAspect="1"/>
+          </p:cNvPicPr>
+          <p:nvPr/>
+        </p:nvPicPr>
+        <p:blipFill>
+          <a:blip r:embed="rId3"/>
+          <a:stretch>
+            <a:fillRect/>
+          </a:stretch>
+        </p:blipFill>
+        <p:spPr>
+          <a:xfrm>
+            <a:off x="4430352" y="621956"/>
+            <a:ext cx="230085" cy="217381"/>
+          </a:xfrm>
+          <a:prstGeom prst="rect">
+            <a:avLst/>
+          </a:prstGeom>
+        </p:spPr>
+      </p:pic>
+      <p:sp>
+        <p:nvSpPr>
+          <p:cNvPr id="188" name="Ellipse 187">
+            <a:extLst>
+              <a:ext uri="{FF2B5EF4-FFF2-40B4-BE49-F238E27FC236}">
+                <a16:creationId xmlns:a16="http://schemas.microsoft.com/office/drawing/2014/main" id="{9A6A2F41-5FEC-2A82-3912-9F28060EA51D}"/>
+              </a:ext>
+            </a:extLst>
+          </p:cNvPr>
+          <p:cNvSpPr/>
+          <p:nvPr/>
+        </p:nvSpPr>
+        <p:spPr>
+          <a:xfrm>
+            <a:off x="636016" y="3724360"/>
+            <a:ext cx="160543" cy="160543"/>
+          </a:xfrm>
+          <a:prstGeom prst="ellipse">
+            <a:avLst/>
+          </a:prstGeom>
+          <a:solidFill>
+            <a:srgbClr val="3D7E4F"/>
+          </a:solidFill>
+          <a:ln>
+            <a:solidFill>
+              <a:schemeClr val="accent6">
+                <a:lumMod val="50000"/>
+              </a:schemeClr>
+            </a:solidFill>
+          </a:ln>
+        </p:spPr>
+        <p:style>
+          <a:lnRef idx="2">
+            <a:schemeClr val="accent1">
+              <a:shade val="50000"/>
+            </a:schemeClr>
+          </a:lnRef>
+          <a:fillRef idx="1">
+            <a:schemeClr val="accent1"/>
+          </a:fillRef>
+          <a:effectRef idx="0">
+            <a:schemeClr val="accent1"/>
+          </a:effectRef>
+          <a:fontRef idx="minor">
+            <a:schemeClr val="lt1"/>
+          </a:fontRef>
+        </p:style>
+        <p:txBody>
+          <a:bodyPr rtlCol="0" anchor="ctr"/>
+          <a:lstStyle/>
+          <a:p>
+            <a:pPr algn="ctr"/>
+            <a:endParaRPr lang="fr-FR"/>
+          </a:p>
+        </p:txBody>
+      </p:sp>
+      <p:sp>
+        <p:nvSpPr>
+          <p:cNvPr id="192" name="Ellipse 191">
+            <a:extLst>
+              <a:ext uri="{FF2B5EF4-FFF2-40B4-BE49-F238E27FC236}">
+                <a16:creationId xmlns:a16="http://schemas.microsoft.com/office/drawing/2014/main" id="{E2860459-9C85-3B99-D671-B704F42F754D}"/>
+              </a:ext>
+            </a:extLst>
+          </p:cNvPr>
+          <p:cNvSpPr/>
+          <p:nvPr/>
+        </p:nvSpPr>
+        <p:spPr>
+          <a:xfrm>
+            <a:off x="948960" y="3419436"/>
+            <a:ext cx="160543" cy="160543"/>
+          </a:xfrm>
+          <a:prstGeom prst="ellipse">
+            <a:avLst/>
+          </a:prstGeom>
+          <a:solidFill>
+            <a:srgbClr val="3D7E4F"/>
+          </a:solidFill>
+          <a:ln>
+            <a:solidFill>
+              <a:schemeClr val="accent6">
+                <a:lumMod val="50000"/>
+              </a:schemeClr>
+            </a:solidFill>
+          </a:ln>
+        </p:spPr>
+        <p:style>
+          <a:lnRef idx="2">
+            <a:schemeClr val="accent1">
+              <a:shade val="50000"/>
+            </a:schemeClr>
+          </a:lnRef>
+          <a:fillRef idx="1">
+            <a:schemeClr val="accent1"/>
+          </a:fillRef>
+          <a:effectRef idx="0">
+            <a:schemeClr val="accent1"/>
+          </a:effectRef>
+          <a:fontRef idx="minor">
+            <a:schemeClr val="lt1"/>
+          </a:fontRef>
+        </p:style>
+        <p:txBody>
+          <a:bodyPr rtlCol="0" anchor="ctr"/>
+          <a:lstStyle/>
+          <a:p>
+            <a:pPr algn="ctr"/>
+            <a:endParaRPr lang="fr-FR"/>
+          </a:p>
+        </p:txBody>
+      </p:sp>
+      <p:sp>
+        <p:nvSpPr>
+          <p:cNvPr id="196" name="Ellipse 195">
+            <a:extLst>
+              <a:ext uri="{FF2B5EF4-FFF2-40B4-BE49-F238E27FC236}">
+                <a16:creationId xmlns:a16="http://schemas.microsoft.com/office/drawing/2014/main" id="{D9BD6C1D-96C0-CE32-4A45-CF5DF3972CEA}"/>
+              </a:ext>
+            </a:extLst>
+          </p:cNvPr>
+          <p:cNvSpPr/>
+          <p:nvPr/>
+        </p:nvSpPr>
+        <p:spPr>
+          <a:xfrm>
+            <a:off x="1261905" y="3114512"/>
+            <a:ext cx="160543" cy="160543"/>
+          </a:xfrm>
+          <a:prstGeom prst="ellipse">
+            <a:avLst/>
+          </a:prstGeom>
+          <a:solidFill>
+            <a:srgbClr val="3D7E4F"/>
+          </a:solidFill>
+          <a:ln>
+            <a:solidFill>
+              <a:schemeClr val="accent6">
+                <a:lumMod val="50000"/>
+              </a:schemeClr>
+            </a:solidFill>
+          </a:ln>
+        </p:spPr>
+        <p:style>
+          <a:lnRef idx="2">
+            <a:schemeClr val="accent1">
+              <a:shade val="50000"/>
+            </a:schemeClr>
+          </a:lnRef>
+          <a:fillRef idx="1">
+            <a:schemeClr val="accent1"/>
+          </a:fillRef>
+          <a:effectRef idx="0">
+            <a:schemeClr val="accent1"/>
+          </a:effectRef>
+          <a:fontRef idx="minor">
+            <a:schemeClr val="lt1"/>
+          </a:fontRef>
+        </p:style>
+        <p:txBody>
+          <a:bodyPr rtlCol="0" anchor="ctr"/>
+          <a:lstStyle/>
+          <a:p>
+            <a:pPr algn="ctr"/>
+            <a:endParaRPr lang="fr-FR"/>
+          </a:p>
+        </p:txBody>
+      </p:sp>
+      <p:sp>
+        <p:nvSpPr>
+          <p:cNvPr id="202" name="Ellipse 201">
+            <a:extLst>
+              <a:ext uri="{FF2B5EF4-FFF2-40B4-BE49-F238E27FC236}">
+                <a16:creationId xmlns:a16="http://schemas.microsoft.com/office/drawing/2014/main" id="{E52BD9F4-ECA1-1627-EB0F-03AB362D299D}"/>
+              </a:ext>
+            </a:extLst>
+          </p:cNvPr>
+          <p:cNvSpPr/>
+          <p:nvPr/>
+        </p:nvSpPr>
+        <p:spPr>
+          <a:xfrm>
+            <a:off x="1574848" y="3419436"/>
+            <a:ext cx="160543" cy="160543"/>
+          </a:xfrm>
+          <a:prstGeom prst="ellipse">
+            <a:avLst/>
+          </a:prstGeom>
+          <a:solidFill>
+            <a:srgbClr val="3D7E4F"/>
+          </a:solidFill>
+          <a:ln>
+            <a:solidFill>
+              <a:schemeClr val="accent6">
+                <a:lumMod val="50000"/>
+              </a:schemeClr>
+            </a:solidFill>
+          </a:ln>
+        </p:spPr>
+        <p:style>
+          <a:lnRef idx="2">
+            <a:schemeClr val="accent1">
+              <a:shade val="50000"/>
+            </a:schemeClr>
+          </a:lnRef>
+          <a:fillRef idx="1">
+            <a:schemeClr val="accent1"/>
+          </a:fillRef>
+          <a:effectRef idx="0">
+            <a:schemeClr val="accent1"/>
+          </a:effectRef>
+          <a:fontRef idx="minor">
+            <a:schemeClr val="lt1"/>
+          </a:fontRef>
+        </p:style>
+        <p:txBody>
+          <a:bodyPr rtlCol="0" anchor="ctr"/>
+          <a:lstStyle/>
+          <a:p>
+            <a:pPr algn="ctr"/>
+            <a:endParaRPr lang="fr-FR"/>
+          </a:p>
+        </p:txBody>
+      </p:sp>
+      <p:sp>
+        <p:nvSpPr>
+          <p:cNvPr id="207" name="Ellipse 206">
+            <a:extLst>
+              <a:ext uri="{FF2B5EF4-FFF2-40B4-BE49-F238E27FC236}">
+                <a16:creationId xmlns:a16="http://schemas.microsoft.com/office/drawing/2014/main" id="{1C112925-36C3-86E3-6EC1-03D6248A5AD2}"/>
+              </a:ext>
+            </a:extLst>
+          </p:cNvPr>
+          <p:cNvSpPr/>
+          <p:nvPr/>
+        </p:nvSpPr>
+        <p:spPr>
+          <a:xfrm>
+            <a:off x="1887792" y="3419436"/>
+            <a:ext cx="160543" cy="160543"/>
+          </a:xfrm>
+          <a:prstGeom prst="ellipse">
+            <a:avLst/>
+          </a:prstGeom>
+          <a:solidFill>
+            <a:srgbClr val="3D7E4F"/>
+          </a:solidFill>
+          <a:ln>
+            <a:solidFill>
+              <a:schemeClr val="accent6">
+                <a:lumMod val="50000"/>
+              </a:schemeClr>
+            </a:solidFill>
+          </a:ln>
+        </p:spPr>
+        <p:style>
+          <a:lnRef idx="2">
+            <a:schemeClr val="accent1">
+              <a:shade val="50000"/>
+            </a:schemeClr>
+          </a:lnRef>
+          <a:fillRef idx="1">
+            <a:schemeClr val="accent1"/>
+          </a:fillRef>
+          <a:effectRef idx="0">
+            <a:schemeClr val="accent1"/>
+          </a:effectRef>
+          <a:fontRef idx="minor">
+            <a:schemeClr val="lt1"/>
+          </a:fontRef>
+        </p:style>
+        <p:txBody>
+          <a:bodyPr rtlCol="0" anchor="ctr"/>
+          <a:lstStyle/>
+          <a:p>
+            <a:pPr algn="ctr"/>
+            <a:endParaRPr lang="fr-FR"/>
+          </a:p>
+        </p:txBody>
+      </p:sp>
+      <p:sp>
+        <p:nvSpPr>
+          <p:cNvPr id="213" name="Ellipse 212">
+            <a:extLst>
+              <a:ext uri="{FF2B5EF4-FFF2-40B4-BE49-F238E27FC236}">
+                <a16:creationId xmlns:a16="http://schemas.microsoft.com/office/drawing/2014/main" id="{3D235128-03C0-08F8-5F6F-4E8807322D34}"/>
+              </a:ext>
+            </a:extLst>
+          </p:cNvPr>
+          <p:cNvSpPr/>
+          <p:nvPr/>
+        </p:nvSpPr>
+        <p:spPr>
+          <a:xfrm>
+            <a:off x="2609771" y="3731696"/>
+            <a:ext cx="160543" cy="160543"/>
+          </a:xfrm>
+          <a:prstGeom prst="ellipse">
+            <a:avLst/>
+          </a:prstGeom>
+          <a:solidFill>
+            <a:srgbClr val="3D7E4F"/>
+          </a:solidFill>
+          <a:ln>
+            <a:solidFill>
+              <a:schemeClr val="accent6">
+                <a:lumMod val="50000"/>
+              </a:schemeClr>
+            </a:solidFill>
+          </a:ln>
+        </p:spPr>
+        <p:style>
+          <a:lnRef idx="2">
+            <a:schemeClr val="accent1">
+              <a:shade val="50000"/>
+            </a:schemeClr>
+          </a:lnRef>
+          <a:fillRef idx="1">
+            <a:schemeClr val="accent1"/>
+          </a:fillRef>
+          <a:effectRef idx="0">
+            <a:schemeClr val="accent1"/>
+          </a:effectRef>
+          <a:fontRef idx="minor">
+            <a:schemeClr val="lt1"/>
+          </a:fontRef>
+        </p:style>
+        <p:txBody>
+          <a:bodyPr rtlCol="0" anchor="ctr"/>
+          <a:lstStyle/>
+          <a:p>
+            <a:pPr algn="ctr"/>
+            <a:endParaRPr lang="fr-FR"/>
+          </a:p>
+        </p:txBody>
+      </p:sp>
+      <p:sp>
+        <p:nvSpPr>
+          <p:cNvPr id="217" name="Ellipse 216">
+            <a:extLst>
+              <a:ext uri="{FF2B5EF4-FFF2-40B4-BE49-F238E27FC236}">
+                <a16:creationId xmlns:a16="http://schemas.microsoft.com/office/drawing/2014/main" id="{3E492A80-7D17-8CAC-0B1B-F030AC8FC557}"/>
+              </a:ext>
+            </a:extLst>
+          </p:cNvPr>
+          <p:cNvSpPr/>
+          <p:nvPr/>
+        </p:nvSpPr>
+        <p:spPr>
+          <a:xfrm>
+            <a:off x="2922715" y="3426772"/>
+            <a:ext cx="160543" cy="160543"/>
+          </a:xfrm>
+          <a:prstGeom prst="ellipse">
+            <a:avLst/>
+          </a:prstGeom>
+          <a:solidFill>
+            <a:srgbClr val="3D7E4F"/>
+          </a:solidFill>
+          <a:ln>
+            <a:solidFill>
+              <a:schemeClr val="accent6">
+                <a:lumMod val="50000"/>
+              </a:schemeClr>
+            </a:solidFill>
+          </a:ln>
+        </p:spPr>
+        <p:style>
+          <a:lnRef idx="2">
+            <a:schemeClr val="accent1">
+              <a:shade val="50000"/>
+            </a:schemeClr>
+          </a:lnRef>
+          <a:fillRef idx="1">
+            <a:schemeClr val="accent1"/>
+          </a:fillRef>
+          <a:effectRef idx="0">
+            <a:schemeClr val="accent1"/>
+          </a:effectRef>
+          <a:fontRef idx="minor">
+            <a:schemeClr val="lt1"/>
+          </a:fontRef>
+        </p:style>
+        <p:txBody>
+          <a:bodyPr rtlCol="0" anchor="ctr"/>
+          <a:lstStyle/>
+          <a:p>
+            <a:pPr algn="ctr"/>
+            <a:endParaRPr lang="fr-FR"/>
+          </a:p>
+        </p:txBody>
+      </p:sp>
+      <p:sp>
+        <p:nvSpPr>
+          <p:cNvPr id="221" name="Ellipse 220">
+            <a:extLst>
+              <a:ext uri="{FF2B5EF4-FFF2-40B4-BE49-F238E27FC236}">
+                <a16:creationId xmlns:a16="http://schemas.microsoft.com/office/drawing/2014/main" id="{15E9A335-96FB-F72E-1BBD-B3E727FB2E44}"/>
+              </a:ext>
+            </a:extLst>
+          </p:cNvPr>
+          <p:cNvSpPr/>
+          <p:nvPr/>
+        </p:nvSpPr>
+        <p:spPr>
+          <a:xfrm>
+            <a:off x="3235660" y="3121848"/>
+            <a:ext cx="160543" cy="160543"/>
+          </a:xfrm>
+          <a:prstGeom prst="ellipse">
+            <a:avLst/>
+          </a:prstGeom>
+          <a:solidFill>
+            <a:srgbClr val="3D7E4F"/>
+          </a:solidFill>
+          <a:ln>
+            <a:solidFill>
+              <a:schemeClr val="accent6">
+                <a:lumMod val="50000"/>
+              </a:schemeClr>
+            </a:solidFill>
+          </a:ln>
+        </p:spPr>
+        <p:style>
+          <a:lnRef idx="2">
+            <a:schemeClr val="accent1">
+              <a:shade val="50000"/>
+            </a:schemeClr>
+          </a:lnRef>
+          <a:fillRef idx="1">
+            <a:schemeClr val="accent1"/>
+          </a:fillRef>
+          <a:effectRef idx="0">
+            <a:schemeClr val="accent1"/>
+          </a:effectRef>
+          <a:fontRef idx="minor">
+            <a:schemeClr val="lt1"/>
+          </a:fontRef>
+        </p:style>
+        <p:txBody>
+          <a:bodyPr rtlCol="0" anchor="ctr"/>
+          <a:lstStyle/>
+          <a:p>
+            <a:pPr algn="ctr"/>
+            <a:endParaRPr lang="fr-FR"/>
+          </a:p>
+        </p:txBody>
+      </p:sp>
+      <p:sp>
+        <p:nvSpPr>
+          <p:cNvPr id="226" name="Ellipse 225">
+            <a:extLst>
+              <a:ext uri="{FF2B5EF4-FFF2-40B4-BE49-F238E27FC236}">
+                <a16:creationId xmlns:a16="http://schemas.microsoft.com/office/drawing/2014/main" id="{9C3C53F2-6ABC-C126-FF9B-0E7A87FA4158}"/>
+              </a:ext>
+            </a:extLst>
+          </p:cNvPr>
+          <p:cNvSpPr/>
+          <p:nvPr/>
+        </p:nvSpPr>
+        <p:spPr>
+          <a:xfrm>
+            <a:off x="3548604" y="3121848"/>
+            <a:ext cx="160543" cy="160543"/>
+          </a:xfrm>
+          <a:prstGeom prst="ellipse">
+            <a:avLst/>
+          </a:prstGeom>
+          <a:solidFill>
+            <a:srgbClr val="3D7E4F"/>
+          </a:solidFill>
+          <a:ln>
+            <a:solidFill>
+              <a:schemeClr val="accent6">
+                <a:lumMod val="50000"/>
+              </a:schemeClr>
+            </a:solidFill>
+          </a:ln>
+        </p:spPr>
+        <p:style>
+          <a:lnRef idx="2">
+            <a:schemeClr val="accent1">
+              <a:shade val="50000"/>
+            </a:schemeClr>
+          </a:lnRef>
+          <a:fillRef idx="1">
+            <a:schemeClr val="accent1"/>
+          </a:fillRef>
+          <a:effectRef idx="0">
+            <a:schemeClr val="accent1"/>
+          </a:effectRef>
+          <a:fontRef idx="minor">
+            <a:schemeClr val="lt1"/>
+          </a:fontRef>
+        </p:style>
+        <p:txBody>
+          <a:bodyPr rtlCol="0" anchor="ctr"/>
+          <a:lstStyle/>
+          <a:p>
+            <a:pPr algn="ctr"/>
+            <a:endParaRPr lang="fr-FR"/>
+          </a:p>
+        </p:txBody>
+      </p:sp>
+      <p:sp>
+        <p:nvSpPr>
+          <p:cNvPr id="232" name="Ellipse 231">
+            <a:extLst>
+              <a:ext uri="{FF2B5EF4-FFF2-40B4-BE49-F238E27FC236}">
+                <a16:creationId xmlns:a16="http://schemas.microsoft.com/office/drawing/2014/main" id="{262B9F42-FA39-90DA-DA75-148AC6715321}"/>
+              </a:ext>
+            </a:extLst>
+          </p:cNvPr>
+          <p:cNvSpPr/>
+          <p:nvPr/>
+        </p:nvSpPr>
+        <p:spPr>
+          <a:xfrm>
+            <a:off x="3861547" y="3426772"/>
+            <a:ext cx="160543" cy="160543"/>
+          </a:xfrm>
+          <a:prstGeom prst="ellipse">
+            <a:avLst/>
+          </a:prstGeom>
+          <a:solidFill>
+            <a:srgbClr val="3D7E4F"/>
+          </a:solidFill>
+          <a:ln>
+            <a:solidFill>
+              <a:schemeClr val="accent6">
+                <a:lumMod val="50000"/>
+              </a:schemeClr>
+            </a:solidFill>
+          </a:ln>
+        </p:spPr>
+        <p:style>
+          <a:lnRef idx="2">
+            <a:schemeClr val="accent1">
+              <a:shade val="50000"/>
+            </a:schemeClr>
+          </a:lnRef>
+          <a:fillRef idx="1">
+            <a:schemeClr val="accent1"/>
+          </a:fillRef>
+          <a:effectRef idx="0">
+            <a:schemeClr val="accent1"/>
+          </a:effectRef>
+          <a:fontRef idx="minor">
+            <a:schemeClr val="lt1"/>
+          </a:fontRef>
+        </p:style>
+        <p:txBody>
+          <a:bodyPr rtlCol="0" anchor="ctr"/>
+          <a:lstStyle/>
+          <a:p>
+            <a:pPr algn="ctr"/>
+            <a:endParaRPr lang="fr-FR"/>
+          </a:p>
+        </p:txBody>
+      </p:sp>
+      <p:sp>
+        <p:nvSpPr>
+          <p:cNvPr id="241" name="Ellipse 240">
+            <a:extLst>
+              <a:ext uri="{FF2B5EF4-FFF2-40B4-BE49-F238E27FC236}">
+                <a16:creationId xmlns:a16="http://schemas.microsoft.com/office/drawing/2014/main" id="{1AC5641F-4A95-7A9A-2B82-4A8EED0675E2}"/>
+              </a:ext>
+            </a:extLst>
+          </p:cNvPr>
+          <p:cNvSpPr/>
+          <p:nvPr/>
+        </p:nvSpPr>
+        <p:spPr>
+          <a:xfrm>
+            <a:off x="4783954" y="3121848"/>
+            <a:ext cx="160543" cy="160543"/>
+          </a:xfrm>
+          <a:prstGeom prst="ellipse">
+            <a:avLst/>
+          </a:prstGeom>
+          <a:solidFill>
+            <a:srgbClr val="3D7E4F"/>
+          </a:solidFill>
+          <a:ln>
+            <a:solidFill>
+              <a:schemeClr val="accent6">
+                <a:lumMod val="50000"/>
+              </a:schemeClr>
+            </a:solidFill>
+          </a:ln>
+        </p:spPr>
+        <p:style>
+          <a:lnRef idx="2">
+            <a:schemeClr val="accent1">
+              <a:shade val="50000"/>
+            </a:schemeClr>
+          </a:lnRef>
+          <a:fillRef idx="1">
+            <a:schemeClr val="accent1"/>
+          </a:fillRef>
+          <a:effectRef idx="0">
+            <a:schemeClr val="accent1"/>
+          </a:effectRef>
+          <a:fontRef idx="minor">
+            <a:schemeClr val="lt1"/>
+          </a:fontRef>
+        </p:style>
+        <p:txBody>
+          <a:bodyPr rtlCol="0" anchor="ctr"/>
+          <a:lstStyle/>
+          <a:p>
+            <a:pPr algn="ctr"/>
+            <a:endParaRPr lang="fr-FR"/>
+          </a:p>
+        </p:txBody>
+      </p:sp>
+      <p:sp>
+        <p:nvSpPr>
+          <p:cNvPr id="242" name="Ellipse 241">
+            <a:extLst>
+              <a:ext uri="{FF2B5EF4-FFF2-40B4-BE49-F238E27FC236}">
+                <a16:creationId xmlns:a16="http://schemas.microsoft.com/office/drawing/2014/main" id="{8F973118-4422-FD18-DE15-9B76FAB516BD}"/>
+              </a:ext>
+            </a:extLst>
+          </p:cNvPr>
+          <p:cNvSpPr/>
+          <p:nvPr/>
+        </p:nvSpPr>
+        <p:spPr>
+          <a:xfrm>
+            <a:off x="4783953" y="3426772"/>
+            <a:ext cx="160543" cy="160543"/>
+          </a:xfrm>
+          <a:prstGeom prst="ellipse">
+            <a:avLst/>
+          </a:prstGeom>
+          <a:solidFill>
+            <a:schemeClr val="bg2">
+              <a:lumMod val="90000"/>
+            </a:schemeClr>
+          </a:solidFill>
+          <a:ln>
+            <a:solidFill>
+              <a:schemeClr val="bg2">
+                <a:lumMod val="90000"/>
+              </a:schemeClr>
+            </a:solidFill>
+          </a:ln>
+        </p:spPr>
+        <p:style>
+          <a:lnRef idx="2">
+            <a:schemeClr val="accent1">
+              <a:shade val="50000"/>
+            </a:schemeClr>
+          </a:lnRef>
+          <a:fillRef idx="1">
+            <a:schemeClr val="accent1"/>
+          </a:fillRef>
+          <a:effectRef idx="0">
+            <a:schemeClr val="accent1"/>
+          </a:effectRef>
+          <a:fontRef idx="minor">
+            <a:schemeClr val="lt1"/>
+          </a:fontRef>
+        </p:style>
+        <p:txBody>
+          <a:bodyPr rtlCol="0" anchor="ctr"/>
+          <a:lstStyle/>
+          <a:p>
+            <a:pPr algn="ctr"/>
+            <a:endParaRPr lang="fr-FR"/>
+          </a:p>
+        </p:txBody>
+      </p:sp>
+      <p:sp>
+        <p:nvSpPr>
+          <p:cNvPr id="243" name="Ellipse 242">
+            <a:extLst>
+              <a:ext uri="{FF2B5EF4-FFF2-40B4-BE49-F238E27FC236}">
+                <a16:creationId xmlns:a16="http://schemas.microsoft.com/office/drawing/2014/main" id="{53292F43-6166-A041-79B3-20E596239299}"/>
+              </a:ext>
+            </a:extLst>
+          </p:cNvPr>
+          <p:cNvSpPr/>
+          <p:nvPr/>
+        </p:nvSpPr>
+        <p:spPr>
+          <a:xfrm>
+            <a:off x="4783953" y="3731696"/>
+            <a:ext cx="160543" cy="160543"/>
+          </a:xfrm>
+          <a:prstGeom prst="ellipse">
+            <a:avLst/>
+          </a:prstGeom>
+          <a:solidFill>
+            <a:schemeClr val="bg2">
+              <a:lumMod val="90000"/>
+            </a:schemeClr>
+          </a:solidFill>
+          <a:ln>
+            <a:solidFill>
+              <a:schemeClr val="bg2">
+                <a:lumMod val="90000"/>
+              </a:schemeClr>
+            </a:solidFill>
+          </a:ln>
+        </p:spPr>
+        <p:style>
+          <a:lnRef idx="2">
+            <a:schemeClr val="accent1">
+              <a:shade val="50000"/>
+            </a:schemeClr>
+          </a:lnRef>
+          <a:fillRef idx="1">
+            <a:schemeClr val="accent1"/>
+          </a:fillRef>
+          <a:effectRef idx="0">
+            <a:schemeClr val="accent1"/>
+          </a:effectRef>
+          <a:fontRef idx="minor">
+            <a:schemeClr val="lt1"/>
+          </a:fontRef>
+        </p:style>
+        <p:txBody>
+          <a:bodyPr rtlCol="0" anchor="ctr"/>
+          <a:lstStyle/>
+          <a:p>
+            <a:pPr algn="ctr"/>
+            <a:endParaRPr lang="fr-FR"/>
+          </a:p>
+        </p:txBody>
+      </p:sp>
+      <p:sp>
+        <p:nvSpPr>
+          <p:cNvPr id="246" name="Ellipse 245">
+            <a:extLst>
+              <a:ext uri="{FF2B5EF4-FFF2-40B4-BE49-F238E27FC236}">
+                <a16:creationId xmlns:a16="http://schemas.microsoft.com/office/drawing/2014/main" id="{BBD21E24-8B01-EDB3-3671-E64C116F0F84}"/>
+              </a:ext>
+            </a:extLst>
+          </p:cNvPr>
+          <p:cNvSpPr/>
+          <p:nvPr/>
+        </p:nvSpPr>
+        <p:spPr>
+          <a:xfrm>
+            <a:off x="5096898" y="3121848"/>
+            <a:ext cx="160543" cy="160543"/>
+          </a:xfrm>
+          <a:prstGeom prst="ellipse">
+            <a:avLst/>
+          </a:prstGeom>
+          <a:solidFill>
+            <a:srgbClr val="3D7E4F"/>
+          </a:solidFill>
+          <a:ln>
+            <a:solidFill>
+              <a:schemeClr val="accent6">
+                <a:lumMod val="50000"/>
+              </a:schemeClr>
+            </a:solidFill>
+          </a:ln>
+        </p:spPr>
+        <p:style>
+          <a:lnRef idx="2">
+            <a:schemeClr val="accent1">
+              <a:shade val="50000"/>
+            </a:schemeClr>
+          </a:lnRef>
+          <a:fillRef idx="1">
+            <a:schemeClr val="accent1"/>
+          </a:fillRef>
+          <a:effectRef idx="0">
+            <a:schemeClr val="accent1"/>
+          </a:effectRef>
+          <a:fontRef idx="minor">
+            <a:schemeClr val="lt1"/>
+          </a:fontRef>
+        </p:style>
+        <p:txBody>
+          <a:bodyPr rtlCol="0" anchor="ctr"/>
+          <a:lstStyle/>
+          <a:p>
+            <a:pPr algn="ctr"/>
+            <a:endParaRPr lang="fr-FR"/>
+          </a:p>
+        </p:txBody>
+      </p:sp>
+      <p:sp>
+        <p:nvSpPr>
+          <p:cNvPr id="247" name="Ellipse 246">
+            <a:extLst>
+              <a:ext uri="{FF2B5EF4-FFF2-40B4-BE49-F238E27FC236}">
+                <a16:creationId xmlns:a16="http://schemas.microsoft.com/office/drawing/2014/main" id="{7437BFF6-6314-B030-DF0F-F89D41F37A09}"/>
+              </a:ext>
+            </a:extLst>
+          </p:cNvPr>
+          <p:cNvSpPr/>
+          <p:nvPr/>
+        </p:nvSpPr>
+        <p:spPr>
+          <a:xfrm>
+            <a:off x="5096897" y="3426772"/>
+            <a:ext cx="160543" cy="160543"/>
+          </a:xfrm>
+          <a:prstGeom prst="ellipse">
+            <a:avLst/>
+          </a:prstGeom>
+          <a:solidFill>
+            <a:schemeClr val="bg2">
+              <a:lumMod val="90000"/>
+            </a:schemeClr>
+          </a:solidFill>
+          <a:ln>
+            <a:solidFill>
+              <a:schemeClr val="bg2">
+                <a:lumMod val="90000"/>
+              </a:schemeClr>
+            </a:solidFill>
+          </a:ln>
+        </p:spPr>
+        <p:style>
+          <a:lnRef idx="2">
+            <a:schemeClr val="accent1">
+              <a:shade val="50000"/>
+            </a:schemeClr>
+          </a:lnRef>
+          <a:fillRef idx="1">
+            <a:schemeClr val="accent1"/>
+          </a:fillRef>
+          <a:effectRef idx="0">
+            <a:schemeClr val="accent1"/>
+          </a:effectRef>
+          <a:fontRef idx="minor">
+            <a:schemeClr val="lt1"/>
+          </a:fontRef>
+        </p:style>
+        <p:txBody>
+          <a:bodyPr rtlCol="0" anchor="ctr"/>
+          <a:lstStyle/>
+          <a:p>
+            <a:pPr algn="ctr"/>
+            <a:endParaRPr lang="fr-FR"/>
+          </a:p>
+        </p:txBody>
+      </p:sp>
+      <p:sp>
+        <p:nvSpPr>
+          <p:cNvPr id="248" name="Ellipse 247">
+            <a:extLst>
+              <a:ext uri="{FF2B5EF4-FFF2-40B4-BE49-F238E27FC236}">
+                <a16:creationId xmlns:a16="http://schemas.microsoft.com/office/drawing/2014/main" id="{E06191FF-E5FF-26C0-7D31-894EB5DEB355}"/>
+              </a:ext>
+            </a:extLst>
+          </p:cNvPr>
+          <p:cNvSpPr/>
+          <p:nvPr/>
+        </p:nvSpPr>
+        <p:spPr>
+          <a:xfrm>
+            <a:off x="5096897" y="3731696"/>
+            <a:ext cx="160543" cy="160543"/>
+          </a:xfrm>
+          <a:prstGeom prst="ellipse">
+            <a:avLst/>
+          </a:prstGeom>
+          <a:solidFill>
+            <a:schemeClr val="bg2">
+              <a:lumMod val="90000"/>
+            </a:schemeClr>
+          </a:solidFill>
+          <a:ln>
+            <a:solidFill>
+              <a:schemeClr val="bg2">
+                <a:lumMod val="90000"/>
+              </a:schemeClr>
+            </a:solidFill>
+          </a:ln>
+        </p:spPr>
+        <p:style>
+          <a:lnRef idx="2">
+            <a:schemeClr val="accent1">
+              <a:shade val="50000"/>
+            </a:schemeClr>
+          </a:lnRef>
+          <a:fillRef idx="1">
+            <a:schemeClr val="accent1"/>
+          </a:fillRef>
+          <a:effectRef idx="0">
+            <a:schemeClr val="accent1"/>
+          </a:effectRef>
+          <a:fontRef idx="minor">
+            <a:schemeClr val="lt1"/>
+          </a:fontRef>
+        </p:style>
+        <p:txBody>
+          <a:bodyPr rtlCol="0" anchor="ctr"/>
+          <a:lstStyle/>
+          <a:p>
+            <a:pPr algn="ctr"/>
+            <a:endParaRPr lang="fr-FR"/>
+          </a:p>
+        </p:txBody>
+      </p:sp>
+      <p:sp>
+        <p:nvSpPr>
+          <p:cNvPr id="249" name="Ellipse 248">
+            <a:extLst>
+              <a:ext uri="{FF2B5EF4-FFF2-40B4-BE49-F238E27FC236}">
+                <a16:creationId xmlns:a16="http://schemas.microsoft.com/office/drawing/2014/main" id="{3FF383A7-E601-7D2D-8791-129A48E4234C}"/>
+              </a:ext>
+            </a:extLst>
+          </p:cNvPr>
+          <p:cNvSpPr/>
+          <p:nvPr/>
+        </p:nvSpPr>
+        <p:spPr>
+          <a:xfrm>
+            <a:off x="5096897" y="4036620"/>
+            <a:ext cx="160543" cy="160543"/>
+          </a:xfrm>
+          <a:prstGeom prst="ellipse">
+            <a:avLst/>
+          </a:prstGeom>
+          <a:solidFill>
+            <a:schemeClr val="bg2">
+              <a:lumMod val="90000"/>
+            </a:schemeClr>
+          </a:solidFill>
+          <a:ln>
+            <a:solidFill>
+              <a:schemeClr val="bg2">
+                <a:lumMod val="90000"/>
+              </a:schemeClr>
+            </a:solidFill>
+          </a:ln>
+        </p:spPr>
+        <p:style>
+          <a:lnRef idx="2">
+            <a:schemeClr val="accent1">
+              <a:shade val="50000"/>
+            </a:schemeClr>
+          </a:lnRef>
+          <a:fillRef idx="1">
+            <a:schemeClr val="accent1"/>
+          </a:fillRef>
+          <a:effectRef idx="0">
+            <a:schemeClr val="accent1"/>
+          </a:effectRef>
+          <a:fontRef idx="minor">
+            <a:schemeClr val="lt1"/>
+          </a:fontRef>
+        </p:style>
+        <p:txBody>
+          <a:bodyPr rtlCol="0" anchor="ctr"/>
+          <a:lstStyle/>
+          <a:p>
+            <a:pPr algn="ctr"/>
+            <a:endParaRPr lang="fr-FR"/>
+          </a:p>
+        </p:txBody>
+      </p:sp>
+      <p:sp>
+        <p:nvSpPr>
+          <p:cNvPr id="250" name="Ellipse 249">
+            <a:extLst>
+              <a:ext uri="{FF2B5EF4-FFF2-40B4-BE49-F238E27FC236}">
+                <a16:creationId xmlns:a16="http://schemas.microsoft.com/office/drawing/2014/main" id="{00790A0D-7046-03E4-75FD-CB7092AAC619}"/>
+              </a:ext>
+            </a:extLst>
+          </p:cNvPr>
+          <p:cNvSpPr/>
+          <p:nvPr/>
+        </p:nvSpPr>
+        <p:spPr>
+          <a:xfrm>
+            <a:off x="5409842" y="2816924"/>
+            <a:ext cx="160543" cy="160543"/>
+          </a:xfrm>
+          <a:prstGeom prst="ellipse">
+            <a:avLst/>
+          </a:prstGeom>
+          <a:solidFill>
+            <a:schemeClr val="bg2">
+              <a:lumMod val="90000"/>
+            </a:schemeClr>
+          </a:solidFill>
+          <a:ln>
+            <a:solidFill>
+              <a:schemeClr val="bg2">
+                <a:lumMod val="90000"/>
+              </a:schemeClr>
+            </a:solidFill>
+          </a:ln>
+        </p:spPr>
+        <p:style>
+          <a:lnRef idx="2">
+            <a:schemeClr val="accent1">
+              <a:shade val="50000"/>
+            </a:schemeClr>
+          </a:lnRef>
+          <a:fillRef idx="1">
+            <a:schemeClr val="accent1"/>
+          </a:fillRef>
+          <a:effectRef idx="0">
+            <a:schemeClr val="accent1"/>
+          </a:effectRef>
+          <a:fontRef idx="minor">
+            <a:schemeClr val="lt1"/>
+          </a:fontRef>
+        </p:style>
+        <p:txBody>
+          <a:bodyPr rtlCol="0" anchor="ctr"/>
+          <a:lstStyle/>
+          <a:p>
+            <a:pPr algn="ctr"/>
+            <a:endParaRPr lang="fr-FR"/>
+          </a:p>
+        </p:txBody>
+      </p:sp>
+      <p:sp>
+        <p:nvSpPr>
+          <p:cNvPr id="251" name="Ellipse 250">
+            <a:extLst>
+              <a:ext uri="{FF2B5EF4-FFF2-40B4-BE49-F238E27FC236}">
+                <a16:creationId xmlns:a16="http://schemas.microsoft.com/office/drawing/2014/main" id="{929B458E-1E6F-ADFC-2BB2-FD2D91420580}"/>
+              </a:ext>
+            </a:extLst>
+          </p:cNvPr>
+          <p:cNvSpPr/>
+          <p:nvPr/>
+        </p:nvSpPr>
+        <p:spPr>
+          <a:xfrm>
+            <a:off x="5409842" y="3121848"/>
+            <a:ext cx="160543" cy="160543"/>
+          </a:xfrm>
+          <a:prstGeom prst="ellipse">
+            <a:avLst/>
+          </a:prstGeom>
+          <a:solidFill>
+            <a:srgbClr val="3D7E4F"/>
+          </a:solidFill>
+          <a:ln>
+            <a:solidFill>
+              <a:schemeClr val="accent6">
+                <a:lumMod val="50000"/>
+              </a:schemeClr>
+            </a:solidFill>
+          </a:ln>
+        </p:spPr>
+        <p:style>
+          <a:lnRef idx="2">
+            <a:schemeClr val="accent1">
+              <a:shade val="50000"/>
+            </a:schemeClr>
+          </a:lnRef>
+          <a:fillRef idx="1">
+            <a:schemeClr val="accent1"/>
+          </a:fillRef>
+          <a:effectRef idx="0">
+            <a:schemeClr val="accent1"/>
+          </a:effectRef>
+          <a:fontRef idx="minor">
+            <a:schemeClr val="lt1"/>
+          </a:fontRef>
+        </p:style>
+        <p:txBody>
+          <a:bodyPr rtlCol="0" anchor="ctr"/>
+          <a:lstStyle/>
+          <a:p>
+            <a:pPr algn="ctr"/>
+            <a:endParaRPr lang="fr-FR"/>
+          </a:p>
+        </p:txBody>
+      </p:sp>
+      <p:sp>
+        <p:nvSpPr>
+          <p:cNvPr id="252" name="Ellipse 251">
+            <a:extLst>
+              <a:ext uri="{FF2B5EF4-FFF2-40B4-BE49-F238E27FC236}">
+                <a16:creationId xmlns:a16="http://schemas.microsoft.com/office/drawing/2014/main" id="{A9480351-0FD3-136A-CFE2-18E8C60D141F}"/>
+              </a:ext>
+            </a:extLst>
+          </p:cNvPr>
+          <p:cNvSpPr/>
+          <p:nvPr/>
+        </p:nvSpPr>
+        <p:spPr>
+          <a:xfrm>
+            <a:off x="5409841" y="3426772"/>
+            <a:ext cx="160543" cy="160543"/>
+          </a:xfrm>
+          <a:prstGeom prst="ellipse">
+            <a:avLst/>
+          </a:prstGeom>
+          <a:solidFill>
+            <a:srgbClr val="3D7E4F"/>
+          </a:solidFill>
+          <a:ln>
+            <a:solidFill>
+              <a:schemeClr val="accent6">
+                <a:lumMod val="50000"/>
+              </a:schemeClr>
+            </a:solidFill>
+          </a:ln>
+        </p:spPr>
+        <p:style>
+          <a:lnRef idx="2">
+            <a:schemeClr val="accent1">
+              <a:shade val="50000"/>
+            </a:schemeClr>
+          </a:lnRef>
+          <a:fillRef idx="1">
+            <a:schemeClr val="accent1"/>
+          </a:fillRef>
+          <a:effectRef idx="0">
+            <a:schemeClr val="accent1"/>
+          </a:effectRef>
+          <a:fontRef idx="minor">
+            <a:schemeClr val="lt1"/>
+          </a:fontRef>
+        </p:style>
+        <p:txBody>
+          <a:bodyPr rtlCol="0" anchor="ctr"/>
+          <a:lstStyle/>
+          <a:p>
+            <a:pPr algn="ctr"/>
+            <a:endParaRPr lang="fr-FR"/>
+          </a:p>
+        </p:txBody>
+      </p:sp>
+      <p:sp>
+        <p:nvSpPr>
+          <p:cNvPr id="253" name="Ellipse 252">
+            <a:extLst>
+              <a:ext uri="{FF2B5EF4-FFF2-40B4-BE49-F238E27FC236}">
+                <a16:creationId xmlns:a16="http://schemas.microsoft.com/office/drawing/2014/main" id="{4E251A37-428B-CCCA-F38B-97F0E3C78545}"/>
+              </a:ext>
+            </a:extLst>
+          </p:cNvPr>
+          <p:cNvSpPr/>
+          <p:nvPr/>
+        </p:nvSpPr>
+        <p:spPr>
+          <a:xfrm>
+            <a:off x="5409841" y="3731696"/>
+            <a:ext cx="160543" cy="160543"/>
+          </a:xfrm>
+          <a:prstGeom prst="ellipse">
+            <a:avLst/>
+          </a:prstGeom>
+          <a:solidFill>
+            <a:srgbClr val="3D7E4F"/>
+          </a:solidFill>
+          <a:ln>
+            <a:solidFill>
+              <a:schemeClr val="accent6">
+                <a:lumMod val="50000"/>
+              </a:schemeClr>
+            </a:solidFill>
+          </a:ln>
+        </p:spPr>
+        <p:style>
+          <a:lnRef idx="2">
+            <a:schemeClr val="accent1">
+              <a:shade val="50000"/>
+            </a:schemeClr>
+          </a:lnRef>
+          <a:fillRef idx="1">
+            <a:schemeClr val="accent1"/>
+          </a:fillRef>
+          <a:effectRef idx="0">
+            <a:schemeClr val="accent1"/>
+          </a:effectRef>
+          <a:fontRef idx="minor">
+            <a:schemeClr val="lt1"/>
+          </a:fontRef>
+        </p:style>
+        <p:txBody>
+          <a:bodyPr rtlCol="0" anchor="ctr"/>
+          <a:lstStyle/>
+          <a:p>
+            <a:pPr algn="ctr"/>
+            <a:endParaRPr lang="fr-FR"/>
+          </a:p>
+        </p:txBody>
+      </p:sp>
+      <p:sp>
+        <p:nvSpPr>
+          <p:cNvPr id="254" name="Ellipse 253">
+            <a:extLst>
+              <a:ext uri="{FF2B5EF4-FFF2-40B4-BE49-F238E27FC236}">
+                <a16:creationId xmlns:a16="http://schemas.microsoft.com/office/drawing/2014/main" id="{64F098D3-7D84-FB5F-D409-621D808AD9D4}"/>
+              </a:ext>
+            </a:extLst>
+          </p:cNvPr>
+          <p:cNvSpPr/>
+          <p:nvPr/>
+        </p:nvSpPr>
+        <p:spPr>
+          <a:xfrm>
+            <a:off x="5409841" y="4036620"/>
+            <a:ext cx="160543" cy="160543"/>
+          </a:xfrm>
+          <a:prstGeom prst="ellipse">
+            <a:avLst/>
+          </a:prstGeom>
+          <a:solidFill>
+            <a:schemeClr val="bg2">
+              <a:lumMod val="90000"/>
+            </a:schemeClr>
+          </a:solidFill>
+          <a:ln>
+            <a:solidFill>
+              <a:schemeClr val="bg2">
+                <a:lumMod val="90000"/>
+              </a:schemeClr>
+            </a:solidFill>
+          </a:ln>
+        </p:spPr>
+        <p:style>
+          <a:lnRef idx="2">
+            <a:schemeClr val="accent1">
+              <a:shade val="50000"/>
+            </a:schemeClr>
+          </a:lnRef>
+          <a:fillRef idx="1">
+            <a:schemeClr val="accent1"/>
+          </a:fillRef>
+          <a:effectRef idx="0">
+            <a:schemeClr val="accent1"/>
+          </a:effectRef>
+          <a:fontRef idx="minor">
+            <a:schemeClr val="lt1"/>
+          </a:fontRef>
+        </p:style>
+        <p:txBody>
+          <a:bodyPr rtlCol="0" anchor="ctr"/>
+          <a:lstStyle/>
+          <a:p>
+            <a:pPr algn="ctr"/>
+            <a:endParaRPr lang="fr-FR"/>
+          </a:p>
+        </p:txBody>
+      </p:sp>
+      <p:sp>
+        <p:nvSpPr>
+          <p:cNvPr id="255" name="Ellipse 254">
+            <a:extLst>
+              <a:ext uri="{FF2B5EF4-FFF2-40B4-BE49-F238E27FC236}">
+                <a16:creationId xmlns:a16="http://schemas.microsoft.com/office/drawing/2014/main" id="{9DA5BF1A-F921-3D45-CAB0-4526193108BE}"/>
+              </a:ext>
+            </a:extLst>
+          </p:cNvPr>
+          <p:cNvSpPr/>
+          <p:nvPr/>
+        </p:nvSpPr>
+        <p:spPr>
+          <a:xfrm>
+            <a:off x="5722786" y="2816924"/>
+            <a:ext cx="160543" cy="160543"/>
+          </a:xfrm>
+          <a:prstGeom prst="ellipse">
+            <a:avLst/>
+          </a:prstGeom>
+          <a:solidFill>
+            <a:srgbClr val="3D7E4F"/>
+          </a:solidFill>
+          <a:ln>
+            <a:solidFill>
+              <a:schemeClr val="accent6">
+                <a:lumMod val="50000"/>
+              </a:schemeClr>
+            </a:solidFill>
+          </a:ln>
+        </p:spPr>
+        <p:style>
+          <a:lnRef idx="2">
+            <a:schemeClr val="accent1">
+              <a:shade val="50000"/>
+            </a:schemeClr>
+          </a:lnRef>
+          <a:fillRef idx="1">
+            <a:schemeClr val="accent1"/>
+          </a:fillRef>
+          <a:effectRef idx="0">
+            <a:schemeClr val="accent1"/>
+          </a:effectRef>
+          <a:fontRef idx="minor">
+            <a:schemeClr val="lt1"/>
+          </a:fontRef>
+        </p:style>
+        <p:txBody>
+          <a:bodyPr rtlCol="0" anchor="ctr"/>
+          <a:lstStyle/>
+          <a:p>
+            <a:pPr algn="ctr"/>
+            <a:endParaRPr lang="fr-FR"/>
+          </a:p>
+        </p:txBody>
+      </p:sp>
+      <p:sp>
+        <p:nvSpPr>
+          <p:cNvPr id="256" name="Ellipse 255">
+            <a:extLst>
+              <a:ext uri="{FF2B5EF4-FFF2-40B4-BE49-F238E27FC236}">
+                <a16:creationId xmlns:a16="http://schemas.microsoft.com/office/drawing/2014/main" id="{F2AF4A50-33A3-FFE4-0D07-91F92394308C}"/>
+              </a:ext>
+            </a:extLst>
+          </p:cNvPr>
+          <p:cNvSpPr/>
+          <p:nvPr/>
+        </p:nvSpPr>
+        <p:spPr>
+          <a:xfrm>
+            <a:off x="5722786" y="3121848"/>
+            <a:ext cx="160543" cy="160543"/>
+          </a:xfrm>
+          <a:prstGeom prst="ellipse">
+            <a:avLst/>
+          </a:prstGeom>
+          <a:solidFill>
+            <a:srgbClr val="3D7E4F"/>
+          </a:solidFill>
+          <a:ln>
+            <a:solidFill>
+              <a:schemeClr val="accent6">
+                <a:lumMod val="50000"/>
+              </a:schemeClr>
+            </a:solidFill>
+          </a:ln>
+        </p:spPr>
+        <p:style>
+          <a:lnRef idx="2">
+            <a:schemeClr val="accent1">
+              <a:shade val="50000"/>
+            </a:schemeClr>
+          </a:lnRef>
+          <a:fillRef idx="1">
+            <a:schemeClr val="accent1"/>
+          </a:fillRef>
+          <a:effectRef idx="0">
+            <a:schemeClr val="accent1"/>
+          </a:effectRef>
+          <a:fontRef idx="minor">
+            <a:schemeClr val="lt1"/>
+          </a:fontRef>
+        </p:style>
+        <p:txBody>
+          <a:bodyPr rtlCol="0" anchor="ctr"/>
+          <a:lstStyle/>
+          <a:p>
+            <a:pPr algn="ctr"/>
+            <a:endParaRPr lang="fr-FR"/>
+          </a:p>
+        </p:txBody>
+      </p:sp>
+      <p:sp>
+        <p:nvSpPr>
+          <p:cNvPr id="257" name="Ellipse 256">
+            <a:extLst>
+              <a:ext uri="{FF2B5EF4-FFF2-40B4-BE49-F238E27FC236}">
+                <a16:creationId xmlns:a16="http://schemas.microsoft.com/office/drawing/2014/main" id="{E981E836-54A3-F8EB-2736-7ECACE39D3D6}"/>
+              </a:ext>
+            </a:extLst>
+          </p:cNvPr>
+          <p:cNvSpPr/>
+          <p:nvPr/>
+        </p:nvSpPr>
+        <p:spPr>
+          <a:xfrm>
+            <a:off x="5722785" y="3426772"/>
+            <a:ext cx="160543" cy="160543"/>
+          </a:xfrm>
+          <a:prstGeom prst="ellipse">
+            <a:avLst/>
+          </a:prstGeom>
+          <a:solidFill>
+            <a:srgbClr val="3D7E4F"/>
+          </a:solidFill>
+          <a:ln>
+            <a:solidFill>
+              <a:schemeClr val="accent6">
+                <a:lumMod val="50000"/>
+              </a:schemeClr>
+            </a:solidFill>
+          </a:ln>
+        </p:spPr>
+        <p:style>
+          <a:lnRef idx="2">
+            <a:schemeClr val="accent1">
+              <a:shade val="50000"/>
+            </a:schemeClr>
+          </a:lnRef>
+          <a:fillRef idx="1">
+            <a:schemeClr val="accent1"/>
+          </a:fillRef>
+          <a:effectRef idx="0">
+            <a:schemeClr val="accent1"/>
+          </a:effectRef>
+          <a:fontRef idx="minor">
+            <a:schemeClr val="lt1"/>
+          </a:fontRef>
+        </p:style>
+        <p:txBody>
+          <a:bodyPr rtlCol="0" anchor="ctr"/>
+          <a:lstStyle/>
+          <a:p>
+            <a:pPr algn="ctr"/>
+            <a:endParaRPr lang="fr-FR"/>
+          </a:p>
+        </p:txBody>
+      </p:sp>
+      <p:sp>
+        <p:nvSpPr>
+          <p:cNvPr id="258" name="Ellipse 257">
+            <a:extLst>
+              <a:ext uri="{FF2B5EF4-FFF2-40B4-BE49-F238E27FC236}">
+                <a16:creationId xmlns:a16="http://schemas.microsoft.com/office/drawing/2014/main" id="{4824EA9E-ADF5-7889-5752-0BC6D6906D4A}"/>
+              </a:ext>
+            </a:extLst>
+          </p:cNvPr>
+          <p:cNvSpPr/>
+          <p:nvPr/>
+        </p:nvSpPr>
+        <p:spPr>
+          <a:xfrm>
+            <a:off x="5722785" y="3731696"/>
+            <a:ext cx="160543" cy="160543"/>
+          </a:xfrm>
+          <a:prstGeom prst="ellipse">
+            <a:avLst/>
+          </a:prstGeom>
+          <a:solidFill>
+            <a:srgbClr val="3D7E4F"/>
+          </a:solidFill>
+          <a:ln>
+            <a:solidFill>
+              <a:schemeClr val="accent6">
+                <a:lumMod val="50000"/>
+              </a:schemeClr>
+            </a:solidFill>
+          </a:ln>
+        </p:spPr>
+        <p:style>
+          <a:lnRef idx="2">
+            <a:schemeClr val="accent1">
+              <a:shade val="50000"/>
+            </a:schemeClr>
+          </a:lnRef>
+          <a:fillRef idx="1">
+            <a:schemeClr val="accent1"/>
+          </a:fillRef>
+          <a:effectRef idx="0">
+            <a:schemeClr val="accent1"/>
+          </a:effectRef>
+          <a:fontRef idx="minor">
+            <a:schemeClr val="lt1"/>
+          </a:fontRef>
+        </p:style>
+        <p:txBody>
+          <a:bodyPr rtlCol="0" anchor="ctr"/>
+          <a:lstStyle/>
+          <a:p>
+            <a:pPr algn="ctr"/>
+            <a:endParaRPr lang="fr-FR"/>
+          </a:p>
+        </p:txBody>
+      </p:sp>
+      <p:sp>
+        <p:nvSpPr>
+          <p:cNvPr id="259" name="Ellipse 258">
+            <a:extLst>
+              <a:ext uri="{FF2B5EF4-FFF2-40B4-BE49-F238E27FC236}">
+                <a16:creationId xmlns:a16="http://schemas.microsoft.com/office/drawing/2014/main" id="{1280893F-D22E-CC97-3CEF-8327B786F9AB}"/>
+              </a:ext>
+            </a:extLst>
+          </p:cNvPr>
+          <p:cNvSpPr/>
+          <p:nvPr/>
+        </p:nvSpPr>
+        <p:spPr>
+          <a:xfrm>
+            <a:off x="5722785" y="4036620"/>
+            <a:ext cx="160543" cy="160543"/>
+          </a:xfrm>
+          <a:prstGeom prst="ellipse">
+            <a:avLst/>
+          </a:prstGeom>
+          <a:solidFill>
+            <a:srgbClr val="3D7E4F"/>
+          </a:solidFill>
+          <a:ln>
+            <a:solidFill>
+              <a:schemeClr val="accent6">
+                <a:lumMod val="50000"/>
+              </a:schemeClr>
+            </a:solidFill>
+          </a:ln>
+        </p:spPr>
+        <p:style>
+          <a:lnRef idx="2">
+            <a:schemeClr val="accent1">
+              <a:shade val="50000"/>
+            </a:schemeClr>
+          </a:lnRef>
+          <a:fillRef idx="1">
+            <a:schemeClr val="accent1"/>
+          </a:fillRef>
+          <a:effectRef idx="0">
+            <a:schemeClr val="accent1"/>
+          </a:effectRef>
+          <a:fontRef idx="minor">
+            <a:schemeClr val="lt1"/>
+          </a:fontRef>
+        </p:style>
+        <p:txBody>
+          <a:bodyPr rtlCol="0" anchor="ctr"/>
+          <a:lstStyle/>
+          <a:p>
+            <a:pPr algn="ctr"/>
+            <a:endParaRPr lang="fr-FR"/>
+          </a:p>
+        </p:txBody>
+      </p:sp>
+      <p:cxnSp>
+        <p:nvCxnSpPr>
+          <p:cNvPr id="260" name="Connecteur droit 259">
+            <a:extLst>
+              <a:ext uri="{FF2B5EF4-FFF2-40B4-BE49-F238E27FC236}">
+                <a16:creationId xmlns:a16="http://schemas.microsoft.com/office/drawing/2014/main" id="{EDD75061-BE83-7A7A-FA13-D32E7C5CA1CC}"/>
+              </a:ext>
+            </a:extLst>
+          </p:cNvPr>
+          <p:cNvCxnSpPr>
+            <a:cxnSpLocks/>
+            <a:stCxn id="251" idx="7"/>
+            <a:endCxn id="255" idx="2"/>
+          </p:cNvCxnSpPr>
+          <p:nvPr/>
+        </p:nvCxnSpPr>
+        <p:spPr>
+          <a:xfrm flipV="1">
+            <a:off x="5546874" y="2897196"/>
+            <a:ext cx="175912" cy="248163"/>
+          </a:xfrm>
+          <a:prstGeom prst="line">
+            <a:avLst/>
+          </a:prstGeom>
+          <a:ln w="12700">
+            <a:solidFill>
+              <a:schemeClr val="accent6">
+                <a:lumMod val="50000"/>
+              </a:schemeClr>
+            </a:solidFill>
+          </a:ln>
+        </p:spPr>
+        <p:style>
+          <a:lnRef idx="1">
+            <a:schemeClr val="accent1"/>
+          </a:lnRef>
+          <a:fillRef idx="0">
+            <a:schemeClr val="accent1"/>
+          </a:fillRef>
+          <a:effectRef idx="0">
+            <a:schemeClr val="accent1"/>
+          </a:effectRef>
+          <a:fontRef idx="minor">
+            <a:schemeClr val="tx1"/>
+          </a:fontRef>
+        </p:style>
+      </p:cxnSp>
+      <p:cxnSp>
+        <p:nvCxnSpPr>
+          <p:cNvPr id="261" name="Connecteur droit 260">
+            <a:extLst>
+              <a:ext uri="{FF2B5EF4-FFF2-40B4-BE49-F238E27FC236}">
+                <a16:creationId xmlns:a16="http://schemas.microsoft.com/office/drawing/2014/main" id="{41B74550-D3CF-71BF-DB1A-8090F575C40E}"/>
+              </a:ext>
+            </a:extLst>
+          </p:cNvPr>
+          <p:cNvCxnSpPr>
+            <a:cxnSpLocks/>
+            <a:stCxn id="251" idx="6"/>
+            <a:endCxn id="256" idx="2"/>
+          </p:cNvCxnSpPr>
+          <p:nvPr/>
+        </p:nvCxnSpPr>
+        <p:spPr>
+          <a:xfrm>
+            <a:off x="5570385" y="3202120"/>
+            <a:ext cx="152401" cy="0"/>
+          </a:xfrm>
+          <a:prstGeom prst="line">
+            <a:avLst/>
+          </a:prstGeom>
+          <a:ln w="12700">
+            <a:solidFill>
+              <a:schemeClr val="accent6">
+                <a:lumMod val="50000"/>
+              </a:schemeClr>
+            </a:solidFill>
+          </a:ln>
+        </p:spPr>
+        <p:style>
+          <a:lnRef idx="1">
+            <a:schemeClr val="accent1"/>
+          </a:lnRef>
+          <a:fillRef idx="0">
+            <a:schemeClr val="accent1"/>
+          </a:fillRef>
+          <a:effectRef idx="0">
+            <a:schemeClr val="accent1"/>
+          </a:effectRef>
+          <a:fontRef idx="minor">
+            <a:schemeClr val="tx1"/>
+          </a:fontRef>
+        </p:style>
+      </p:cxnSp>
+      <p:cxnSp>
+        <p:nvCxnSpPr>
+          <p:cNvPr id="262" name="Connecteur droit 261">
+            <a:extLst>
+              <a:ext uri="{FF2B5EF4-FFF2-40B4-BE49-F238E27FC236}">
+                <a16:creationId xmlns:a16="http://schemas.microsoft.com/office/drawing/2014/main" id="{AECA0F5E-3E1D-35D3-3C0A-870ABC08A0FE}"/>
+              </a:ext>
+            </a:extLst>
+          </p:cNvPr>
+          <p:cNvCxnSpPr>
+            <a:cxnSpLocks/>
+            <a:stCxn id="252" idx="6"/>
+            <a:endCxn id="257" idx="2"/>
+          </p:cNvCxnSpPr>
+          <p:nvPr/>
+        </p:nvCxnSpPr>
+        <p:spPr>
+          <a:xfrm>
+            <a:off x="5570384" y="3507044"/>
+            <a:ext cx="152401" cy="0"/>
+          </a:xfrm>
+          <a:prstGeom prst="line">
+            <a:avLst/>
+          </a:prstGeom>
+          <a:ln w="12700">
+            <a:solidFill>
+              <a:schemeClr val="accent6">
+                <a:lumMod val="50000"/>
+              </a:schemeClr>
+            </a:solidFill>
+          </a:ln>
+        </p:spPr>
+        <p:style>
+          <a:lnRef idx="1">
+            <a:schemeClr val="accent1"/>
+          </a:lnRef>
+          <a:fillRef idx="0">
+            <a:schemeClr val="accent1"/>
+          </a:fillRef>
+          <a:effectRef idx="0">
+            <a:schemeClr val="accent1"/>
+          </a:effectRef>
+          <a:fontRef idx="minor">
+            <a:schemeClr val="tx1"/>
+          </a:fontRef>
+        </p:style>
+      </p:cxnSp>
+      <p:cxnSp>
+        <p:nvCxnSpPr>
+          <p:cNvPr id="263" name="Connecteur droit 262">
+            <a:extLst>
+              <a:ext uri="{FF2B5EF4-FFF2-40B4-BE49-F238E27FC236}">
+                <a16:creationId xmlns:a16="http://schemas.microsoft.com/office/drawing/2014/main" id="{30425D2B-94E7-48D7-1B3E-E86D890A410B}"/>
+              </a:ext>
+            </a:extLst>
+          </p:cNvPr>
+          <p:cNvCxnSpPr>
+            <a:cxnSpLocks/>
+            <a:stCxn id="253" idx="6"/>
+            <a:endCxn id="258" idx="2"/>
+          </p:cNvCxnSpPr>
+          <p:nvPr/>
+        </p:nvCxnSpPr>
+        <p:spPr>
+          <a:xfrm>
+            <a:off x="5570384" y="3811968"/>
+            <a:ext cx="152401" cy="0"/>
+          </a:xfrm>
+          <a:prstGeom prst="line">
+            <a:avLst/>
+          </a:prstGeom>
+          <a:ln w="12700">
+            <a:solidFill>
+              <a:schemeClr val="accent6">
+                <a:lumMod val="50000"/>
+              </a:schemeClr>
+            </a:solidFill>
+          </a:ln>
+        </p:spPr>
+        <p:style>
+          <a:lnRef idx="1">
+            <a:schemeClr val="accent1"/>
+          </a:lnRef>
+          <a:fillRef idx="0">
+            <a:schemeClr val="accent1"/>
+          </a:fillRef>
+          <a:effectRef idx="0">
+            <a:schemeClr val="accent1"/>
+          </a:effectRef>
+          <a:fontRef idx="minor">
+            <a:schemeClr val="tx1"/>
+          </a:fontRef>
+        </p:style>
+      </p:cxnSp>
+      <p:cxnSp>
+        <p:nvCxnSpPr>
+          <p:cNvPr id="264" name="Connecteur droit 263">
+            <a:extLst>
+              <a:ext uri="{FF2B5EF4-FFF2-40B4-BE49-F238E27FC236}">
+                <a16:creationId xmlns:a16="http://schemas.microsoft.com/office/drawing/2014/main" id="{9D122CA6-11CC-D4CB-C2F3-20A8895EB7CD}"/>
+              </a:ext>
+            </a:extLst>
+          </p:cNvPr>
+          <p:cNvCxnSpPr>
+            <a:cxnSpLocks/>
+            <a:stCxn id="253" idx="5"/>
+            <a:endCxn id="259" idx="2"/>
+          </p:cNvCxnSpPr>
+          <p:nvPr/>
+        </p:nvCxnSpPr>
+        <p:spPr>
+          <a:xfrm>
+            <a:off x="5546873" y="3868728"/>
+            <a:ext cx="175912" cy="248164"/>
+          </a:xfrm>
+          <a:prstGeom prst="line">
+            <a:avLst/>
+          </a:prstGeom>
+          <a:ln w="12700">
+            <a:solidFill>
+              <a:schemeClr val="accent6">
+                <a:lumMod val="50000"/>
+              </a:schemeClr>
+            </a:solidFill>
+          </a:ln>
+        </p:spPr>
+        <p:style>
+          <a:lnRef idx="1">
+            <a:schemeClr val="accent1"/>
+          </a:lnRef>
+          <a:fillRef idx="0">
+            <a:schemeClr val="accent1"/>
+          </a:fillRef>
+          <a:effectRef idx="0">
+            <a:schemeClr val="accent1"/>
+          </a:effectRef>
+          <a:fontRef idx="minor">
+            <a:schemeClr val="tx1"/>
+          </a:fontRef>
+        </p:style>
+      </p:cxnSp>
+      <p:cxnSp>
+        <p:nvCxnSpPr>
+          <p:cNvPr id="265" name="Connecteur droit 264">
+            <a:extLst>
+              <a:ext uri="{FF2B5EF4-FFF2-40B4-BE49-F238E27FC236}">
+                <a16:creationId xmlns:a16="http://schemas.microsoft.com/office/drawing/2014/main" id="{591931F8-2BA5-C2EF-6176-80F9BC5CC984}"/>
+              </a:ext>
+            </a:extLst>
+          </p:cNvPr>
+          <p:cNvCxnSpPr>
+            <a:cxnSpLocks/>
+            <a:stCxn id="246" idx="5"/>
+            <a:endCxn id="253" idx="1"/>
+          </p:cNvCxnSpPr>
+          <p:nvPr/>
+        </p:nvCxnSpPr>
+        <p:spPr>
+          <a:xfrm>
+            <a:off x="5233930" y="3258880"/>
+            <a:ext cx="199422" cy="496327"/>
+          </a:xfrm>
+          <a:prstGeom prst="line">
+            <a:avLst/>
+          </a:prstGeom>
+          <a:ln w="12700">
+            <a:solidFill>
+              <a:schemeClr val="accent6">
+                <a:lumMod val="50000"/>
+              </a:schemeClr>
+            </a:solidFill>
+          </a:ln>
+        </p:spPr>
+        <p:style>
+          <a:lnRef idx="1">
+            <a:schemeClr val="accent1"/>
+          </a:lnRef>
+          <a:fillRef idx="0">
+            <a:schemeClr val="accent1"/>
+          </a:fillRef>
+          <a:effectRef idx="0">
+            <a:schemeClr val="accent1"/>
+          </a:effectRef>
+          <a:fontRef idx="minor">
+            <a:schemeClr val="tx1"/>
+          </a:fontRef>
+        </p:style>
+      </p:cxnSp>
+      <p:cxnSp>
+        <p:nvCxnSpPr>
+          <p:cNvPr id="266" name="Connecteur droit 265">
+            <a:extLst>
+              <a:ext uri="{FF2B5EF4-FFF2-40B4-BE49-F238E27FC236}">
+                <a16:creationId xmlns:a16="http://schemas.microsoft.com/office/drawing/2014/main" id="{F15F51E3-4C84-48BA-7A89-5060CE91EEB6}"/>
+              </a:ext>
+            </a:extLst>
+          </p:cNvPr>
+          <p:cNvCxnSpPr>
+            <a:cxnSpLocks/>
+            <a:stCxn id="246" idx="6"/>
+            <a:endCxn id="252" idx="1"/>
+          </p:cNvCxnSpPr>
+          <p:nvPr/>
+        </p:nvCxnSpPr>
+        <p:spPr>
+          <a:xfrm>
+            <a:off x="5257441" y="3202120"/>
+            <a:ext cx="175911" cy="248163"/>
+          </a:xfrm>
+          <a:prstGeom prst="line">
+            <a:avLst/>
+          </a:prstGeom>
+          <a:ln w="12700">
+            <a:solidFill>
+              <a:schemeClr val="accent6">
+                <a:lumMod val="50000"/>
+              </a:schemeClr>
+            </a:solidFill>
+          </a:ln>
+        </p:spPr>
+        <p:style>
+          <a:lnRef idx="1">
+            <a:schemeClr val="accent1"/>
+          </a:lnRef>
+          <a:fillRef idx="0">
+            <a:schemeClr val="accent1"/>
+          </a:fillRef>
+          <a:effectRef idx="0">
+            <a:schemeClr val="accent1"/>
+          </a:effectRef>
+          <a:fontRef idx="minor">
+            <a:schemeClr val="tx1"/>
+          </a:fontRef>
+        </p:style>
+      </p:cxnSp>
+      <p:cxnSp>
+        <p:nvCxnSpPr>
+          <p:cNvPr id="267" name="Connecteur droit 266">
+            <a:extLst>
+              <a:ext uri="{FF2B5EF4-FFF2-40B4-BE49-F238E27FC236}">
+                <a16:creationId xmlns:a16="http://schemas.microsoft.com/office/drawing/2014/main" id="{A4BDFCD0-64BA-66FF-8208-ABA55ECEAC6D}"/>
+              </a:ext>
+            </a:extLst>
+          </p:cNvPr>
+          <p:cNvCxnSpPr>
+            <a:cxnSpLocks/>
+            <a:stCxn id="245" idx="5"/>
+            <a:endCxn id="251" idx="1"/>
+          </p:cNvCxnSpPr>
+          <p:nvPr/>
+        </p:nvCxnSpPr>
+        <p:spPr>
+          <a:xfrm>
+            <a:off x="5233930" y="2953956"/>
+            <a:ext cx="199423" cy="191403"/>
+          </a:xfrm>
+          <a:prstGeom prst="line">
+            <a:avLst/>
+          </a:prstGeom>
+          <a:ln w="12700">
+            <a:solidFill>
+              <a:schemeClr val="accent6">
+                <a:lumMod val="50000"/>
+              </a:schemeClr>
+            </a:solidFill>
+          </a:ln>
+        </p:spPr>
+        <p:style>
+          <a:lnRef idx="1">
+            <a:schemeClr val="accent1"/>
+          </a:lnRef>
+          <a:fillRef idx="0">
+            <a:schemeClr val="accent1"/>
+          </a:fillRef>
+          <a:effectRef idx="0">
+            <a:schemeClr val="accent1"/>
+          </a:effectRef>
+          <a:fontRef idx="minor">
+            <a:schemeClr val="tx1"/>
+          </a:fontRef>
+        </p:style>
+      </p:cxnSp>
+      <p:cxnSp>
+        <p:nvCxnSpPr>
+          <p:cNvPr id="268" name="Connecteur droit 267">
+            <a:extLst>
+              <a:ext uri="{FF2B5EF4-FFF2-40B4-BE49-F238E27FC236}">
+                <a16:creationId xmlns:a16="http://schemas.microsoft.com/office/drawing/2014/main" id="{237A285B-5F93-3166-AD67-49C69DC6BAC2}"/>
+              </a:ext>
+            </a:extLst>
+          </p:cNvPr>
+          <p:cNvCxnSpPr>
+            <a:cxnSpLocks/>
+            <a:stCxn id="241" idx="6"/>
+            <a:endCxn id="246" idx="2"/>
+          </p:cNvCxnSpPr>
+          <p:nvPr/>
+        </p:nvCxnSpPr>
+        <p:spPr>
+          <a:xfrm>
+            <a:off x="4944497" y="3202120"/>
+            <a:ext cx="152401" cy="0"/>
+          </a:xfrm>
+          <a:prstGeom prst="line">
+            <a:avLst/>
+          </a:prstGeom>
+          <a:ln w="12700">
+            <a:solidFill>
+              <a:schemeClr val="accent6">
+                <a:lumMod val="50000"/>
+              </a:schemeClr>
+            </a:solidFill>
+          </a:ln>
+        </p:spPr>
+        <p:style>
+          <a:lnRef idx="1">
+            <a:schemeClr val="accent1"/>
+          </a:lnRef>
+          <a:fillRef idx="0">
+            <a:schemeClr val="accent1"/>
+          </a:fillRef>
+          <a:effectRef idx="0">
+            <a:schemeClr val="accent1"/>
+          </a:effectRef>
+          <a:fontRef idx="minor">
+            <a:schemeClr val="tx1"/>
+          </a:fontRef>
+        </p:style>
+      </p:cxnSp>
+      <p:cxnSp>
+        <p:nvCxnSpPr>
+          <p:cNvPr id="269" name="Connecteur droit 268">
+            <a:extLst>
+              <a:ext uri="{FF2B5EF4-FFF2-40B4-BE49-F238E27FC236}">
+                <a16:creationId xmlns:a16="http://schemas.microsoft.com/office/drawing/2014/main" id="{3EC053B9-EB61-3DEC-B24F-F17D909836B5}"/>
+              </a:ext>
+            </a:extLst>
+          </p:cNvPr>
+          <p:cNvCxnSpPr>
+            <a:cxnSpLocks/>
+            <a:stCxn id="241" idx="7"/>
+            <a:endCxn id="245" idx="3"/>
+          </p:cNvCxnSpPr>
+          <p:nvPr/>
+        </p:nvCxnSpPr>
+        <p:spPr>
+          <a:xfrm flipV="1">
+            <a:off x="4920986" y="2953956"/>
+            <a:ext cx="199423" cy="191403"/>
+          </a:xfrm>
+          <a:prstGeom prst="line">
+            <a:avLst/>
+          </a:prstGeom>
+          <a:ln w="12700">
+            <a:solidFill>
+              <a:schemeClr val="accent6">
+                <a:lumMod val="50000"/>
+              </a:schemeClr>
+            </a:solidFill>
+          </a:ln>
+        </p:spPr>
+        <p:style>
+          <a:lnRef idx="1">
+            <a:schemeClr val="accent1"/>
+          </a:lnRef>
+          <a:fillRef idx="0">
+            <a:schemeClr val="accent1"/>
+          </a:fillRef>
+          <a:effectRef idx="0">
+            <a:schemeClr val="accent1"/>
+          </a:effectRef>
+          <a:fontRef idx="minor">
+            <a:schemeClr val="tx1"/>
+          </a:fontRef>
+        </p:style>
+      </p:cxnSp>
+      <p:cxnSp>
+        <p:nvCxnSpPr>
+          <p:cNvPr id="270" name="Connecteur droit 269">
+            <a:extLst>
+              <a:ext uri="{FF2B5EF4-FFF2-40B4-BE49-F238E27FC236}">
+                <a16:creationId xmlns:a16="http://schemas.microsoft.com/office/drawing/2014/main" id="{8359CFDE-3FC7-5B45-D487-3CC247304A08}"/>
+              </a:ext>
+            </a:extLst>
+          </p:cNvPr>
+          <p:cNvCxnSpPr>
+            <a:cxnSpLocks/>
+            <a:stCxn id="237" idx="7"/>
+            <a:endCxn id="241" idx="3"/>
+          </p:cNvCxnSpPr>
+          <p:nvPr/>
+        </p:nvCxnSpPr>
+        <p:spPr>
+          <a:xfrm flipV="1">
+            <a:off x="4608041" y="3258880"/>
+            <a:ext cx="199424" cy="191403"/>
+          </a:xfrm>
+          <a:prstGeom prst="line">
+            <a:avLst/>
+          </a:prstGeom>
+          <a:ln w="12700">
+            <a:solidFill>
+              <a:schemeClr val="accent6">
+                <a:lumMod val="50000"/>
+              </a:schemeClr>
+            </a:solidFill>
+          </a:ln>
+        </p:spPr>
+        <p:style>
+          <a:lnRef idx="1">
+            <a:schemeClr val="accent1"/>
+          </a:lnRef>
+          <a:fillRef idx="0">
+            <a:schemeClr val="accent1"/>
+          </a:fillRef>
+          <a:effectRef idx="0">
+            <a:schemeClr val="accent1"/>
+          </a:effectRef>
+          <a:fontRef idx="minor">
+            <a:schemeClr val="tx1"/>
+          </a:fontRef>
+        </p:style>
+      </p:cxnSp>
+      <p:cxnSp>
+        <p:nvCxnSpPr>
+          <p:cNvPr id="271" name="Connecteur droit 270">
+            <a:extLst>
+              <a:ext uri="{FF2B5EF4-FFF2-40B4-BE49-F238E27FC236}">
+                <a16:creationId xmlns:a16="http://schemas.microsoft.com/office/drawing/2014/main" id="{9C865959-184A-736E-44E9-B2B7632BD46B}"/>
+              </a:ext>
+            </a:extLst>
+          </p:cNvPr>
+          <p:cNvCxnSpPr>
+            <a:cxnSpLocks/>
+            <a:stCxn id="232" idx="6"/>
+            <a:endCxn id="237" idx="2"/>
+          </p:cNvCxnSpPr>
+          <p:nvPr/>
+        </p:nvCxnSpPr>
+        <p:spPr>
+          <a:xfrm>
+            <a:off x="4022090" y="3507044"/>
+            <a:ext cx="448919" cy="0"/>
+          </a:xfrm>
+          <a:prstGeom prst="line">
+            <a:avLst/>
+          </a:prstGeom>
+          <a:ln w="12700">
+            <a:solidFill>
+              <a:schemeClr val="accent6">
+                <a:lumMod val="50000"/>
+              </a:schemeClr>
+            </a:solidFill>
+          </a:ln>
+        </p:spPr>
+        <p:style>
+          <a:lnRef idx="1">
+            <a:schemeClr val="accent1"/>
+          </a:lnRef>
+          <a:fillRef idx="0">
+            <a:schemeClr val="accent1"/>
+          </a:fillRef>
+          <a:effectRef idx="0">
+            <a:schemeClr val="accent1"/>
+          </a:effectRef>
+          <a:fontRef idx="minor">
+            <a:schemeClr val="tx1"/>
+          </a:fontRef>
+        </p:style>
+      </p:cxnSp>
+      <p:cxnSp>
+        <p:nvCxnSpPr>
+          <p:cNvPr id="272" name="Connecteur droit 271">
+            <a:extLst>
+              <a:ext uri="{FF2B5EF4-FFF2-40B4-BE49-F238E27FC236}">
+                <a16:creationId xmlns:a16="http://schemas.microsoft.com/office/drawing/2014/main" id="{708405F5-C190-EC1B-12AA-2F5C74D0983A}"/>
+              </a:ext>
+            </a:extLst>
+          </p:cNvPr>
+          <p:cNvCxnSpPr>
+            <a:cxnSpLocks/>
+            <a:stCxn id="226" idx="5"/>
+            <a:endCxn id="232" idx="1"/>
+          </p:cNvCxnSpPr>
+          <p:nvPr/>
+        </p:nvCxnSpPr>
+        <p:spPr>
+          <a:xfrm>
+            <a:off x="3685636" y="3258880"/>
+            <a:ext cx="199422" cy="191403"/>
+          </a:xfrm>
+          <a:prstGeom prst="line">
+            <a:avLst/>
+          </a:prstGeom>
+          <a:ln w="12700">
+            <a:solidFill>
+              <a:schemeClr val="accent6">
+                <a:lumMod val="50000"/>
+              </a:schemeClr>
+            </a:solidFill>
+          </a:ln>
+        </p:spPr>
+        <p:style>
+          <a:lnRef idx="1">
+            <a:schemeClr val="accent1"/>
+          </a:lnRef>
+          <a:fillRef idx="0">
+            <a:schemeClr val="accent1"/>
+          </a:fillRef>
+          <a:effectRef idx="0">
+            <a:schemeClr val="accent1"/>
+          </a:effectRef>
+          <a:fontRef idx="minor">
+            <a:schemeClr val="tx1"/>
+          </a:fontRef>
+        </p:style>
+      </p:cxnSp>
+      <p:cxnSp>
+        <p:nvCxnSpPr>
+          <p:cNvPr id="273" name="Connecteur droit 272">
+            <a:extLst>
+              <a:ext uri="{FF2B5EF4-FFF2-40B4-BE49-F238E27FC236}">
+                <a16:creationId xmlns:a16="http://schemas.microsoft.com/office/drawing/2014/main" id="{B0A826DF-EA73-F483-3CD8-63E87A83EC4D}"/>
+              </a:ext>
+            </a:extLst>
+          </p:cNvPr>
+          <p:cNvCxnSpPr>
+            <a:cxnSpLocks/>
+          </p:cNvCxnSpPr>
+          <p:nvPr/>
+        </p:nvCxnSpPr>
+        <p:spPr>
+          <a:xfrm>
+            <a:off x="3403362" y="3202119"/>
+            <a:ext cx="145240" cy="0"/>
+          </a:xfrm>
+          <a:prstGeom prst="line">
+            <a:avLst/>
+          </a:prstGeom>
+          <a:ln w="12700">
+            <a:solidFill>
+              <a:schemeClr val="accent6">
+                <a:lumMod val="50000"/>
+              </a:schemeClr>
+            </a:solidFill>
+          </a:ln>
+        </p:spPr>
+        <p:style>
+          <a:lnRef idx="1">
+            <a:schemeClr val="accent1"/>
+          </a:lnRef>
+          <a:fillRef idx="0">
+            <a:schemeClr val="accent1"/>
+          </a:fillRef>
+          <a:effectRef idx="0">
+            <a:schemeClr val="accent1"/>
+          </a:effectRef>
+          <a:fontRef idx="minor">
+            <a:schemeClr val="tx1"/>
+          </a:fontRef>
+        </p:style>
+      </p:cxnSp>
+      <p:cxnSp>
+        <p:nvCxnSpPr>
+          <p:cNvPr id="274" name="Connecteur droit 273">
+            <a:extLst>
+              <a:ext uri="{FF2B5EF4-FFF2-40B4-BE49-F238E27FC236}">
+                <a16:creationId xmlns:a16="http://schemas.microsoft.com/office/drawing/2014/main" id="{AB4372A5-7D0E-02C2-BF6D-6A75F6BE1A62}"/>
+              </a:ext>
+            </a:extLst>
+          </p:cNvPr>
+          <p:cNvCxnSpPr>
+            <a:cxnSpLocks/>
+            <a:stCxn id="217" idx="7"/>
+            <a:endCxn id="221" idx="3"/>
+          </p:cNvCxnSpPr>
+          <p:nvPr/>
+        </p:nvCxnSpPr>
+        <p:spPr>
+          <a:xfrm flipV="1">
+            <a:off x="3059747" y="3258880"/>
+            <a:ext cx="199424" cy="191403"/>
+          </a:xfrm>
+          <a:prstGeom prst="line">
+            <a:avLst/>
+          </a:prstGeom>
+          <a:ln w="12700">
+            <a:solidFill>
+              <a:schemeClr val="accent6">
+                <a:lumMod val="50000"/>
+              </a:schemeClr>
+            </a:solidFill>
+          </a:ln>
+        </p:spPr>
+        <p:style>
+          <a:lnRef idx="1">
+            <a:schemeClr val="accent1"/>
+          </a:lnRef>
+          <a:fillRef idx="0">
+            <a:schemeClr val="accent1"/>
+          </a:fillRef>
+          <a:effectRef idx="0">
+            <a:schemeClr val="accent1"/>
+          </a:effectRef>
+          <a:fontRef idx="minor">
+            <a:schemeClr val="tx1"/>
+          </a:fontRef>
+        </p:style>
+      </p:cxnSp>
+      <p:cxnSp>
+        <p:nvCxnSpPr>
+          <p:cNvPr id="275" name="Connecteur droit 274">
+            <a:extLst>
+              <a:ext uri="{FF2B5EF4-FFF2-40B4-BE49-F238E27FC236}">
+                <a16:creationId xmlns:a16="http://schemas.microsoft.com/office/drawing/2014/main" id="{945D88F3-26CE-6FFD-9908-3C7339CB724D}"/>
+              </a:ext>
+            </a:extLst>
+          </p:cNvPr>
+          <p:cNvCxnSpPr>
+            <a:cxnSpLocks/>
+            <a:stCxn id="213" idx="7"/>
+            <a:endCxn id="217" idx="3"/>
+          </p:cNvCxnSpPr>
+          <p:nvPr/>
+        </p:nvCxnSpPr>
+        <p:spPr>
+          <a:xfrm flipV="1">
+            <a:off x="2746803" y="3563804"/>
+            <a:ext cx="199423" cy="191403"/>
+          </a:xfrm>
+          <a:prstGeom prst="line">
+            <a:avLst/>
+          </a:prstGeom>
+          <a:ln w="12700">
+            <a:solidFill>
+              <a:schemeClr val="accent6">
+                <a:lumMod val="50000"/>
+              </a:schemeClr>
+            </a:solidFill>
+          </a:ln>
+        </p:spPr>
+        <p:style>
+          <a:lnRef idx="1">
+            <a:schemeClr val="accent1"/>
+          </a:lnRef>
+          <a:fillRef idx="0">
+            <a:schemeClr val="accent1"/>
+          </a:fillRef>
+          <a:effectRef idx="0">
+            <a:schemeClr val="accent1"/>
+          </a:effectRef>
+          <a:fontRef idx="minor">
+            <a:schemeClr val="tx1"/>
+          </a:fontRef>
+        </p:style>
+      </p:cxnSp>
+      <p:cxnSp>
+        <p:nvCxnSpPr>
+          <p:cNvPr id="276" name="Connecteur droit 275">
+            <a:extLst>
+              <a:ext uri="{FF2B5EF4-FFF2-40B4-BE49-F238E27FC236}">
+                <a16:creationId xmlns:a16="http://schemas.microsoft.com/office/drawing/2014/main" id="{37D85144-BC24-CAB7-28D7-449D73D49C31}"/>
+              </a:ext>
+            </a:extLst>
+          </p:cNvPr>
+          <p:cNvCxnSpPr>
+            <a:cxnSpLocks/>
+            <a:stCxn id="207" idx="6"/>
+            <a:endCxn id="213" idx="2"/>
+          </p:cNvCxnSpPr>
+          <p:nvPr/>
+        </p:nvCxnSpPr>
+        <p:spPr>
+          <a:xfrm>
+            <a:off x="2048335" y="3499708"/>
+            <a:ext cx="561436" cy="312260"/>
+          </a:xfrm>
+          <a:prstGeom prst="line">
+            <a:avLst/>
+          </a:prstGeom>
+          <a:ln w="12700">
+            <a:solidFill>
+              <a:schemeClr val="accent6">
+                <a:lumMod val="50000"/>
+              </a:schemeClr>
+            </a:solidFill>
+          </a:ln>
+        </p:spPr>
+        <p:style>
+          <a:lnRef idx="1">
+            <a:schemeClr val="accent1"/>
+          </a:lnRef>
+          <a:fillRef idx="0">
+            <a:schemeClr val="accent1"/>
+          </a:fillRef>
+          <a:effectRef idx="0">
+            <a:schemeClr val="accent1"/>
+          </a:effectRef>
+          <a:fontRef idx="minor">
+            <a:schemeClr val="tx1"/>
+          </a:fontRef>
+        </p:style>
+      </p:cxnSp>
+      <p:cxnSp>
+        <p:nvCxnSpPr>
+          <p:cNvPr id="277" name="Connecteur droit 276">
+            <a:extLst>
+              <a:ext uri="{FF2B5EF4-FFF2-40B4-BE49-F238E27FC236}">
+                <a16:creationId xmlns:a16="http://schemas.microsoft.com/office/drawing/2014/main" id="{355D8F53-C0CC-E09F-CD3E-F72A093E4451}"/>
+              </a:ext>
+            </a:extLst>
+          </p:cNvPr>
+          <p:cNvCxnSpPr>
+            <a:cxnSpLocks/>
+            <a:stCxn id="202" idx="6"/>
+            <a:endCxn id="207" idx="2"/>
+          </p:cNvCxnSpPr>
+          <p:nvPr/>
+        </p:nvCxnSpPr>
+        <p:spPr>
+          <a:xfrm>
+            <a:off x="1735391" y="3499708"/>
+            <a:ext cx="152401" cy="0"/>
+          </a:xfrm>
+          <a:prstGeom prst="line">
+            <a:avLst/>
+          </a:prstGeom>
+          <a:ln w="12700">
+            <a:solidFill>
+              <a:schemeClr val="accent6">
+                <a:lumMod val="50000"/>
+              </a:schemeClr>
+            </a:solidFill>
+          </a:ln>
+        </p:spPr>
+        <p:style>
+          <a:lnRef idx="1">
+            <a:schemeClr val="accent1"/>
+          </a:lnRef>
+          <a:fillRef idx="0">
+            <a:schemeClr val="accent1"/>
+          </a:fillRef>
+          <a:effectRef idx="0">
+            <a:schemeClr val="accent1"/>
+          </a:effectRef>
+          <a:fontRef idx="minor">
+            <a:schemeClr val="tx1"/>
+          </a:fontRef>
+        </p:style>
+      </p:cxnSp>
+      <p:cxnSp>
+        <p:nvCxnSpPr>
+          <p:cNvPr id="278" name="Connecteur droit 277">
+            <a:extLst>
+              <a:ext uri="{FF2B5EF4-FFF2-40B4-BE49-F238E27FC236}">
+                <a16:creationId xmlns:a16="http://schemas.microsoft.com/office/drawing/2014/main" id="{149AB264-D958-0DAF-4CB7-5F9FF6077BDA}"/>
+              </a:ext>
+            </a:extLst>
+          </p:cNvPr>
+          <p:cNvCxnSpPr>
+            <a:cxnSpLocks/>
+            <a:stCxn id="196" idx="5"/>
+            <a:endCxn id="202" idx="1"/>
+          </p:cNvCxnSpPr>
+          <p:nvPr/>
+        </p:nvCxnSpPr>
+        <p:spPr>
+          <a:xfrm>
+            <a:off x="1398937" y="3251544"/>
+            <a:ext cx="199422" cy="191403"/>
+          </a:xfrm>
+          <a:prstGeom prst="line">
+            <a:avLst/>
+          </a:prstGeom>
+          <a:ln w="12700">
+            <a:solidFill>
+              <a:schemeClr val="accent6">
+                <a:lumMod val="50000"/>
+              </a:schemeClr>
+            </a:solidFill>
+          </a:ln>
+        </p:spPr>
+        <p:style>
+          <a:lnRef idx="1">
+            <a:schemeClr val="accent1"/>
+          </a:lnRef>
+          <a:fillRef idx="0">
+            <a:schemeClr val="accent1"/>
+          </a:fillRef>
+          <a:effectRef idx="0">
+            <a:schemeClr val="accent1"/>
+          </a:effectRef>
+          <a:fontRef idx="minor">
+            <a:schemeClr val="tx1"/>
+          </a:fontRef>
+        </p:style>
+      </p:cxnSp>
+      <p:cxnSp>
+        <p:nvCxnSpPr>
+          <p:cNvPr id="279" name="Connecteur droit 278">
+            <a:extLst>
+              <a:ext uri="{FF2B5EF4-FFF2-40B4-BE49-F238E27FC236}">
+                <a16:creationId xmlns:a16="http://schemas.microsoft.com/office/drawing/2014/main" id="{D8AB223B-49EC-C01C-6044-9B1DFA646A43}"/>
+              </a:ext>
+            </a:extLst>
+          </p:cNvPr>
+          <p:cNvCxnSpPr>
+            <a:cxnSpLocks/>
+            <a:stCxn id="192" idx="7"/>
+            <a:endCxn id="196" idx="3"/>
+          </p:cNvCxnSpPr>
+          <p:nvPr/>
+        </p:nvCxnSpPr>
+        <p:spPr>
+          <a:xfrm flipV="1">
+            <a:off x="1085992" y="3251544"/>
+            <a:ext cx="199424" cy="191403"/>
+          </a:xfrm>
+          <a:prstGeom prst="line">
+            <a:avLst/>
+          </a:prstGeom>
+          <a:ln w="12700">
+            <a:solidFill>
+              <a:schemeClr val="accent6">
+                <a:lumMod val="50000"/>
+              </a:schemeClr>
+            </a:solidFill>
+          </a:ln>
+        </p:spPr>
+        <p:style>
+          <a:lnRef idx="1">
+            <a:schemeClr val="accent1"/>
+          </a:lnRef>
+          <a:fillRef idx="0">
+            <a:schemeClr val="accent1"/>
+          </a:fillRef>
+          <a:effectRef idx="0">
+            <a:schemeClr val="accent1"/>
+          </a:effectRef>
+          <a:fontRef idx="minor">
+            <a:schemeClr val="tx1"/>
+          </a:fontRef>
+        </p:style>
+      </p:cxnSp>
+      <p:cxnSp>
+        <p:nvCxnSpPr>
+          <p:cNvPr id="280" name="Connecteur droit 279">
+            <a:extLst>
+              <a:ext uri="{FF2B5EF4-FFF2-40B4-BE49-F238E27FC236}">
+                <a16:creationId xmlns:a16="http://schemas.microsoft.com/office/drawing/2014/main" id="{2F79D6B9-22BE-AF4A-695A-70EF0B5581D3}"/>
+              </a:ext>
+            </a:extLst>
+          </p:cNvPr>
+          <p:cNvCxnSpPr>
+            <a:cxnSpLocks/>
+            <a:stCxn id="188" idx="7"/>
+            <a:endCxn id="192" idx="3"/>
+          </p:cNvCxnSpPr>
+          <p:nvPr/>
+        </p:nvCxnSpPr>
+        <p:spPr>
+          <a:xfrm flipV="1">
+            <a:off x="773048" y="3556468"/>
+            <a:ext cx="199423" cy="191403"/>
+          </a:xfrm>
+          <a:prstGeom prst="line">
+            <a:avLst/>
+          </a:prstGeom>
+          <a:ln w="12700">
+            <a:solidFill>
+              <a:schemeClr val="accent6">
+                <a:lumMod val="50000"/>
+              </a:schemeClr>
+            </a:solidFill>
+          </a:ln>
+        </p:spPr>
+        <p:style>
+          <a:lnRef idx="1">
+            <a:schemeClr val="accent1"/>
+          </a:lnRef>
+          <a:fillRef idx="0">
+            <a:schemeClr val="accent1"/>
+          </a:fillRef>
+          <a:effectRef idx="0">
+            <a:schemeClr val="accent1"/>
+          </a:effectRef>
+          <a:fontRef idx="minor">
+            <a:schemeClr val="tx1"/>
+          </a:fontRef>
+        </p:style>
+      </p:cxnSp>
+      <p:sp>
+        <p:nvSpPr>
+          <p:cNvPr id="281" name="ZoneTexte 280">
+            <a:extLst>
+              <a:ext uri="{FF2B5EF4-FFF2-40B4-BE49-F238E27FC236}">
+                <a16:creationId xmlns:a16="http://schemas.microsoft.com/office/drawing/2014/main" id="{882F7A05-A277-DC99-637A-F3379DC56804}"/>
+              </a:ext>
+            </a:extLst>
+          </p:cNvPr>
+          <p:cNvSpPr txBox="1"/>
+          <p:nvPr/>
+        </p:nvSpPr>
+        <p:spPr>
+          <a:xfrm>
+            <a:off x="829259" y="4128981"/>
+            <a:ext cx="1460519" cy="646331"/>
+          </a:xfrm>
+          <a:prstGeom prst="rect">
+            <a:avLst/>
+          </a:prstGeom>
+          <a:noFill/>
+        </p:spPr>
+        <p:txBody>
+          <a:bodyPr wrap="square" rtlCol="0">
+            <a:spAutoFit/>
+          </a:bodyPr>
+          <a:lstStyle/>
+          <a:p>
+            <a:r>
+              <a:rPr lang="fr-FR" sz="1200">
+                <a:latin typeface="Avenir Book" panose="02000503020000020003" pitchFamily="2" charset="0"/>
+              </a:rPr>
+              <a:t>Information kept</a:t>
+            </a:r>
+          </a:p>
+          <a:p>
+            <a:r>
+              <a:rPr lang="fr-FR" sz="1200">
+                <a:latin typeface="Avenir Book" panose="02000503020000020003" pitchFamily="2" charset="0"/>
+              </a:rPr>
+              <a:t>in live memory</a:t>
+            </a:r>
+          </a:p>
+          <a:p>
+            <a:r>
+              <a:rPr lang="fr-FR" sz="1200">
+                <a:latin typeface="Avenir Book" panose="02000503020000020003" pitchFamily="2" charset="0"/>
+              </a:rPr>
+              <a:t>(no backup)</a:t>
+            </a:r>
+          </a:p>
+        </p:txBody>
+      </p:sp>
+      <p:pic>
+        <p:nvPicPr>
+          <p:cNvPr id="284" name="Image 283">
+            <a:extLst>
+              <a:ext uri="{FF2B5EF4-FFF2-40B4-BE49-F238E27FC236}">
+                <a16:creationId xmlns:a16="http://schemas.microsoft.com/office/drawing/2014/main" id="{9E45AA23-565E-2833-5ED0-548BC7984978}"/>
+              </a:ext>
+            </a:extLst>
+          </p:cNvPr>
+          <p:cNvPicPr>
+            <a:picLocks noChangeAspect="1"/>
+          </p:cNvPicPr>
+          <p:nvPr/>
+        </p:nvPicPr>
+        <p:blipFill>
+          <a:blip r:embed="rId4"/>
+          <a:stretch>
+            <a:fillRect/>
+          </a:stretch>
+        </p:blipFill>
+        <p:spPr>
+          <a:xfrm>
+            <a:off x="580088" y="4339963"/>
             <a:ext cx="283259" cy="231364"/>
           </a:xfrm>
           <a:prstGeom prst="rect">
@@ -21078,8 +21511,8 @@
         </p:nvSpPr>
         <p:spPr>
           <a:xfrm>
-            <a:off x="6070816" y="3975410"/>
-            <a:ext cx="1468502" cy="738664"/>
+            <a:off x="6167281" y="3846885"/>
+            <a:ext cx="1468502" cy="954107"/>
           </a:xfrm>
           <a:prstGeom prst="rect">
             <a:avLst/>
@@ -21096,15 +21529,7 @@
               <a:rPr lang="fr-FR" sz="1400">
                 <a:latin typeface="Avenir Book" panose="02000503020000020003" pitchFamily="2" charset="0"/>
               </a:rPr>
-              <a:t>Lineage data</a:t>
-            </a:r>
-          </a:p>
-          <a:p>
-            <a:r>
-              <a:rPr lang="fr-FR" sz="1400">
-                <a:latin typeface="Avenir Book" panose="02000503020000020003" pitchFamily="2" charset="0"/>
-              </a:rPr>
-              <a:t>available at any time</a:t>
+              <a:t>Lineage and phylogenetic data available at any time</a:t>
             </a:r>
           </a:p>
         </p:txBody>
@@ -21127,7 +21552,7 @@
         </p:nvCxnSpPr>
         <p:spPr>
           <a:xfrm>
-            <a:off x="5257441" y="3705092"/>
+            <a:off x="5257441" y="2897196"/>
             <a:ext cx="152401" cy="0"/>
           </a:xfrm>
           <a:prstGeom prst="line">
@@ -21174,7 +21599,7 @@
         </p:nvCxnSpPr>
         <p:spPr>
           <a:xfrm>
-            <a:off x="4944496" y="4314940"/>
+            <a:off x="4944496" y="3507044"/>
             <a:ext cx="152401" cy="0"/>
           </a:xfrm>
           <a:prstGeom prst="line">
@@ -21221,7 +21646,7 @@
         </p:nvCxnSpPr>
         <p:spPr>
           <a:xfrm>
-            <a:off x="4920985" y="4371700"/>
+            <a:off x="4920985" y="3563804"/>
             <a:ext cx="199423" cy="191403"/>
           </a:xfrm>
           <a:prstGeom prst="line">
@@ -21268,7 +21693,7 @@
         </p:nvCxnSpPr>
         <p:spPr>
           <a:xfrm>
-            <a:off x="4920985" y="4676624"/>
+            <a:off x="4920985" y="3868728"/>
             <a:ext cx="199423" cy="191403"/>
           </a:xfrm>
           <a:prstGeom prst="line">
@@ -21315,7 +21740,7 @@
         </p:nvCxnSpPr>
         <p:spPr>
           <a:xfrm>
-            <a:off x="5257440" y="4924788"/>
+            <a:off x="5257440" y="4116892"/>
             <a:ext cx="152401" cy="0"/>
           </a:xfrm>
           <a:prstGeom prst="line">
@@ -21362,7 +21787,7 @@
         </p:nvCxnSpPr>
         <p:spPr>
           <a:xfrm>
-            <a:off x="4631552" y="4314940"/>
+            <a:off x="4631552" y="3507044"/>
             <a:ext cx="152401" cy="0"/>
           </a:xfrm>
           <a:prstGeom prst="line">
@@ -21409,7 +21834,7 @@
         </p:nvCxnSpPr>
         <p:spPr>
           <a:xfrm>
-            <a:off x="4608041" y="4371700"/>
+            <a:off x="4608041" y="3563804"/>
             <a:ext cx="199423" cy="191403"/>
           </a:xfrm>
           <a:prstGeom prst="line">
@@ -21452,7 +21877,7 @@
         </p:nvSpPr>
         <p:spPr>
           <a:xfrm>
-            <a:off x="4471009" y="4234668"/>
+            <a:off x="4471009" y="3426772"/>
             <a:ext cx="160543" cy="160543"/>
           </a:xfrm>
           <a:prstGeom prst="ellipse">
@@ -21508,7 +21933,7 @@
         </p:nvSpPr>
         <p:spPr>
           <a:xfrm>
-            <a:off x="5096898" y="3624820"/>
+            <a:off x="5096898" y="2816924"/>
             <a:ext cx="160543" cy="160543"/>
           </a:xfrm>
           <a:prstGeom prst="ellipse">
@@ -21564,7 +21989,7 @@
         </p:nvSpPr>
         <p:spPr>
           <a:xfrm>
-            <a:off x="3300048" y="4676897"/>
+            <a:off x="3300048" y="3869001"/>
             <a:ext cx="1274450" cy="429593"/>
           </a:xfrm>
           <a:prstGeom prst="wedgeRectCallout">
@@ -21634,14 +22059,14 @@
           <p:nvPr/>
         </p:nvPicPr>
         <p:blipFill>
-          <a:blip r:embed="rId4"/>
+          <a:blip r:embed="rId5"/>
           <a:stretch>
             <a:fillRect/>
           </a:stretch>
         </p:blipFill>
         <p:spPr>
           <a:xfrm>
-            <a:off x="10483648" y="5033491"/>
+            <a:off x="10483648" y="5693613"/>
             <a:ext cx="839013" cy="575700"/>
           </a:xfrm>
           <a:prstGeom prst="rect">
@@ -21666,7 +22091,7 @@
         </p:nvCxnSpPr>
         <p:spPr>
           <a:xfrm flipH="1">
-            <a:off x="9608221" y="1976394"/>
+            <a:off x="9675954" y="2074424"/>
             <a:ext cx="1129" cy="2700230"/>
           </a:xfrm>
           <a:prstGeom prst="line">
@@ -21711,7 +22136,7 @@
         </p:nvCxnSpPr>
         <p:spPr>
           <a:xfrm>
-            <a:off x="7964129" y="3406606"/>
+            <a:off x="8031862" y="3504636"/>
             <a:ext cx="3291710" cy="0"/>
           </a:xfrm>
           <a:prstGeom prst="line">
@@ -21754,7 +22179,7 @@
         </p:nvSpPr>
         <p:spPr>
           <a:xfrm>
-            <a:off x="7903441" y="1822505"/>
+            <a:off x="7971174" y="1920535"/>
             <a:ext cx="1707177" cy="307777"/>
           </a:xfrm>
           <a:prstGeom prst="rect">
@@ -21801,7 +22226,7 @@
         </p:nvSpPr>
         <p:spPr>
           <a:xfrm>
-            <a:off x="9609350" y="1822505"/>
+            <a:off x="9677083" y="1920535"/>
             <a:ext cx="1713311" cy="307777"/>
           </a:xfrm>
           <a:prstGeom prst="rect">
@@ -21848,7 +22273,7 @@
         </p:nvSpPr>
         <p:spPr>
           <a:xfrm>
-            <a:off x="8078471" y="2451088"/>
+            <a:off x="8146204" y="2549118"/>
             <a:ext cx="1531455" cy="600164"/>
           </a:xfrm>
           <a:prstGeom prst="rect">
@@ -21893,7 +22318,7 @@
         </p:nvSpPr>
         <p:spPr>
           <a:xfrm>
-            <a:off x="9614178" y="2140561"/>
+            <a:off x="9681911" y="2238591"/>
             <a:ext cx="1528792" cy="1277273"/>
           </a:xfrm>
           <a:prstGeom prst="rect">
@@ -21938,7 +22363,7 @@
         </p:nvSpPr>
         <p:spPr>
           <a:xfrm>
-            <a:off x="8078471" y="3565042"/>
+            <a:off x="8146204" y="3663072"/>
             <a:ext cx="1528787" cy="938719"/>
           </a:xfrm>
           <a:prstGeom prst="rect">
@@ -21983,7 +22408,7 @@
         </p:nvSpPr>
         <p:spPr>
           <a:xfrm>
-            <a:off x="9614177" y="3421094"/>
+            <a:off x="9681910" y="3519124"/>
             <a:ext cx="1713318" cy="1277273"/>
           </a:xfrm>
           <a:prstGeom prst="rect">
@@ -22028,7 +22453,7 @@
         </p:nvSpPr>
         <p:spPr>
           <a:xfrm>
-            <a:off x="7903441" y="1778261"/>
+            <a:off x="7971174" y="1876291"/>
             <a:ext cx="3424054" cy="3045522"/>
           </a:xfrm>
           <a:prstGeom prst="rect">
@@ -22064,6 +22489,1057 @@
           <a:p>
             <a:pPr algn="ctr"/>
             <a:endParaRPr lang="fr-FR"/>
+          </a:p>
+        </p:txBody>
+      </p:sp>
+      <p:sp>
+        <p:nvSpPr>
+          <p:cNvPr id="191" name="Ellipse 190">
+            <a:extLst>
+              <a:ext uri="{FF2B5EF4-FFF2-40B4-BE49-F238E27FC236}">
+                <a16:creationId xmlns:a16="http://schemas.microsoft.com/office/drawing/2014/main" id="{5483E6D9-F30B-B49F-67D0-838EF3A14C50}"/>
+              </a:ext>
+            </a:extLst>
+          </p:cNvPr>
+          <p:cNvSpPr/>
+          <p:nvPr/>
+        </p:nvSpPr>
+        <p:spPr>
+          <a:xfrm>
+            <a:off x="636016" y="5062266"/>
+            <a:ext cx="160543" cy="160543"/>
+          </a:xfrm>
+          <a:prstGeom prst="ellipse">
+            <a:avLst/>
+          </a:prstGeom>
+          <a:solidFill>
+            <a:srgbClr val="3D7E4F"/>
+          </a:solidFill>
+          <a:ln>
+            <a:solidFill>
+              <a:schemeClr val="accent6">
+                <a:lumMod val="50000"/>
+              </a:schemeClr>
+            </a:solidFill>
+          </a:ln>
+        </p:spPr>
+        <p:style>
+          <a:lnRef idx="2">
+            <a:schemeClr val="accent1">
+              <a:shade val="50000"/>
+            </a:schemeClr>
+          </a:lnRef>
+          <a:fillRef idx="1">
+            <a:schemeClr val="accent1"/>
+          </a:fillRef>
+          <a:effectRef idx="0">
+            <a:schemeClr val="accent1"/>
+          </a:effectRef>
+          <a:fontRef idx="minor">
+            <a:schemeClr val="lt1"/>
+          </a:fontRef>
+        </p:style>
+        <p:txBody>
+          <a:bodyPr rtlCol="0" anchor="ctr"/>
+          <a:lstStyle/>
+          <a:p>
+            <a:pPr algn="ctr"/>
+            <a:endParaRPr lang="fr-FR"/>
+          </a:p>
+        </p:txBody>
+      </p:sp>
+      <p:sp>
+        <p:nvSpPr>
+          <p:cNvPr id="204" name="Ellipse 203">
+            <a:extLst>
+              <a:ext uri="{FF2B5EF4-FFF2-40B4-BE49-F238E27FC236}">
+                <a16:creationId xmlns:a16="http://schemas.microsoft.com/office/drawing/2014/main" id="{5448BDEC-BC37-4338-1828-EF8F60CF3EC1}"/>
+              </a:ext>
+            </a:extLst>
+          </p:cNvPr>
+          <p:cNvSpPr/>
+          <p:nvPr/>
+        </p:nvSpPr>
+        <p:spPr>
+          <a:xfrm>
+            <a:off x="4783953" y="5067742"/>
+            <a:ext cx="160543" cy="160543"/>
+          </a:xfrm>
+          <a:prstGeom prst="ellipse">
+            <a:avLst/>
+          </a:prstGeom>
+          <a:solidFill>
+            <a:srgbClr val="3D7E4F"/>
+          </a:solidFill>
+          <a:ln>
+            <a:solidFill>
+              <a:schemeClr val="accent6">
+                <a:lumMod val="50000"/>
+              </a:schemeClr>
+            </a:solidFill>
+          </a:ln>
+        </p:spPr>
+        <p:style>
+          <a:lnRef idx="2">
+            <a:schemeClr val="accent1">
+              <a:shade val="50000"/>
+            </a:schemeClr>
+          </a:lnRef>
+          <a:fillRef idx="1">
+            <a:schemeClr val="accent1"/>
+          </a:fillRef>
+          <a:effectRef idx="0">
+            <a:schemeClr val="accent1"/>
+          </a:effectRef>
+          <a:fontRef idx="minor">
+            <a:schemeClr val="lt1"/>
+          </a:fontRef>
+        </p:style>
+        <p:txBody>
+          <a:bodyPr rtlCol="0" anchor="ctr"/>
+          <a:lstStyle/>
+          <a:p>
+            <a:pPr algn="ctr"/>
+            <a:endParaRPr lang="fr-FR"/>
+          </a:p>
+        </p:txBody>
+      </p:sp>
+      <p:sp>
+        <p:nvSpPr>
+          <p:cNvPr id="208" name="Ellipse 207">
+            <a:extLst>
+              <a:ext uri="{FF2B5EF4-FFF2-40B4-BE49-F238E27FC236}">
+                <a16:creationId xmlns:a16="http://schemas.microsoft.com/office/drawing/2014/main" id="{2D4AFBF9-4532-EE0F-5ECE-B218A6FF7DC1}"/>
+              </a:ext>
+            </a:extLst>
+          </p:cNvPr>
+          <p:cNvSpPr/>
+          <p:nvPr/>
+        </p:nvSpPr>
+        <p:spPr>
+          <a:xfrm>
+            <a:off x="5097428" y="5285299"/>
+            <a:ext cx="160543" cy="160543"/>
+          </a:xfrm>
+          <a:prstGeom prst="ellipse">
+            <a:avLst/>
+          </a:prstGeom>
+          <a:solidFill>
+            <a:srgbClr val="3D7E4F"/>
+          </a:solidFill>
+          <a:ln>
+            <a:solidFill>
+              <a:schemeClr val="accent6">
+                <a:lumMod val="50000"/>
+              </a:schemeClr>
+            </a:solidFill>
+          </a:ln>
+        </p:spPr>
+        <p:style>
+          <a:lnRef idx="2">
+            <a:schemeClr val="accent1">
+              <a:shade val="50000"/>
+            </a:schemeClr>
+          </a:lnRef>
+          <a:fillRef idx="1">
+            <a:schemeClr val="accent1"/>
+          </a:fillRef>
+          <a:effectRef idx="0">
+            <a:schemeClr val="accent1"/>
+          </a:effectRef>
+          <a:fontRef idx="minor">
+            <a:schemeClr val="lt1"/>
+          </a:fontRef>
+        </p:style>
+        <p:txBody>
+          <a:bodyPr rtlCol="0" anchor="ctr"/>
+          <a:lstStyle/>
+          <a:p>
+            <a:pPr algn="ctr"/>
+            <a:endParaRPr lang="fr-FR"/>
+          </a:p>
+        </p:txBody>
+      </p:sp>
+      <p:sp>
+        <p:nvSpPr>
+          <p:cNvPr id="214" name="Ellipse 213">
+            <a:extLst>
+              <a:ext uri="{FF2B5EF4-FFF2-40B4-BE49-F238E27FC236}">
+                <a16:creationId xmlns:a16="http://schemas.microsoft.com/office/drawing/2014/main" id="{6BBDDDFB-B1EC-1A66-E8AE-A7D71EEE9AA1}"/>
+              </a:ext>
+            </a:extLst>
+          </p:cNvPr>
+          <p:cNvSpPr/>
+          <p:nvPr/>
+        </p:nvSpPr>
+        <p:spPr>
+          <a:xfrm>
+            <a:off x="5407480" y="4610696"/>
+            <a:ext cx="160543" cy="160543"/>
+          </a:xfrm>
+          <a:prstGeom prst="ellipse">
+            <a:avLst/>
+          </a:prstGeom>
+          <a:solidFill>
+            <a:srgbClr val="3D7E4F"/>
+          </a:solidFill>
+          <a:ln>
+            <a:solidFill>
+              <a:schemeClr val="accent6">
+                <a:lumMod val="50000"/>
+              </a:schemeClr>
+            </a:solidFill>
+          </a:ln>
+        </p:spPr>
+        <p:style>
+          <a:lnRef idx="2">
+            <a:schemeClr val="accent1">
+              <a:shade val="50000"/>
+            </a:schemeClr>
+          </a:lnRef>
+          <a:fillRef idx="1">
+            <a:schemeClr val="accent1"/>
+          </a:fillRef>
+          <a:effectRef idx="0">
+            <a:schemeClr val="accent1"/>
+          </a:effectRef>
+          <a:fontRef idx="minor">
+            <a:schemeClr val="lt1"/>
+          </a:fontRef>
+        </p:style>
+        <p:txBody>
+          <a:bodyPr rtlCol="0" anchor="ctr"/>
+          <a:lstStyle/>
+          <a:p>
+            <a:pPr algn="ctr"/>
+            <a:endParaRPr lang="fr-FR"/>
+          </a:p>
+        </p:txBody>
+      </p:sp>
+      <p:sp>
+        <p:nvSpPr>
+          <p:cNvPr id="216" name="Ellipse 215">
+            <a:extLst>
+              <a:ext uri="{FF2B5EF4-FFF2-40B4-BE49-F238E27FC236}">
+                <a16:creationId xmlns:a16="http://schemas.microsoft.com/office/drawing/2014/main" id="{081CD96B-D613-0F47-4A6A-DB564A4EA207}"/>
+              </a:ext>
+            </a:extLst>
+          </p:cNvPr>
+          <p:cNvSpPr/>
+          <p:nvPr/>
+        </p:nvSpPr>
+        <p:spPr>
+          <a:xfrm>
+            <a:off x="5410371" y="5513689"/>
+            <a:ext cx="160543" cy="160543"/>
+          </a:xfrm>
+          <a:prstGeom prst="ellipse">
+            <a:avLst/>
+          </a:prstGeom>
+          <a:solidFill>
+            <a:srgbClr val="3D7E4F"/>
+          </a:solidFill>
+          <a:ln>
+            <a:solidFill>
+              <a:schemeClr val="accent6">
+                <a:lumMod val="50000"/>
+              </a:schemeClr>
+            </a:solidFill>
+          </a:ln>
+        </p:spPr>
+        <p:style>
+          <a:lnRef idx="2">
+            <a:schemeClr val="accent1">
+              <a:shade val="50000"/>
+            </a:schemeClr>
+          </a:lnRef>
+          <a:fillRef idx="1">
+            <a:schemeClr val="accent1"/>
+          </a:fillRef>
+          <a:effectRef idx="0">
+            <a:schemeClr val="accent1"/>
+          </a:effectRef>
+          <a:fontRef idx="minor">
+            <a:schemeClr val="lt1"/>
+          </a:fontRef>
+        </p:style>
+        <p:txBody>
+          <a:bodyPr rtlCol="0" anchor="ctr"/>
+          <a:lstStyle/>
+          <a:p>
+            <a:pPr algn="ctr"/>
+            <a:endParaRPr lang="fr-FR"/>
+          </a:p>
+        </p:txBody>
+      </p:sp>
+      <p:sp>
+        <p:nvSpPr>
+          <p:cNvPr id="219" name="Ellipse 218">
+            <a:extLst>
+              <a:ext uri="{FF2B5EF4-FFF2-40B4-BE49-F238E27FC236}">
+                <a16:creationId xmlns:a16="http://schemas.microsoft.com/office/drawing/2014/main" id="{31B05A79-313D-AB76-10E4-D9DD8C692072}"/>
+              </a:ext>
+            </a:extLst>
+          </p:cNvPr>
+          <p:cNvSpPr/>
+          <p:nvPr/>
+        </p:nvSpPr>
+        <p:spPr>
+          <a:xfrm>
+            <a:off x="5723316" y="4452322"/>
+            <a:ext cx="160543" cy="160543"/>
+          </a:xfrm>
+          <a:prstGeom prst="ellipse">
+            <a:avLst/>
+          </a:prstGeom>
+          <a:solidFill>
+            <a:srgbClr val="3D7E4F"/>
+          </a:solidFill>
+          <a:ln>
+            <a:solidFill>
+              <a:schemeClr val="accent6">
+                <a:lumMod val="50000"/>
+              </a:schemeClr>
+            </a:solidFill>
+          </a:ln>
+        </p:spPr>
+        <p:style>
+          <a:lnRef idx="2">
+            <a:schemeClr val="accent1">
+              <a:shade val="50000"/>
+            </a:schemeClr>
+          </a:lnRef>
+          <a:fillRef idx="1">
+            <a:schemeClr val="accent1"/>
+          </a:fillRef>
+          <a:effectRef idx="0">
+            <a:schemeClr val="accent1"/>
+          </a:effectRef>
+          <a:fontRef idx="minor">
+            <a:schemeClr val="lt1"/>
+          </a:fontRef>
+        </p:style>
+        <p:txBody>
+          <a:bodyPr rtlCol="0" anchor="ctr"/>
+          <a:lstStyle/>
+          <a:p>
+            <a:pPr algn="ctr"/>
+            <a:endParaRPr lang="fr-FR"/>
+          </a:p>
+        </p:txBody>
+      </p:sp>
+      <p:sp>
+        <p:nvSpPr>
+          <p:cNvPr id="220" name="Ellipse 219">
+            <a:extLst>
+              <a:ext uri="{FF2B5EF4-FFF2-40B4-BE49-F238E27FC236}">
+                <a16:creationId xmlns:a16="http://schemas.microsoft.com/office/drawing/2014/main" id="{A7E3C457-EB11-DBB0-EE84-36399FEEBE38}"/>
+              </a:ext>
+            </a:extLst>
+          </p:cNvPr>
+          <p:cNvSpPr/>
+          <p:nvPr/>
+        </p:nvSpPr>
+        <p:spPr>
+          <a:xfrm>
+            <a:off x="5723316" y="4757246"/>
+            <a:ext cx="160543" cy="160543"/>
+          </a:xfrm>
+          <a:prstGeom prst="ellipse">
+            <a:avLst/>
+          </a:prstGeom>
+          <a:solidFill>
+            <a:srgbClr val="3D7E4F"/>
+          </a:solidFill>
+          <a:ln>
+            <a:solidFill>
+              <a:schemeClr val="accent6">
+                <a:lumMod val="50000"/>
+              </a:schemeClr>
+            </a:solidFill>
+          </a:ln>
+        </p:spPr>
+        <p:style>
+          <a:lnRef idx="2">
+            <a:schemeClr val="accent1">
+              <a:shade val="50000"/>
+            </a:schemeClr>
+          </a:lnRef>
+          <a:fillRef idx="1">
+            <a:schemeClr val="accent1"/>
+          </a:fillRef>
+          <a:effectRef idx="0">
+            <a:schemeClr val="accent1"/>
+          </a:effectRef>
+          <a:fontRef idx="minor">
+            <a:schemeClr val="lt1"/>
+          </a:fontRef>
+        </p:style>
+        <p:txBody>
+          <a:bodyPr rtlCol="0" anchor="ctr"/>
+          <a:lstStyle/>
+          <a:p>
+            <a:pPr algn="ctr"/>
+            <a:endParaRPr lang="fr-FR"/>
+          </a:p>
+        </p:txBody>
+      </p:sp>
+      <p:sp>
+        <p:nvSpPr>
+          <p:cNvPr id="222" name="Ellipse 221">
+            <a:extLst>
+              <a:ext uri="{FF2B5EF4-FFF2-40B4-BE49-F238E27FC236}">
+                <a16:creationId xmlns:a16="http://schemas.microsoft.com/office/drawing/2014/main" id="{EA4780A2-F439-3A99-F120-23E91DCB4D6B}"/>
+              </a:ext>
+            </a:extLst>
+          </p:cNvPr>
+          <p:cNvSpPr/>
+          <p:nvPr/>
+        </p:nvSpPr>
+        <p:spPr>
+          <a:xfrm>
+            <a:off x="5723315" y="5062170"/>
+            <a:ext cx="160543" cy="160543"/>
+          </a:xfrm>
+          <a:prstGeom prst="ellipse">
+            <a:avLst/>
+          </a:prstGeom>
+          <a:solidFill>
+            <a:srgbClr val="3D7E4F"/>
+          </a:solidFill>
+          <a:ln>
+            <a:solidFill>
+              <a:schemeClr val="accent6">
+                <a:lumMod val="50000"/>
+              </a:schemeClr>
+            </a:solidFill>
+          </a:ln>
+        </p:spPr>
+        <p:style>
+          <a:lnRef idx="2">
+            <a:schemeClr val="accent1">
+              <a:shade val="50000"/>
+            </a:schemeClr>
+          </a:lnRef>
+          <a:fillRef idx="1">
+            <a:schemeClr val="accent1"/>
+          </a:fillRef>
+          <a:effectRef idx="0">
+            <a:schemeClr val="accent1"/>
+          </a:effectRef>
+          <a:fontRef idx="minor">
+            <a:schemeClr val="lt1"/>
+          </a:fontRef>
+        </p:style>
+        <p:txBody>
+          <a:bodyPr rtlCol="0" anchor="ctr"/>
+          <a:lstStyle/>
+          <a:p>
+            <a:pPr algn="ctr"/>
+            <a:endParaRPr lang="fr-FR"/>
+          </a:p>
+        </p:txBody>
+      </p:sp>
+      <p:sp>
+        <p:nvSpPr>
+          <p:cNvPr id="223" name="Ellipse 222">
+            <a:extLst>
+              <a:ext uri="{FF2B5EF4-FFF2-40B4-BE49-F238E27FC236}">
+                <a16:creationId xmlns:a16="http://schemas.microsoft.com/office/drawing/2014/main" id="{AB3EFB2C-A13F-B963-DACD-6C736CDCD603}"/>
+              </a:ext>
+            </a:extLst>
+          </p:cNvPr>
+          <p:cNvSpPr/>
+          <p:nvPr/>
+        </p:nvSpPr>
+        <p:spPr>
+          <a:xfrm>
+            <a:off x="5723315" y="5367094"/>
+            <a:ext cx="160543" cy="160543"/>
+          </a:xfrm>
+          <a:prstGeom prst="ellipse">
+            <a:avLst/>
+          </a:prstGeom>
+          <a:solidFill>
+            <a:srgbClr val="3D7E4F"/>
+          </a:solidFill>
+          <a:ln>
+            <a:solidFill>
+              <a:schemeClr val="accent6">
+                <a:lumMod val="50000"/>
+              </a:schemeClr>
+            </a:solidFill>
+          </a:ln>
+        </p:spPr>
+        <p:style>
+          <a:lnRef idx="2">
+            <a:schemeClr val="accent1">
+              <a:shade val="50000"/>
+            </a:schemeClr>
+          </a:lnRef>
+          <a:fillRef idx="1">
+            <a:schemeClr val="accent1"/>
+          </a:fillRef>
+          <a:effectRef idx="0">
+            <a:schemeClr val="accent1"/>
+          </a:effectRef>
+          <a:fontRef idx="minor">
+            <a:schemeClr val="lt1"/>
+          </a:fontRef>
+        </p:style>
+        <p:txBody>
+          <a:bodyPr rtlCol="0" anchor="ctr"/>
+          <a:lstStyle/>
+          <a:p>
+            <a:pPr algn="ctr"/>
+            <a:endParaRPr lang="fr-FR"/>
+          </a:p>
+        </p:txBody>
+      </p:sp>
+      <p:sp>
+        <p:nvSpPr>
+          <p:cNvPr id="224" name="Ellipse 223">
+            <a:extLst>
+              <a:ext uri="{FF2B5EF4-FFF2-40B4-BE49-F238E27FC236}">
+                <a16:creationId xmlns:a16="http://schemas.microsoft.com/office/drawing/2014/main" id="{A0B32100-A79E-2137-7645-F168DC561084}"/>
+              </a:ext>
+            </a:extLst>
+          </p:cNvPr>
+          <p:cNvSpPr/>
+          <p:nvPr/>
+        </p:nvSpPr>
+        <p:spPr>
+          <a:xfrm>
+            <a:off x="5723315" y="5672018"/>
+            <a:ext cx="160543" cy="160543"/>
+          </a:xfrm>
+          <a:prstGeom prst="ellipse">
+            <a:avLst/>
+          </a:prstGeom>
+          <a:solidFill>
+            <a:srgbClr val="3D7E4F"/>
+          </a:solidFill>
+          <a:ln>
+            <a:solidFill>
+              <a:schemeClr val="accent6">
+                <a:lumMod val="50000"/>
+              </a:schemeClr>
+            </a:solidFill>
+          </a:ln>
+        </p:spPr>
+        <p:style>
+          <a:lnRef idx="2">
+            <a:schemeClr val="accent1">
+              <a:shade val="50000"/>
+            </a:schemeClr>
+          </a:lnRef>
+          <a:fillRef idx="1">
+            <a:schemeClr val="accent1"/>
+          </a:fillRef>
+          <a:effectRef idx="0">
+            <a:schemeClr val="accent1"/>
+          </a:effectRef>
+          <a:fontRef idx="minor">
+            <a:schemeClr val="lt1"/>
+          </a:fontRef>
+        </p:style>
+        <p:txBody>
+          <a:bodyPr rtlCol="0" anchor="ctr"/>
+          <a:lstStyle/>
+          <a:p>
+            <a:pPr algn="ctr"/>
+            <a:endParaRPr lang="fr-FR"/>
+          </a:p>
+        </p:txBody>
+      </p:sp>
+      <p:cxnSp>
+        <p:nvCxnSpPr>
+          <p:cNvPr id="238" name="Connecteur droit 237">
+            <a:extLst>
+              <a:ext uri="{FF2B5EF4-FFF2-40B4-BE49-F238E27FC236}">
+                <a16:creationId xmlns:a16="http://schemas.microsoft.com/office/drawing/2014/main" id="{7205A3A2-6A69-2824-42A4-1F7DD1B3868E}"/>
+              </a:ext>
+            </a:extLst>
+          </p:cNvPr>
+          <p:cNvCxnSpPr>
+            <a:cxnSpLocks/>
+            <a:stCxn id="191" idx="6"/>
+            <a:endCxn id="204" idx="2"/>
+          </p:cNvCxnSpPr>
+          <p:nvPr/>
+        </p:nvCxnSpPr>
+        <p:spPr>
+          <a:xfrm>
+            <a:off x="796559" y="5142538"/>
+            <a:ext cx="3987394" cy="5476"/>
+          </a:xfrm>
+          <a:prstGeom prst="line">
+            <a:avLst/>
+          </a:prstGeom>
+          <a:ln w="12700">
+            <a:solidFill>
+              <a:schemeClr val="accent6">
+                <a:lumMod val="50000"/>
+              </a:schemeClr>
+            </a:solidFill>
+          </a:ln>
+        </p:spPr>
+        <p:style>
+          <a:lnRef idx="1">
+            <a:schemeClr val="accent1"/>
+          </a:lnRef>
+          <a:fillRef idx="0">
+            <a:schemeClr val="accent1"/>
+          </a:fillRef>
+          <a:effectRef idx="0">
+            <a:schemeClr val="accent1"/>
+          </a:effectRef>
+          <a:fontRef idx="minor">
+            <a:schemeClr val="tx1"/>
+          </a:fontRef>
+        </p:style>
+      </p:cxnSp>
+      <p:cxnSp>
+        <p:nvCxnSpPr>
+          <p:cNvPr id="329" name="Connecteur en angle 328">
+            <a:extLst>
+              <a:ext uri="{FF2B5EF4-FFF2-40B4-BE49-F238E27FC236}">
+                <a16:creationId xmlns:a16="http://schemas.microsoft.com/office/drawing/2014/main" id="{D9E8A79C-BB15-B0ED-EDE7-6B35342CBAFB}"/>
+              </a:ext>
+            </a:extLst>
+          </p:cNvPr>
+          <p:cNvCxnSpPr>
+            <a:stCxn id="220" idx="2"/>
+            <a:endCxn id="214" idx="4"/>
+          </p:cNvCxnSpPr>
+          <p:nvPr/>
+        </p:nvCxnSpPr>
+        <p:spPr>
+          <a:xfrm rot="10800000">
+            <a:off x="5487752" y="4771240"/>
+            <a:ext cx="235564" cy="66279"/>
+          </a:xfrm>
+          <a:prstGeom prst="bentConnector2">
+            <a:avLst/>
+          </a:prstGeom>
+          <a:ln w="12700">
+            <a:solidFill>
+              <a:schemeClr val="accent6">
+                <a:lumMod val="50000"/>
+              </a:schemeClr>
+            </a:solidFill>
+          </a:ln>
+        </p:spPr>
+        <p:style>
+          <a:lnRef idx="1">
+            <a:schemeClr val="accent1"/>
+          </a:lnRef>
+          <a:fillRef idx="0">
+            <a:schemeClr val="accent1"/>
+          </a:fillRef>
+          <a:effectRef idx="0">
+            <a:schemeClr val="accent1"/>
+          </a:effectRef>
+          <a:fontRef idx="minor">
+            <a:schemeClr val="tx1"/>
+          </a:fontRef>
+        </p:style>
+      </p:cxnSp>
+      <p:cxnSp>
+        <p:nvCxnSpPr>
+          <p:cNvPr id="330" name="Connecteur en angle 329">
+            <a:extLst>
+              <a:ext uri="{FF2B5EF4-FFF2-40B4-BE49-F238E27FC236}">
+                <a16:creationId xmlns:a16="http://schemas.microsoft.com/office/drawing/2014/main" id="{BBF3C9C4-50C4-0A4F-C3A0-30D1F72586B2}"/>
+              </a:ext>
+            </a:extLst>
+          </p:cNvPr>
+          <p:cNvCxnSpPr>
+            <a:cxnSpLocks/>
+            <a:stCxn id="219" idx="2"/>
+            <a:endCxn id="214" idx="0"/>
+          </p:cNvCxnSpPr>
+          <p:nvPr/>
+        </p:nvCxnSpPr>
+        <p:spPr>
+          <a:xfrm rot="10800000" flipV="1">
+            <a:off x="5487752" y="4532594"/>
+            <a:ext cx="235564" cy="78102"/>
+          </a:xfrm>
+          <a:prstGeom prst="bentConnector2">
+            <a:avLst/>
+          </a:prstGeom>
+          <a:ln w="12700">
+            <a:solidFill>
+              <a:schemeClr val="accent6">
+                <a:lumMod val="50000"/>
+              </a:schemeClr>
+            </a:solidFill>
+          </a:ln>
+        </p:spPr>
+        <p:style>
+          <a:lnRef idx="1">
+            <a:schemeClr val="accent1"/>
+          </a:lnRef>
+          <a:fillRef idx="0">
+            <a:schemeClr val="accent1"/>
+          </a:fillRef>
+          <a:effectRef idx="0">
+            <a:schemeClr val="accent1"/>
+          </a:effectRef>
+          <a:fontRef idx="minor">
+            <a:schemeClr val="tx1"/>
+          </a:fontRef>
+        </p:style>
+      </p:cxnSp>
+      <p:cxnSp>
+        <p:nvCxnSpPr>
+          <p:cNvPr id="333" name="Connecteur en angle 332">
+            <a:extLst>
+              <a:ext uri="{FF2B5EF4-FFF2-40B4-BE49-F238E27FC236}">
+                <a16:creationId xmlns:a16="http://schemas.microsoft.com/office/drawing/2014/main" id="{621D0DFA-0D0F-0992-C76D-EA18E4B1FF02}"/>
+              </a:ext>
+            </a:extLst>
+          </p:cNvPr>
+          <p:cNvCxnSpPr>
+            <a:cxnSpLocks/>
+            <a:stCxn id="214" idx="2"/>
+            <a:endCxn id="204" idx="0"/>
+          </p:cNvCxnSpPr>
+          <p:nvPr/>
+        </p:nvCxnSpPr>
+        <p:spPr>
+          <a:xfrm rot="10800000" flipV="1">
+            <a:off x="4864226" y="4690968"/>
+            <a:ext cx="543255" cy="376774"/>
+          </a:xfrm>
+          <a:prstGeom prst="bentConnector2">
+            <a:avLst/>
+          </a:prstGeom>
+          <a:ln w="12700">
+            <a:solidFill>
+              <a:schemeClr val="accent6">
+                <a:lumMod val="50000"/>
+              </a:schemeClr>
+            </a:solidFill>
+          </a:ln>
+        </p:spPr>
+        <p:style>
+          <a:lnRef idx="1">
+            <a:schemeClr val="accent1"/>
+          </a:lnRef>
+          <a:fillRef idx="0">
+            <a:schemeClr val="accent1"/>
+          </a:fillRef>
+          <a:effectRef idx="0">
+            <a:schemeClr val="accent1"/>
+          </a:effectRef>
+          <a:fontRef idx="minor">
+            <a:schemeClr val="tx1"/>
+          </a:fontRef>
+        </p:style>
+      </p:cxnSp>
+      <p:cxnSp>
+        <p:nvCxnSpPr>
+          <p:cNvPr id="336" name="Connecteur en angle 335">
+            <a:extLst>
+              <a:ext uri="{FF2B5EF4-FFF2-40B4-BE49-F238E27FC236}">
+                <a16:creationId xmlns:a16="http://schemas.microsoft.com/office/drawing/2014/main" id="{32007D66-02CE-78CB-659B-3ABBFAF89C4B}"/>
+              </a:ext>
+            </a:extLst>
+          </p:cNvPr>
+          <p:cNvCxnSpPr>
+            <a:cxnSpLocks/>
+            <a:stCxn id="222" idx="2"/>
+            <a:endCxn id="208" idx="0"/>
+          </p:cNvCxnSpPr>
+          <p:nvPr/>
+        </p:nvCxnSpPr>
+        <p:spPr>
+          <a:xfrm rot="10800000" flipV="1">
+            <a:off x="5177701" y="5142441"/>
+            <a:ext cx="545615" cy="142857"/>
+          </a:xfrm>
+          <a:prstGeom prst="bentConnector2">
+            <a:avLst/>
+          </a:prstGeom>
+          <a:ln w="12700">
+            <a:solidFill>
+              <a:schemeClr val="accent6">
+                <a:lumMod val="50000"/>
+              </a:schemeClr>
+            </a:solidFill>
+          </a:ln>
+        </p:spPr>
+        <p:style>
+          <a:lnRef idx="1">
+            <a:schemeClr val="accent1"/>
+          </a:lnRef>
+          <a:fillRef idx="0">
+            <a:schemeClr val="accent1"/>
+          </a:fillRef>
+          <a:effectRef idx="0">
+            <a:schemeClr val="accent1"/>
+          </a:effectRef>
+          <a:fontRef idx="minor">
+            <a:schemeClr val="tx1"/>
+          </a:fontRef>
+        </p:style>
+      </p:cxnSp>
+      <p:cxnSp>
+        <p:nvCxnSpPr>
+          <p:cNvPr id="339" name="Connecteur en angle 338">
+            <a:extLst>
+              <a:ext uri="{FF2B5EF4-FFF2-40B4-BE49-F238E27FC236}">
+                <a16:creationId xmlns:a16="http://schemas.microsoft.com/office/drawing/2014/main" id="{4D3FC688-87E0-0F2E-F960-582CAC3AA663}"/>
+              </a:ext>
+            </a:extLst>
+          </p:cNvPr>
+          <p:cNvCxnSpPr>
+            <a:cxnSpLocks/>
+            <a:stCxn id="216" idx="2"/>
+            <a:endCxn id="208" idx="4"/>
+          </p:cNvCxnSpPr>
+          <p:nvPr/>
+        </p:nvCxnSpPr>
+        <p:spPr>
+          <a:xfrm rot="10800000">
+            <a:off x="5177701" y="5445843"/>
+            <a:ext cx="232671" cy="148119"/>
+          </a:xfrm>
+          <a:prstGeom prst="bentConnector2">
+            <a:avLst/>
+          </a:prstGeom>
+          <a:ln w="12700">
+            <a:solidFill>
+              <a:schemeClr val="accent6">
+                <a:lumMod val="50000"/>
+              </a:schemeClr>
+            </a:solidFill>
+          </a:ln>
+        </p:spPr>
+        <p:style>
+          <a:lnRef idx="1">
+            <a:schemeClr val="accent1"/>
+          </a:lnRef>
+          <a:fillRef idx="0">
+            <a:schemeClr val="accent1"/>
+          </a:fillRef>
+          <a:effectRef idx="0">
+            <a:schemeClr val="accent1"/>
+          </a:effectRef>
+          <a:fontRef idx="minor">
+            <a:schemeClr val="tx1"/>
+          </a:fontRef>
+        </p:style>
+      </p:cxnSp>
+      <p:cxnSp>
+        <p:nvCxnSpPr>
+          <p:cNvPr id="342" name="Connecteur en angle 341">
+            <a:extLst>
+              <a:ext uri="{FF2B5EF4-FFF2-40B4-BE49-F238E27FC236}">
+                <a16:creationId xmlns:a16="http://schemas.microsoft.com/office/drawing/2014/main" id="{327ABBD3-92D1-A8CC-0DC9-A5DF9C84018E}"/>
+              </a:ext>
+            </a:extLst>
+          </p:cNvPr>
+          <p:cNvCxnSpPr>
+            <a:cxnSpLocks/>
+            <a:stCxn id="208" idx="2"/>
+            <a:endCxn id="204" idx="4"/>
+          </p:cNvCxnSpPr>
+          <p:nvPr/>
+        </p:nvCxnSpPr>
+        <p:spPr>
+          <a:xfrm rot="10800000">
+            <a:off x="4864226" y="5228285"/>
+            <a:ext cx="233203" cy="137286"/>
+          </a:xfrm>
+          <a:prstGeom prst="bentConnector2">
+            <a:avLst/>
+          </a:prstGeom>
+          <a:ln w="12700">
+            <a:solidFill>
+              <a:schemeClr val="accent6">
+                <a:lumMod val="50000"/>
+              </a:schemeClr>
+            </a:solidFill>
+          </a:ln>
+        </p:spPr>
+        <p:style>
+          <a:lnRef idx="1">
+            <a:schemeClr val="accent1"/>
+          </a:lnRef>
+          <a:fillRef idx="0">
+            <a:schemeClr val="accent1"/>
+          </a:fillRef>
+          <a:effectRef idx="0">
+            <a:schemeClr val="accent1"/>
+          </a:effectRef>
+          <a:fontRef idx="minor">
+            <a:schemeClr val="tx1"/>
+          </a:fontRef>
+        </p:style>
+      </p:cxnSp>
+      <p:cxnSp>
+        <p:nvCxnSpPr>
+          <p:cNvPr id="345" name="Connecteur en angle 344">
+            <a:extLst>
+              <a:ext uri="{FF2B5EF4-FFF2-40B4-BE49-F238E27FC236}">
+                <a16:creationId xmlns:a16="http://schemas.microsoft.com/office/drawing/2014/main" id="{F42696B4-8421-C02C-953B-6BE27931DC09}"/>
+              </a:ext>
+            </a:extLst>
+          </p:cNvPr>
+          <p:cNvCxnSpPr>
+            <a:cxnSpLocks/>
+            <a:stCxn id="223" idx="2"/>
+            <a:endCxn id="216" idx="0"/>
+          </p:cNvCxnSpPr>
+          <p:nvPr/>
+        </p:nvCxnSpPr>
+        <p:spPr>
+          <a:xfrm rot="10800000" flipV="1">
+            <a:off x="5490643" y="5447365"/>
+            <a:ext cx="232672" cy="66323"/>
+          </a:xfrm>
+          <a:prstGeom prst="bentConnector2">
+            <a:avLst/>
+          </a:prstGeom>
+          <a:ln w="12700">
+            <a:solidFill>
+              <a:schemeClr val="accent6">
+                <a:lumMod val="50000"/>
+              </a:schemeClr>
+            </a:solidFill>
+          </a:ln>
+        </p:spPr>
+        <p:style>
+          <a:lnRef idx="1">
+            <a:schemeClr val="accent1"/>
+          </a:lnRef>
+          <a:fillRef idx="0">
+            <a:schemeClr val="accent1"/>
+          </a:fillRef>
+          <a:effectRef idx="0">
+            <a:schemeClr val="accent1"/>
+          </a:effectRef>
+          <a:fontRef idx="minor">
+            <a:schemeClr val="tx1"/>
+          </a:fontRef>
+        </p:style>
+      </p:cxnSp>
+      <p:cxnSp>
+        <p:nvCxnSpPr>
+          <p:cNvPr id="348" name="Connecteur en angle 347">
+            <a:extLst>
+              <a:ext uri="{FF2B5EF4-FFF2-40B4-BE49-F238E27FC236}">
+                <a16:creationId xmlns:a16="http://schemas.microsoft.com/office/drawing/2014/main" id="{DA9E4C37-F312-E4BE-7456-1BC1429BD904}"/>
+              </a:ext>
+            </a:extLst>
+          </p:cNvPr>
+          <p:cNvCxnSpPr>
+            <a:cxnSpLocks/>
+            <a:stCxn id="224" idx="2"/>
+            <a:endCxn id="216" idx="4"/>
+          </p:cNvCxnSpPr>
+          <p:nvPr/>
+        </p:nvCxnSpPr>
+        <p:spPr>
+          <a:xfrm rot="10800000">
+            <a:off x="5490643" y="5674232"/>
+            <a:ext cx="232672" cy="78058"/>
+          </a:xfrm>
+          <a:prstGeom prst="bentConnector2">
+            <a:avLst/>
+          </a:prstGeom>
+          <a:ln w="12700">
+            <a:solidFill>
+              <a:schemeClr val="accent6">
+                <a:lumMod val="50000"/>
+              </a:schemeClr>
+            </a:solidFill>
+          </a:ln>
+        </p:spPr>
+        <p:style>
+          <a:lnRef idx="1">
+            <a:schemeClr val="accent1"/>
+          </a:lnRef>
+          <a:fillRef idx="0">
+            <a:schemeClr val="accent1"/>
+          </a:fillRef>
+          <a:effectRef idx="0">
+            <a:schemeClr val="accent1"/>
+          </a:effectRef>
+          <a:fontRef idx="minor">
+            <a:schemeClr val="tx1"/>
+          </a:fontRef>
+        </p:style>
+      </p:cxnSp>
+      <p:sp>
+        <p:nvSpPr>
+          <p:cNvPr id="351" name="Bulle rectangulaire 350">
+            <a:extLst>
+              <a:ext uri="{FF2B5EF4-FFF2-40B4-BE49-F238E27FC236}">
+                <a16:creationId xmlns:a16="http://schemas.microsoft.com/office/drawing/2014/main" id="{AA77B21C-8A07-6DD2-6105-D27C9877C080}"/>
+              </a:ext>
+            </a:extLst>
+          </p:cNvPr>
+          <p:cNvSpPr/>
+          <p:nvPr/>
+        </p:nvSpPr>
+        <p:spPr>
+          <a:xfrm>
+            <a:off x="3300048" y="4437443"/>
+            <a:ext cx="1274450" cy="429593"/>
+          </a:xfrm>
+          <a:prstGeom prst="wedgeRectCallout">
+            <a:avLst>
+              <a:gd name="adj1" fmla="val -59084"/>
+              <a:gd name="adj2" fmla="val 103645"/>
+            </a:avLst>
+          </a:prstGeom>
+          <a:noFill/>
+          <a:ln w="6350">
+            <a:solidFill>
+              <a:schemeClr val="tx1">
+                <a:lumMod val="50000"/>
+                <a:lumOff val="50000"/>
+              </a:schemeClr>
+            </a:solidFill>
+          </a:ln>
+        </p:spPr>
+        <p:style>
+          <a:lnRef idx="2">
+            <a:schemeClr val="accent1">
+              <a:shade val="50000"/>
+            </a:schemeClr>
+          </a:lnRef>
+          <a:fillRef idx="1">
+            <a:schemeClr val="accent1"/>
+          </a:fillRef>
+          <a:effectRef idx="0">
+            <a:schemeClr val="accent1"/>
+          </a:effectRef>
+          <a:fontRef idx="minor">
+            <a:schemeClr val="lt1"/>
+          </a:fontRef>
+        </p:style>
+        <p:txBody>
+          <a:bodyPr rtlCol="0" anchor="ctr"/>
+          <a:lstStyle/>
+          <a:p>
+            <a:pPr algn="ctr"/>
+            <a:r>
+              <a:rPr lang="fr-FR" sz="1200">
+                <a:solidFill>
+                  <a:schemeClr val="tx1">
+                    <a:lumMod val="50000"/>
+                    <a:lumOff val="50000"/>
+                  </a:schemeClr>
+                </a:solidFill>
+                <a:latin typeface="Avenir Book" panose="02000503020000020003" pitchFamily="2" charset="0"/>
+              </a:rPr>
+              <a:t>Branches are shortened.</a:t>
+            </a:r>
           </a:p>
         </p:txBody>
       </p:sp>
@@ -22373,4 +23849,299 @@
     </a:ext>
   </a:extLst>
 </a:theme>
+</file>
+
+<file path=ppt/theme/theme2.xml><?xml version="1.0" encoding="utf-8"?>
+<a:theme xmlns:a="http://schemas.openxmlformats.org/drawingml/2006/main" name="Thème Office">
+  <a:themeElements>
+    <a:clrScheme name="Office">
+      <a:dk1>
+        <a:sysClr val="windowText" lastClr="000000"/>
+      </a:dk1>
+      <a:lt1>
+        <a:sysClr val="window" lastClr="FFFFFF"/>
+      </a:lt1>
+      <a:dk2>
+        <a:srgbClr val="44546A"/>
+      </a:dk2>
+      <a:lt2>
+        <a:srgbClr val="E7E6E6"/>
+      </a:lt2>
+      <a:accent1>
+        <a:srgbClr val="4472C4"/>
+      </a:accent1>
+      <a:accent2>
+        <a:srgbClr val="ED7D31"/>
+      </a:accent2>
+      <a:accent3>
+        <a:srgbClr val="A5A5A5"/>
+      </a:accent3>
+      <a:accent4>
+        <a:srgbClr val="FFC000"/>
+      </a:accent4>
+      <a:accent5>
+        <a:srgbClr val="5B9BD5"/>
+      </a:accent5>
+      <a:accent6>
+        <a:srgbClr val="70AD47"/>
+      </a:accent6>
+      <a:hlink>
+        <a:srgbClr val="0563C1"/>
+      </a:hlink>
+      <a:folHlink>
+        <a:srgbClr val="954F72"/>
+      </a:folHlink>
+    </a:clrScheme>
+    <a:fontScheme name="Office">
+      <a:majorFont>
+        <a:latin typeface="Calibri Light" panose="020F0302020204030204"/>
+        <a:ea typeface=""/>
+        <a:cs typeface=""/>
+        <a:font script="Jpan" typeface="游ゴシック Light"/>
+        <a:font script="Hang" typeface="맑은 고딕"/>
+        <a:font script="Hans" typeface="等线 Light"/>
+        <a:font script="Hant" typeface="新細明體"/>
+        <a:font script="Arab" typeface="Times New Roman"/>
+        <a:font script="Hebr" typeface="Times New Roman"/>
+        <a:font script="Thai" typeface="Angsana New"/>
+        <a:font script="Ethi" typeface="Nyala"/>
+        <a:font script="Beng" typeface="Vrinda"/>
+        <a:font script="Gujr" typeface="Shruti"/>
+        <a:font script="Khmr" typeface="MoolBoran"/>
+        <a:font script="Knda" typeface="Tunga"/>
+        <a:font script="Guru" typeface="Raavi"/>
+        <a:font script="Cans" typeface="Euphemia"/>
+        <a:font script="Cher" typeface="Plantagenet Cherokee"/>
+        <a:font script="Yiii" typeface="Microsoft Yi Baiti"/>
+        <a:font script="Tibt" typeface="Microsoft Himalaya"/>
+        <a:font script="Thaa" typeface="MV Boli"/>
+        <a:font script="Deva" typeface="Mangal"/>
+        <a:font script="Telu" typeface="Gautami"/>
+        <a:font script="Taml" typeface="Latha"/>
+        <a:font script="Syrc" typeface="Estrangelo Edessa"/>
+        <a:font script="Orya" typeface="Kalinga"/>
+        <a:font script="Mlym" typeface="Kartika"/>
+        <a:font script="Laoo" typeface="DokChampa"/>
+        <a:font script="Sinh" typeface="Iskoola Pota"/>
+        <a:font script="Mong" typeface="Mongolian Baiti"/>
+        <a:font script="Viet" typeface="Times New Roman"/>
+        <a:font script="Uigh" typeface="Microsoft Uighur"/>
+        <a:font script="Geor" typeface="Sylfaen"/>
+        <a:font script="Armn" typeface="Arial"/>
+        <a:font script="Bugi" typeface="Leelawadee UI"/>
+        <a:font script="Bopo" typeface="Microsoft JhengHei"/>
+        <a:font script="Java" typeface="Javanese Text"/>
+        <a:font script="Lisu" typeface="Segoe UI"/>
+        <a:font script="Mymr" typeface="Myanmar Text"/>
+        <a:font script="Nkoo" typeface="Ebrima"/>
+        <a:font script="Olck" typeface="Nirmala UI"/>
+        <a:font script="Osma" typeface="Ebrima"/>
+        <a:font script="Phag" typeface="Phagspa"/>
+        <a:font script="Syrn" typeface="Estrangelo Edessa"/>
+        <a:font script="Syrj" typeface="Estrangelo Edessa"/>
+        <a:font script="Syre" typeface="Estrangelo Edessa"/>
+        <a:font script="Sora" typeface="Nirmala UI"/>
+        <a:font script="Tale" typeface="Microsoft Tai Le"/>
+        <a:font script="Talu" typeface="Microsoft New Tai Lue"/>
+        <a:font script="Tfng" typeface="Ebrima"/>
+      </a:majorFont>
+      <a:minorFont>
+        <a:latin typeface="Calibri" panose="020F0502020204030204"/>
+        <a:ea typeface=""/>
+        <a:cs typeface=""/>
+        <a:font script="Jpan" typeface="游ゴシック"/>
+        <a:font script="Hang" typeface="맑은 고딕"/>
+        <a:font script="Hans" typeface="等线"/>
+        <a:font script="Hant" typeface="新細明體"/>
+        <a:font script="Arab" typeface="Arial"/>
+        <a:font script="Hebr" typeface="Arial"/>
+        <a:font script="Thai" typeface="Cordia New"/>
+        <a:font script="Ethi" typeface="Nyala"/>
+        <a:font script="Beng" typeface="Vrinda"/>
+        <a:font script="Gujr" typeface="Shruti"/>
+        <a:font script="Khmr" typeface="DaunPenh"/>
+        <a:font script="Knda" typeface="Tunga"/>
+        <a:font script="Guru" typeface="Raavi"/>
+        <a:font script="Cans" typeface="Euphemia"/>
+        <a:font script="Cher" typeface="Plantagenet Cherokee"/>
+        <a:font script="Yiii" typeface="Microsoft Yi Baiti"/>
+        <a:font script="Tibt" typeface="Microsoft Himalaya"/>
+        <a:font script="Thaa" typeface="MV Boli"/>
+        <a:font script="Deva" typeface="Mangal"/>
+        <a:font script="Telu" typeface="Gautami"/>
+        <a:font script="Taml" typeface="Latha"/>
+        <a:font script="Syrc" typeface="Estrangelo Edessa"/>
+        <a:font script="Orya" typeface="Kalinga"/>
+        <a:font script="Mlym" typeface="Kartika"/>
+        <a:font script="Laoo" typeface="DokChampa"/>
+        <a:font script="Sinh" typeface="Iskoola Pota"/>
+        <a:font script="Mong" typeface="Mongolian Baiti"/>
+        <a:font script="Viet" typeface="Arial"/>
+        <a:font script="Uigh" typeface="Microsoft Uighur"/>
+        <a:font script="Geor" typeface="Sylfaen"/>
+        <a:font script="Armn" typeface="Arial"/>
+        <a:font script="Bugi" typeface="Leelawadee UI"/>
+        <a:font script="Bopo" typeface="Microsoft JhengHei"/>
+        <a:font script="Java" typeface="Javanese Text"/>
+        <a:font script="Lisu" typeface="Segoe UI"/>
+        <a:font script="Mymr" typeface="Myanmar Text"/>
+        <a:font script="Nkoo" typeface="Ebrima"/>
+        <a:font script="Olck" typeface="Nirmala UI"/>
+        <a:font script="Osma" typeface="Ebrima"/>
+        <a:font script="Phag" typeface="Phagspa"/>
+        <a:font script="Syrn" typeface="Estrangelo Edessa"/>
+        <a:font script="Syrj" typeface="Estrangelo Edessa"/>
+        <a:font script="Syre" typeface="Estrangelo Edessa"/>
+        <a:font script="Sora" typeface="Nirmala UI"/>
+        <a:font script="Tale" typeface="Microsoft Tai Le"/>
+        <a:font script="Talu" typeface="Microsoft New Tai Lue"/>
+        <a:font script="Tfng" typeface="Ebrima"/>
+      </a:minorFont>
+    </a:fontScheme>
+    <a:fmtScheme name="Office">
+      <a:fillStyleLst>
+        <a:solidFill>
+          <a:schemeClr val="phClr"/>
+        </a:solidFill>
+        <a:gradFill rotWithShape="1">
+          <a:gsLst>
+            <a:gs pos="0">
+              <a:schemeClr val="phClr">
+                <a:lumMod val="110000"/>
+                <a:satMod val="105000"/>
+                <a:tint val="67000"/>
+              </a:schemeClr>
+            </a:gs>
+            <a:gs pos="50000">
+              <a:schemeClr val="phClr">
+                <a:lumMod val="105000"/>
+                <a:satMod val="103000"/>
+                <a:tint val="73000"/>
+              </a:schemeClr>
+            </a:gs>
+            <a:gs pos="100000">
+              <a:schemeClr val="phClr">
+                <a:lumMod val="105000"/>
+                <a:satMod val="109000"/>
+                <a:tint val="81000"/>
+              </a:schemeClr>
+            </a:gs>
+          </a:gsLst>
+          <a:lin ang="5400000" scaled="0"/>
+        </a:gradFill>
+        <a:gradFill rotWithShape="1">
+          <a:gsLst>
+            <a:gs pos="0">
+              <a:schemeClr val="phClr">
+                <a:satMod val="103000"/>
+                <a:lumMod val="102000"/>
+                <a:tint val="94000"/>
+              </a:schemeClr>
+            </a:gs>
+            <a:gs pos="50000">
+              <a:schemeClr val="phClr">
+                <a:satMod val="110000"/>
+                <a:lumMod val="100000"/>
+                <a:shade val="100000"/>
+              </a:schemeClr>
+            </a:gs>
+            <a:gs pos="100000">
+              <a:schemeClr val="phClr">
+                <a:lumMod val="99000"/>
+                <a:satMod val="120000"/>
+                <a:shade val="78000"/>
+              </a:schemeClr>
+            </a:gs>
+          </a:gsLst>
+          <a:lin ang="5400000" scaled="0"/>
+        </a:gradFill>
+      </a:fillStyleLst>
+      <a:lnStyleLst>
+        <a:ln w="6350" cap="flat" cmpd="sng" algn="ctr">
+          <a:solidFill>
+            <a:schemeClr val="phClr"/>
+          </a:solidFill>
+          <a:prstDash val="solid"/>
+          <a:miter lim="800000"/>
+        </a:ln>
+        <a:ln w="12700" cap="flat" cmpd="sng" algn="ctr">
+          <a:solidFill>
+            <a:schemeClr val="phClr"/>
+          </a:solidFill>
+          <a:prstDash val="solid"/>
+          <a:miter lim="800000"/>
+        </a:ln>
+        <a:ln w="19050" cap="flat" cmpd="sng" algn="ctr">
+          <a:solidFill>
+            <a:schemeClr val="phClr"/>
+          </a:solidFill>
+          <a:prstDash val="solid"/>
+          <a:miter lim="800000"/>
+        </a:ln>
+      </a:lnStyleLst>
+      <a:effectStyleLst>
+        <a:effectStyle>
+          <a:effectLst/>
+        </a:effectStyle>
+        <a:effectStyle>
+          <a:effectLst/>
+        </a:effectStyle>
+        <a:effectStyle>
+          <a:effectLst>
+            <a:outerShdw blurRad="57150" dist="19050" dir="5400000" algn="ctr" rotWithShape="0">
+              <a:srgbClr val="000000">
+                <a:alpha val="63000"/>
+              </a:srgbClr>
+            </a:outerShdw>
+          </a:effectLst>
+        </a:effectStyle>
+      </a:effectStyleLst>
+      <a:bgFillStyleLst>
+        <a:solidFill>
+          <a:schemeClr val="phClr"/>
+        </a:solidFill>
+        <a:solidFill>
+          <a:schemeClr val="phClr">
+            <a:tint val="95000"/>
+            <a:satMod val="170000"/>
+          </a:schemeClr>
+        </a:solidFill>
+        <a:gradFill rotWithShape="1">
+          <a:gsLst>
+            <a:gs pos="0">
+              <a:schemeClr val="phClr">
+                <a:tint val="93000"/>
+                <a:satMod val="150000"/>
+                <a:shade val="98000"/>
+                <a:lumMod val="102000"/>
+              </a:schemeClr>
+            </a:gs>
+            <a:gs pos="50000">
+              <a:schemeClr val="phClr">
+                <a:tint val="98000"/>
+                <a:satMod val="130000"/>
+                <a:shade val="90000"/>
+                <a:lumMod val="103000"/>
+              </a:schemeClr>
+            </a:gs>
+            <a:gs pos="100000">
+              <a:schemeClr val="phClr">
+                <a:shade val="63000"/>
+                <a:satMod val="120000"/>
+              </a:schemeClr>
+            </a:gs>
+          </a:gsLst>
+          <a:lin ang="5400000" scaled="0"/>
+        </a:gradFill>
+      </a:bgFillStyleLst>
+    </a:fmtScheme>
+  </a:themeElements>
+  <a:objectDefaults/>
+  <a:extraClrSchemeLst/>
+  <a:extLst>
+    <a:ext uri="{05A4C25C-085E-4340-85A3-A5531E510DB2}">
+      <thm15:themeFamily xmlns:thm15="http://schemas.microsoft.com/office/thememl/2012/main" name="Office Theme" id="{62F939B6-93AF-4DB8-9C6B-D6C7DFDC589F}" vid="{4A3C46E8-61CC-4603-A589-7422A47A8E4A}"/>
+    </a:ext>
+  </a:extLst>
+</a:theme>
 </file>
--- a/doc/backup_vs_live_tracking.pptx
+++ b/doc/backup_vs_live_tracking.pptx
@@ -22066,7 +22066,7 @@
         </p:blipFill>
         <p:spPr>
           <a:xfrm>
-            <a:off x="10483648" y="5693613"/>
+            <a:off x="10746115" y="5682127"/>
             <a:ext cx="839013" cy="575700"/>
           </a:xfrm>
           <a:prstGeom prst="rect">
@@ -22091,7 +22091,7 @@
         </p:nvCxnSpPr>
         <p:spPr>
           <a:xfrm flipH="1">
-            <a:off x="9675954" y="2074424"/>
+            <a:off x="9870688" y="2074424"/>
             <a:ext cx="1129" cy="2700230"/>
           </a:xfrm>
           <a:prstGeom prst="line">
@@ -22136,7 +22136,7 @@
         </p:nvCxnSpPr>
         <p:spPr>
           <a:xfrm>
-            <a:off x="8031862" y="3504636"/>
+            <a:off x="8226596" y="3504636"/>
             <a:ext cx="3291710" cy="0"/>
           </a:xfrm>
           <a:prstGeom prst="line">
@@ -22179,7 +22179,7 @@
         </p:nvSpPr>
         <p:spPr>
           <a:xfrm>
-            <a:off x="7971174" y="1920535"/>
+            <a:off x="8165908" y="1920535"/>
             <a:ext cx="1707177" cy="307777"/>
           </a:xfrm>
           <a:prstGeom prst="rect">
@@ -22226,7 +22226,7 @@
         </p:nvSpPr>
         <p:spPr>
           <a:xfrm>
-            <a:off x="9677083" y="1920535"/>
+            <a:off x="9871817" y="1920535"/>
             <a:ext cx="1713311" cy="307777"/>
           </a:xfrm>
           <a:prstGeom prst="rect">
@@ -22273,7 +22273,7 @@
         </p:nvSpPr>
         <p:spPr>
           <a:xfrm>
-            <a:off x="8146204" y="2549118"/>
+            <a:off x="8340938" y="2549118"/>
             <a:ext cx="1531455" cy="600164"/>
           </a:xfrm>
           <a:prstGeom prst="rect">
@@ -22318,7 +22318,7 @@
         </p:nvSpPr>
         <p:spPr>
           <a:xfrm>
-            <a:off x="9681911" y="2238591"/>
+            <a:off x="9876645" y="2238591"/>
             <a:ext cx="1528792" cy="1277273"/>
           </a:xfrm>
           <a:prstGeom prst="rect">
@@ -22363,7 +22363,7 @@
         </p:nvSpPr>
         <p:spPr>
           <a:xfrm>
-            <a:off x="8146204" y="3663072"/>
+            <a:off x="8340938" y="3663072"/>
             <a:ext cx="1528787" cy="938719"/>
           </a:xfrm>
           <a:prstGeom prst="rect">
@@ -22408,7 +22408,7 @@
         </p:nvSpPr>
         <p:spPr>
           <a:xfrm>
-            <a:off x="9681910" y="3519124"/>
+            <a:off x="9876644" y="3519124"/>
             <a:ext cx="1713318" cy="1277273"/>
           </a:xfrm>
           <a:prstGeom prst="rect">
@@ -22453,7 +22453,7 @@
         </p:nvSpPr>
         <p:spPr>
           <a:xfrm>
-            <a:off x="7971174" y="1876291"/>
+            <a:off x="8165908" y="1876291"/>
             <a:ext cx="3424054" cy="3045522"/>
           </a:xfrm>
           <a:prstGeom prst="rect">
@@ -23539,6 +23539,88 @@
                 <a:latin typeface="Avenir Book" panose="02000503020000020003" pitchFamily="2" charset="0"/>
               </a:rPr>
               <a:t>Branches are shortened.</a:t>
+            </a:r>
+          </a:p>
+        </p:txBody>
+      </p:sp>
+      <p:sp>
+        <p:nvSpPr>
+          <p:cNvPr id="352" name="ZoneTexte 351">
+            <a:extLst>
+              <a:ext uri="{FF2B5EF4-FFF2-40B4-BE49-F238E27FC236}">
+                <a16:creationId xmlns:a16="http://schemas.microsoft.com/office/drawing/2014/main" id="{12F54CEF-7A31-98E3-7F64-FA73A49BDA9E}"/>
+              </a:ext>
+            </a:extLst>
+          </p:cNvPr>
+          <p:cNvSpPr txBox="1"/>
+          <p:nvPr/>
+        </p:nvSpPr>
+        <p:spPr>
+          <a:xfrm rot="16200000">
+            <a:off x="7185687" y="2541067"/>
+            <a:ext cx="1641816" cy="307777"/>
+          </a:xfrm>
+          <a:prstGeom prst="rect">
+            <a:avLst/>
+          </a:prstGeom>
+          <a:noFill/>
+        </p:spPr>
+        <p:txBody>
+          <a:bodyPr wrap="square" rtlCol="0">
+            <a:spAutoFit/>
+          </a:bodyPr>
+          <a:lstStyle/>
+          <a:p>
+            <a:pPr algn="ctr"/>
+            <a:r>
+              <a:rPr lang="fr-FR" sz="1400">
+                <a:solidFill>
+                  <a:srgbClr val="00D461"/>
+                </a:solidFill>
+                <a:latin typeface="Avenir Book" panose="02000503020000020003" pitchFamily="2" charset="0"/>
+              </a:rPr>
+              <a:t>Regular backups</a:t>
+            </a:r>
+          </a:p>
+        </p:txBody>
+      </p:sp>
+      <p:sp>
+        <p:nvSpPr>
+          <p:cNvPr id="353" name="ZoneTexte 352">
+            <a:extLst>
+              <a:ext uri="{FF2B5EF4-FFF2-40B4-BE49-F238E27FC236}">
+                <a16:creationId xmlns:a16="http://schemas.microsoft.com/office/drawing/2014/main" id="{1F2198DB-6189-7BA3-3571-D9E15D717927}"/>
+              </a:ext>
+            </a:extLst>
+          </p:cNvPr>
+          <p:cNvSpPr txBox="1"/>
+          <p:nvPr/>
+        </p:nvSpPr>
+        <p:spPr>
+          <a:xfrm rot="16200000">
+            <a:off x="7301224" y="4058528"/>
+            <a:ext cx="1410745" cy="307777"/>
+          </a:xfrm>
+          <a:prstGeom prst="rect">
+            <a:avLst/>
+          </a:prstGeom>
+          <a:noFill/>
+        </p:spPr>
+        <p:txBody>
+          <a:bodyPr wrap="square" rtlCol="0">
+            <a:spAutoFit/>
+          </a:bodyPr>
+          <a:lstStyle/>
+          <a:p>
+            <a:pPr algn="ctr"/>
+            <a:r>
+              <a:rPr lang="fr-FR" sz="1400">
+                <a:solidFill>
+                  <a:srgbClr val="00D461"/>
+                </a:solidFill>
+                <a:latin typeface="Avenir Book" panose="02000503020000020003" pitchFamily="2" charset="0"/>
+              </a:rPr>
+              <a:t>Live tracking</a:t>
             </a:r>
           </a:p>
         </p:txBody>

--- a/doc/backup_vs_live_tracking.pptx
+++ b/doc/backup_vs_live_tracking.pptx
@@ -12886,8 +12886,8 @@
         </p:blipFill>
         <p:spPr>
           <a:xfrm>
-            <a:off x="6847784" y="5036881"/>
-            <a:ext cx="839013" cy="575700"/>
+            <a:off x="6525871" y="4814826"/>
+            <a:ext cx="1119362" cy="768065"/>
           </a:xfrm>
           <a:prstGeom prst="rect">
             <a:avLst/>
@@ -13222,7 +13222,7 @@
                   <a:satMod val="160000"/>
                 </a:srgbClr>
               </a:gs>
-              <a:gs pos="42000">
+              <a:gs pos="81000">
                 <a:schemeClr val="bg1"/>
               </a:gs>
             </a:gsLst>
@@ -13270,7 +13270,7 @@
               <a:gs pos="0">
                 <a:srgbClr val="8AFAA1"/>
               </a:gs>
-              <a:gs pos="44000">
+              <a:gs pos="82000">
                 <a:schemeClr val="bg1"/>
               </a:gs>
             </a:gsLst>
@@ -22066,8 +22066,8 @@
         </p:blipFill>
         <p:spPr>
           <a:xfrm>
-            <a:off x="10746115" y="5682127"/>
-            <a:ext cx="839013" cy="575700"/>
+            <a:off x="10282493" y="5366332"/>
+            <a:ext cx="1183370" cy="811985"/>
           </a:xfrm>
           <a:prstGeom prst="rect">
             <a:avLst/>
@@ -22462,7 +22462,10 @@
           <a:noFill/>
           <a:ln>
             <a:solidFill>
-              <a:srgbClr val="00D461"/>
+              <a:schemeClr val="tx1">
+                <a:lumMod val="50000"/>
+                <a:lumOff val="50000"/>
+              </a:schemeClr>
             </a:solidFill>
             <a:prstDash val="dash"/>
           </a:ln>
@@ -23575,7 +23578,10 @@
             <a:r>
               <a:rPr lang="fr-FR" sz="1400">
                 <a:solidFill>
-                  <a:srgbClr val="00D461"/>
+                  <a:schemeClr val="tx1">
+                    <a:lumMod val="50000"/>
+                    <a:lumOff val="50000"/>
+                  </a:schemeClr>
                 </a:solidFill>
                 <a:latin typeface="Avenir Book" panose="02000503020000020003" pitchFamily="2" charset="0"/>
               </a:rPr>
@@ -23616,7 +23622,10 @@
             <a:r>
               <a:rPr lang="fr-FR" sz="1400">
                 <a:solidFill>
-                  <a:srgbClr val="00D461"/>
+                  <a:schemeClr val="tx1">
+                    <a:lumMod val="50000"/>
+                    <a:lumOff val="50000"/>
+                  </a:schemeClr>
                 </a:solidFill>
                 <a:latin typeface="Avenir Book" panose="02000503020000020003" pitchFamily="2" charset="0"/>
               </a:rPr>

--- a/doc/backup_vs_live_tracking.pptx
+++ b/doc/backup_vs_live_tracking.pptx
@@ -197,7 +197,7 @@
           </a:lstStyle>
           <a:p>
             <a:fld id="{EAD27F31-BF5F-7F40-A56D-7CEE75C730A9}" type="datetimeFigureOut">
-              <a:t>20/09/2022</a:t>
+              <a:t>20/10/2022</a:t>
             </a:fld>
             <a:endParaRPr lang="fr-FR"/>
           </a:p>
@@ -692,7 +692,7 @@
           <a:lstStyle/>
           <a:p>
             <a:fld id="{DB59BE99-1D5B-A54A-987A-4EB64A74179F}" type="datetimeFigureOut">
-              <a:t>20/09/2022</a:t>
+              <a:t>20/10/2022</a:t>
             </a:fld>
             <a:endParaRPr lang="fr-FR"/>
           </a:p>
@@ -888,7 +888,7 @@
           <a:lstStyle/>
           <a:p>
             <a:fld id="{DB59BE99-1D5B-A54A-987A-4EB64A74179F}" type="datetimeFigureOut">
-              <a:t>20/09/2022</a:t>
+              <a:t>20/10/2022</a:t>
             </a:fld>
             <a:endParaRPr lang="fr-FR"/>
           </a:p>
@@ -1094,7 +1094,7 @@
           <a:lstStyle/>
           <a:p>
             <a:fld id="{DB59BE99-1D5B-A54A-987A-4EB64A74179F}" type="datetimeFigureOut">
-              <a:t>20/09/2022</a:t>
+              <a:t>20/10/2022</a:t>
             </a:fld>
             <a:endParaRPr lang="fr-FR"/>
           </a:p>
@@ -1290,7 +1290,7 @@
           <a:lstStyle/>
           <a:p>
             <a:fld id="{DB59BE99-1D5B-A54A-987A-4EB64A74179F}" type="datetimeFigureOut">
-              <a:t>20/09/2022</a:t>
+              <a:t>20/10/2022</a:t>
             </a:fld>
             <a:endParaRPr lang="fr-FR"/>
           </a:p>
@@ -1563,7 +1563,7 @@
           <a:lstStyle/>
           <a:p>
             <a:fld id="{DB59BE99-1D5B-A54A-987A-4EB64A74179F}" type="datetimeFigureOut">
-              <a:t>20/09/2022</a:t>
+              <a:t>20/10/2022</a:t>
             </a:fld>
             <a:endParaRPr lang="fr-FR"/>
           </a:p>
@@ -1826,7 +1826,7 @@
           <a:lstStyle/>
           <a:p>
             <a:fld id="{DB59BE99-1D5B-A54A-987A-4EB64A74179F}" type="datetimeFigureOut">
-              <a:t>20/09/2022</a:t>
+              <a:t>20/10/2022</a:t>
             </a:fld>
             <a:endParaRPr lang="fr-FR"/>
           </a:p>
@@ -2236,7 +2236,7 @@
           <a:lstStyle/>
           <a:p>
             <a:fld id="{DB59BE99-1D5B-A54A-987A-4EB64A74179F}" type="datetimeFigureOut">
-              <a:t>20/09/2022</a:t>
+              <a:t>20/10/2022</a:t>
             </a:fld>
             <a:endParaRPr lang="fr-FR"/>
           </a:p>
@@ -2375,7 +2375,7 @@
           <a:lstStyle/>
           <a:p>
             <a:fld id="{DB59BE99-1D5B-A54A-987A-4EB64A74179F}" type="datetimeFigureOut">
-              <a:t>20/09/2022</a:t>
+              <a:t>20/10/2022</a:t>
             </a:fld>
             <a:endParaRPr lang="fr-FR"/>
           </a:p>
@@ -2486,7 +2486,7 @@
           <a:lstStyle/>
           <a:p>
             <a:fld id="{DB59BE99-1D5B-A54A-987A-4EB64A74179F}" type="datetimeFigureOut">
-              <a:t>20/09/2022</a:t>
+              <a:t>20/10/2022</a:t>
             </a:fld>
             <a:endParaRPr lang="fr-FR"/>
           </a:p>
@@ -2795,7 +2795,7 @@
           <a:lstStyle/>
           <a:p>
             <a:fld id="{DB59BE99-1D5B-A54A-987A-4EB64A74179F}" type="datetimeFigureOut">
-              <a:t>20/09/2022</a:t>
+              <a:t>20/10/2022</a:t>
             </a:fld>
             <a:endParaRPr lang="fr-FR"/>
           </a:p>
@@ -3081,7 +3081,7 @@
           <a:lstStyle/>
           <a:p>
             <a:fld id="{DB59BE99-1D5B-A54A-987A-4EB64A74179F}" type="datetimeFigureOut">
-              <a:t>20/09/2022</a:t>
+              <a:t>20/10/2022</a:t>
             </a:fld>
             <a:endParaRPr lang="fr-FR"/>
           </a:p>
@@ -3320,7 +3320,7 @@
           </a:lstStyle>
           <a:p>
             <a:fld id="{DB59BE99-1D5B-A54A-987A-4EB64A74179F}" type="datetimeFigureOut">
-              <a:t>20/09/2022</a:t>
+              <a:t>20/10/2022</a:t>
             </a:fld>
             <a:endParaRPr lang="fr-FR"/>
           </a:p>
@@ -21428,8 +21428,8 @@
         </p:nvSpPr>
         <p:spPr>
           <a:xfrm>
-            <a:off x="829259" y="4128981"/>
-            <a:ext cx="1460519" cy="646331"/>
+            <a:off x="829259" y="4084591"/>
+            <a:ext cx="1830436" cy="738664"/>
           </a:xfrm>
           <a:prstGeom prst="rect">
             <a:avLst/>
@@ -21443,7 +21443,7 @@
           <a:lstStyle/>
           <a:p>
             <a:r>
-              <a:rPr lang="fr-FR" sz="1200">
+              <a:rPr lang="fr-FR" sz="1400">
                 <a:latin typeface="Avenir Book" panose="02000503020000020003" pitchFamily="2" charset="0"/>
               </a:rPr>
               <a:t>Information kept</a:t>
@@ -21451,7 +21451,7 @@
           </a:p>
           <a:p>
             <a:r>
-              <a:rPr lang="fr-FR" sz="1200">
+              <a:rPr lang="fr-FR" sz="1400">
                 <a:latin typeface="Avenir Book" panose="02000503020000020003" pitchFamily="2" charset="0"/>
               </a:rPr>
               <a:t>in live memory</a:t>
@@ -21459,10 +21459,10 @@
           </a:p>
           <a:p>
             <a:r>
-              <a:rPr lang="fr-FR" sz="1200">
+              <a:rPr lang="fr-FR" sz="1400">
                 <a:latin typeface="Avenir Book" panose="02000503020000020003" pitchFamily="2" charset="0"/>
               </a:rPr>
-              <a:t>(no backup)</a:t>
+              <a:t>(no backup needed)</a:t>
             </a:r>
           </a:p>
         </p:txBody>
@@ -21497,43 +21497,6 @@
           </a:prstGeom>
         </p:spPr>
       </p:pic>
-      <p:sp>
-        <p:nvSpPr>
-          <p:cNvPr id="285" name="ZoneTexte 284">
-            <a:extLst>
-              <a:ext uri="{FF2B5EF4-FFF2-40B4-BE49-F238E27FC236}">
-                <a16:creationId xmlns:a16="http://schemas.microsoft.com/office/drawing/2014/main" id="{08CBBB21-CF3F-7A7D-6F1C-0BA0C0F29041}"/>
-              </a:ext>
-            </a:extLst>
-          </p:cNvPr>
-          <p:cNvSpPr txBox="1"/>
-          <p:nvPr/>
-        </p:nvSpPr>
-        <p:spPr>
-          <a:xfrm>
-            <a:off x="6167281" y="3846885"/>
-            <a:ext cx="1468502" cy="954107"/>
-          </a:xfrm>
-          <a:prstGeom prst="rect">
-            <a:avLst/>
-          </a:prstGeom>
-          <a:noFill/>
-        </p:spPr>
-        <p:txBody>
-          <a:bodyPr wrap="square" rtlCol="0">
-            <a:spAutoFit/>
-          </a:bodyPr>
-          <a:lstStyle/>
-          <a:p>
-            <a:r>
-              <a:rPr lang="fr-FR" sz="1400">
-                <a:latin typeface="Avenir Book" panose="02000503020000020003" pitchFamily="2" charset="0"/>
-              </a:rPr>
-              <a:t>Lineage and phylogenetic data available at any time</a:t>
-            </a:r>
-          </a:p>
-        </p:txBody>
-      </p:sp>
       <p:cxnSp>
         <p:nvCxnSpPr>
           <p:cNvPr id="287" name="Connecteur droit 286">
@@ -22001,10 +21964,7 @@
           <a:noFill/>
           <a:ln w="6350">
             <a:solidFill>
-              <a:schemeClr val="tx1">
-                <a:lumMod val="50000"/>
-                <a:lumOff val="50000"/>
-              </a:schemeClr>
+              <a:schemeClr val="tx1"/>
             </a:solidFill>
           </a:ln>
         </p:spPr>
@@ -22032,10 +21992,7 @@
             <a:r>
               <a:rPr lang="fr-FR" sz="1200">
                 <a:solidFill>
-                  <a:schemeClr val="tx1">
-                    <a:lumMod val="50000"/>
-                    <a:lumOff val="50000"/>
-                  </a:schemeClr>
+                  <a:schemeClr val="tx1"/>
                 </a:solidFill>
                 <a:latin typeface="Avenir Book" panose="02000503020000020003" pitchFamily="2" charset="0"/>
               </a:rPr>
@@ -23503,10 +23460,7 @@
           <a:noFill/>
           <a:ln w="6350">
             <a:solidFill>
-              <a:schemeClr val="tx1">
-                <a:lumMod val="50000"/>
-                <a:lumOff val="50000"/>
-              </a:schemeClr>
+              <a:schemeClr val="tx1"/>
             </a:solidFill>
           </a:ln>
         </p:spPr>
@@ -23534,10 +23488,7 @@
             <a:r>
               <a:rPr lang="fr-FR" sz="1200">
                 <a:solidFill>
-                  <a:schemeClr val="tx1">
-                    <a:lumMod val="50000"/>
-                    <a:lumOff val="50000"/>
-                  </a:schemeClr>
+                  <a:schemeClr val="tx1"/>
                 </a:solidFill>
                 <a:latin typeface="Avenir Book" panose="02000503020000020003" pitchFamily="2" charset="0"/>
               </a:rPr>
@@ -23577,12 +23528,6 @@
             <a:pPr algn="ctr"/>
             <a:r>
               <a:rPr lang="fr-FR" sz="1400">
-                <a:solidFill>
-                  <a:schemeClr val="tx1">
-                    <a:lumMod val="50000"/>
-                    <a:lumOff val="50000"/>
-                  </a:schemeClr>
-                </a:solidFill>
                 <a:latin typeface="Avenir Book" panose="02000503020000020003" pitchFamily="2" charset="0"/>
               </a:rPr>
               <a:t>Regular backups</a:t>
@@ -23621,15 +23566,99 @@
             <a:pPr algn="ctr"/>
             <a:r>
               <a:rPr lang="fr-FR" sz="1400">
-                <a:solidFill>
-                  <a:schemeClr val="tx1">
-                    <a:lumMod val="50000"/>
-                    <a:lumOff val="50000"/>
-                  </a:schemeClr>
-                </a:solidFill>
                 <a:latin typeface="Avenir Book" panose="02000503020000020003" pitchFamily="2" charset="0"/>
               </a:rPr>
               <a:t>Live tracking</a:t>
+            </a:r>
+          </a:p>
+        </p:txBody>
+      </p:sp>
+      <p:sp>
+        <p:nvSpPr>
+          <p:cNvPr id="15" name="ZoneTexte 14">
+            <a:extLst>
+              <a:ext uri="{FF2B5EF4-FFF2-40B4-BE49-F238E27FC236}">
+                <a16:creationId xmlns:a16="http://schemas.microsoft.com/office/drawing/2014/main" id="{1F001223-A471-7968-2775-396E6B517141}"/>
+              </a:ext>
+            </a:extLst>
+          </p:cNvPr>
+          <p:cNvSpPr txBox="1"/>
+          <p:nvPr/>
+        </p:nvSpPr>
+        <p:spPr>
+          <a:xfrm>
+            <a:off x="5923444" y="3241779"/>
+            <a:ext cx="1634141" cy="523220"/>
+          </a:xfrm>
+          <a:prstGeom prst="rect">
+            <a:avLst/>
+          </a:prstGeom>
+          <a:noFill/>
+        </p:spPr>
+        <p:txBody>
+          <a:bodyPr wrap="square" rtlCol="0">
+            <a:spAutoFit/>
+          </a:bodyPr>
+          <a:lstStyle/>
+          <a:p>
+            <a:r>
+              <a:rPr lang="fr-FR" sz="1400">
+                <a:latin typeface="Avenir Book" panose="02000503020000020003" pitchFamily="2" charset="0"/>
+              </a:rPr>
+              <a:t>Lineage</a:t>
+            </a:r>
+          </a:p>
+          <a:p>
+            <a:r>
+              <a:rPr lang="fr-FR" sz="1400">
+                <a:latin typeface="Avenir Book" panose="02000503020000020003" pitchFamily="2" charset="0"/>
+              </a:rPr>
+              <a:t>tree</a:t>
+            </a:r>
+          </a:p>
+        </p:txBody>
+      </p:sp>
+      <p:sp>
+        <p:nvSpPr>
+          <p:cNvPr id="16" name="ZoneTexte 15">
+            <a:extLst>
+              <a:ext uri="{FF2B5EF4-FFF2-40B4-BE49-F238E27FC236}">
+                <a16:creationId xmlns:a16="http://schemas.microsoft.com/office/drawing/2014/main" id="{0681211E-0383-B330-1A0A-ECAC69F09BE3}"/>
+              </a:ext>
+            </a:extLst>
+          </p:cNvPr>
+          <p:cNvSpPr txBox="1"/>
+          <p:nvPr/>
+        </p:nvSpPr>
+        <p:spPr>
+          <a:xfrm>
+            <a:off x="5929276" y="4892920"/>
+            <a:ext cx="1634141" cy="523220"/>
+          </a:xfrm>
+          <a:prstGeom prst="rect">
+            <a:avLst/>
+          </a:prstGeom>
+          <a:noFill/>
+        </p:spPr>
+        <p:txBody>
+          <a:bodyPr wrap="square" rtlCol="0">
+            <a:spAutoFit/>
+          </a:bodyPr>
+          <a:lstStyle/>
+          <a:p>
+            <a:r>
+              <a:rPr lang="fr-FR" sz="1400">
+                <a:latin typeface="Avenir Book" panose="02000503020000020003" pitchFamily="2" charset="0"/>
+              </a:rPr>
+              <a:t>Phylogenetic</a:t>
+            </a:r>
+          </a:p>
+          <a:p>
+            <a:r>
+              <a:rPr lang="fr-FR" sz="1400">
+                <a:latin typeface="Avenir Book" panose="02000503020000020003" pitchFamily="2" charset="0"/>
+              </a:rPr>
+              <a:t>tree</a:t>
             </a:r>
           </a:p>
         </p:txBody>
